--- a/Documents/Pookas ETventure presentation.pptx
+++ b/Documents/Pookas ETventure presentation.pptx
@@ -4,10 +4,13 @@
   <p:sldMasterIdLst>
     <p:sldMasterId id="2147483840" r:id="rId1"/>
   </p:sldMasterIdLst>
+  <p:notesMasterIdLst>
+    <p:notesMasterId r:id="rId19"/>
+  </p:notesMasterIdLst>
   <p:sldIdLst>
     <p:sldId id="256" r:id="rId2"/>
-    <p:sldId id="257" r:id="rId3"/>
-    <p:sldId id="263" r:id="rId4"/>
+    <p:sldId id="263" r:id="rId3"/>
+    <p:sldId id="257" r:id="rId4"/>
     <p:sldId id="262" r:id="rId5"/>
     <p:sldId id="261" r:id="rId6"/>
     <p:sldId id="258" r:id="rId7"/>
@@ -17,9 +20,11 @@
     <p:sldId id="268" r:id="rId11"/>
     <p:sldId id="269" r:id="rId12"/>
     <p:sldId id="270" r:id="rId13"/>
-    <p:sldId id="260" r:id="rId14"/>
-    <p:sldId id="266" r:id="rId15"/>
-    <p:sldId id="267" r:id="rId16"/>
+    <p:sldId id="271" r:id="rId14"/>
+    <p:sldId id="272" r:id="rId15"/>
+    <p:sldId id="260" r:id="rId16"/>
+    <p:sldId id="266" r:id="rId17"/>
+    <p:sldId id="267" r:id="rId18"/>
   </p:sldIdLst>
   <p:sldSz cx="9144000" cy="6858000" type="screen4x3"/>
   <p:notesSz cx="6858000" cy="9144000"/>
@@ -121,6 +126,5727 @@
 </p:presentation>
 </file>
 
+<file path=ppt/diagrams/colors1.xml><?xml version="1.0" encoding="utf-8"?>
+<dgm:colorsDef xmlns:dgm="http://schemas.openxmlformats.org/drawingml/2006/diagram" xmlns:a="http://schemas.openxmlformats.org/drawingml/2006/main" uniqueId="urn:microsoft.com/office/officeart/2005/8/colors/colorful5">
+  <dgm:title val=""/>
+  <dgm:desc val=""/>
+  <dgm:catLst>
+    <dgm:cat type="colorful" pri="10500"/>
+  </dgm:catLst>
+  <dgm:styleLbl name="node0">
+    <dgm:fillClrLst meth="repeat">
+      <a:schemeClr val="accent4"/>
+    </dgm:fillClrLst>
+    <dgm:linClrLst meth="repeat">
+      <a:schemeClr val="lt1"/>
+    </dgm:linClrLst>
+    <dgm:effectClrLst/>
+    <dgm:txLinClrLst/>
+    <dgm:txFillClrLst/>
+    <dgm:txEffectClrLst/>
+  </dgm:styleLbl>
+  <dgm:styleLbl name="node1">
+    <dgm:fillClrLst>
+      <a:schemeClr val="accent5"/>
+      <a:schemeClr val="accent6"/>
+    </dgm:fillClrLst>
+    <dgm:linClrLst meth="repeat">
+      <a:schemeClr val="lt1"/>
+    </dgm:linClrLst>
+    <dgm:effectClrLst/>
+    <dgm:txLinClrLst/>
+    <dgm:txFillClrLst/>
+    <dgm:txEffectClrLst/>
+  </dgm:styleLbl>
+  <dgm:styleLbl name="alignNode1">
+    <dgm:fillClrLst>
+      <a:schemeClr val="accent5"/>
+      <a:schemeClr val="accent6"/>
+    </dgm:fillClrLst>
+    <dgm:linClrLst>
+      <a:schemeClr val="accent5"/>
+      <a:schemeClr val="accent6"/>
+    </dgm:linClrLst>
+    <dgm:effectClrLst/>
+    <dgm:txLinClrLst/>
+    <dgm:txFillClrLst/>
+    <dgm:txEffectClrLst/>
+  </dgm:styleLbl>
+  <dgm:styleLbl name="lnNode1">
+    <dgm:fillClrLst>
+      <a:schemeClr val="accent5"/>
+      <a:schemeClr val="accent6"/>
+    </dgm:fillClrLst>
+    <dgm:linClrLst meth="repeat">
+      <a:schemeClr val="lt1"/>
+    </dgm:linClrLst>
+    <dgm:effectClrLst/>
+    <dgm:txLinClrLst/>
+    <dgm:txFillClrLst/>
+    <dgm:txEffectClrLst/>
+  </dgm:styleLbl>
+  <dgm:styleLbl name="vennNode1">
+    <dgm:fillClrLst>
+      <a:schemeClr val="accent5">
+        <a:alpha val="50000"/>
+      </a:schemeClr>
+      <a:schemeClr val="accent6">
+        <a:alpha val="50000"/>
+      </a:schemeClr>
+    </dgm:fillClrLst>
+    <dgm:linClrLst meth="repeat">
+      <a:schemeClr val="lt1"/>
+    </dgm:linClrLst>
+    <dgm:effectClrLst/>
+    <dgm:txLinClrLst/>
+    <dgm:txFillClrLst/>
+    <dgm:txEffectClrLst/>
+  </dgm:styleLbl>
+  <dgm:styleLbl name="node2">
+    <dgm:fillClrLst>
+      <a:schemeClr val="accent6"/>
+    </dgm:fillClrLst>
+    <dgm:linClrLst meth="repeat">
+      <a:schemeClr val="lt1"/>
+    </dgm:linClrLst>
+    <dgm:effectClrLst/>
+    <dgm:txLinClrLst/>
+    <dgm:txFillClrLst/>
+    <dgm:txEffectClrLst/>
+  </dgm:styleLbl>
+  <dgm:styleLbl name="node3">
+    <dgm:fillClrLst>
+      <a:schemeClr val="accent1"/>
+    </dgm:fillClrLst>
+    <dgm:linClrLst meth="repeat">
+      <a:schemeClr val="lt1"/>
+    </dgm:linClrLst>
+    <dgm:effectClrLst/>
+    <dgm:txLinClrLst/>
+    <dgm:txFillClrLst/>
+    <dgm:txEffectClrLst/>
+  </dgm:styleLbl>
+  <dgm:styleLbl name="node4">
+    <dgm:fillClrLst>
+      <a:schemeClr val="accent2"/>
+    </dgm:fillClrLst>
+    <dgm:linClrLst meth="repeat">
+      <a:schemeClr val="lt1"/>
+    </dgm:linClrLst>
+    <dgm:effectClrLst/>
+    <dgm:txLinClrLst/>
+    <dgm:txFillClrLst/>
+    <dgm:txEffectClrLst/>
+  </dgm:styleLbl>
+  <dgm:styleLbl name="fgImgPlace1">
+    <dgm:fillClrLst>
+      <a:schemeClr val="accent5">
+        <a:tint val="50000"/>
+      </a:schemeClr>
+      <a:schemeClr val="accent6">
+        <a:tint val="50000"/>
+      </a:schemeClr>
+    </dgm:fillClrLst>
+    <dgm:linClrLst meth="repeat">
+      <a:schemeClr val="lt1"/>
+    </dgm:linClrLst>
+    <dgm:effectClrLst/>
+    <dgm:txLinClrLst/>
+    <dgm:txFillClrLst meth="repeat">
+      <a:schemeClr val="lt1"/>
+    </dgm:txFillClrLst>
+    <dgm:txEffectClrLst/>
+  </dgm:styleLbl>
+  <dgm:styleLbl name="alignImgPlace1">
+    <dgm:fillClrLst>
+      <a:schemeClr val="accent5">
+        <a:tint val="50000"/>
+      </a:schemeClr>
+      <a:schemeClr val="accent6">
+        <a:tint val="20000"/>
+      </a:schemeClr>
+    </dgm:fillClrLst>
+    <dgm:linClrLst meth="repeat">
+      <a:schemeClr val="lt1"/>
+    </dgm:linClrLst>
+    <dgm:effectClrLst/>
+    <dgm:txLinClrLst/>
+    <dgm:txFillClrLst meth="repeat">
+      <a:schemeClr val="lt1"/>
+    </dgm:txFillClrLst>
+    <dgm:txEffectClrLst/>
+  </dgm:styleLbl>
+  <dgm:styleLbl name="bgImgPlace1">
+    <dgm:fillClrLst>
+      <a:schemeClr val="accent5">
+        <a:tint val="50000"/>
+      </a:schemeClr>
+      <a:schemeClr val="accent6">
+        <a:tint val="20000"/>
+      </a:schemeClr>
+    </dgm:fillClrLst>
+    <dgm:linClrLst meth="repeat">
+      <a:schemeClr val="lt1"/>
+    </dgm:linClrLst>
+    <dgm:effectClrLst/>
+    <dgm:txLinClrLst/>
+    <dgm:txFillClrLst meth="repeat">
+      <a:schemeClr val="lt1"/>
+    </dgm:txFillClrLst>
+    <dgm:txEffectClrLst/>
+  </dgm:styleLbl>
+  <dgm:styleLbl name="sibTrans2D1">
+    <dgm:fillClrLst>
+      <a:schemeClr val="accent5"/>
+      <a:schemeClr val="accent6"/>
+    </dgm:fillClrLst>
+    <dgm:linClrLst meth="repeat">
+      <a:schemeClr val="lt1"/>
+    </dgm:linClrLst>
+    <dgm:effectClrLst/>
+    <dgm:txLinClrLst/>
+    <dgm:txFillClrLst/>
+    <dgm:txEffectClrLst/>
+  </dgm:styleLbl>
+  <dgm:styleLbl name="fgSibTrans2D1">
+    <dgm:fillClrLst>
+      <a:schemeClr val="accent5"/>
+      <a:schemeClr val="accent6"/>
+    </dgm:fillClrLst>
+    <dgm:linClrLst meth="repeat">
+      <a:schemeClr val="lt1"/>
+    </dgm:linClrLst>
+    <dgm:effectClrLst/>
+    <dgm:txLinClrLst/>
+    <dgm:txFillClrLst meth="repeat">
+      <a:schemeClr val="lt1"/>
+    </dgm:txFillClrLst>
+    <dgm:txEffectClrLst/>
+  </dgm:styleLbl>
+  <dgm:styleLbl name="bgSibTrans2D1">
+    <dgm:fillClrLst>
+      <a:schemeClr val="accent5"/>
+      <a:schemeClr val="accent6"/>
+    </dgm:fillClrLst>
+    <dgm:linClrLst meth="repeat">
+      <a:schemeClr val="lt1"/>
+    </dgm:linClrLst>
+    <dgm:effectClrLst/>
+    <dgm:txLinClrLst/>
+    <dgm:txFillClrLst meth="repeat">
+      <a:schemeClr val="lt1"/>
+    </dgm:txFillClrLst>
+    <dgm:txEffectClrLst/>
+  </dgm:styleLbl>
+  <dgm:styleLbl name="sibTrans1D1">
+    <dgm:fillClrLst/>
+    <dgm:linClrLst>
+      <a:schemeClr val="accent5"/>
+      <a:schemeClr val="accent6"/>
+    </dgm:linClrLst>
+    <dgm:effectClrLst/>
+    <dgm:txLinClrLst/>
+    <dgm:txFillClrLst meth="repeat">
+      <a:schemeClr val="tx1"/>
+    </dgm:txFillClrLst>
+    <dgm:txEffectClrLst/>
+  </dgm:styleLbl>
+  <dgm:styleLbl name="callout">
+    <dgm:fillClrLst meth="repeat">
+      <a:schemeClr val="accent5"/>
+    </dgm:fillClrLst>
+    <dgm:linClrLst meth="repeat">
+      <a:schemeClr val="accent5">
+        <a:tint val="50000"/>
+      </a:schemeClr>
+    </dgm:linClrLst>
+    <dgm:effectClrLst/>
+    <dgm:txLinClrLst/>
+    <dgm:txFillClrLst meth="repeat">
+      <a:schemeClr val="tx1"/>
+    </dgm:txFillClrLst>
+    <dgm:txEffectClrLst/>
+  </dgm:styleLbl>
+  <dgm:styleLbl name="asst0">
+    <dgm:fillClrLst meth="repeat">
+      <a:schemeClr val="accent5"/>
+    </dgm:fillClrLst>
+    <dgm:linClrLst meth="repeat">
+      <a:schemeClr val="lt1">
+        <a:shade val="80000"/>
+      </a:schemeClr>
+    </dgm:linClrLst>
+    <dgm:effectClrLst/>
+    <dgm:txLinClrLst/>
+    <dgm:txFillClrLst/>
+    <dgm:txEffectClrLst/>
+  </dgm:styleLbl>
+  <dgm:styleLbl name="asst1">
+    <dgm:fillClrLst meth="repeat">
+      <a:schemeClr val="accent6"/>
+    </dgm:fillClrLst>
+    <dgm:linClrLst meth="repeat">
+      <a:schemeClr val="lt1">
+        <a:shade val="80000"/>
+      </a:schemeClr>
+    </dgm:linClrLst>
+    <dgm:effectClrLst/>
+    <dgm:txLinClrLst/>
+    <dgm:txFillClrLst/>
+    <dgm:txEffectClrLst/>
+  </dgm:styleLbl>
+  <dgm:styleLbl name="asst2">
+    <dgm:fillClrLst>
+      <a:schemeClr val="accent1"/>
+    </dgm:fillClrLst>
+    <dgm:linClrLst meth="repeat">
+      <a:schemeClr val="lt1"/>
+    </dgm:linClrLst>
+    <dgm:effectClrLst/>
+    <dgm:txLinClrLst/>
+    <dgm:txFillClrLst/>
+    <dgm:txEffectClrLst/>
+  </dgm:styleLbl>
+  <dgm:styleLbl name="asst3">
+    <dgm:fillClrLst>
+      <a:schemeClr val="accent2"/>
+    </dgm:fillClrLst>
+    <dgm:linClrLst meth="repeat">
+      <a:schemeClr val="lt1"/>
+    </dgm:linClrLst>
+    <dgm:effectClrLst/>
+    <dgm:txLinClrLst/>
+    <dgm:txFillClrLst/>
+    <dgm:txEffectClrLst/>
+  </dgm:styleLbl>
+  <dgm:styleLbl name="asst4">
+    <dgm:fillClrLst>
+      <a:schemeClr val="accent3"/>
+    </dgm:fillClrLst>
+    <dgm:linClrLst meth="repeat">
+      <a:schemeClr val="lt1"/>
+    </dgm:linClrLst>
+    <dgm:effectClrLst/>
+    <dgm:txLinClrLst/>
+    <dgm:txFillClrLst/>
+    <dgm:txEffectClrLst/>
+  </dgm:styleLbl>
+  <dgm:styleLbl name="parChTrans2D1">
+    <dgm:fillClrLst meth="repeat">
+      <a:schemeClr val="accent5"/>
+    </dgm:fillClrLst>
+    <dgm:linClrLst meth="repeat">
+      <a:schemeClr val="lt1"/>
+    </dgm:linClrLst>
+    <dgm:effectClrLst/>
+    <dgm:txLinClrLst/>
+    <dgm:txFillClrLst meth="repeat">
+      <a:schemeClr val="lt1"/>
+    </dgm:txFillClrLst>
+    <dgm:txEffectClrLst/>
+  </dgm:styleLbl>
+  <dgm:styleLbl name="parChTrans2D2">
+    <dgm:fillClrLst meth="repeat">
+      <a:schemeClr val="accent6"/>
+    </dgm:fillClrLst>
+    <dgm:linClrLst meth="repeat">
+      <a:schemeClr val="lt1"/>
+    </dgm:linClrLst>
+    <dgm:effectClrLst/>
+    <dgm:txLinClrLst/>
+    <dgm:txFillClrLst/>
+    <dgm:txEffectClrLst/>
+  </dgm:styleLbl>
+  <dgm:styleLbl name="parChTrans2D3">
+    <dgm:fillClrLst meth="repeat">
+      <a:schemeClr val="accent6"/>
+    </dgm:fillClrLst>
+    <dgm:linClrLst meth="repeat">
+      <a:schemeClr val="lt1"/>
+    </dgm:linClrLst>
+    <dgm:effectClrLst/>
+    <dgm:txLinClrLst/>
+    <dgm:txFillClrLst/>
+    <dgm:txEffectClrLst/>
+  </dgm:styleLbl>
+  <dgm:styleLbl name="parChTrans2D4">
+    <dgm:fillClrLst meth="repeat">
+      <a:schemeClr val="accent1"/>
+    </dgm:fillClrLst>
+    <dgm:linClrLst meth="repeat">
+      <a:schemeClr val="lt1"/>
+    </dgm:linClrLst>
+    <dgm:effectClrLst/>
+    <dgm:txLinClrLst/>
+    <dgm:txFillClrLst meth="repeat">
+      <a:schemeClr val="lt1"/>
+    </dgm:txFillClrLst>
+    <dgm:txEffectClrLst/>
+  </dgm:styleLbl>
+  <dgm:styleLbl name="parChTrans1D1">
+    <dgm:fillClrLst meth="repeat">
+      <a:schemeClr val="accent5"/>
+    </dgm:fillClrLst>
+    <dgm:linClrLst meth="repeat">
+      <a:schemeClr val="accent5"/>
+    </dgm:linClrLst>
+    <dgm:effectClrLst/>
+    <dgm:txLinClrLst/>
+    <dgm:txFillClrLst meth="repeat">
+      <a:schemeClr val="tx1"/>
+    </dgm:txFillClrLst>
+    <dgm:txEffectClrLst/>
+  </dgm:styleLbl>
+  <dgm:styleLbl name="parChTrans1D2">
+    <dgm:fillClrLst meth="repeat">
+      <a:schemeClr val="accent6">
+        <a:tint val="90000"/>
+      </a:schemeClr>
+    </dgm:fillClrLst>
+    <dgm:linClrLst meth="repeat">
+      <a:schemeClr val="accent6"/>
+    </dgm:linClrLst>
+    <dgm:effectClrLst/>
+    <dgm:txLinClrLst/>
+    <dgm:txFillClrLst meth="repeat">
+      <a:schemeClr val="tx1"/>
+    </dgm:txFillClrLst>
+    <dgm:txEffectClrLst/>
+  </dgm:styleLbl>
+  <dgm:styleLbl name="parChTrans1D3">
+    <dgm:fillClrLst meth="repeat">
+      <a:schemeClr val="accent6">
+        <a:tint val="70000"/>
+      </a:schemeClr>
+    </dgm:fillClrLst>
+    <dgm:linClrLst meth="repeat">
+      <a:schemeClr val="accent1"/>
+    </dgm:linClrLst>
+    <dgm:effectClrLst/>
+    <dgm:txLinClrLst/>
+    <dgm:txFillClrLst meth="repeat">
+      <a:schemeClr val="tx1"/>
+    </dgm:txFillClrLst>
+    <dgm:txEffectClrLst/>
+  </dgm:styleLbl>
+  <dgm:styleLbl name="parChTrans1D4">
+    <dgm:fillClrLst meth="repeat">
+      <a:schemeClr val="accent6">
+        <a:tint val="50000"/>
+      </a:schemeClr>
+    </dgm:fillClrLst>
+    <dgm:linClrLst meth="repeat">
+      <a:schemeClr val="accent2"/>
+    </dgm:linClrLst>
+    <dgm:effectClrLst/>
+    <dgm:txLinClrLst/>
+    <dgm:txFillClrLst meth="repeat">
+      <a:schemeClr val="tx1"/>
+    </dgm:txFillClrLst>
+    <dgm:txEffectClrLst/>
+  </dgm:styleLbl>
+  <dgm:styleLbl name="fgAcc1">
+    <dgm:fillClrLst meth="repeat">
+      <a:schemeClr val="lt1">
+        <a:alpha val="90000"/>
+      </a:schemeClr>
+    </dgm:fillClrLst>
+    <dgm:linClrLst>
+      <a:schemeClr val="accent5"/>
+      <a:schemeClr val="accent6"/>
+    </dgm:linClrLst>
+    <dgm:effectClrLst/>
+    <dgm:txLinClrLst/>
+    <dgm:txFillClrLst meth="repeat">
+      <a:schemeClr val="dk1"/>
+    </dgm:txFillClrLst>
+    <dgm:txEffectClrLst/>
+  </dgm:styleLbl>
+  <dgm:styleLbl name="conFgAcc1">
+    <dgm:fillClrLst meth="repeat">
+      <a:schemeClr val="lt1">
+        <a:alpha val="90000"/>
+      </a:schemeClr>
+    </dgm:fillClrLst>
+    <dgm:linClrLst>
+      <a:schemeClr val="accent5"/>
+      <a:schemeClr val="accent6"/>
+    </dgm:linClrLst>
+    <dgm:effectClrLst/>
+    <dgm:txLinClrLst/>
+    <dgm:txFillClrLst meth="repeat">
+      <a:schemeClr val="dk1"/>
+    </dgm:txFillClrLst>
+    <dgm:txEffectClrLst/>
+  </dgm:styleLbl>
+  <dgm:styleLbl name="alignAcc1">
+    <dgm:fillClrLst meth="repeat">
+      <a:schemeClr val="lt1">
+        <a:alpha val="90000"/>
+      </a:schemeClr>
+    </dgm:fillClrLst>
+    <dgm:linClrLst>
+      <a:schemeClr val="accent5"/>
+      <a:schemeClr val="accent6"/>
+    </dgm:linClrLst>
+    <dgm:effectClrLst/>
+    <dgm:txLinClrLst/>
+    <dgm:txFillClrLst meth="repeat">
+      <a:schemeClr val="dk1"/>
+    </dgm:txFillClrLst>
+    <dgm:txEffectClrLst/>
+  </dgm:styleLbl>
+  <dgm:styleLbl name="trAlignAcc1">
+    <dgm:fillClrLst meth="repeat">
+      <a:schemeClr val="lt1">
+        <a:alpha val="40000"/>
+      </a:schemeClr>
+    </dgm:fillClrLst>
+    <dgm:linClrLst meth="repeat">
+      <a:schemeClr val="accent5"/>
+    </dgm:linClrLst>
+    <dgm:effectClrLst/>
+    <dgm:txLinClrLst/>
+    <dgm:txFillClrLst meth="repeat">
+      <a:schemeClr val="dk1"/>
+    </dgm:txFillClrLst>
+    <dgm:txEffectClrLst/>
+  </dgm:styleLbl>
+  <dgm:styleLbl name="bgAcc1">
+    <dgm:fillClrLst meth="repeat">
+      <a:schemeClr val="lt1">
+        <a:alpha val="90000"/>
+      </a:schemeClr>
+    </dgm:fillClrLst>
+    <dgm:linClrLst>
+      <a:schemeClr val="accent5"/>
+      <a:schemeClr val="accent6"/>
+    </dgm:linClrLst>
+    <dgm:effectClrLst/>
+    <dgm:txLinClrLst/>
+    <dgm:txFillClrLst meth="repeat">
+      <a:schemeClr val="dk1"/>
+    </dgm:txFillClrLst>
+    <dgm:txEffectClrLst/>
+  </dgm:styleLbl>
+  <dgm:styleLbl name="solidFgAcc1">
+    <dgm:fillClrLst meth="repeat">
+      <a:schemeClr val="lt1"/>
+    </dgm:fillClrLst>
+    <dgm:linClrLst>
+      <a:schemeClr val="accent5"/>
+      <a:schemeClr val="accent6"/>
+    </dgm:linClrLst>
+    <dgm:effectClrLst/>
+    <dgm:txLinClrLst/>
+    <dgm:txFillClrLst meth="repeat">
+      <a:schemeClr val="dk1"/>
+    </dgm:txFillClrLst>
+    <dgm:txEffectClrLst/>
+  </dgm:styleLbl>
+  <dgm:styleLbl name="solidAlignAcc1">
+    <dgm:fillClrLst meth="repeat">
+      <a:schemeClr val="lt1"/>
+    </dgm:fillClrLst>
+    <dgm:linClrLst>
+      <a:schemeClr val="accent5"/>
+      <a:schemeClr val="accent6"/>
+    </dgm:linClrLst>
+    <dgm:effectClrLst/>
+    <dgm:txLinClrLst/>
+    <dgm:txFillClrLst meth="repeat">
+      <a:schemeClr val="dk1"/>
+    </dgm:txFillClrLst>
+    <dgm:txEffectClrLst/>
+  </dgm:styleLbl>
+  <dgm:styleLbl name="solidBgAcc1">
+    <dgm:fillClrLst meth="repeat">
+      <a:schemeClr val="lt1"/>
+    </dgm:fillClrLst>
+    <dgm:linClrLst>
+      <a:schemeClr val="accent5"/>
+      <a:schemeClr val="accent6"/>
+    </dgm:linClrLst>
+    <dgm:effectClrLst/>
+    <dgm:txLinClrLst/>
+    <dgm:txFillClrLst meth="repeat">
+      <a:schemeClr val="dk1"/>
+    </dgm:txFillClrLst>
+    <dgm:txEffectClrLst/>
+  </dgm:styleLbl>
+  <dgm:styleLbl name="fgAccFollowNode1">
+    <dgm:fillClrLst>
+      <a:schemeClr val="accent5">
+        <a:tint val="40000"/>
+        <a:alpha val="90000"/>
+      </a:schemeClr>
+      <a:schemeClr val="accent6">
+        <a:tint val="40000"/>
+        <a:alpha val="90000"/>
+      </a:schemeClr>
+    </dgm:fillClrLst>
+    <dgm:linClrLst>
+      <a:schemeClr val="accent5">
+        <a:tint val="40000"/>
+        <a:alpha val="90000"/>
+      </a:schemeClr>
+      <a:schemeClr val="accent5">
+        <a:tint val="40000"/>
+        <a:alpha val="90000"/>
+      </a:schemeClr>
+    </dgm:linClrLst>
+    <dgm:effectClrLst/>
+    <dgm:txLinClrLst/>
+    <dgm:txFillClrLst meth="repeat">
+      <a:schemeClr val="dk1"/>
+    </dgm:txFillClrLst>
+    <dgm:txEffectClrLst/>
+  </dgm:styleLbl>
+  <dgm:styleLbl name="alignAccFollowNode1">
+    <dgm:fillClrLst>
+      <a:schemeClr val="accent5">
+        <a:tint val="40000"/>
+        <a:alpha val="90000"/>
+      </a:schemeClr>
+      <a:schemeClr val="accent6">
+        <a:tint val="40000"/>
+        <a:alpha val="90000"/>
+      </a:schemeClr>
+    </dgm:fillClrLst>
+    <dgm:linClrLst>
+      <a:schemeClr val="accent5">
+        <a:tint val="40000"/>
+        <a:alpha val="90000"/>
+      </a:schemeClr>
+      <a:schemeClr val="accent6">
+        <a:tint val="40000"/>
+        <a:alpha val="90000"/>
+      </a:schemeClr>
+    </dgm:linClrLst>
+    <dgm:effectClrLst/>
+    <dgm:txLinClrLst/>
+    <dgm:txFillClrLst meth="repeat">
+      <a:schemeClr val="dk1"/>
+    </dgm:txFillClrLst>
+    <dgm:txEffectClrLst/>
+  </dgm:styleLbl>
+  <dgm:styleLbl name="bgAccFollowNode1">
+    <dgm:fillClrLst>
+      <a:schemeClr val="accent5">
+        <a:tint val="40000"/>
+        <a:alpha val="90000"/>
+      </a:schemeClr>
+      <a:schemeClr val="accent6">
+        <a:tint val="40000"/>
+        <a:alpha val="90000"/>
+      </a:schemeClr>
+    </dgm:fillClrLst>
+    <dgm:linClrLst>
+      <a:schemeClr val="accent5">
+        <a:tint val="40000"/>
+        <a:alpha val="90000"/>
+      </a:schemeClr>
+      <a:schemeClr val="accent6">
+        <a:tint val="40000"/>
+        <a:alpha val="90000"/>
+      </a:schemeClr>
+    </dgm:linClrLst>
+    <dgm:effectClrLst/>
+    <dgm:txLinClrLst/>
+    <dgm:txFillClrLst meth="repeat">
+      <a:schemeClr val="dk1"/>
+    </dgm:txFillClrLst>
+    <dgm:txEffectClrLst/>
+  </dgm:styleLbl>
+  <dgm:styleLbl name="fgAcc0">
+    <dgm:fillClrLst meth="repeat">
+      <a:schemeClr val="lt1">
+        <a:alpha val="90000"/>
+      </a:schemeClr>
+    </dgm:fillClrLst>
+    <dgm:linClrLst>
+      <a:schemeClr val="accent4"/>
+    </dgm:linClrLst>
+    <dgm:effectClrLst/>
+    <dgm:txLinClrLst/>
+    <dgm:txFillClrLst meth="repeat">
+      <a:schemeClr val="dk1"/>
+    </dgm:txFillClrLst>
+    <dgm:txEffectClrLst/>
+  </dgm:styleLbl>
+  <dgm:styleLbl name="fgAcc2">
+    <dgm:fillClrLst meth="repeat">
+      <a:schemeClr val="lt1">
+        <a:alpha val="90000"/>
+      </a:schemeClr>
+    </dgm:fillClrLst>
+    <dgm:linClrLst>
+      <a:schemeClr val="accent6"/>
+    </dgm:linClrLst>
+    <dgm:effectClrLst/>
+    <dgm:txLinClrLst/>
+    <dgm:txFillClrLst meth="repeat">
+      <a:schemeClr val="dk1"/>
+    </dgm:txFillClrLst>
+    <dgm:txEffectClrLst/>
+  </dgm:styleLbl>
+  <dgm:styleLbl name="fgAcc3">
+    <dgm:fillClrLst meth="repeat">
+      <a:schemeClr val="lt1">
+        <a:alpha val="90000"/>
+      </a:schemeClr>
+    </dgm:fillClrLst>
+    <dgm:linClrLst>
+      <a:schemeClr val="accent1"/>
+    </dgm:linClrLst>
+    <dgm:effectClrLst/>
+    <dgm:txLinClrLst/>
+    <dgm:txFillClrLst meth="repeat">
+      <a:schemeClr val="dk1"/>
+    </dgm:txFillClrLst>
+    <dgm:txEffectClrLst/>
+  </dgm:styleLbl>
+  <dgm:styleLbl name="fgAcc4">
+    <dgm:fillClrLst meth="repeat">
+      <a:schemeClr val="lt1">
+        <a:alpha val="90000"/>
+      </a:schemeClr>
+    </dgm:fillClrLst>
+    <dgm:linClrLst>
+      <a:schemeClr val="accent2"/>
+    </dgm:linClrLst>
+    <dgm:effectClrLst/>
+    <dgm:txLinClrLst/>
+    <dgm:txFillClrLst meth="repeat">
+      <a:schemeClr val="dk1"/>
+    </dgm:txFillClrLst>
+    <dgm:txEffectClrLst/>
+  </dgm:styleLbl>
+  <dgm:styleLbl name="bgShp">
+    <dgm:fillClrLst meth="repeat">
+      <a:schemeClr val="accent5">
+        <a:tint val="40000"/>
+      </a:schemeClr>
+    </dgm:fillClrLst>
+    <dgm:linClrLst meth="repeat">
+      <a:schemeClr val="dk1"/>
+    </dgm:linClrLst>
+    <dgm:effectClrLst/>
+    <dgm:txLinClrLst/>
+    <dgm:txFillClrLst meth="repeat">
+      <a:schemeClr val="dk1"/>
+    </dgm:txFillClrLst>
+    <dgm:txEffectClrLst/>
+  </dgm:styleLbl>
+  <dgm:styleLbl name="dkBgShp">
+    <dgm:fillClrLst meth="repeat">
+      <a:schemeClr val="accent5">
+        <a:shade val="90000"/>
+      </a:schemeClr>
+    </dgm:fillClrLst>
+    <dgm:linClrLst meth="repeat">
+      <a:schemeClr val="dk1"/>
+    </dgm:linClrLst>
+    <dgm:effectClrLst/>
+    <dgm:txLinClrLst/>
+    <dgm:txFillClrLst meth="repeat">
+      <a:schemeClr val="lt1"/>
+    </dgm:txFillClrLst>
+    <dgm:txEffectClrLst/>
+  </dgm:styleLbl>
+  <dgm:styleLbl name="trBgShp">
+    <dgm:fillClrLst meth="repeat">
+      <a:schemeClr val="accent5">
+        <a:tint val="50000"/>
+        <a:alpha val="40000"/>
+      </a:schemeClr>
+    </dgm:fillClrLst>
+    <dgm:linClrLst meth="repeat">
+      <a:schemeClr val="accent5"/>
+    </dgm:linClrLst>
+    <dgm:effectClrLst/>
+    <dgm:txLinClrLst/>
+    <dgm:txFillClrLst meth="repeat">
+      <a:schemeClr val="lt1"/>
+    </dgm:txFillClrLst>
+    <dgm:txEffectClrLst/>
+  </dgm:styleLbl>
+  <dgm:styleLbl name="fgShp">
+    <dgm:fillClrLst meth="repeat">
+      <a:schemeClr val="accent5">
+        <a:tint val="40000"/>
+      </a:schemeClr>
+    </dgm:fillClrLst>
+    <dgm:linClrLst meth="repeat">
+      <a:schemeClr val="lt1"/>
+    </dgm:linClrLst>
+    <dgm:effectClrLst/>
+    <dgm:txLinClrLst/>
+    <dgm:txFillClrLst meth="repeat">
+      <a:schemeClr val="dk1"/>
+    </dgm:txFillClrLst>
+    <dgm:txEffectClrLst/>
+  </dgm:styleLbl>
+  <dgm:styleLbl name="revTx">
+    <dgm:fillClrLst meth="repeat">
+      <a:schemeClr val="lt1">
+        <a:alpha val="0"/>
+      </a:schemeClr>
+    </dgm:fillClrLst>
+    <dgm:linClrLst meth="repeat">
+      <a:schemeClr val="dk1">
+        <a:alpha val="0"/>
+      </a:schemeClr>
+    </dgm:linClrLst>
+    <dgm:effectClrLst/>
+    <dgm:txLinClrLst/>
+    <dgm:txFillClrLst meth="repeat">
+      <a:schemeClr val="tx1"/>
+    </dgm:txFillClrLst>
+    <dgm:txEffectClrLst/>
+  </dgm:styleLbl>
+</dgm:colorsDef>
+</file>
+
+<file path=ppt/diagrams/colors2.xml><?xml version="1.0" encoding="utf-8"?>
+<dgm:colorsDef xmlns:dgm="http://schemas.openxmlformats.org/drawingml/2006/diagram" xmlns:a="http://schemas.openxmlformats.org/drawingml/2006/main" uniqueId="urn:microsoft.com/office/officeart/2005/8/colors/colorful1">
+  <dgm:title val=""/>
+  <dgm:desc val=""/>
+  <dgm:catLst>
+    <dgm:cat type="colorful" pri="10100"/>
+  </dgm:catLst>
+  <dgm:styleLbl name="node0">
+    <dgm:fillClrLst meth="repeat">
+      <a:schemeClr val="accent1"/>
+    </dgm:fillClrLst>
+    <dgm:linClrLst meth="repeat">
+      <a:schemeClr val="lt1"/>
+    </dgm:linClrLst>
+    <dgm:effectClrLst/>
+    <dgm:txLinClrLst/>
+    <dgm:txFillClrLst/>
+    <dgm:txEffectClrLst/>
+  </dgm:styleLbl>
+  <dgm:styleLbl name="node1">
+    <dgm:fillClrLst meth="repeat">
+      <a:schemeClr val="accent2"/>
+      <a:schemeClr val="accent3"/>
+      <a:schemeClr val="accent4"/>
+      <a:schemeClr val="accent5"/>
+      <a:schemeClr val="accent6"/>
+    </dgm:fillClrLst>
+    <dgm:linClrLst meth="repeat">
+      <a:schemeClr val="lt1"/>
+    </dgm:linClrLst>
+    <dgm:effectClrLst/>
+    <dgm:txLinClrLst/>
+    <dgm:txFillClrLst/>
+    <dgm:txEffectClrLst/>
+  </dgm:styleLbl>
+  <dgm:styleLbl name="alignNode1">
+    <dgm:fillClrLst meth="repeat">
+      <a:schemeClr val="accent2"/>
+      <a:schemeClr val="accent3"/>
+      <a:schemeClr val="accent4"/>
+      <a:schemeClr val="accent5"/>
+      <a:schemeClr val="accent6"/>
+    </dgm:fillClrLst>
+    <dgm:linClrLst meth="repeat">
+      <a:schemeClr val="accent2"/>
+      <a:schemeClr val="accent3"/>
+      <a:schemeClr val="accent4"/>
+      <a:schemeClr val="accent5"/>
+      <a:schemeClr val="accent6"/>
+    </dgm:linClrLst>
+    <dgm:effectClrLst/>
+    <dgm:txLinClrLst/>
+    <dgm:txFillClrLst/>
+    <dgm:txEffectClrLst/>
+  </dgm:styleLbl>
+  <dgm:styleLbl name="lnNode1">
+    <dgm:fillClrLst meth="repeat">
+      <a:schemeClr val="accent2"/>
+      <a:schemeClr val="accent3"/>
+      <a:schemeClr val="accent4"/>
+      <a:schemeClr val="accent5"/>
+      <a:schemeClr val="accent6"/>
+    </dgm:fillClrLst>
+    <dgm:linClrLst meth="repeat">
+      <a:schemeClr val="lt1"/>
+    </dgm:linClrLst>
+    <dgm:effectClrLst/>
+    <dgm:txLinClrLst/>
+    <dgm:txFillClrLst/>
+    <dgm:txEffectClrLst/>
+  </dgm:styleLbl>
+  <dgm:styleLbl name="vennNode1">
+    <dgm:fillClrLst meth="repeat">
+      <a:schemeClr val="accent2">
+        <a:alpha val="50000"/>
+      </a:schemeClr>
+      <a:schemeClr val="accent3">
+        <a:alpha val="50000"/>
+      </a:schemeClr>
+      <a:schemeClr val="accent4">
+        <a:alpha val="50000"/>
+      </a:schemeClr>
+      <a:schemeClr val="accent5">
+        <a:alpha val="50000"/>
+      </a:schemeClr>
+      <a:schemeClr val="accent6">
+        <a:alpha val="50000"/>
+      </a:schemeClr>
+    </dgm:fillClrLst>
+    <dgm:linClrLst meth="repeat">
+      <a:schemeClr val="lt1"/>
+    </dgm:linClrLst>
+    <dgm:effectClrLst/>
+    <dgm:txLinClrLst/>
+    <dgm:txFillClrLst/>
+    <dgm:txEffectClrLst/>
+  </dgm:styleLbl>
+  <dgm:styleLbl name="node2">
+    <dgm:fillClrLst>
+      <a:schemeClr val="accent2"/>
+    </dgm:fillClrLst>
+    <dgm:linClrLst meth="repeat">
+      <a:schemeClr val="lt1"/>
+    </dgm:linClrLst>
+    <dgm:effectClrLst/>
+    <dgm:txLinClrLst/>
+    <dgm:txFillClrLst/>
+    <dgm:txEffectClrLst/>
+  </dgm:styleLbl>
+  <dgm:styleLbl name="node3">
+    <dgm:fillClrLst>
+      <a:schemeClr val="accent3"/>
+    </dgm:fillClrLst>
+    <dgm:linClrLst meth="repeat">
+      <a:schemeClr val="lt1"/>
+    </dgm:linClrLst>
+    <dgm:effectClrLst/>
+    <dgm:txLinClrLst/>
+    <dgm:txFillClrLst/>
+    <dgm:txEffectClrLst/>
+  </dgm:styleLbl>
+  <dgm:styleLbl name="node4">
+    <dgm:fillClrLst>
+      <a:schemeClr val="accent4"/>
+    </dgm:fillClrLst>
+    <dgm:linClrLst meth="repeat">
+      <a:schemeClr val="lt1"/>
+    </dgm:linClrLst>
+    <dgm:effectClrLst/>
+    <dgm:txLinClrLst/>
+    <dgm:txFillClrLst/>
+    <dgm:txEffectClrLst/>
+  </dgm:styleLbl>
+  <dgm:styleLbl name="fgImgPlace1">
+    <dgm:fillClrLst meth="repeat">
+      <a:schemeClr val="accent2">
+        <a:tint val="50000"/>
+      </a:schemeClr>
+      <a:schemeClr val="accent3">
+        <a:tint val="50000"/>
+      </a:schemeClr>
+      <a:schemeClr val="accent4">
+        <a:tint val="50000"/>
+      </a:schemeClr>
+      <a:schemeClr val="accent5">
+        <a:tint val="50000"/>
+      </a:schemeClr>
+      <a:schemeClr val="accent6">
+        <a:tint val="50000"/>
+      </a:schemeClr>
+    </dgm:fillClrLst>
+    <dgm:linClrLst meth="repeat">
+      <a:schemeClr val="lt1"/>
+    </dgm:linClrLst>
+    <dgm:effectClrLst/>
+    <dgm:txLinClrLst/>
+    <dgm:txFillClrLst meth="repeat">
+      <a:schemeClr val="lt1"/>
+    </dgm:txFillClrLst>
+    <dgm:txEffectClrLst/>
+  </dgm:styleLbl>
+  <dgm:styleLbl name="alignImgPlace1">
+    <dgm:fillClrLst>
+      <a:schemeClr val="accent1">
+        <a:tint val="50000"/>
+      </a:schemeClr>
+      <a:schemeClr val="accent1">
+        <a:tint val="20000"/>
+      </a:schemeClr>
+    </dgm:fillClrLst>
+    <dgm:linClrLst meth="repeat">
+      <a:schemeClr val="lt1"/>
+    </dgm:linClrLst>
+    <dgm:effectClrLst/>
+    <dgm:txLinClrLst/>
+    <dgm:txFillClrLst meth="repeat">
+      <a:schemeClr val="lt1"/>
+    </dgm:txFillClrLst>
+    <dgm:txEffectClrLst/>
+  </dgm:styleLbl>
+  <dgm:styleLbl name="bgImgPlace1">
+    <dgm:fillClrLst>
+      <a:schemeClr val="accent1">
+        <a:tint val="50000"/>
+      </a:schemeClr>
+      <a:schemeClr val="accent1">
+        <a:tint val="20000"/>
+      </a:schemeClr>
+    </dgm:fillClrLst>
+    <dgm:linClrLst meth="repeat">
+      <a:schemeClr val="lt1"/>
+    </dgm:linClrLst>
+    <dgm:effectClrLst/>
+    <dgm:txLinClrLst/>
+    <dgm:txFillClrLst meth="repeat">
+      <a:schemeClr val="lt1"/>
+    </dgm:txFillClrLst>
+    <dgm:txEffectClrLst/>
+  </dgm:styleLbl>
+  <dgm:styleLbl name="sibTrans2D1">
+    <dgm:fillClrLst meth="repeat">
+      <a:schemeClr val="accent2"/>
+      <a:schemeClr val="accent3"/>
+      <a:schemeClr val="accent4"/>
+      <a:schemeClr val="accent5"/>
+      <a:schemeClr val="accent6"/>
+    </dgm:fillClrLst>
+    <dgm:linClrLst meth="cycle">
+      <a:schemeClr val="lt1"/>
+    </dgm:linClrLst>
+    <dgm:effectClrLst/>
+    <dgm:txLinClrLst/>
+    <dgm:txFillClrLst/>
+    <dgm:txEffectClrLst/>
+  </dgm:styleLbl>
+  <dgm:styleLbl name="fgSibTrans2D1">
+    <dgm:fillClrLst meth="repeat">
+      <a:schemeClr val="accent2"/>
+      <a:schemeClr val="accent3"/>
+      <a:schemeClr val="accent4"/>
+      <a:schemeClr val="accent5"/>
+      <a:schemeClr val="accent6"/>
+    </dgm:fillClrLst>
+    <dgm:linClrLst meth="cycle">
+      <a:schemeClr val="lt1"/>
+    </dgm:linClrLst>
+    <dgm:effectClrLst/>
+    <dgm:txLinClrLst/>
+    <dgm:txFillClrLst meth="repeat">
+      <a:schemeClr val="lt1"/>
+    </dgm:txFillClrLst>
+    <dgm:txEffectClrLst/>
+  </dgm:styleLbl>
+  <dgm:styleLbl name="bgSibTrans2D1">
+    <dgm:fillClrLst meth="repeat">
+      <a:schemeClr val="accent2"/>
+      <a:schemeClr val="accent3"/>
+      <a:schemeClr val="accent4"/>
+      <a:schemeClr val="accent5"/>
+      <a:schemeClr val="accent6"/>
+    </dgm:fillClrLst>
+    <dgm:linClrLst meth="cycle">
+      <a:schemeClr val="lt1"/>
+    </dgm:linClrLst>
+    <dgm:effectClrLst/>
+    <dgm:txLinClrLst/>
+    <dgm:txFillClrLst meth="repeat">
+      <a:schemeClr val="lt1"/>
+    </dgm:txFillClrLst>
+    <dgm:txEffectClrLst/>
+  </dgm:styleLbl>
+  <dgm:styleLbl name="sibTrans1D1">
+    <dgm:fillClrLst meth="repeat">
+      <a:schemeClr val="accent2"/>
+      <a:schemeClr val="accent3"/>
+      <a:schemeClr val="accent4"/>
+      <a:schemeClr val="accent5"/>
+      <a:schemeClr val="accent6"/>
+    </dgm:fillClrLst>
+    <dgm:linClrLst meth="repeat">
+      <a:schemeClr val="accent2"/>
+      <a:schemeClr val="accent3"/>
+      <a:schemeClr val="accent4"/>
+      <a:schemeClr val="accent5"/>
+      <a:schemeClr val="accent6"/>
+    </dgm:linClrLst>
+    <dgm:effectClrLst/>
+    <dgm:txLinClrLst/>
+    <dgm:txFillClrLst meth="repeat">
+      <a:schemeClr val="tx1"/>
+    </dgm:txFillClrLst>
+    <dgm:txEffectClrLst/>
+  </dgm:styleLbl>
+  <dgm:styleLbl name="callout">
+    <dgm:fillClrLst meth="repeat">
+      <a:schemeClr val="accent2"/>
+    </dgm:fillClrLst>
+    <dgm:linClrLst meth="repeat">
+      <a:schemeClr val="accent2">
+        <a:tint val="50000"/>
+      </a:schemeClr>
+    </dgm:linClrLst>
+    <dgm:effectClrLst/>
+    <dgm:txLinClrLst/>
+    <dgm:txFillClrLst meth="repeat">
+      <a:schemeClr val="tx1"/>
+    </dgm:txFillClrLst>
+    <dgm:txEffectClrLst/>
+  </dgm:styleLbl>
+  <dgm:styleLbl name="asst0">
+    <dgm:fillClrLst meth="repeat">
+      <a:schemeClr val="accent1"/>
+    </dgm:fillClrLst>
+    <dgm:linClrLst meth="repeat">
+      <a:schemeClr val="lt1"/>
+    </dgm:linClrLst>
+    <dgm:effectClrLst/>
+    <dgm:txLinClrLst/>
+    <dgm:txFillClrLst/>
+    <dgm:txEffectClrLst/>
+  </dgm:styleLbl>
+  <dgm:styleLbl name="asst1">
+    <dgm:fillClrLst meth="repeat">
+      <a:schemeClr val="accent2"/>
+    </dgm:fillClrLst>
+    <dgm:linClrLst meth="repeat">
+      <a:schemeClr val="lt1"/>
+    </dgm:linClrLst>
+    <dgm:effectClrLst/>
+    <dgm:txLinClrLst/>
+    <dgm:txFillClrLst/>
+    <dgm:txEffectClrLst/>
+  </dgm:styleLbl>
+  <dgm:styleLbl name="asst2">
+    <dgm:fillClrLst>
+      <a:schemeClr val="accent3"/>
+    </dgm:fillClrLst>
+    <dgm:linClrLst meth="repeat">
+      <a:schemeClr val="lt1"/>
+    </dgm:linClrLst>
+    <dgm:effectClrLst/>
+    <dgm:txLinClrLst/>
+    <dgm:txFillClrLst/>
+    <dgm:txEffectClrLst/>
+  </dgm:styleLbl>
+  <dgm:styleLbl name="asst3">
+    <dgm:fillClrLst>
+      <a:schemeClr val="accent4"/>
+    </dgm:fillClrLst>
+    <dgm:linClrLst meth="repeat">
+      <a:schemeClr val="lt1"/>
+    </dgm:linClrLst>
+    <dgm:effectClrLst/>
+    <dgm:txLinClrLst/>
+    <dgm:txFillClrLst/>
+    <dgm:txEffectClrLst/>
+  </dgm:styleLbl>
+  <dgm:styleLbl name="asst4">
+    <dgm:fillClrLst>
+      <a:schemeClr val="accent5"/>
+    </dgm:fillClrLst>
+    <dgm:linClrLst meth="repeat">
+      <a:schemeClr val="lt1"/>
+    </dgm:linClrLst>
+    <dgm:effectClrLst/>
+    <dgm:txLinClrLst/>
+    <dgm:txFillClrLst/>
+    <dgm:txEffectClrLst/>
+  </dgm:styleLbl>
+  <dgm:styleLbl name="parChTrans2D1">
+    <dgm:fillClrLst meth="repeat">
+      <a:schemeClr val="accent2"/>
+    </dgm:fillClrLst>
+    <dgm:linClrLst meth="repeat">
+      <a:schemeClr val="lt1"/>
+    </dgm:linClrLst>
+    <dgm:effectClrLst/>
+    <dgm:txLinClrLst/>
+    <dgm:txFillClrLst meth="repeat">
+      <a:schemeClr val="lt1"/>
+    </dgm:txFillClrLst>
+    <dgm:txEffectClrLst/>
+  </dgm:styleLbl>
+  <dgm:styleLbl name="parChTrans2D2">
+    <dgm:fillClrLst meth="repeat">
+      <a:schemeClr val="accent3"/>
+    </dgm:fillClrLst>
+    <dgm:linClrLst meth="repeat">
+      <a:schemeClr val="lt1"/>
+    </dgm:linClrLst>
+    <dgm:effectClrLst/>
+    <dgm:txLinClrLst/>
+    <dgm:txFillClrLst/>
+    <dgm:txEffectClrLst/>
+  </dgm:styleLbl>
+  <dgm:styleLbl name="parChTrans2D3">
+    <dgm:fillClrLst meth="repeat">
+      <a:schemeClr val="accent4"/>
+    </dgm:fillClrLst>
+    <dgm:linClrLst meth="repeat">
+      <a:schemeClr val="lt1"/>
+    </dgm:linClrLst>
+    <dgm:effectClrLst/>
+    <dgm:txLinClrLst/>
+    <dgm:txFillClrLst/>
+    <dgm:txEffectClrLst/>
+  </dgm:styleLbl>
+  <dgm:styleLbl name="parChTrans2D4">
+    <dgm:fillClrLst meth="repeat">
+      <a:schemeClr val="accent5"/>
+    </dgm:fillClrLst>
+    <dgm:linClrLst meth="repeat">
+      <a:schemeClr val="lt1"/>
+    </dgm:linClrLst>
+    <dgm:effectClrLst/>
+    <dgm:txLinClrLst/>
+    <dgm:txFillClrLst meth="repeat">
+      <a:schemeClr val="lt1"/>
+    </dgm:txFillClrLst>
+    <dgm:txEffectClrLst/>
+  </dgm:styleLbl>
+  <dgm:styleLbl name="parChTrans1D1">
+    <dgm:fillClrLst meth="repeat">
+      <a:schemeClr val="accent2"/>
+    </dgm:fillClrLst>
+    <dgm:linClrLst meth="repeat">
+      <a:schemeClr val="accent1"/>
+    </dgm:linClrLst>
+    <dgm:effectClrLst/>
+    <dgm:txLinClrLst/>
+    <dgm:txFillClrLst meth="repeat">
+      <a:schemeClr val="tx1"/>
+    </dgm:txFillClrLst>
+    <dgm:txEffectClrLst/>
+  </dgm:styleLbl>
+  <dgm:styleLbl name="parChTrans1D2">
+    <dgm:fillClrLst meth="repeat">
+      <a:schemeClr val="accent3">
+        <a:tint val="90000"/>
+      </a:schemeClr>
+    </dgm:fillClrLst>
+    <dgm:linClrLst meth="repeat">
+      <a:schemeClr val="accent2"/>
+    </dgm:linClrLst>
+    <dgm:effectClrLst/>
+    <dgm:txLinClrLst/>
+    <dgm:txFillClrLst meth="repeat">
+      <a:schemeClr val="tx1"/>
+    </dgm:txFillClrLst>
+    <dgm:txEffectClrLst/>
+  </dgm:styleLbl>
+  <dgm:styleLbl name="parChTrans1D3">
+    <dgm:fillClrLst meth="repeat">
+      <a:schemeClr val="accent4">
+        <a:tint val="70000"/>
+      </a:schemeClr>
+    </dgm:fillClrLst>
+    <dgm:linClrLst meth="repeat">
+      <a:schemeClr val="accent3"/>
+    </dgm:linClrLst>
+    <dgm:effectClrLst/>
+    <dgm:txLinClrLst/>
+    <dgm:txFillClrLst meth="repeat">
+      <a:schemeClr val="tx1"/>
+    </dgm:txFillClrLst>
+    <dgm:txEffectClrLst/>
+  </dgm:styleLbl>
+  <dgm:styleLbl name="parChTrans1D4">
+    <dgm:fillClrLst meth="repeat">
+      <a:schemeClr val="accent5">
+        <a:tint val="50000"/>
+      </a:schemeClr>
+    </dgm:fillClrLst>
+    <dgm:linClrLst meth="repeat">
+      <a:schemeClr val="accent4"/>
+    </dgm:linClrLst>
+    <dgm:effectClrLst/>
+    <dgm:txLinClrLst/>
+    <dgm:txFillClrLst meth="repeat">
+      <a:schemeClr val="tx1"/>
+    </dgm:txFillClrLst>
+    <dgm:txEffectClrLst/>
+  </dgm:styleLbl>
+  <dgm:styleLbl name="fgAcc1">
+    <dgm:fillClrLst meth="repeat">
+      <a:schemeClr val="lt1">
+        <a:alpha val="90000"/>
+      </a:schemeClr>
+    </dgm:fillClrLst>
+    <dgm:linClrLst meth="repeat">
+      <a:schemeClr val="accent2"/>
+      <a:schemeClr val="accent3"/>
+      <a:schemeClr val="accent4"/>
+      <a:schemeClr val="accent5"/>
+      <a:schemeClr val="accent6"/>
+    </dgm:linClrLst>
+    <dgm:effectClrLst/>
+    <dgm:txLinClrLst/>
+    <dgm:txFillClrLst meth="repeat">
+      <a:schemeClr val="dk1"/>
+    </dgm:txFillClrLst>
+    <dgm:txEffectClrLst/>
+  </dgm:styleLbl>
+  <dgm:styleLbl name="conFgAcc1">
+    <dgm:fillClrLst meth="repeat">
+      <a:schemeClr val="lt1">
+        <a:alpha val="90000"/>
+      </a:schemeClr>
+    </dgm:fillClrLst>
+    <dgm:linClrLst meth="repeat">
+      <a:schemeClr val="accent2"/>
+      <a:schemeClr val="accent3"/>
+      <a:schemeClr val="accent4"/>
+      <a:schemeClr val="accent5"/>
+      <a:schemeClr val="accent6"/>
+    </dgm:linClrLst>
+    <dgm:effectClrLst/>
+    <dgm:txLinClrLst/>
+    <dgm:txFillClrLst meth="repeat">
+      <a:schemeClr val="dk1"/>
+    </dgm:txFillClrLst>
+    <dgm:txEffectClrLst/>
+  </dgm:styleLbl>
+  <dgm:styleLbl name="alignAcc1">
+    <dgm:fillClrLst meth="repeat">
+      <a:schemeClr val="lt1">
+        <a:alpha val="90000"/>
+      </a:schemeClr>
+    </dgm:fillClrLst>
+    <dgm:linClrLst meth="repeat">
+      <a:schemeClr val="accent2"/>
+      <a:schemeClr val="accent3"/>
+      <a:schemeClr val="accent4"/>
+      <a:schemeClr val="accent5"/>
+      <a:schemeClr val="accent6"/>
+    </dgm:linClrLst>
+    <dgm:effectClrLst/>
+    <dgm:txLinClrLst/>
+    <dgm:txFillClrLst meth="repeat">
+      <a:schemeClr val="dk1"/>
+    </dgm:txFillClrLst>
+    <dgm:txEffectClrLst/>
+  </dgm:styleLbl>
+  <dgm:styleLbl name="trAlignAcc1">
+    <dgm:fillClrLst meth="repeat">
+      <a:schemeClr val="lt1">
+        <a:alpha val="40000"/>
+      </a:schemeClr>
+    </dgm:fillClrLst>
+    <dgm:linClrLst meth="repeat">
+      <a:schemeClr val="accent1"/>
+    </dgm:linClrLst>
+    <dgm:effectClrLst/>
+    <dgm:txLinClrLst/>
+    <dgm:txFillClrLst meth="repeat">
+      <a:schemeClr val="dk1"/>
+    </dgm:txFillClrLst>
+    <dgm:txEffectClrLst/>
+  </dgm:styleLbl>
+  <dgm:styleLbl name="bgAcc1">
+    <dgm:fillClrLst meth="repeat">
+      <a:schemeClr val="lt1">
+        <a:alpha val="90000"/>
+      </a:schemeClr>
+    </dgm:fillClrLst>
+    <dgm:linClrLst meth="repeat">
+      <a:schemeClr val="accent2"/>
+      <a:schemeClr val="accent3"/>
+      <a:schemeClr val="accent4"/>
+      <a:schemeClr val="accent5"/>
+      <a:schemeClr val="accent6"/>
+    </dgm:linClrLst>
+    <dgm:effectClrLst/>
+    <dgm:txLinClrLst/>
+    <dgm:txFillClrLst meth="repeat">
+      <a:schemeClr val="dk1"/>
+    </dgm:txFillClrLst>
+    <dgm:txEffectClrLst/>
+  </dgm:styleLbl>
+  <dgm:styleLbl name="solidFgAcc1">
+    <dgm:fillClrLst meth="repeat">
+      <a:schemeClr val="lt1"/>
+    </dgm:fillClrLst>
+    <dgm:linClrLst meth="repeat">
+      <a:schemeClr val="accent2"/>
+      <a:schemeClr val="accent3"/>
+      <a:schemeClr val="accent4"/>
+      <a:schemeClr val="accent5"/>
+      <a:schemeClr val="accent6"/>
+    </dgm:linClrLst>
+    <dgm:effectClrLst/>
+    <dgm:txLinClrLst/>
+    <dgm:txFillClrLst meth="repeat">
+      <a:schemeClr val="dk1"/>
+    </dgm:txFillClrLst>
+    <dgm:txEffectClrLst/>
+  </dgm:styleLbl>
+  <dgm:styleLbl name="solidAlignAcc1">
+    <dgm:fillClrLst meth="repeat">
+      <a:schemeClr val="lt1"/>
+    </dgm:fillClrLst>
+    <dgm:linClrLst meth="repeat">
+      <a:schemeClr val="accent2"/>
+      <a:schemeClr val="accent3"/>
+      <a:schemeClr val="accent4"/>
+      <a:schemeClr val="accent5"/>
+      <a:schemeClr val="accent6"/>
+    </dgm:linClrLst>
+    <dgm:effectClrLst/>
+    <dgm:txLinClrLst/>
+    <dgm:txFillClrLst meth="repeat">
+      <a:schemeClr val="dk1"/>
+    </dgm:txFillClrLst>
+    <dgm:txEffectClrLst/>
+  </dgm:styleLbl>
+  <dgm:styleLbl name="solidBgAcc1">
+    <dgm:fillClrLst meth="repeat">
+      <a:schemeClr val="lt1"/>
+    </dgm:fillClrLst>
+    <dgm:linClrLst meth="repeat">
+      <a:schemeClr val="accent2"/>
+      <a:schemeClr val="accent3"/>
+      <a:schemeClr val="accent4"/>
+      <a:schemeClr val="accent5"/>
+      <a:schemeClr val="accent6"/>
+    </dgm:linClrLst>
+    <dgm:effectClrLst/>
+    <dgm:txLinClrLst/>
+    <dgm:txFillClrLst meth="repeat">
+      <a:schemeClr val="dk1"/>
+    </dgm:txFillClrLst>
+    <dgm:txEffectClrLst/>
+  </dgm:styleLbl>
+  <dgm:styleLbl name="fgAccFollowNode1">
+    <dgm:fillClrLst meth="repeat">
+      <a:schemeClr val="accent2">
+        <a:tint val="40000"/>
+        <a:alpha val="90000"/>
+      </a:schemeClr>
+      <a:schemeClr val="accent3">
+        <a:tint val="40000"/>
+        <a:alpha val="90000"/>
+      </a:schemeClr>
+      <a:schemeClr val="accent4">
+        <a:tint val="40000"/>
+        <a:alpha val="90000"/>
+      </a:schemeClr>
+      <a:schemeClr val="accent5">
+        <a:tint val="40000"/>
+        <a:alpha val="90000"/>
+      </a:schemeClr>
+      <a:schemeClr val="accent6">
+        <a:tint val="40000"/>
+        <a:alpha val="90000"/>
+      </a:schemeClr>
+    </dgm:fillClrLst>
+    <dgm:linClrLst meth="repeat">
+      <a:schemeClr val="accent2">
+        <a:tint val="40000"/>
+        <a:alpha val="90000"/>
+      </a:schemeClr>
+      <a:schemeClr val="accent3">
+        <a:tint val="40000"/>
+        <a:alpha val="90000"/>
+      </a:schemeClr>
+      <a:schemeClr val="accent4">
+        <a:tint val="40000"/>
+        <a:alpha val="90000"/>
+      </a:schemeClr>
+      <a:schemeClr val="accent5">
+        <a:tint val="40000"/>
+        <a:alpha val="90000"/>
+      </a:schemeClr>
+      <a:schemeClr val="accent6">
+        <a:tint val="40000"/>
+        <a:alpha val="90000"/>
+      </a:schemeClr>
+    </dgm:linClrLst>
+    <dgm:effectClrLst/>
+    <dgm:txLinClrLst/>
+    <dgm:txFillClrLst meth="repeat">
+      <a:schemeClr val="dk1"/>
+    </dgm:txFillClrLst>
+    <dgm:txEffectClrLst/>
+  </dgm:styleLbl>
+  <dgm:styleLbl name="alignAccFollowNode1">
+    <dgm:fillClrLst meth="repeat">
+      <a:schemeClr val="accent2">
+        <a:tint val="40000"/>
+        <a:alpha val="90000"/>
+      </a:schemeClr>
+      <a:schemeClr val="accent3">
+        <a:tint val="40000"/>
+        <a:alpha val="90000"/>
+      </a:schemeClr>
+      <a:schemeClr val="accent4">
+        <a:tint val="40000"/>
+        <a:alpha val="90000"/>
+      </a:schemeClr>
+      <a:schemeClr val="accent5">
+        <a:tint val="40000"/>
+        <a:alpha val="90000"/>
+      </a:schemeClr>
+      <a:schemeClr val="accent6">
+        <a:tint val="40000"/>
+        <a:alpha val="90000"/>
+      </a:schemeClr>
+    </dgm:fillClrLst>
+    <dgm:linClrLst meth="repeat">
+      <a:schemeClr val="accent2">
+        <a:tint val="40000"/>
+        <a:alpha val="90000"/>
+      </a:schemeClr>
+      <a:schemeClr val="accent3">
+        <a:tint val="40000"/>
+        <a:alpha val="90000"/>
+      </a:schemeClr>
+      <a:schemeClr val="accent4">
+        <a:tint val="40000"/>
+        <a:alpha val="90000"/>
+      </a:schemeClr>
+      <a:schemeClr val="accent5">
+        <a:tint val="40000"/>
+        <a:alpha val="90000"/>
+      </a:schemeClr>
+      <a:schemeClr val="accent6">
+        <a:tint val="40000"/>
+        <a:alpha val="90000"/>
+      </a:schemeClr>
+    </dgm:linClrLst>
+    <dgm:effectClrLst/>
+    <dgm:txLinClrLst/>
+    <dgm:txFillClrLst meth="repeat">
+      <a:schemeClr val="dk1"/>
+    </dgm:txFillClrLst>
+    <dgm:txEffectClrLst/>
+  </dgm:styleLbl>
+  <dgm:styleLbl name="bgAccFollowNode1">
+    <dgm:fillClrLst meth="repeat">
+      <a:schemeClr val="accent2">
+        <a:tint val="40000"/>
+        <a:alpha val="90000"/>
+      </a:schemeClr>
+      <a:schemeClr val="accent3">
+        <a:tint val="40000"/>
+        <a:alpha val="90000"/>
+      </a:schemeClr>
+      <a:schemeClr val="accent4">
+        <a:tint val="40000"/>
+        <a:alpha val="90000"/>
+      </a:schemeClr>
+      <a:schemeClr val="accent5">
+        <a:tint val="40000"/>
+        <a:alpha val="90000"/>
+      </a:schemeClr>
+      <a:schemeClr val="accent6">
+        <a:tint val="40000"/>
+        <a:alpha val="90000"/>
+      </a:schemeClr>
+    </dgm:fillClrLst>
+    <dgm:linClrLst meth="repeat">
+      <a:schemeClr val="accent2">
+        <a:tint val="40000"/>
+        <a:alpha val="90000"/>
+      </a:schemeClr>
+      <a:schemeClr val="accent3">
+        <a:tint val="40000"/>
+        <a:alpha val="90000"/>
+      </a:schemeClr>
+      <a:schemeClr val="accent4">
+        <a:tint val="40000"/>
+        <a:alpha val="90000"/>
+      </a:schemeClr>
+      <a:schemeClr val="accent5">
+        <a:tint val="40000"/>
+        <a:alpha val="90000"/>
+      </a:schemeClr>
+      <a:schemeClr val="accent6">
+        <a:tint val="40000"/>
+        <a:alpha val="90000"/>
+      </a:schemeClr>
+    </dgm:linClrLst>
+    <dgm:effectClrLst/>
+    <dgm:txLinClrLst/>
+    <dgm:txFillClrLst meth="repeat">
+      <a:schemeClr val="dk1"/>
+    </dgm:txFillClrLst>
+    <dgm:txEffectClrLst/>
+  </dgm:styleLbl>
+  <dgm:styleLbl name="fgAcc0">
+    <dgm:fillClrLst meth="repeat">
+      <a:schemeClr val="lt1">
+        <a:alpha val="90000"/>
+      </a:schemeClr>
+    </dgm:fillClrLst>
+    <dgm:linClrLst>
+      <a:schemeClr val="accent1"/>
+    </dgm:linClrLst>
+    <dgm:effectClrLst/>
+    <dgm:txLinClrLst/>
+    <dgm:txFillClrLst meth="repeat">
+      <a:schemeClr val="dk1"/>
+    </dgm:txFillClrLst>
+    <dgm:txEffectClrLst/>
+  </dgm:styleLbl>
+  <dgm:styleLbl name="fgAcc2">
+    <dgm:fillClrLst meth="repeat">
+      <a:schemeClr val="lt1">
+        <a:alpha val="90000"/>
+      </a:schemeClr>
+    </dgm:fillClrLst>
+    <dgm:linClrLst>
+      <a:schemeClr val="accent2"/>
+    </dgm:linClrLst>
+    <dgm:effectClrLst/>
+    <dgm:txLinClrLst/>
+    <dgm:txFillClrLst meth="repeat">
+      <a:schemeClr val="dk1"/>
+    </dgm:txFillClrLst>
+    <dgm:txEffectClrLst/>
+  </dgm:styleLbl>
+  <dgm:styleLbl name="fgAcc3">
+    <dgm:fillClrLst meth="repeat">
+      <a:schemeClr val="lt1">
+        <a:alpha val="90000"/>
+      </a:schemeClr>
+    </dgm:fillClrLst>
+    <dgm:linClrLst>
+      <a:schemeClr val="accent3"/>
+    </dgm:linClrLst>
+    <dgm:effectClrLst/>
+    <dgm:txLinClrLst/>
+    <dgm:txFillClrLst meth="repeat">
+      <a:schemeClr val="dk1"/>
+    </dgm:txFillClrLst>
+    <dgm:txEffectClrLst/>
+  </dgm:styleLbl>
+  <dgm:styleLbl name="fgAcc4">
+    <dgm:fillClrLst meth="repeat">
+      <a:schemeClr val="lt1">
+        <a:alpha val="90000"/>
+      </a:schemeClr>
+    </dgm:fillClrLst>
+    <dgm:linClrLst>
+      <a:schemeClr val="accent4"/>
+    </dgm:linClrLst>
+    <dgm:effectClrLst/>
+    <dgm:txLinClrLst/>
+    <dgm:txFillClrLst meth="repeat">
+      <a:schemeClr val="dk1"/>
+    </dgm:txFillClrLst>
+    <dgm:txEffectClrLst/>
+  </dgm:styleLbl>
+  <dgm:styleLbl name="bgShp">
+    <dgm:fillClrLst meth="repeat">
+      <a:schemeClr val="accent2">
+        <a:tint val="40000"/>
+      </a:schemeClr>
+    </dgm:fillClrLst>
+    <dgm:linClrLst meth="repeat">
+      <a:schemeClr val="dk1"/>
+    </dgm:linClrLst>
+    <dgm:effectClrLst/>
+    <dgm:txLinClrLst/>
+    <dgm:txFillClrLst meth="repeat">
+      <a:schemeClr val="dk1"/>
+    </dgm:txFillClrLst>
+    <dgm:txEffectClrLst/>
+  </dgm:styleLbl>
+  <dgm:styleLbl name="dkBgShp">
+    <dgm:fillClrLst meth="repeat">
+      <a:schemeClr val="accent2">
+        <a:shade val="90000"/>
+      </a:schemeClr>
+    </dgm:fillClrLst>
+    <dgm:linClrLst meth="repeat">
+      <a:schemeClr val="dk1"/>
+    </dgm:linClrLst>
+    <dgm:effectClrLst/>
+    <dgm:txLinClrLst/>
+    <dgm:txFillClrLst meth="repeat">
+      <a:schemeClr val="lt1"/>
+    </dgm:txFillClrLst>
+    <dgm:txEffectClrLst/>
+  </dgm:styleLbl>
+  <dgm:styleLbl name="trBgShp">
+    <dgm:fillClrLst meth="repeat">
+      <a:schemeClr val="accent1">
+        <a:tint val="50000"/>
+        <a:alpha val="40000"/>
+      </a:schemeClr>
+    </dgm:fillClrLst>
+    <dgm:linClrLst meth="repeat">
+      <a:schemeClr val="accent2"/>
+    </dgm:linClrLst>
+    <dgm:effectClrLst/>
+    <dgm:txLinClrLst/>
+    <dgm:txFillClrLst meth="repeat">
+      <a:schemeClr val="lt1"/>
+    </dgm:txFillClrLst>
+    <dgm:txEffectClrLst/>
+  </dgm:styleLbl>
+  <dgm:styleLbl name="fgShp">
+    <dgm:fillClrLst meth="repeat">
+      <a:schemeClr val="accent2">
+        <a:tint val="40000"/>
+      </a:schemeClr>
+    </dgm:fillClrLst>
+    <dgm:linClrLst meth="repeat">
+      <a:schemeClr val="lt1"/>
+    </dgm:linClrLst>
+    <dgm:effectClrLst/>
+    <dgm:txLinClrLst/>
+    <dgm:txFillClrLst meth="repeat">
+      <a:schemeClr val="dk1"/>
+    </dgm:txFillClrLst>
+    <dgm:txEffectClrLst/>
+  </dgm:styleLbl>
+  <dgm:styleLbl name="revTx">
+    <dgm:fillClrLst meth="repeat">
+      <a:schemeClr val="lt1">
+        <a:alpha val="0"/>
+      </a:schemeClr>
+    </dgm:fillClrLst>
+    <dgm:linClrLst meth="repeat">
+      <a:schemeClr val="dk1">
+        <a:alpha val="0"/>
+      </a:schemeClr>
+    </dgm:linClrLst>
+    <dgm:effectClrLst/>
+    <dgm:txLinClrLst/>
+    <dgm:txFillClrLst meth="repeat">
+      <a:schemeClr val="tx1"/>
+    </dgm:txFillClrLst>
+    <dgm:txEffectClrLst/>
+  </dgm:styleLbl>
+</dgm:colorsDef>
+</file>
+
+<file path=ppt/diagrams/data1.xml><?xml version="1.0" encoding="utf-8"?>
+<dgm:dataModel xmlns:dgm="http://schemas.openxmlformats.org/drawingml/2006/diagram" xmlns:a="http://schemas.openxmlformats.org/drawingml/2006/main">
+  <dgm:ptLst>
+    <dgm:pt modelId="{DBBB86DE-B3A3-43D9-AC28-4EAD993F247A}" type="doc">
+      <dgm:prSet loTypeId="urn:microsoft.com/office/officeart/2005/8/layout/vList5" loCatId="list" qsTypeId="urn:microsoft.com/office/officeart/2005/8/quickstyle/simple3" qsCatId="simple" csTypeId="urn:microsoft.com/office/officeart/2005/8/colors/colorful5" csCatId="colorful"/>
+      <dgm:spPr/>
+      <dgm:t>
+        <a:bodyPr/>
+        <a:lstStyle/>
+        <a:p>
+          <a:endParaRPr lang="en-US"/>
+        </a:p>
+      </dgm:t>
+    </dgm:pt>
+    <dgm:pt modelId="{EC9B3FCD-0EC4-479F-8320-B44D4FC5DBC0}">
+      <dgm:prSet/>
+      <dgm:spPr/>
+      <dgm:t>
+        <a:bodyPr/>
+        <a:lstStyle/>
+        <a:p>
+          <a:pPr rtl="0"/>
+          <a:r>
+            <a:rPr lang="en-US" dirty="0" smtClean="0"/>
+            <a:t>Full Project Plan</a:t>
+          </a:r>
+          <a:endParaRPr lang="en-US" dirty="0"/>
+        </a:p>
+      </dgm:t>
+    </dgm:pt>
+    <dgm:pt modelId="{D735A30D-112D-4718-A6E2-2C1E092C7759}" type="parTrans" cxnId="{7A989313-F66B-4744-9DA0-D05BA1EABA41}">
+      <dgm:prSet/>
+      <dgm:spPr/>
+      <dgm:t>
+        <a:bodyPr/>
+        <a:lstStyle/>
+        <a:p>
+          <a:endParaRPr lang="en-US"/>
+        </a:p>
+      </dgm:t>
+    </dgm:pt>
+    <dgm:pt modelId="{4FF43E5C-1747-4CF9-980F-F297F4B922FC}" type="sibTrans" cxnId="{7A989313-F66B-4744-9DA0-D05BA1EABA41}">
+      <dgm:prSet/>
+      <dgm:spPr/>
+      <dgm:t>
+        <a:bodyPr/>
+        <a:lstStyle/>
+        <a:p>
+          <a:endParaRPr lang="en-US"/>
+        </a:p>
+      </dgm:t>
+    </dgm:pt>
+    <dgm:pt modelId="{6C8ED2CE-FB9C-453C-BF35-1CFDC22397D4}">
+      <dgm:prSet/>
+      <dgm:spPr/>
+      <dgm:t>
+        <a:bodyPr/>
+        <a:lstStyle/>
+        <a:p>
+          <a:pPr rtl="0"/>
+          <a:r>
+            <a:rPr lang="en-US" dirty="0" smtClean="0"/>
+            <a:t>Requirements Specifications</a:t>
+          </a:r>
+          <a:endParaRPr lang="en-US" dirty="0"/>
+        </a:p>
+      </dgm:t>
+    </dgm:pt>
+    <dgm:pt modelId="{BD4EE727-E822-4C1A-B630-DB10596322B0}" type="parTrans" cxnId="{FD9BFD3E-57CE-4A76-977F-3E1CBB997223}">
+      <dgm:prSet/>
+      <dgm:spPr/>
+      <dgm:t>
+        <a:bodyPr/>
+        <a:lstStyle/>
+        <a:p>
+          <a:endParaRPr lang="en-US"/>
+        </a:p>
+      </dgm:t>
+    </dgm:pt>
+    <dgm:pt modelId="{DAFCD09D-3AB9-40A8-8ED0-D8B378AE193D}" type="sibTrans" cxnId="{FD9BFD3E-57CE-4A76-977F-3E1CBB997223}">
+      <dgm:prSet/>
+      <dgm:spPr/>
+      <dgm:t>
+        <a:bodyPr/>
+        <a:lstStyle/>
+        <a:p>
+          <a:endParaRPr lang="en-US"/>
+        </a:p>
+      </dgm:t>
+    </dgm:pt>
+    <dgm:pt modelId="{29C5DBCD-FBA1-4637-B0EA-3118B5BC0CAD}">
+      <dgm:prSet/>
+      <dgm:spPr/>
+      <dgm:t>
+        <a:bodyPr/>
+        <a:lstStyle/>
+        <a:p>
+          <a:pPr rtl="0"/>
+          <a:r>
+            <a:rPr lang="en-US" dirty="0" smtClean="0"/>
+            <a:t>Design Specifications</a:t>
+          </a:r>
+          <a:endParaRPr lang="en-US" dirty="0"/>
+        </a:p>
+      </dgm:t>
+    </dgm:pt>
+    <dgm:pt modelId="{B7A852F2-EF5F-47C1-878E-1B6413CAEDC9}" type="parTrans" cxnId="{3B1A6251-1D3E-4F01-8FB8-BCA9079D2D61}">
+      <dgm:prSet/>
+      <dgm:spPr/>
+      <dgm:t>
+        <a:bodyPr/>
+        <a:lstStyle/>
+        <a:p>
+          <a:endParaRPr lang="en-US"/>
+        </a:p>
+      </dgm:t>
+    </dgm:pt>
+    <dgm:pt modelId="{A97F0DDF-65CD-4958-B20A-79E75DD315A0}" type="sibTrans" cxnId="{3B1A6251-1D3E-4F01-8FB8-BCA9079D2D61}">
+      <dgm:prSet/>
+      <dgm:spPr/>
+      <dgm:t>
+        <a:bodyPr/>
+        <a:lstStyle/>
+        <a:p>
+          <a:endParaRPr lang="en-US"/>
+        </a:p>
+      </dgm:t>
+    </dgm:pt>
+    <dgm:pt modelId="{1E4A6EF1-7798-4A29-8C89-515441226000}">
+      <dgm:prSet/>
+      <dgm:spPr/>
+      <dgm:t>
+        <a:bodyPr/>
+        <a:lstStyle/>
+        <a:p>
+          <a:pPr rtl="0"/>
+          <a:r>
+            <a:rPr lang="en-US" dirty="0" smtClean="0"/>
+            <a:t>Team &amp; Personal Software Process log (TSP/PSP)</a:t>
+          </a:r>
+          <a:endParaRPr lang="en-US" dirty="0"/>
+        </a:p>
+      </dgm:t>
+    </dgm:pt>
+    <dgm:pt modelId="{0FF91269-A6CA-403A-8EA0-5486C0C97274}" type="parTrans" cxnId="{869D0496-F7CA-4855-BA3F-988D9480AC97}">
+      <dgm:prSet/>
+      <dgm:spPr/>
+      <dgm:t>
+        <a:bodyPr/>
+        <a:lstStyle/>
+        <a:p>
+          <a:endParaRPr lang="en-US"/>
+        </a:p>
+      </dgm:t>
+    </dgm:pt>
+    <dgm:pt modelId="{1959DF1F-B7D9-4464-B2F7-65673EE1B7AB}" type="sibTrans" cxnId="{869D0496-F7CA-4855-BA3F-988D9480AC97}">
+      <dgm:prSet/>
+      <dgm:spPr/>
+      <dgm:t>
+        <a:bodyPr/>
+        <a:lstStyle/>
+        <a:p>
+          <a:endParaRPr lang="en-US"/>
+        </a:p>
+      </dgm:t>
+    </dgm:pt>
+    <dgm:pt modelId="{30DA5D09-077E-4A53-B6C2-93763DDD6333}">
+      <dgm:prSet/>
+      <dgm:spPr/>
+      <dgm:t>
+        <a:bodyPr/>
+        <a:lstStyle/>
+        <a:p>
+          <a:pPr rtl="0"/>
+          <a:r>
+            <a:rPr lang="en-US" dirty="0" smtClean="0"/>
+            <a:t>Software Quality Assurance Plan</a:t>
+          </a:r>
+          <a:endParaRPr lang="en-US" dirty="0"/>
+        </a:p>
+      </dgm:t>
+    </dgm:pt>
+    <dgm:pt modelId="{DDF36381-7D9F-4F98-BA2D-327302D2B0E4}" type="parTrans" cxnId="{86813D3A-EAE0-4085-B6B4-C6B42830878C}">
+      <dgm:prSet/>
+      <dgm:spPr/>
+      <dgm:t>
+        <a:bodyPr/>
+        <a:lstStyle/>
+        <a:p>
+          <a:endParaRPr lang="en-US"/>
+        </a:p>
+      </dgm:t>
+    </dgm:pt>
+    <dgm:pt modelId="{989A855F-2CEE-4694-AA7F-81E45738A505}" type="sibTrans" cxnId="{86813D3A-EAE0-4085-B6B4-C6B42830878C}">
+      <dgm:prSet/>
+      <dgm:spPr/>
+      <dgm:t>
+        <a:bodyPr/>
+        <a:lstStyle/>
+        <a:p>
+          <a:endParaRPr lang="en-US"/>
+        </a:p>
+      </dgm:t>
+    </dgm:pt>
+    <dgm:pt modelId="{F4BA7A47-B22A-4EA0-8BEA-F38757241940}">
+      <dgm:prSet/>
+      <dgm:spPr/>
+      <dgm:t>
+        <a:bodyPr/>
+        <a:lstStyle/>
+        <a:p>
+          <a:pPr rtl="0"/>
+          <a:r>
+            <a:rPr lang="en-US" dirty="0" smtClean="0"/>
+            <a:t>Software Configuration Management Plan</a:t>
+          </a:r>
+          <a:endParaRPr lang="en-US" dirty="0"/>
+        </a:p>
+      </dgm:t>
+    </dgm:pt>
+    <dgm:pt modelId="{7B742767-DA11-499D-B078-F0BB7C81880E}" type="parTrans" cxnId="{FA14B154-A9E7-401F-949F-6CF2B34362E4}">
+      <dgm:prSet/>
+      <dgm:spPr/>
+      <dgm:t>
+        <a:bodyPr/>
+        <a:lstStyle/>
+        <a:p>
+          <a:endParaRPr lang="en-US"/>
+        </a:p>
+      </dgm:t>
+    </dgm:pt>
+    <dgm:pt modelId="{DAC5623D-51E1-4E39-A328-F467C01CC640}" type="sibTrans" cxnId="{FA14B154-A9E7-401F-949F-6CF2B34362E4}">
+      <dgm:prSet/>
+      <dgm:spPr/>
+      <dgm:t>
+        <a:bodyPr/>
+        <a:lstStyle/>
+        <a:p>
+          <a:endParaRPr lang="en-US"/>
+        </a:p>
+      </dgm:t>
+    </dgm:pt>
+    <dgm:pt modelId="{056EAB2B-C964-4413-A093-4896C084E6B1}">
+      <dgm:prSet/>
+      <dgm:spPr/>
+      <dgm:t>
+        <a:bodyPr/>
+        <a:lstStyle/>
+        <a:p>
+          <a:pPr rtl="0"/>
+          <a:r>
+            <a:rPr lang="en-US" dirty="0" smtClean="0"/>
+            <a:t>Peer Review Policy</a:t>
+          </a:r>
+          <a:endParaRPr lang="en-US" dirty="0"/>
+        </a:p>
+      </dgm:t>
+    </dgm:pt>
+    <dgm:pt modelId="{0D489015-BC4D-4A22-AE5F-0C20AE422D59}" type="parTrans" cxnId="{E88E9BE8-9C99-43A9-A64B-65BEBDC3F81F}">
+      <dgm:prSet/>
+      <dgm:spPr/>
+      <dgm:t>
+        <a:bodyPr/>
+        <a:lstStyle/>
+        <a:p>
+          <a:endParaRPr lang="en-US"/>
+        </a:p>
+      </dgm:t>
+    </dgm:pt>
+    <dgm:pt modelId="{24E46D65-AD26-4266-9C78-85CCD527C751}" type="sibTrans" cxnId="{E88E9BE8-9C99-43A9-A64B-65BEBDC3F81F}">
+      <dgm:prSet/>
+      <dgm:spPr/>
+      <dgm:t>
+        <a:bodyPr/>
+        <a:lstStyle/>
+        <a:p>
+          <a:endParaRPr lang="en-US"/>
+        </a:p>
+      </dgm:t>
+    </dgm:pt>
+    <dgm:pt modelId="{614CAAF1-51BB-4B32-B347-4E34D7A5E1C8}">
+      <dgm:prSet/>
+      <dgm:spPr/>
+      <dgm:t>
+        <a:bodyPr/>
+        <a:lstStyle/>
+        <a:p>
+          <a:pPr rtl="0"/>
+          <a:r>
+            <a:rPr lang="en-US" dirty="0" smtClean="0"/>
+            <a:t>Test Plan</a:t>
+          </a:r>
+          <a:endParaRPr lang="en-US" dirty="0"/>
+        </a:p>
+      </dgm:t>
+    </dgm:pt>
+    <dgm:pt modelId="{D1596A15-2883-4890-A1A1-F59102614852}" type="parTrans" cxnId="{8BF0C660-6A60-4068-9FFB-8131D01FBA85}">
+      <dgm:prSet/>
+      <dgm:spPr/>
+      <dgm:t>
+        <a:bodyPr/>
+        <a:lstStyle/>
+        <a:p>
+          <a:endParaRPr lang="en-US"/>
+        </a:p>
+      </dgm:t>
+    </dgm:pt>
+    <dgm:pt modelId="{8E2016F8-28A3-47EE-9588-F2F0D7366734}" type="sibTrans" cxnId="{8BF0C660-6A60-4068-9FFB-8131D01FBA85}">
+      <dgm:prSet/>
+      <dgm:spPr/>
+      <dgm:t>
+        <a:bodyPr/>
+        <a:lstStyle/>
+        <a:p>
+          <a:endParaRPr lang="en-US"/>
+        </a:p>
+      </dgm:t>
+    </dgm:pt>
+    <dgm:pt modelId="{0C0928F5-907F-4764-B300-6209FAFEC890}">
+      <dgm:prSet/>
+      <dgm:spPr/>
+      <dgm:t>
+        <a:bodyPr/>
+        <a:lstStyle/>
+        <a:p>
+          <a:pPr rtl="0"/>
+          <a:r>
+            <a:rPr lang="en-US" dirty="0" smtClean="0"/>
+            <a:t>Bugs Issue Report</a:t>
+          </a:r>
+          <a:endParaRPr lang="en-US" dirty="0"/>
+        </a:p>
+      </dgm:t>
+    </dgm:pt>
+    <dgm:pt modelId="{42509825-56E1-4133-A72B-054B1F0E6A88}" type="parTrans" cxnId="{9D1D40A3-27E8-4A3E-803A-B19DF6805FBF}">
+      <dgm:prSet/>
+      <dgm:spPr/>
+      <dgm:t>
+        <a:bodyPr/>
+        <a:lstStyle/>
+        <a:p>
+          <a:endParaRPr lang="en-US"/>
+        </a:p>
+      </dgm:t>
+    </dgm:pt>
+    <dgm:pt modelId="{8FB61B5B-237A-4D45-BF47-1FBBD1C3D171}" type="sibTrans" cxnId="{9D1D40A3-27E8-4A3E-803A-B19DF6805FBF}">
+      <dgm:prSet/>
+      <dgm:spPr/>
+      <dgm:t>
+        <a:bodyPr/>
+        <a:lstStyle/>
+        <a:p>
+          <a:endParaRPr lang="en-US"/>
+        </a:p>
+      </dgm:t>
+    </dgm:pt>
+    <dgm:pt modelId="{DAF1C578-020A-417E-A532-13AFDDD0BE85}">
+      <dgm:prSet/>
+      <dgm:spPr/>
+      <dgm:t>
+        <a:bodyPr/>
+        <a:lstStyle/>
+        <a:p>
+          <a:pPr rtl="0"/>
+          <a:r>
+            <a:rPr lang="en-US" dirty="0" smtClean="0"/>
+            <a:t>Change Revisions Report</a:t>
+          </a:r>
+          <a:endParaRPr lang="en-US" dirty="0"/>
+        </a:p>
+      </dgm:t>
+    </dgm:pt>
+    <dgm:pt modelId="{45BA1395-1DD0-49A8-87B8-53B5C45CDDB8}" type="parTrans" cxnId="{6D80D8FD-899F-4203-B410-C6B7B38CE3EC}">
+      <dgm:prSet/>
+      <dgm:spPr/>
+      <dgm:t>
+        <a:bodyPr/>
+        <a:lstStyle/>
+        <a:p>
+          <a:endParaRPr lang="en-US"/>
+        </a:p>
+      </dgm:t>
+    </dgm:pt>
+    <dgm:pt modelId="{E2DAC04E-2F27-4C8C-8DE2-E25CD08DA123}" type="sibTrans" cxnId="{6D80D8FD-899F-4203-B410-C6B7B38CE3EC}">
+      <dgm:prSet/>
+      <dgm:spPr/>
+      <dgm:t>
+        <a:bodyPr/>
+        <a:lstStyle/>
+        <a:p>
+          <a:endParaRPr lang="en-US"/>
+        </a:p>
+      </dgm:t>
+    </dgm:pt>
+    <dgm:pt modelId="{ADA4A7F1-9DD6-4AAA-B748-B751DF16C124}" type="pres">
+      <dgm:prSet presAssocID="{DBBB86DE-B3A3-43D9-AC28-4EAD993F247A}" presName="Name0" presStyleCnt="0">
+        <dgm:presLayoutVars>
+          <dgm:dir/>
+          <dgm:animLvl val="lvl"/>
+          <dgm:resizeHandles val="exact"/>
+        </dgm:presLayoutVars>
+      </dgm:prSet>
+      <dgm:spPr/>
+    </dgm:pt>
+    <dgm:pt modelId="{4A8F3152-5BA8-46DA-9EC6-D6F16E178151}" type="pres">
+      <dgm:prSet presAssocID="{EC9B3FCD-0EC4-479F-8320-B44D4FC5DBC0}" presName="linNode" presStyleCnt="0"/>
+      <dgm:spPr/>
+    </dgm:pt>
+    <dgm:pt modelId="{D5F1405F-F855-4F34-8E56-135DC607C7EB}" type="pres">
+      <dgm:prSet presAssocID="{EC9B3FCD-0EC4-479F-8320-B44D4FC5DBC0}" presName="parentText" presStyleLbl="node1" presStyleIdx="0" presStyleCnt="10">
+        <dgm:presLayoutVars>
+          <dgm:chMax val="1"/>
+          <dgm:bulletEnabled val="1"/>
+        </dgm:presLayoutVars>
+      </dgm:prSet>
+      <dgm:spPr/>
+    </dgm:pt>
+    <dgm:pt modelId="{B9B69CD5-8577-4217-93E7-CB74839244FF}" type="pres">
+      <dgm:prSet presAssocID="{4FF43E5C-1747-4CF9-980F-F297F4B922FC}" presName="sp" presStyleCnt="0"/>
+      <dgm:spPr/>
+    </dgm:pt>
+    <dgm:pt modelId="{DB564E56-E672-47C5-B28E-E171997C61A7}" type="pres">
+      <dgm:prSet presAssocID="{6C8ED2CE-FB9C-453C-BF35-1CFDC22397D4}" presName="linNode" presStyleCnt="0"/>
+      <dgm:spPr/>
+    </dgm:pt>
+    <dgm:pt modelId="{2B7B7114-6394-4A3B-868E-4E0D4B32E38F}" type="pres">
+      <dgm:prSet presAssocID="{6C8ED2CE-FB9C-453C-BF35-1CFDC22397D4}" presName="parentText" presStyleLbl="node1" presStyleIdx="1" presStyleCnt="10">
+        <dgm:presLayoutVars>
+          <dgm:chMax val="1"/>
+          <dgm:bulletEnabled val="1"/>
+        </dgm:presLayoutVars>
+      </dgm:prSet>
+      <dgm:spPr/>
+    </dgm:pt>
+    <dgm:pt modelId="{0AA4AE8F-FCA1-47E3-8332-8320240092F1}" type="pres">
+      <dgm:prSet presAssocID="{DAFCD09D-3AB9-40A8-8ED0-D8B378AE193D}" presName="sp" presStyleCnt="0"/>
+      <dgm:spPr/>
+    </dgm:pt>
+    <dgm:pt modelId="{8822CCD2-B463-48E4-8F76-565607786EA9}" type="pres">
+      <dgm:prSet presAssocID="{29C5DBCD-FBA1-4637-B0EA-3118B5BC0CAD}" presName="linNode" presStyleCnt="0"/>
+      <dgm:spPr/>
+    </dgm:pt>
+    <dgm:pt modelId="{39D66280-61AC-4EF8-81B2-BAE463239A91}" type="pres">
+      <dgm:prSet presAssocID="{29C5DBCD-FBA1-4637-B0EA-3118B5BC0CAD}" presName="parentText" presStyleLbl="node1" presStyleIdx="2" presStyleCnt="10">
+        <dgm:presLayoutVars>
+          <dgm:chMax val="1"/>
+          <dgm:bulletEnabled val="1"/>
+        </dgm:presLayoutVars>
+      </dgm:prSet>
+      <dgm:spPr/>
+    </dgm:pt>
+    <dgm:pt modelId="{CDCC57A0-554E-4AB8-9E56-8A5CF5391B0F}" type="pres">
+      <dgm:prSet presAssocID="{A97F0DDF-65CD-4958-B20A-79E75DD315A0}" presName="sp" presStyleCnt="0"/>
+      <dgm:spPr/>
+    </dgm:pt>
+    <dgm:pt modelId="{66E5C1CD-AA26-448E-9794-B10002DC23B3}" type="pres">
+      <dgm:prSet presAssocID="{1E4A6EF1-7798-4A29-8C89-515441226000}" presName="linNode" presStyleCnt="0"/>
+      <dgm:spPr/>
+    </dgm:pt>
+    <dgm:pt modelId="{5D805A90-0430-4206-A4DE-AAA8198C719F}" type="pres">
+      <dgm:prSet presAssocID="{1E4A6EF1-7798-4A29-8C89-515441226000}" presName="parentText" presStyleLbl="node1" presStyleIdx="3" presStyleCnt="10">
+        <dgm:presLayoutVars>
+          <dgm:chMax val="1"/>
+          <dgm:bulletEnabled val="1"/>
+        </dgm:presLayoutVars>
+      </dgm:prSet>
+      <dgm:spPr/>
+    </dgm:pt>
+    <dgm:pt modelId="{67CA16A3-849E-4592-AA33-FEB7137DDD59}" type="pres">
+      <dgm:prSet presAssocID="{1959DF1F-B7D9-4464-B2F7-65673EE1B7AB}" presName="sp" presStyleCnt="0"/>
+      <dgm:spPr/>
+    </dgm:pt>
+    <dgm:pt modelId="{5B0E01DD-06D0-42E3-92D3-7E071BA877F5}" type="pres">
+      <dgm:prSet presAssocID="{30DA5D09-077E-4A53-B6C2-93763DDD6333}" presName="linNode" presStyleCnt="0"/>
+      <dgm:spPr/>
+    </dgm:pt>
+    <dgm:pt modelId="{22E66A57-D27D-465A-B87D-00C18FFFCB53}" type="pres">
+      <dgm:prSet presAssocID="{30DA5D09-077E-4A53-B6C2-93763DDD6333}" presName="parentText" presStyleLbl="node1" presStyleIdx="4" presStyleCnt="10">
+        <dgm:presLayoutVars>
+          <dgm:chMax val="1"/>
+          <dgm:bulletEnabled val="1"/>
+        </dgm:presLayoutVars>
+      </dgm:prSet>
+      <dgm:spPr/>
+    </dgm:pt>
+    <dgm:pt modelId="{EFD08B98-2FC0-4E4E-8269-020385C68494}" type="pres">
+      <dgm:prSet presAssocID="{989A855F-2CEE-4694-AA7F-81E45738A505}" presName="sp" presStyleCnt="0"/>
+      <dgm:spPr/>
+    </dgm:pt>
+    <dgm:pt modelId="{C1F7CC2C-BD09-46D2-82E8-1D8B21C64195}" type="pres">
+      <dgm:prSet presAssocID="{F4BA7A47-B22A-4EA0-8BEA-F38757241940}" presName="linNode" presStyleCnt="0"/>
+      <dgm:spPr/>
+    </dgm:pt>
+    <dgm:pt modelId="{424AD5B7-4900-48AD-BE7D-57E5E5D27EA6}" type="pres">
+      <dgm:prSet presAssocID="{F4BA7A47-B22A-4EA0-8BEA-F38757241940}" presName="parentText" presStyleLbl="node1" presStyleIdx="5" presStyleCnt="10">
+        <dgm:presLayoutVars>
+          <dgm:chMax val="1"/>
+          <dgm:bulletEnabled val="1"/>
+        </dgm:presLayoutVars>
+      </dgm:prSet>
+      <dgm:spPr/>
+    </dgm:pt>
+    <dgm:pt modelId="{36F05475-C177-4DE9-AA81-50D476ADFB68}" type="pres">
+      <dgm:prSet presAssocID="{DAC5623D-51E1-4E39-A328-F467C01CC640}" presName="sp" presStyleCnt="0"/>
+      <dgm:spPr/>
+    </dgm:pt>
+    <dgm:pt modelId="{9FE149A1-8CDA-4FEB-8115-88130B4FEE75}" type="pres">
+      <dgm:prSet presAssocID="{056EAB2B-C964-4413-A093-4896C084E6B1}" presName="linNode" presStyleCnt="0"/>
+      <dgm:spPr/>
+    </dgm:pt>
+    <dgm:pt modelId="{F12297E7-F392-4C9A-B4F9-ECD02726D844}" type="pres">
+      <dgm:prSet presAssocID="{056EAB2B-C964-4413-A093-4896C084E6B1}" presName="parentText" presStyleLbl="node1" presStyleIdx="6" presStyleCnt="10">
+        <dgm:presLayoutVars>
+          <dgm:chMax val="1"/>
+          <dgm:bulletEnabled val="1"/>
+        </dgm:presLayoutVars>
+      </dgm:prSet>
+      <dgm:spPr/>
+    </dgm:pt>
+    <dgm:pt modelId="{8D5C5961-D706-471D-B388-F13A230BB7A1}" type="pres">
+      <dgm:prSet presAssocID="{24E46D65-AD26-4266-9C78-85CCD527C751}" presName="sp" presStyleCnt="0"/>
+      <dgm:spPr/>
+    </dgm:pt>
+    <dgm:pt modelId="{69FEE265-C3B9-47AC-A3A2-B9582A044538}" type="pres">
+      <dgm:prSet presAssocID="{614CAAF1-51BB-4B32-B347-4E34D7A5E1C8}" presName="linNode" presStyleCnt="0"/>
+      <dgm:spPr/>
+    </dgm:pt>
+    <dgm:pt modelId="{708114EC-68FC-4466-8FCD-12FEA77D3EBF}" type="pres">
+      <dgm:prSet presAssocID="{614CAAF1-51BB-4B32-B347-4E34D7A5E1C8}" presName="parentText" presStyleLbl="node1" presStyleIdx="7" presStyleCnt="10">
+        <dgm:presLayoutVars>
+          <dgm:chMax val="1"/>
+          <dgm:bulletEnabled val="1"/>
+        </dgm:presLayoutVars>
+      </dgm:prSet>
+      <dgm:spPr/>
+    </dgm:pt>
+    <dgm:pt modelId="{9F51791A-C77A-4630-ABE4-A99A82FCDC33}" type="pres">
+      <dgm:prSet presAssocID="{8E2016F8-28A3-47EE-9588-F2F0D7366734}" presName="sp" presStyleCnt="0"/>
+      <dgm:spPr/>
+    </dgm:pt>
+    <dgm:pt modelId="{D0F04299-9ECA-4393-842D-5CC743119CF9}" type="pres">
+      <dgm:prSet presAssocID="{0C0928F5-907F-4764-B300-6209FAFEC890}" presName="linNode" presStyleCnt="0"/>
+      <dgm:spPr/>
+    </dgm:pt>
+    <dgm:pt modelId="{3898DC5C-3E0A-407F-9579-1EA1B43FCA49}" type="pres">
+      <dgm:prSet presAssocID="{0C0928F5-907F-4764-B300-6209FAFEC890}" presName="parentText" presStyleLbl="node1" presStyleIdx="8" presStyleCnt="10">
+        <dgm:presLayoutVars>
+          <dgm:chMax val="1"/>
+          <dgm:bulletEnabled val="1"/>
+        </dgm:presLayoutVars>
+      </dgm:prSet>
+      <dgm:spPr/>
+    </dgm:pt>
+    <dgm:pt modelId="{F7267DC4-719A-4F7A-96AA-9DB6ED0FAF66}" type="pres">
+      <dgm:prSet presAssocID="{8FB61B5B-237A-4D45-BF47-1FBBD1C3D171}" presName="sp" presStyleCnt="0"/>
+      <dgm:spPr/>
+    </dgm:pt>
+    <dgm:pt modelId="{D7DD13EE-0299-4F90-A032-732BD3E7A9B1}" type="pres">
+      <dgm:prSet presAssocID="{DAF1C578-020A-417E-A532-13AFDDD0BE85}" presName="linNode" presStyleCnt="0"/>
+      <dgm:spPr/>
+    </dgm:pt>
+    <dgm:pt modelId="{30030563-22B0-4D04-A154-AB0F0DD0472C}" type="pres">
+      <dgm:prSet presAssocID="{DAF1C578-020A-417E-A532-13AFDDD0BE85}" presName="parentText" presStyleLbl="node1" presStyleIdx="9" presStyleCnt="10">
+        <dgm:presLayoutVars>
+          <dgm:chMax val="1"/>
+          <dgm:bulletEnabled val="1"/>
+        </dgm:presLayoutVars>
+      </dgm:prSet>
+      <dgm:spPr/>
+    </dgm:pt>
+  </dgm:ptLst>
+  <dgm:cxnLst>
+    <dgm:cxn modelId="{61E248C6-5025-4EBE-8BA4-4C668B5AC012}" type="presOf" srcId="{614CAAF1-51BB-4B32-B347-4E34D7A5E1C8}" destId="{708114EC-68FC-4466-8FCD-12FEA77D3EBF}" srcOrd="0" destOrd="0" presId="urn:microsoft.com/office/officeart/2005/8/layout/vList5"/>
+    <dgm:cxn modelId="{A1CBF3B1-F376-4F64-BF8F-6A07E0C2925B}" type="presOf" srcId="{6C8ED2CE-FB9C-453C-BF35-1CFDC22397D4}" destId="{2B7B7114-6394-4A3B-868E-4E0D4B32E38F}" srcOrd="0" destOrd="0" presId="urn:microsoft.com/office/officeart/2005/8/layout/vList5"/>
+    <dgm:cxn modelId="{9D1D40A3-27E8-4A3E-803A-B19DF6805FBF}" srcId="{DBBB86DE-B3A3-43D9-AC28-4EAD993F247A}" destId="{0C0928F5-907F-4764-B300-6209FAFEC890}" srcOrd="8" destOrd="0" parTransId="{42509825-56E1-4133-A72B-054B1F0E6A88}" sibTransId="{8FB61B5B-237A-4D45-BF47-1FBBD1C3D171}"/>
+    <dgm:cxn modelId="{7A989313-F66B-4744-9DA0-D05BA1EABA41}" srcId="{DBBB86DE-B3A3-43D9-AC28-4EAD993F247A}" destId="{EC9B3FCD-0EC4-479F-8320-B44D4FC5DBC0}" srcOrd="0" destOrd="0" parTransId="{D735A30D-112D-4718-A6E2-2C1E092C7759}" sibTransId="{4FF43E5C-1747-4CF9-980F-F297F4B922FC}"/>
+    <dgm:cxn modelId="{86813D3A-EAE0-4085-B6B4-C6B42830878C}" srcId="{DBBB86DE-B3A3-43D9-AC28-4EAD993F247A}" destId="{30DA5D09-077E-4A53-B6C2-93763DDD6333}" srcOrd="4" destOrd="0" parTransId="{DDF36381-7D9F-4F98-BA2D-327302D2B0E4}" sibTransId="{989A855F-2CEE-4694-AA7F-81E45738A505}"/>
+    <dgm:cxn modelId="{700B8B8B-A525-4B98-B67F-41F2C8192ABF}" type="presOf" srcId="{DAF1C578-020A-417E-A532-13AFDDD0BE85}" destId="{30030563-22B0-4D04-A154-AB0F0DD0472C}" srcOrd="0" destOrd="0" presId="urn:microsoft.com/office/officeart/2005/8/layout/vList5"/>
+    <dgm:cxn modelId="{FE2A6E27-3ADB-4CA2-9C77-EE36401D9887}" type="presOf" srcId="{29C5DBCD-FBA1-4637-B0EA-3118B5BC0CAD}" destId="{39D66280-61AC-4EF8-81B2-BAE463239A91}" srcOrd="0" destOrd="0" presId="urn:microsoft.com/office/officeart/2005/8/layout/vList5"/>
+    <dgm:cxn modelId="{168DDE9D-070F-48EC-8AD5-B33401503E9E}" type="presOf" srcId="{F4BA7A47-B22A-4EA0-8BEA-F38757241940}" destId="{424AD5B7-4900-48AD-BE7D-57E5E5D27EA6}" srcOrd="0" destOrd="0" presId="urn:microsoft.com/office/officeart/2005/8/layout/vList5"/>
+    <dgm:cxn modelId="{7B72D03A-DCF4-4479-8E42-FC4AD686DFCD}" type="presOf" srcId="{0C0928F5-907F-4764-B300-6209FAFEC890}" destId="{3898DC5C-3E0A-407F-9579-1EA1B43FCA49}" srcOrd="0" destOrd="0" presId="urn:microsoft.com/office/officeart/2005/8/layout/vList5"/>
+    <dgm:cxn modelId="{E88E9BE8-9C99-43A9-A64B-65BEBDC3F81F}" srcId="{DBBB86DE-B3A3-43D9-AC28-4EAD993F247A}" destId="{056EAB2B-C964-4413-A093-4896C084E6B1}" srcOrd="6" destOrd="0" parTransId="{0D489015-BC4D-4A22-AE5F-0C20AE422D59}" sibTransId="{24E46D65-AD26-4266-9C78-85CCD527C751}"/>
+    <dgm:cxn modelId="{01FF1C91-ED5A-491A-B530-5889492C00F6}" type="presOf" srcId="{EC9B3FCD-0EC4-479F-8320-B44D4FC5DBC0}" destId="{D5F1405F-F855-4F34-8E56-135DC607C7EB}" srcOrd="0" destOrd="0" presId="urn:microsoft.com/office/officeart/2005/8/layout/vList5"/>
+    <dgm:cxn modelId="{FD9BFD3E-57CE-4A76-977F-3E1CBB997223}" srcId="{DBBB86DE-B3A3-43D9-AC28-4EAD993F247A}" destId="{6C8ED2CE-FB9C-453C-BF35-1CFDC22397D4}" srcOrd="1" destOrd="0" parTransId="{BD4EE727-E822-4C1A-B630-DB10596322B0}" sibTransId="{DAFCD09D-3AB9-40A8-8ED0-D8B378AE193D}"/>
+    <dgm:cxn modelId="{097EB493-B21C-434C-BA87-B1F76F54D320}" type="presOf" srcId="{DBBB86DE-B3A3-43D9-AC28-4EAD993F247A}" destId="{ADA4A7F1-9DD6-4AAA-B748-B751DF16C124}" srcOrd="0" destOrd="0" presId="urn:microsoft.com/office/officeart/2005/8/layout/vList5"/>
+    <dgm:cxn modelId="{FA14B154-A9E7-401F-949F-6CF2B34362E4}" srcId="{DBBB86DE-B3A3-43D9-AC28-4EAD993F247A}" destId="{F4BA7A47-B22A-4EA0-8BEA-F38757241940}" srcOrd="5" destOrd="0" parTransId="{7B742767-DA11-499D-B078-F0BB7C81880E}" sibTransId="{DAC5623D-51E1-4E39-A328-F467C01CC640}"/>
+    <dgm:cxn modelId="{EC137395-4289-41E7-9D35-274860567F2A}" type="presOf" srcId="{1E4A6EF1-7798-4A29-8C89-515441226000}" destId="{5D805A90-0430-4206-A4DE-AAA8198C719F}" srcOrd="0" destOrd="0" presId="urn:microsoft.com/office/officeart/2005/8/layout/vList5"/>
+    <dgm:cxn modelId="{8BF0C660-6A60-4068-9FFB-8131D01FBA85}" srcId="{DBBB86DE-B3A3-43D9-AC28-4EAD993F247A}" destId="{614CAAF1-51BB-4B32-B347-4E34D7A5E1C8}" srcOrd="7" destOrd="0" parTransId="{D1596A15-2883-4890-A1A1-F59102614852}" sibTransId="{8E2016F8-28A3-47EE-9588-F2F0D7366734}"/>
+    <dgm:cxn modelId="{72003D82-8D4D-45B5-B901-4BDC6B9DF7B9}" type="presOf" srcId="{056EAB2B-C964-4413-A093-4896C084E6B1}" destId="{F12297E7-F392-4C9A-B4F9-ECD02726D844}" srcOrd="0" destOrd="0" presId="urn:microsoft.com/office/officeart/2005/8/layout/vList5"/>
+    <dgm:cxn modelId="{3B1A6251-1D3E-4F01-8FB8-BCA9079D2D61}" srcId="{DBBB86DE-B3A3-43D9-AC28-4EAD993F247A}" destId="{29C5DBCD-FBA1-4637-B0EA-3118B5BC0CAD}" srcOrd="2" destOrd="0" parTransId="{B7A852F2-EF5F-47C1-878E-1B6413CAEDC9}" sibTransId="{A97F0DDF-65CD-4958-B20A-79E75DD315A0}"/>
+    <dgm:cxn modelId="{ABD4C601-EF95-4F84-9C5C-D1C840F338A5}" type="presOf" srcId="{30DA5D09-077E-4A53-B6C2-93763DDD6333}" destId="{22E66A57-D27D-465A-B87D-00C18FFFCB53}" srcOrd="0" destOrd="0" presId="urn:microsoft.com/office/officeart/2005/8/layout/vList5"/>
+    <dgm:cxn modelId="{869D0496-F7CA-4855-BA3F-988D9480AC97}" srcId="{DBBB86DE-B3A3-43D9-AC28-4EAD993F247A}" destId="{1E4A6EF1-7798-4A29-8C89-515441226000}" srcOrd="3" destOrd="0" parTransId="{0FF91269-A6CA-403A-8EA0-5486C0C97274}" sibTransId="{1959DF1F-B7D9-4464-B2F7-65673EE1B7AB}"/>
+    <dgm:cxn modelId="{6D80D8FD-899F-4203-B410-C6B7B38CE3EC}" srcId="{DBBB86DE-B3A3-43D9-AC28-4EAD993F247A}" destId="{DAF1C578-020A-417E-A532-13AFDDD0BE85}" srcOrd="9" destOrd="0" parTransId="{45BA1395-1DD0-49A8-87B8-53B5C45CDDB8}" sibTransId="{E2DAC04E-2F27-4C8C-8DE2-E25CD08DA123}"/>
+    <dgm:cxn modelId="{338072E9-DF77-45CD-8D00-5B316B4E526B}" type="presParOf" srcId="{ADA4A7F1-9DD6-4AAA-B748-B751DF16C124}" destId="{4A8F3152-5BA8-46DA-9EC6-D6F16E178151}" srcOrd="0" destOrd="0" presId="urn:microsoft.com/office/officeart/2005/8/layout/vList5"/>
+    <dgm:cxn modelId="{40BF6A60-B15C-4F0B-972E-953AD4DBA11A}" type="presParOf" srcId="{4A8F3152-5BA8-46DA-9EC6-D6F16E178151}" destId="{D5F1405F-F855-4F34-8E56-135DC607C7EB}" srcOrd="0" destOrd="0" presId="urn:microsoft.com/office/officeart/2005/8/layout/vList5"/>
+    <dgm:cxn modelId="{FE2A9CCC-50A7-4654-B990-C33BE5394636}" type="presParOf" srcId="{ADA4A7F1-9DD6-4AAA-B748-B751DF16C124}" destId="{B9B69CD5-8577-4217-93E7-CB74839244FF}" srcOrd="1" destOrd="0" presId="urn:microsoft.com/office/officeart/2005/8/layout/vList5"/>
+    <dgm:cxn modelId="{184E80BE-668E-4488-8FC6-52C4FFB61D1F}" type="presParOf" srcId="{ADA4A7F1-9DD6-4AAA-B748-B751DF16C124}" destId="{DB564E56-E672-47C5-B28E-E171997C61A7}" srcOrd="2" destOrd="0" presId="urn:microsoft.com/office/officeart/2005/8/layout/vList5"/>
+    <dgm:cxn modelId="{4FC17897-20BF-44F0-8258-848F7E694DD0}" type="presParOf" srcId="{DB564E56-E672-47C5-B28E-E171997C61A7}" destId="{2B7B7114-6394-4A3B-868E-4E0D4B32E38F}" srcOrd="0" destOrd="0" presId="urn:microsoft.com/office/officeart/2005/8/layout/vList5"/>
+    <dgm:cxn modelId="{BE04668F-8DC0-4F32-84F0-F762652335BD}" type="presParOf" srcId="{ADA4A7F1-9DD6-4AAA-B748-B751DF16C124}" destId="{0AA4AE8F-FCA1-47E3-8332-8320240092F1}" srcOrd="3" destOrd="0" presId="urn:microsoft.com/office/officeart/2005/8/layout/vList5"/>
+    <dgm:cxn modelId="{37AED6E2-8D79-4581-AEEA-3D3A20060F63}" type="presParOf" srcId="{ADA4A7F1-9DD6-4AAA-B748-B751DF16C124}" destId="{8822CCD2-B463-48E4-8F76-565607786EA9}" srcOrd="4" destOrd="0" presId="urn:microsoft.com/office/officeart/2005/8/layout/vList5"/>
+    <dgm:cxn modelId="{7980CAE6-9BFB-460C-B11A-1F98E110585B}" type="presParOf" srcId="{8822CCD2-B463-48E4-8F76-565607786EA9}" destId="{39D66280-61AC-4EF8-81B2-BAE463239A91}" srcOrd="0" destOrd="0" presId="urn:microsoft.com/office/officeart/2005/8/layout/vList5"/>
+    <dgm:cxn modelId="{5D0F005B-121D-49DB-A9F1-C290A609F263}" type="presParOf" srcId="{ADA4A7F1-9DD6-4AAA-B748-B751DF16C124}" destId="{CDCC57A0-554E-4AB8-9E56-8A5CF5391B0F}" srcOrd="5" destOrd="0" presId="urn:microsoft.com/office/officeart/2005/8/layout/vList5"/>
+    <dgm:cxn modelId="{60C73A42-392A-4A8C-9993-993F9451AE45}" type="presParOf" srcId="{ADA4A7F1-9DD6-4AAA-B748-B751DF16C124}" destId="{66E5C1CD-AA26-448E-9794-B10002DC23B3}" srcOrd="6" destOrd="0" presId="urn:microsoft.com/office/officeart/2005/8/layout/vList5"/>
+    <dgm:cxn modelId="{9BA70123-A805-468E-939E-9D2EB3456F02}" type="presParOf" srcId="{66E5C1CD-AA26-448E-9794-B10002DC23B3}" destId="{5D805A90-0430-4206-A4DE-AAA8198C719F}" srcOrd="0" destOrd="0" presId="urn:microsoft.com/office/officeart/2005/8/layout/vList5"/>
+    <dgm:cxn modelId="{7886504A-47D4-4A32-BE58-B3CD5D9FC967}" type="presParOf" srcId="{ADA4A7F1-9DD6-4AAA-B748-B751DF16C124}" destId="{67CA16A3-849E-4592-AA33-FEB7137DDD59}" srcOrd="7" destOrd="0" presId="urn:microsoft.com/office/officeart/2005/8/layout/vList5"/>
+    <dgm:cxn modelId="{53BCE878-1DE5-4954-8554-0F7EB8171A04}" type="presParOf" srcId="{ADA4A7F1-9DD6-4AAA-B748-B751DF16C124}" destId="{5B0E01DD-06D0-42E3-92D3-7E071BA877F5}" srcOrd="8" destOrd="0" presId="urn:microsoft.com/office/officeart/2005/8/layout/vList5"/>
+    <dgm:cxn modelId="{43E6E3AF-2B1A-4EDA-AA98-5B2F3664BD7A}" type="presParOf" srcId="{5B0E01DD-06D0-42E3-92D3-7E071BA877F5}" destId="{22E66A57-D27D-465A-B87D-00C18FFFCB53}" srcOrd="0" destOrd="0" presId="urn:microsoft.com/office/officeart/2005/8/layout/vList5"/>
+    <dgm:cxn modelId="{3DC54287-6E90-47E2-B7B7-693F0223C528}" type="presParOf" srcId="{ADA4A7F1-9DD6-4AAA-B748-B751DF16C124}" destId="{EFD08B98-2FC0-4E4E-8269-020385C68494}" srcOrd="9" destOrd="0" presId="urn:microsoft.com/office/officeart/2005/8/layout/vList5"/>
+    <dgm:cxn modelId="{F909905E-8BF6-492C-A7D4-6B946DCAF0BD}" type="presParOf" srcId="{ADA4A7F1-9DD6-4AAA-B748-B751DF16C124}" destId="{C1F7CC2C-BD09-46D2-82E8-1D8B21C64195}" srcOrd="10" destOrd="0" presId="urn:microsoft.com/office/officeart/2005/8/layout/vList5"/>
+    <dgm:cxn modelId="{44B85ABE-1CC4-4261-8066-E8655D2904EA}" type="presParOf" srcId="{C1F7CC2C-BD09-46D2-82E8-1D8B21C64195}" destId="{424AD5B7-4900-48AD-BE7D-57E5E5D27EA6}" srcOrd="0" destOrd="0" presId="urn:microsoft.com/office/officeart/2005/8/layout/vList5"/>
+    <dgm:cxn modelId="{D38C6CC3-1B9A-4848-920E-520BF7E0185D}" type="presParOf" srcId="{ADA4A7F1-9DD6-4AAA-B748-B751DF16C124}" destId="{36F05475-C177-4DE9-AA81-50D476ADFB68}" srcOrd="11" destOrd="0" presId="urn:microsoft.com/office/officeart/2005/8/layout/vList5"/>
+    <dgm:cxn modelId="{840F6386-B656-4D37-8F31-34B8FDE0FAFC}" type="presParOf" srcId="{ADA4A7F1-9DD6-4AAA-B748-B751DF16C124}" destId="{9FE149A1-8CDA-4FEB-8115-88130B4FEE75}" srcOrd="12" destOrd="0" presId="urn:microsoft.com/office/officeart/2005/8/layout/vList5"/>
+    <dgm:cxn modelId="{704FCB81-35B4-4020-817E-7302459C5930}" type="presParOf" srcId="{9FE149A1-8CDA-4FEB-8115-88130B4FEE75}" destId="{F12297E7-F392-4C9A-B4F9-ECD02726D844}" srcOrd="0" destOrd="0" presId="urn:microsoft.com/office/officeart/2005/8/layout/vList5"/>
+    <dgm:cxn modelId="{740182E1-F55F-4BE1-8D4C-5B991076AD17}" type="presParOf" srcId="{ADA4A7F1-9DD6-4AAA-B748-B751DF16C124}" destId="{8D5C5961-D706-471D-B388-F13A230BB7A1}" srcOrd="13" destOrd="0" presId="urn:microsoft.com/office/officeart/2005/8/layout/vList5"/>
+    <dgm:cxn modelId="{797D8F68-DB27-4ADF-9946-1320EC8C84A5}" type="presParOf" srcId="{ADA4A7F1-9DD6-4AAA-B748-B751DF16C124}" destId="{69FEE265-C3B9-47AC-A3A2-B9582A044538}" srcOrd="14" destOrd="0" presId="urn:microsoft.com/office/officeart/2005/8/layout/vList5"/>
+    <dgm:cxn modelId="{BB232C9E-52B3-437D-9843-EAD2703E1098}" type="presParOf" srcId="{69FEE265-C3B9-47AC-A3A2-B9582A044538}" destId="{708114EC-68FC-4466-8FCD-12FEA77D3EBF}" srcOrd="0" destOrd="0" presId="urn:microsoft.com/office/officeart/2005/8/layout/vList5"/>
+    <dgm:cxn modelId="{69396F07-9200-479B-83B4-6480B6BACC2A}" type="presParOf" srcId="{ADA4A7F1-9DD6-4AAA-B748-B751DF16C124}" destId="{9F51791A-C77A-4630-ABE4-A99A82FCDC33}" srcOrd="15" destOrd="0" presId="urn:microsoft.com/office/officeart/2005/8/layout/vList5"/>
+    <dgm:cxn modelId="{FE5FC8A7-B066-4E90-BFAF-E38148B116D6}" type="presParOf" srcId="{ADA4A7F1-9DD6-4AAA-B748-B751DF16C124}" destId="{D0F04299-9ECA-4393-842D-5CC743119CF9}" srcOrd="16" destOrd="0" presId="urn:microsoft.com/office/officeart/2005/8/layout/vList5"/>
+    <dgm:cxn modelId="{FB1D5902-6C69-4943-850E-91B702E31A56}" type="presParOf" srcId="{D0F04299-9ECA-4393-842D-5CC743119CF9}" destId="{3898DC5C-3E0A-407F-9579-1EA1B43FCA49}" srcOrd="0" destOrd="0" presId="urn:microsoft.com/office/officeart/2005/8/layout/vList5"/>
+    <dgm:cxn modelId="{D5D8A91C-74C4-4E0A-8631-108477357F84}" type="presParOf" srcId="{ADA4A7F1-9DD6-4AAA-B748-B751DF16C124}" destId="{F7267DC4-719A-4F7A-96AA-9DB6ED0FAF66}" srcOrd="17" destOrd="0" presId="urn:microsoft.com/office/officeart/2005/8/layout/vList5"/>
+    <dgm:cxn modelId="{EDD812C8-2126-43F5-97EA-9C1C6C7510DC}" type="presParOf" srcId="{ADA4A7F1-9DD6-4AAA-B748-B751DF16C124}" destId="{D7DD13EE-0299-4F90-A032-732BD3E7A9B1}" srcOrd="18" destOrd="0" presId="urn:microsoft.com/office/officeart/2005/8/layout/vList5"/>
+    <dgm:cxn modelId="{A625850B-F967-4951-8D89-E9709A9C8821}" type="presParOf" srcId="{D7DD13EE-0299-4F90-A032-732BD3E7A9B1}" destId="{30030563-22B0-4D04-A154-AB0F0DD0472C}" srcOrd="0" destOrd="0" presId="urn:microsoft.com/office/officeart/2005/8/layout/vList5"/>
+  </dgm:cxnLst>
+  <dgm:bg/>
+  <dgm:whole/>
+</dgm:dataModel>
+</file>
+
+<file path=ppt/diagrams/data2.xml><?xml version="1.0" encoding="utf-8"?>
+<dgm:dataModel xmlns:dgm="http://schemas.openxmlformats.org/drawingml/2006/diagram" xmlns:a="http://schemas.openxmlformats.org/drawingml/2006/main">
+  <dgm:ptLst>
+    <dgm:pt modelId="{1CCC15E9-3F1D-4AF1-8F87-4A7DB631DFD0}" type="doc">
+      <dgm:prSet loTypeId="urn:microsoft.com/office/officeart/2005/8/layout/vList2" loCatId="list" qsTypeId="urn:microsoft.com/office/officeart/2005/8/quickstyle/simple1" qsCatId="simple" csTypeId="urn:microsoft.com/office/officeart/2005/8/colors/colorful1" csCatId="colorful"/>
+      <dgm:spPr/>
+      <dgm:t>
+        <a:bodyPr/>
+        <a:lstStyle/>
+        <a:p>
+          <a:endParaRPr lang="en-US"/>
+        </a:p>
+      </dgm:t>
+    </dgm:pt>
+    <dgm:pt modelId="{C70FAE0E-287B-4725-8619-7F36A9930B2A}">
+      <dgm:prSet/>
+      <dgm:spPr/>
+      <dgm:t>
+        <a:bodyPr/>
+        <a:lstStyle/>
+        <a:p>
+          <a:pPr rtl="0"/>
+          <a:r>
+            <a:rPr lang="en-US" dirty="0" smtClean="0"/>
+            <a:t>Class Diagrams</a:t>
+          </a:r>
+          <a:endParaRPr lang="en-US" dirty="0"/>
+        </a:p>
+      </dgm:t>
+    </dgm:pt>
+    <dgm:pt modelId="{22BC366D-A076-45D4-9A9A-84B0F30A7005}" type="parTrans" cxnId="{9C0E8087-C323-4974-92C8-C6218BA86460}">
+      <dgm:prSet/>
+      <dgm:spPr/>
+      <dgm:t>
+        <a:bodyPr/>
+        <a:lstStyle/>
+        <a:p>
+          <a:endParaRPr lang="en-US"/>
+        </a:p>
+      </dgm:t>
+    </dgm:pt>
+    <dgm:pt modelId="{FDA16D89-7EB5-4939-BBB0-2661F7973843}" type="sibTrans" cxnId="{9C0E8087-C323-4974-92C8-C6218BA86460}">
+      <dgm:prSet/>
+      <dgm:spPr/>
+      <dgm:t>
+        <a:bodyPr/>
+        <a:lstStyle/>
+        <a:p>
+          <a:endParaRPr lang="en-US"/>
+        </a:p>
+      </dgm:t>
+    </dgm:pt>
+    <dgm:pt modelId="{1722CF46-EB9E-4699-A94B-51E25CF9B642}">
+      <dgm:prSet/>
+      <dgm:spPr/>
+      <dgm:t>
+        <a:bodyPr/>
+        <a:lstStyle/>
+        <a:p>
+          <a:pPr rtl="0"/>
+          <a:r>
+            <a:rPr lang="en-US" dirty="0" smtClean="0"/>
+            <a:t>Use Cases</a:t>
+          </a:r>
+          <a:endParaRPr lang="en-US" dirty="0"/>
+        </a:p>
+      </dgm:t>
+    </dgm:pt>
+    <dgm:pt modelId="{A0C29F9B-93B8-4513-B1EE-0A62372A014A}" type="parTrans" cxnId="{08376B02-6121-4C9D-9432-1842ECBD903B}">
+      <dgm:prSet/>
+      <dgm:spPr/>
+      <dgm:t>
+        <a:bodyPr/>
+        <a:lstStyle/>
+        <a:p>
+          <a:endParaRPr lang="en-US"/>
+        </a:p>
+      </dgm:t>
+    </dgm:pt>
+    <dgm:pt modelId="{D03A8284-C169-4EF1-878E-547FD1017E17}" type="sibTrans" cxnId="{08376B02-6121-4C9D-9432-1842ECBD903B}">
+      <dgm:prSet/>
+      <dgm:spPr/>
+      <dgm:t>
+        <a:bodyPr/>
+        <a:lstStyle/>
+        <a:p>
+          <a:endParaRPr lang="en-US"/>
+        </a:p>
+      </dgm:t>
+    </dgm:pt>
+    <dgm:pt modelId="{F6D4E833-704B-4890-928C-96E0F7C92F7E}">
+      <dgm:prSet/>
+      <dgm:spPr/>
+      <dgm:t>
+        <a:bodyPr/>
+        <a:lstStyle/>
+        <a:p>
+          <a:pPr rtl="0"/>
+          <a:r>
+            <a:rPr lang="en-US" dirty="0" smtClean="0"/>
+            <a:t>Activity Diagrams</a:t>
+          </a:r>
+          <a:endParaRPr lang="en-US" dirty="0"/>
+        </a:p>
+      </dgm:t>
+    </dgm:pt>
+    <dgm:pt modelId="{4EF6C41E-3A3B-4D54-9312-C7F92DB7C4D7}" type="parTrans" cxnId="{E8B74DA3-D952-4F1E-BB6F-C9B5438E8750}">
+      <dgm:prSet/>
+      <dgm:spPr/>
+      <dgm:t>
+        <a:bodyPr/>
+        <a:lstStyle/>
+        <a:p>
+          <a:endParaRPr lang="en-US"/>
+        </a:p>
+      </dgm:t>
+    </dgm:pt>
+    <dgm:pt modelId="{56E17B98-EA99-4942-875C-05039F6E2868}" type="sibTrans" cxnId="{E8B74DA3-D952-4F1E-BB6F-C9B5438E8750}">
+      <dgm:prSet/>
+      <dgm:spPr/>
+      <dgm:t>
+        <a:bodyPr/>
+        <a:lstStyle/>
+        <a:p>
+          <a:endParaRPr lang="en-US"/>
+        </a:p>
+      </dgm:t>
+    </dgm:pt>
+    <dgm:pt modelId="{BE485BD8-710C-49FF-BE40-65D352420D01}">
+      <dgm:prSet/>
+      <dgm:spPr/>
+      <dgm:t>
+        <a:bodyPr/>
+        <a:lstStyle/>
+        <a:p>
+          <a:pPr rtl="0"/>
+          <a:r>
+            <a:rPr lang="en-US" dirty="0" smtClean="0"/>
+            <a:t>Activity Dependency Chart</a:t>
+          </a:r>
+          <a:endParaRPr lang="en-US" dirty="0"/>
+        </a:p>
+      </dgm:t>
+    </dgm:pt>
+    <dgm:pt modelId="{263AA5F4-9245-4827-8620-C2CBC9992C03}" type="parTrans" cxnId="{5ACD01B0-F0C4-4A3E-BDB4-764DED5FB43B}">
+      <dgm:prSet/>
+      <dgm:spPr/>
+      <dgm:t>
+        <a:bodyPr/>
+        <a:lstStyle/>
+        <a:p>
+          <a:endParaRPr lang="en-US"/>
+        </a:p>
+      </dgm:t>
+    </dgm:pt>
+    <dgm:pt modelId="{0289F774-72A7-4780-A678-2ECF58C47CB5}" type="sibTrans" cxnId="{5ACD01B0-F0C4-4A3E-BDB4-764DED5FB43B}">
+      <dgm:prSet/>
+      <dgm:spPr/>
+      <dgm:t>
+        <a:bodyPr/>
+        <a:lstStyle/>
+        <a:p>
+          <a:endParaRPr lang="en-US"/>
+        </a:p>
+      </dgm:t>
+    </dgm:pt>
+    <dgm:pt modelId="{DD15B02F-7CDE-4D73-B5A7-F09332591224}">
+      <dgm:prSet/>
+      <dgm:spPr/>
+      <dgm:t>
+        <a:bodyPr/>
+        <a:lstStyle/>
+        <a:p>
+          <a:pPr rtl="0"/>
+          <a:r>
+            <a:rPr lang="en-US" dirty="0" smtClean="0"/>
+            <a:t>State Diagram</a:t>
+          </a:r>
+          <a:endParaRPr lang="en-US" dirty="0"/>
+        </a:p>
+      </dgm:t>
+    </dgm:pt>
+    <dgm:pt modelId="{E944D087-BA82-4938-94F8-DF76705914FB}" type="parTrans" cxnId="{55002470-5190-438F-A0FC-237E3A24A1E2}">
+      <dgm:prSet/>
+      <dgm:spPr/>
+      <dgm:t>
+        <a:bodyPr/>
+        <a:lstStyle/>
+        <a:p>
+          <a:endParaRPr lang="en-US"/>
+        </a:p>
+      </dgm:t>
+    </dgm:pt>
+    <dgm:pt modelId="{AABD4CF3-BCDA-4676-8473-5227EDD2DE52}" type="sibTrans" cxnId="{55002470-5190-438F-A0FC-237E3A24A1E2}">
+      <dgm:prSet/>
+      <dgm:spPr/>
+      <dgm:t>
+        <a:bodyPr/>
+        <a:lstStyle/>
+        <a:p>
+          <a:endParaRPr lang="en-US"/>
+        </a:p>
+      </dgm:t>
+    </dgm:pt>
+    <dgm:pt modelId="{4AE2DE76-A66E-4125-93C1-C9616AE66F57}">
+      <dgm:prSet/>
+      <dgm:spPr/>
+      <dgm:t>
+        <a:bodyPr/>
+        <a:lstStyle/>
+        <a:p>
+          <a:pPr rtl="0"/>
+          <a:r>
+            <a:rPr lang="en-US" dirty="0" smtClean="0"/>
+            <a:t>Finite State Machine Diagram</a:t>
+          </a:r>
+          <a:endParaRPr lang="en-US" dirty="0"/>
+        </a:p>
+      </dgm:t>
+    </dgm:pt>
+    <dgm:pt modelId="{A1957F62-404B-4C9E-AEEF-D718C4CDCA4C}" type="parTrans" cxnId="{F6EBDBD1-8D67-4386-BBDF-1196B9022120}">
+      <dgm:prSet/>
+      <dgm:spPr/>
+      <dgm:t>
+        <a:bodyPr/>
+        <a:lstStyle/>
+        <a:p>
+          <a:endParaRPr lang="en-US"/>
+        </a:p>
+      </dgm:t>
+    </dgm:pt>
+    <dgm:pt modelId="{BE5A9BB1-3D53-4DBF-AF2C-EA937C6A2D8C}" type="sibTrans" cxnId="{F6EBDBD1-8D67-4386-BBDF-1196B9022120}">
+      <dgm:prSet/>
+      <dgm:spPr/>
+      <dgm:t>
+        <a:bodyPr/>
+        <a:lstStyle/>
+        <a:p>
+          <a:endParaRPr lang="en-US"/>
+        </a:p>
+      </dgm:t>
+    </dgm:pt>
+    <dgm:pt modelId="{8DE7B261-374E-425F-BB13-4A53E837288E}">
+      <dgm:prSet/>
+      <dgm:spPr/>
+      <dgm:t>
+        <a:bodyPr/>
+        <a:lstStyle/>
+        <a:p>
+          <a:pPr rtl="0"/>
+          <a:r>
+            <a:rPr lang="en-US" dirty="0" smtClean="0"/>
+            <a:t>Transition Trees</a:t>
+          </a:r>
+          <a:endParaRPr lang="en-US" dirty="0"/>
+        </a:p>
+      </dgm:t>
+    </dgm:pt>
+    <dgm:pt modelId="{76AE1381-44D7-4141-ACAB-BD186448F62F}" type="parTrans" cxnId="{50FCD6CB-B495-45E6-B7C4-6B23A676239C}">
+      <dgm:prSet/>
+      <dgm:spPr/>
+      <dgm:t>
+        <a:bodyPr/>
+        <a:lstStyle/>
+        <a:p>
+          <a:endParaRPr lang="en-US"/>
+        </a:p>
+      </dgm:t>
+    </dgm:pt>
+    <dgm:pt modelId="{8A584355-3164-42B1-8AC0-03F86212E073}" type="sibTrans" cxnId="{50FCD6CB-B495-45E6-B7C4-6B23A676239C}">
+      <dgm:prSet/>
+      <dgm:spPr/>
+      <dgm:t>
+        <a:bodyPr/>
+        <a:lstStyle/>
+        <a:p>
+          <a:endParaRPr lang="en-US"/>
+        </a:p>
+      </dgm:t>
+    </dgm:pt>
+    <dgm:pt modelId="{6EE38DF6-52D6-433C-808F-EF6C5330241F}" type="pres">
+      <dgm:prSet presAssocID="{1CCC15E9-3F1D-4AF1-8F87-4A7DB631DFD0}" presName="linear" presStyleCnt="0">
+        <dgm:presLayoutVars>
+          <dgm:animLvl val="lvl"/>
+          <dgm:resizeHandles val="exact"/>
+        </dgm:presLayoutVars>
+      </dgm:prSet>
+      <dgm:spPr/>
+    </dgm:pt>
+    <dgm:pt modelId="{30FA9603-0FCB-4CE2-95D0-F53B36AB493D}" type="pres">
+      <dgm:prSet presAssocID="{C70FAE0E-287B-4725-8619-7F36A9930B2A}" presName="parentText" presStyleLbl="node1" presStyleIdx="0" presStyleCnt="7">
+        <dgm:presLayoutVars>
+          <dgm:chMax val="0"/>
+          <dgm:bulletEnabled val="1"/>
+        </dgm:presLayoutVars>
+      </dgm:prSet>
+      <dgm:spPr/>
+    </dgm:pt>
+    <dgm:pt modelId="{BDE1E34A-8311-48ED-9499-2760DBFE93B4}" type="pres">
+      <dgm:prSet presAssocID="{FDA16D89-7EB5-4939-BBB0-2661F7973843}" presName="spacer" presStyleCnt="0"/>
+      <dgm:spPr/>
+    </dgm:pt>
+    <dgm:pt modelId="{DA61A8B2-7392-4DE9-A8ED-DB90BFF87FBA}" type="pres">
+      <dgm:prSet presAssocID="{1722CF46-EB9E-4699-A94B-51E25CF9B642}" presName="parentText" presStyleLbl="node1" presStyleIdx="1" presStyleCnt="7">
+        <dgm:presLayoutVars>
+          <dgm:chMax val="0"/>
+          <dgm:bulletEnabled val="1"/>
+        </dgm:presLayoutVars>
+      </dgm:prSet>
+      <dgm:spPr/>
+    </dgm:pt>
+    <dgm:pt modelId="{3EA3D521-1CD7-4154-B38B-59868DC3ED0C}" type="pres">
+      <dgm:prSet presAssocID="{D03A8284-C169-4EF1-878E-547FD1017E17}" presName="spacer" presStyleCnt="0"/>
+      <dgm:spPr/>
+    </dgm:pt>
+    <dgm:pt modelId="{FF34A0C5-EB5E-4A5C-AD2D-CF4EDF8F533A}" type="pres">
+      <dgm:prSet presAssocID="{F6D4E833-704B-4890-928C-96E0F7C92F7E}" presName="parentText" presStyleLbl="node1" presStyleIdx="2" presStyleCnt="7">
+        <dgm:presLayoutVars>
+          <dgm:chMax val="0"/>
+          <dgm:bulletEnabled val="1"/>
+        </dgm:presLayoutVars>
+      </dgm:prSet>
+      <dgm:spPr/>
+    </dgm:pt>
+    <dgm:pt modelId="{1B2F62F1-3D26-4CB4-9877-B2E66773CF15}" type="pres">
+      <dgm:prSet presAssocID="{56E17B98-EA99-4942-875C-05039F6E2868}" presName="spacer" presStyleCnt="0"/>
+      <dgm:spPr/>
+    </dgm:pt>
+    <dgm:pt modelId="{D4A2514A-99AD-4F6A-8AEF-A74A6C26D829}" type="pres">
+      <dgm:prSet presAssocID="{BE485BD8-710C-49FF-BE40-65D352420D01}" presName="parentText" presStyleLbl="node1" presStyleIdx="3" presStyleCnt="7">
+        <dgm:presLayoutVars>
+          <dgm:chMax val="0"/>
+          <dgm:bulletEnabled val="1"/>
+        </dgm:presLayoutVars>
+      </dgm:prSet>
+      <dgm:spPr/>
+    </dgm:pt>
+    <dgm:pt modelId="{9033CEF8-B7B7-4496-BF75-EF1DE164D552}" type="pres">
+      <dgm:prSet presAssocID="{0289F774-72A7-4780-A678-2ECF58C47CB5}" presName="spacer" presStyleCnt="0"/>
+      <dgm:spPr/>
+    </dgm:pt>
+    <dgm:pt modelId="{6309D278-2BC3-4C02-9062-6C74B6F5593C}" type="pres">
+      <dgm:prSet presAssocID="{DD15B02F-7CDE-4D73-B5A7-F09332591224}" presName="parentText" presStyleLbl="node1" presStyleIdx="4" presStyleCnt="7">
+        <dgm:presLayoutVars>
+          <dgm:chMax val="0"/>
+          <dgm:bulletEnabled val="1"/>
+        </dgm:presLayoutVars>
+      </dgm:prSet>
+      <dgm:spPr/>
+    </dgm:pt>
+    <dgm:pt modelId="{9E72BFD2-FC85-4A36-90B3-FC5452816AE0}" type="pres">
+      <dgm:prSet presAssocID="{AABD4CF3-BCDA-4676-8473-5227EDD2DE52}" presName="spacer" presStyleCnt="0"/>
+      <dgm:spPr/>
+    </dgm:pt>
+    <dgm:pt modelId="{E10CDF0C-6411-4AD3-BD02-88135DB45D6B}" type="pres">
+      <dgm:prSet presAssocID="{4AE2DE76-A66E-4125-93C1-C9616AE66F57}" presName="parentText" presStyleLbl="node1" presStyleIdx="5" presStyleCnt="7">
+        <dgm:presLayoutVars>
+          <dgm:chMax val="0"/>
+          <dgm:bulletEnabled val="1"/>
+        </dgm:presLayoutVars>
+      </dgm:prSet>
+      <dgm:spPr/>
+    </dgm:pt>
+    <dgm:pt modelId="{857F5B57-62EA-45AB-89BA-D8FF2CB92AD3}" type="pres">
+      <dgm:prSet presAssocID="{BE5A9BB1-3D53-4DBF-AF2C-EA937C6A2D8C}" presName="spacer" presStyleCnt="0"/>
+      <dgm:spPr/>
+    </dgm:pt>
+    <dgm:pt modelId="{13C4E442-32DC-4107-992F-262CD12DAAF8}" type="pres">
+      <dgm:prSet presAssocID="{8DE7B261-374E-425F-BB13-4A53E837288E}" presName="parentText" presStyleLbl="node1" presStyleIdx="6" presStyleCnt="7">
+        <dgm:presLayoutVars>
+          <dgm:chMax val="0"/>
+          <dgm:bulletEnabled val="1"/>
+        </dgm:presLayoutVars>
+      </dgm:prSet>
+      <dgm:spPr/>
+    </dgm:pt>
+  </dgm:ptLst>
+  <dgm:cxnLst>
+    <dgm:cxn modelId="{50FCD6CB-B495-45E6-B7C4-6B23A676239C}" srcId="{1CCC15E9-3F1D-4AF1-8F87-4A7DB631DFD0}" destId="{8DE7B261-374E-425F-BB13-4A53E837288E}" srcOrd="6" destOrd="0" parTransId="{76AE1381-44D7-4141-ACAB-BD186448F62F}" sibTransId="{8A584355-3164-42B1-8AC0-03F86212E073}"/>
+    <dgm:cxn modelId="{660984D0-C573-4AC0-8AB5-73E5183845BC}" type="presOf" srcId="{F6D4E833-704B-4890-928C-96E0F7C92F7E}" destId="{FF34A0C5-EB5E-4A5C-AD2D-CF4EDF8F533A}" srcOrd="0" destOrd="0" presId="urn:microsoft.com/office/officeart/2005/8/layout/vList2"/>
+    <dgm:cxn modelId="{0580A239-31D5-4547-ABDD-480028CD96D2}" type="presOf" srcId="{1CCC15E9-3F1D-4AF1-8F87-4A7DB631DFD0}" destId="{6EE38DF6-52D6-433C-808F-EF6C5330241F}" srcOrd="0" destOrd="0" presId="urn:microsoft.com/office/officeart/2005/8/layout/vList2"/>
+    <dgm:cxn modelId="{EA97A7A0-EFBC-428A-A289-BBD11C2E084A}" type="presOf" srcId="{BE485BD8-710C-49FF-BE40-65D352420D01}" destId="{D4A2514A-99AD-4F6A-8AEF-A74A6C26D829}" srcOrd="0" destOrd="0" presId="urn:microsoft.com/office/officeart/2005/8/layout/vList2"/>
+    <dgm:cxn modelId="{4B710397-9572-4992-B0F8-70880A2FB874}" type="presOf" srcId="{8DE7B261-374E-425F-BB13-4A53E837288E}" destId="{13C4E442-32DC-4107-992F-262CD12DAAF8}" srcOrd="0" destOrd="0" presId="urn:microsoft.com/office/officeart/2005/8/layout/vList2"/>
+    <dgm:cxn modelId="{08376B02-6121-4C9D-9432-1842ECBD903B}" srcId="{1CCC15E9-3F1D-4AF1-8F87-4A7DB631DFD0}" destId="{1722CF46-EB9E-4699-A94B-51E25CF9B642}" srcOrd="1" destOrd="0" parTransId="{A0C29F9B-93B8-4513-B1EE-0A62372A014A}" sibTransId="{D03A8284-C169-4EF1-878E-547FD1017E17}"/>
+    <dgm:cxn modelId="{9C0E8087-C323-4974-92C8-C6218BA86460}" srcId="{1CCC15E9-3F1D-4AF1-8F87-4A7DB631DFD0}" destId="{C70FAE0E-287B-4725-8619-7F36A9930B2A}" srcOrd="0" destOrd="0" parTransId="{22BC366D-A076-45D4-9A9A-84B0F30A7005}" sibTransId="{FDA16D89-7EB5-4939-BBB0-2661F7973843}"/>
+    <dgm:cxn modelId="{E02501E9-25A0-4B56-8C92-3B73824E77BF}" type="presOf" srcId="{4AE2DE76-A66E-4125-93C1-C9616AE66F57}" destId="{E10CDF0C-6411-4AD3-BD02-88135DB45D6B}" srcOrd="0" destOrd="0" presId="urn:microsoft.com/office/officeart/2005/8/layout/vList2"/>
+    <dgm:cxn modelId="{E8B74DA3-D952-4F1E-BB6F-C9B5438E8750}" srcId="{1CCC15E9-3F1D-4AF1-8F87-4A7DB631DFD0}" destId="{F6D4E833-704B-4890-928C-96E0F7C92F7E}" srcOrd="2" destOrd="0" parTransId="{4EF6C41E-3A3B-4D54-9312-C7F92DB7C4D7}" sibTransId="{56E17B98-EA99-4942-875C-05039F6E2868}"/>
+    <dgm:cxn modelId="{5192BF89-08DA-42F7-86B3-FCB1F4EA4745}" type="presOf" srcId="{DD15B02F-7CDE-4D73-B5A7-F09332591224}" destId="{6309D278-2BC3-4C02-9062-6C74B6F5593C}" srcOrd="0" destOrd="0" presId="urn:microsoft.com/office/officeart/2005/8/layout/vList2"/>
+    <dgm:cxn modelId="{5ACD01B0-F0C4-4A3E-BDB4-764DED5FB43B}" srcId="{1CCC15E9-3F1D-4AF1-8F87-4A7DB631DFD0}" destId="{BE485BD8-710C-49FF-BE40-65D352420D01}" srcOrd="3" destOrd="0" parTransId="{263AA5F4-9245-4827-8620-C2CBC9992C03}" sibTransId="{0289F774-72A7-4780-A678-2ECF58C47CB5}"/>
+    <dgm:cxn modelId="{F7041659-7177-495C-A0A8-480B9A1C9D51}" type="presOf" srcId="{C70FAE0E-287B-4725-8619-7F36A9930B2A}" destId="{30FA9603-0FCB-4CE2-95D0-F53B36AB493D}" srcOrd="0" destOrd="0" presId="urn:microsoft.com/office/officeart/2005/8/layout/vList2"/>
+    <dgm:cxn modelId="{F6EBDBD1-8D67-4386-BBDF-1196B9022120}" srcId="{1CCC15E9-3F1D-4AF1-8F87-4A7DB631DFD0}" destId="{4AE2DE76-A66E-4125-93C1-C9616AE66F57}" srcOrd="5" destOrd="0" parTransId="{A1957F62-404B-4C9E-AEEF-D718C4CDCA4C}" sibTransId="{BE5A9BB1-3D53-4DBF-AF2C-EA937C6A2D8C}"/>
+    <dgm:cxn modelId="{55002470-5190-438F-A0FC-237E3A24A1E2}" srcId="{1CCC15E9-3F1D-4AF1-8F87-4A7DB631DFD0}" destId="{DD15B02F-7CDE-4D73-B5A7-F09332591224}" srcOrd="4" destOrd="0" parTransId="{E944D087-BA82-4938-94F8-DF76705914FB}" sibTransId="{AABD4CF3-BCDA-4676-8473-5227EDD2DE52}"/>
+    <dgm:cxn modelId="{A47FB360-8F0A-4D3B-9829-53C80D622E4C}" type="presOf" srcId="{1722CF46-EB9E-4699-A94B-51E25CF9B642}" destId="{DA61A8B2-7392-4DE9-A8ED-DB90BFF87FBA}" srcOrd="0" destOrd="0" presId="urn:microsoft.com/office/officeart/2005/8/layout/vList2"/>
+    <dgm:cxn modelId="{4A0104DB-2119-48F1-88F8-D127A23C516F}" type="presParOf" srcId="{6EE38DF6-52D6-433C-808F-EF6C5330241F}" destId="{30FA9603-0FCB-4CE2-95D0-F53B36AB493D}" srcOrd="0" destOrd="0" presId="urn:microsoft.com/office/officeart/2005/8/layout/vList2"/>
+    <dgm:cxn modelId="{AF5887E1-D665-4064-83B3-972419290BBF}" type="presParOf" srcId="{6EE38DF6-52D6-433C-808F-EF6C5330241F}" destId="{BDE1E34A-8311-48ED-9499-2760DBFE93B4}" srcOrd="1" destOrd="0" presId="urn:microsoft.com/office/officeart/2005/8/layout/vList2"/>
+    <dgm:cxn modelId="{3129F7B5-921A-42B2-B799-158DE904E239}" type="presParOf" srcId="{6EE38DF6-52D6-433C-808F-EF6C5330241F}" destId="{DA61A8B2-7392-4DE9-A8ED-DB90BFF87FBA}" srcOrd="2" destOrd="0" presId="urn:microsoft.com/office/officeart/2005/8/layout/vList2"/>
+    <dgm:cxn modelId="{F7AA2CDF-C0FB-435A-B15F-34A253DF363B}" type="presParOf" srcId="{6EE38DF6-52D6-433C-808F-EF6C5330241F}" destId="{3EA3D521-1CD7-4154-B38B-59868DC3ED0C}" srcOrd="3" destOrd="0" presId="urn:microsoft.com/office/officeart/2005/8/layout/vList2"/>
+    <dgm:cxn modelId="{82C22634-D992-4BE9-ACC5-88FF8ED4BA3F}" type="presParOf" srcId="{6EE38DF6-52D6-433C-808F-EF6C5330241F}" destId="{FF34A0C5-EB5E-4A5C-AD2D-CF4EDF8F533A}" srcOrd="4" destOrd="0" presId="urn:microsoft.com/office/officeart/2005/8/layout/vList2"/>
+    <dgm:cxn modelId="{21DA947A-DD4D-4407-BA41-CD8CDC84B33B}" type="presParOf" srcId="{6EE38DF6-52D6-433C-808F-EF6C5330241F}" destId="{1B2F62F1-3D26-4CB4-9877-B2E66773CF15}" srcOrd="5" destOrd="0" presId="urn:microsoft.com/office/officeart/2005/8/layout/vList2"/>
+    <dgm:cxn modelId="{52D8C559-0122-4829-A6B1-5B26B4BBDE18}" type="presParOf" srcId="{6EE38DF6-52D6-433C-808F-EF6C5330241F}" destId="{D4A2514A-99AD-4F6A-8AEF-A74A6C26D829}" srcOrd="6" destOrd="0" presId="urn:microsoft.com/office/officeart/2005/8/layout/vList2"/>
+    <dgm:cxn modelId="{58B809B9-5A8F-4683-927F-4F826D287211}" type="presParOf" srcId="{6EE38DF6-52D6-433C-808F-EF6C5330241F}" destId="{9033CEF8-B7B7-4496-BF75-EF1DE164D552}" srcOrd="7" destOrd="0" presId="urn:microsoft.com/office/officeart/2005/8/layout/vList2"/>
+    <dgm:cxn modelId="{E789FEA1-D2D9-4755-96C6-521055C6EB44}" type="presParOf" srcId="{6EE38DF6-52D6-433C-808F-EF6C5330241F}" destId="{6309D278-2BC3-4C02-9062-6C74B6F5593C}" srcOrd="8" destOrd="0" presId="urn:microsoft.com/office/officeart/2005/8/layout/vList2"/>
+    <dgm:cxn modelId="{1190E0F5-8998-451E-875F-BB65D54CBBD6}" type="presParOf" srcId="{6EE38DF6-52D6-433C-808F-EF6C5330241F}" destId="{9E72BFD2-FC85-4A36-90B3-FC5452816AE0}" srcOrd="9" destOrd="0" presId="urn:microsoft.com/office/officeart/2005/8/layout/vList2"/>
+    <dgm:cxn modelId="{E24B837D-CE14-4181-9C5C-A5FF9C0BACD4}" type="presParOf" srcId="{6EE38DF6-52D6-433C-808F-EF6C5330241F}" destId="{E10CDF0C-6411-4AD3-BD02-88135DB45D6B}" srcOrd="10" destOrd="0" presId="urn:microsoft.com/office/officeart/2005/8/layout/vList2"/>
+    <dgm:cxn modelId="{8E607F6F-8723-447B-9AE3-B852B7D0C558}" type="presParOf" srcId="{6EE38DF6-52D6-433C-808F-EF6C5330241F}" destId="{857F5B57-62EA-45AB-89BA-D8FF2CB92AD3}" srcOrd="11" destOrd="0" presId="urn:microsoft.com/office/officeart/2005/8/layout/vList2"/>
+    <dgm:cxn modelId="{02AAFEE5-129A-466F-89DC-FD40732EA622}" type="presParOf" srcId="{6EE38DF6-52D6-433C-808F-EF6C5330241F}" destId="{13C4E442-32DC-4107-992F-262CD12DAAF8}" srcOrd="12" destOrd="0" presId="urn:microsoft.com/office/officeart/2005/8/layout/vList2"/>
+  </dgm:cxnLst>
+  <dgm:bg/>
+  <dgm:whole/>
+</dgm:dataModel>
+</file>
+
+<file path=ppt/diagrams/layout1.xml><?xml version="1.0" encoding="utf-8"?>
+<dgm:layoutDef xmlns:dgm="http://schemas.openxmlformats.org/drawingml/2006/diagram" xmlns:a="http://schemas.openxmlformats.org/drawingml/2006/main" uniqueId="urn:microsoft.com/office/officeart/2005/8/layout/vList5">
+  <dgm:title val=""/>
+  <dgm:desc val=""/>
+  <dgm:catLst>
+    <dgm:cat type="list" pri="15000"/>
+    <dgm:cat type="convert" pri="2000"/>
+  </dgm:catLst>
+  <dgm:sampData>
+    <dgm:dataModel>
+      <dgm:ptLst>
+        <dgm:pt modelId="0" type="doc"/>
+        <dgm:pt modelId="1">
+          <dgm:prSet phldr="1"/>
+        </dgm:pt>
+        <dgm:pt modelId="11">
+          <dgm:prSet phldr="1"/>
+        </dgm:pt>
+        <dgm:pt modelId="12">
+          <dgm:prSet phldr="1"/>
+        </dgm:pt>
+        <dgm:pt modelId="2">
+          <dgm:prSet phldr="1"/>
+        </dgm:pt>
+        <dgm:pt modelId="21">
+          <dgm:prSet phldr="1"/>
+        </dgm:pt>
+        <dgm:pt modelId="22">
+          <dgm:prSet phldr="1"/>
+        </dgm:pt>
+        <dgm:pt modelId="3">
+          <dgm:prSet phldr="1"/>
+        </dgm:pt>
+        <dgm:pt modelId="31">
+          <dgm:prSet phldr="1"/>
+        </dgm:pt>
+        <dgm:pt modelId="32">
+          <dgm:prSet phldr="1"/>
+        </dgm:pt>
+      </dgm:ptLst>
+      <dgm:cxnLst>
+        <dgm:cxn modelId="4" srcId="0" destId="1" srcOrd="0" destOrd="0"/>
+        <dgm:cxn modelId="5" srcId="0" destId="2" srcOrd="1" destOrd="0"/>
+        <dgm:cxn modelId="6" srcId="0" destId="3" srcOrd="2" destOrd="0"/>
+        <dgm:cxn modelId="13" srcId="1" destId="11" srcOrd="0" destOrd="0"/>
+        <dgm:cxn modelId="14" srcId="1" destId="12" srcOrd="1" destOrd="0"/>
+        <dgm:cxn modelId="23" srcId="2" destId="21" srcOrd="0" destOrd="0"/>
+        <dgm:cxn modelId="24" srcId="2" destId="22" srcOrd="1" destOrd="0"/>
+        <dgm:cxn modelId="33" srcId="3" destId="31" srcOrd="0" destOrd="0"/>
+        <dgm:cxn modelId="34" srcId="3" destId="32" srcOrd="1" destOrd="0"/>
+      </dgm:cxnLst>
+      <dgm:bg/>
+      <dgm:whole/>
+    </dgm:dataModel>
+  </dgm:sampData>
+  <dgm:styleData>
+    <dgm:dataModel>
+      <dgm:ptLst>
+        <dgm:pt modelId="0" type="doc"/>
+        <dgm:pt modelId="1"/>
+        <dgm:pt modelId="11"/>
+        <dgm:pt modelId="2"/>
+        <dgm:pt modelId="21"/>
+      </dgm:ptLst>
+      <dgm:cxnLst>
+        <dgm:cxn modelId="4" srcId="0" destId="1" srcOrd="0" destOrd="0"/>
+        <dgm:cxn modelId="5" srcId="0" destId="2" srcOrd="1" destOrd="0"/>
+        <dgm:cxn modelId="13" srcId="1" destId="11" srcOrd="0" destOrd="0"/>
+        <dgm:cxn modelId="23" srcId="2" destId="21" srcOrd="0" destOrd="0"/>
+      </dgm:cxnLst>
+      <dgm:bg/>
+      <dgm:whole/>
+    </dgm:dataModel>
+  </dgm:styleData>
+  <dgm:clrData>
+    <dgm:dataModel>
+      <dgm:ptLst>
+        <dgm:pt modelId="0" type="doc"/>
+        <dgm:pt modelId="1"/>
+        <dgm:pt modelId="11"/>
+        <dgm:pt modelId="2"/>
+        <dgm:pt modelId="21"/>
+        <dgm:pt modelId="3"/>
+        <dgm:pt modelId="31"/>
+        <dgm:pt modelId="4"/>
+        <dgm:pt modelId="41"/>
+      </dgm:ptLst>
+      <dgm:cxnLst>
+        <dgm:cxn modelId="5" srcId="0" destId="1" srcOrd="0" destOrd="0"/>
+        <dgm:cxn modelId="6" srcId="0" destId="2" srcOrd="1" destOrd="0"/>
+        <dgm:cxn modelId="7" srcId="0" destId="3" srcOrd="2" destOrd="0"/>
+        <dgm:cxn modelId="8" srcId="0" destId="4" srcOrd="3" destOrd="0"/>
+        <dgm:cxn modelId="13" srcId="1" destId="11" srcOrd="0" destOrd="0"/>
+        <dgm:cxn modelId="23" srcId="2" destId="21" srcOrd="0" destOrd="0"/>
+        <dgm:cxn modelId="33" srcId="3" destId="31" srcOrd="0" destOrd="0"/>
+        <dgm:cxn modelId="43" srcId="4" destId="41" srcOrd="0" destOrd="0"/>
+      </dgm:cxnLst>
+      <dgm:bg/>
+      <dgm:whole/>
+    </dgm:dataModel>
+  </dgm:clrData>
+  <dgm:layoutNode name="Name0">
+    <dgm:varLst>
+      <dgm:dir/>
+      <dgm:animLvl val="lvl"/>
+      <dgm:resizeHandles val="exact"/>
+    </dgm:varLst>
+    <dgm:choose name="Name1">
+      <dgm:if name="Name2" func="var" arg="dir" op="equ" val="norm">
+        <dgm:alg type="lin">
+          <dgm:param type="linDir" val="fromT"/>
+          <dgm:param type="nodeHorzAlign" val="l"/>
+        </dgm:alg>
+      </dgm:if>
+      <dgm:else name="Name3">
+        <dgm:alg type="lin">
+          <dgm:param type="linDir" val="fromT"/>
+          <dgm:param type="nodeHorzAlign" val="r"/>
+        </dgm:alg>
+      </dgm:else>
+    </dgm:choose>
+    <dgm:shape xmlns:r="http://schemas.openxmlformats.org/officeDocument/2006/relationships" r:blip="">
+      <dgm:adjLst/>
+    </dgm:shape>
+    <dgm:presOf/>
+    <dgm:constrLst>
+      <dgm:constr type="h" for="ch" forName="linNode" refType="h"/>
+      <dgm:constr type="w" for="ch" forName="linNode" refType="w"/>
+      <dgm:constr type="h" for="ch" forName="sp" refType="h" fact="0.05"/>
+      <dgm:constr type="primFontSz" for="des" forName="parentText" op="equ" val="65"/>
+      <dgm:constr type="secFontSz" for="des" forName="descendantText" op="equ"/>
+    </dgm:constrLst>
+    <dgm:ruleLst/>
+    <dgm:forEach name="Name4" axis="ch" ptType="node">
+      <dgm:layoutNode name="linNode">
+        <dgm:choose name="Name5">
+          <dgm:if name="Name6" func="var" arg="dir" op="equ" val="norm">
+            <dgm:alg type="lin">
+              <dgm:param type="linDir" val="fromL"/>
+            </dgm:alg>
+          </dgm:if>
+          <dgm:else name="Name7">
+            <dgm:alg type="lin">
+              <dgm:param type="linDir" val="fromR"/>
+            </dgm:alg>
+          </dgm:else>
+        </dgm:choose>
+        <dgm:shape xmlns:r="http://schemas.openxmlformats.org/officeDocument/2006/relationships" r:blip="">
+          <dgm:adjLst/>
+        </dgm:shape>
+        <dgm:presOf/>
+        <dgm:constrLst>
+          <dgm:constr type="w" for="ch" forName="parentText" refType="w" fact="0.36"/>
+          <dgm:constr type="w" for="ch" forName="descendantText" refType="w" fact="0.64"/>
+          <dgm:constr type="h" for="ch" forName="parentText" refType="h"/>
+          <dgm:constr type="h" for="ch" forName="descendantText" refType="h" refFor="ch" refForName="parentText" fact="0.8"/>
+        </dgm:constrLst>
+        <dgm:ruleLst/>
+        <dgm:layoutNode name="parentText">
+          <dgm:varLst>
+            <dgm:chMax val="1"/>
+            <dgm:bulletEnabled val="1"/>
+          </dgm:varLst>
+          <dgm:alg type="tx"/>
+          <dgm:shape xmlns:r="http://schemas.openxmlformats.org/officeDocument/2006/relationships" type="roundRect" r:blip="" zOrderOff="3">
+            <dgm:adjLst/>
+          </dgm:shape>
+          <dgm:presOf axis="self" ptType="node"/>
+          <dgm:constrLst>
+            <dgm:constr type="tMarg" refType="primFontSz" fact="0.15"/>
+            <dgm:constr type="bMarg" refType="primFontSz" fact="0.15"/>
+            <dgm:constr type="lMarg" refType="primFontSz" fact="0.3"/>
+            <dgm:constr type="rMarg" refType="primFontSz" fact="0.3"/>
+          </dgm:constrLst>
+          <dgm:ruleLst>
+            <dgm:rule type="primFontSz" val="5" fact="NaN" max="NaN"/>
+          </dgm:ruleLst>
+        </dgm:layoutNode>
+        <dgm:choose name="Name8">
+          <dgm:if name="Name9" axis="ch" ptType="node" func="cnt" op="gte" val="1">
+            <dgm:layoutNode name="descendantText" styleLbl="alignAccFollowNode1">
+              <dgm:varLst>
+                <dgm:bulletEnabled val="1"/>
+              </dgm:varLst>
+              <dgm:alg type="tx">
+                <dgm:param type="stBulletLvl" val="1"/>
+                <dgm:param type="txAnchorVertCh" val="mid"/>
+              </dgm:alg>
+              <dgm:choose name="Name10">
+                <dgm:if name="Name11" func="var" arg="dir" op="equ" val="norm">
+                  <dgm:shape xmlns:r="http://schemas.openxmlformats.org/officeDocument/2006/relationships" rot="90" type="round2SameRect" r:blip="">
+                    <dgm:adjLst/>
+                  </dgm:shape>
+                </dgm:if>
+                <dgm:else name="Name12">
+                  <dgm:shape xmlns:r="http://schemas.openxmlformats.org/officeDocument/2006/relationships" rot="-90" type="round2SameRect" r:blip="">
+                    <dgm:adjLst/>
+                  </dgm:shape>
+                </dgm:else>
+              </dgm:choose>
+              <dgm:presOf axis="des" ptType="node"/>
+              <dgm:constrLst>
+                <dgm:constr type="secFontSz" val="65"/>
+                <dgm:constr type="primFontSz" refType="secFontSz"/>
+                <dgm:constr type="lMarg" refType="secFontSz" fact="0.3"/>
+                <dgm:constr type="rMarg" refType="secFontSz" fact="0.3"/>
+                <dgm:constr type="tMarg" refType="secFontSz" fact="0.15"/>
+                <dgm:constr type="bMarg" refType="secFontSz" fact="0.15"/>
+              </dgm:constrLst>
+              <dgm:ruleLst>
+                <dgm:rule type="secFontSz" val="5" fact="NaN" max="NaN"/>
+              </dgm:ruleLst>
+            </dgm:layoutNode>
+          </dgm:if>
+          <dgm:else name="Name13"/>
+        </dgm:choose>
+      </dgm:layoutNode>
+      <dgm:forEach name="Name14" axis="followSib" ptType="sibTrans" cnt="1">
+        <dgm:layoutNode name="sp">
+          <dgm:alg type="sp"/>
+          <dgm:shape xmlns:r="http://schemas.openxmlformats.org/officeDocument/2006/relationships" r:blip="">
+            <dgm:adjLst/>
+          </dgm:shape>
+          <dgm:presOf/>
+          <dgm:constrLst/>
+          <dgm:ruleLst/>
+        </dgm:layoutNode>
+      </dgm:forEach>
+    </dgm:forEach>
+  </dgm:layoutNode>
+</dgm:layoutDef>
+</file>
+
+<file path=ppt/diagrams/layout2.xml><?xml version="1.0" encoding="utf-8"?>
+<dgm:layoutDef xmlns:dgm="http://schemas.openxmlformats.org/drawingml/2006/diagram" xmlns:a="http://schemas.openxmlformats.org/drawingml/2006/main" uniqueId="urn:microsoft.com/office/officeart/2005/8/layout/vList2">
+  <dgm:title val=""/>
+  <dgm:desc val=""/>
+  <dgm:catLst>
+    <dgm:cat type="list" pri="3000"/>
+    <dgm:cat type="convert" pri="1000"/>
+  </dgm:catLst>
+  <dgm:sampData>
+    <dgm:dataModel>
+      <dgm:ptLst>
+        <dgm:pt modelId="0" type="doc"/>
+        <dgm:pt modelId="1">
+          <dgm:prSet phldr="1"/>
+        </dgm:pt>
+        <dgm:pt modelId="11">
+          <dgm:prSet phldr="1"/>
+        </dgm:pt>
+        <dgm:pt modelId="2">
+          <dgm:prSet phldr="1"/>
+        </dgm:pt>
+        <dgm:pt modelId="21">
+          <dgm:prSet phldr="1"/>
+        </dgm:pt>
+      </dgm:ptLst>
+      <dgm:cxnLst>
+        <dgm:cxn modelId="4" srcId="0" destId="1" srcOrd="0" destOrd="0"/>
+        <dgm:cxn modelId="5" srcId="0" destId="2" srcOrd="1" destOrd="0"/>
+        <dgm:cxn modelId="12" srcId="1" destId="11" srcOrd="0" destOrd="0"/>
+        <dgm:cxn modelId="23" srcId="2" destId="21" srcOrd="0" destOrd="0"/>
+      </dgm:cxnLst>
+      <dgm:bg/>
+      <dgm:whole/>
+    </dgm:dataModel>
+  </dgm:sampData>
+  <dgm:styleData>
+    <dgm:dataModel>
+      <dgm:ptLst>
+        <dgm:pt modelId="0" type="doc"/>
+        <dgm:pt modelId="1"/>
+        <dgm:pt modelId="2"/>
+      </dgm:ptLst>
+      <dgm:cxnLst>
+        <dgm:cxn modelId="3" srcId="0" destId="1" srcOrd="0" destOrd="0"/>
+        <dgm:cxn modelId="4" srcId="0" destId="2" srcOrd="1" destOrd="0"/>
+      </dgm:cxnLst>
+      <dgm:bg/>
+      <dgm:whole/>
+    </dgm:dataModel>
+  </dgm:styleData>
+  <dgm:clrData>
+    <dgm:dataModel>
+      <dgm:ptLst>
+        <dgm:pt modelId="0" type="doc"/>
+        <dgm:pt modelId="1"/>
+        <dgm:pt modelId="2"/>
+        <dgm:pt modelId="3"/>
+        <dgm:pt modelId="4"/>
+      </dgm:ptLst>
+      <dgm:cxnLst>
+        <dgm:cxn modelId="5" srcId="0" destId="1" srcOrd="0" destOrd="0"/>
+        <dgm:cxn modelId="6" srcId="0" destId="2" srcOrd="1" destOrd="0"/>
+        <dgm:cxn modelId="7" srcId="0" destId="3" srcOrd="2" destOrd="0"/>
+        <dgm:cxn modelId="8" srcId="0" destId="4" srcOrd="3" destOrd="0"/>
+      </dgm:cxnLst>
+      <dgm:bg/>
+      <dgm:whole/>
+    </dgm:dataModel>
+  </dgm:clrData>
+  <dgm:layoutNode name="linear">
+    <dgm:varLst>
+      <dgm:animLvl val="lvl"/>
+      <dgm:resizeHandles val="exact"/>
+    </dgm:varLst>
+    <dgm:alg type="lin">
+      <dgm:param type="linDir" val="fromT"/>
+      <dgm:param type="vertAlign" val="mid"/>
+    </dgm:alg>
+    <dgm:shape xmlns:r="http://schemas.openxmlformats.org/officeDocument/2006/relationships" r:blip="">
+      <dgm:adjLst/>
+    </dgm:shape>
+    <dgm:presOf/>
+    <dgm:constrLst>
+      <dgm:constr type="w" for="ch" forName="parentText" refType="w"/>
+      <dgm:constr type="h" for="ch" forName="parentText" refType="primFontSz" refFor="ch" refForName="parentText" fact="0.52"/>
+      <dgm:constr type="w" for="ch" forName="childText" refType="w"/>
+      <dgm:constr type="h" for="ch" forName="childText" refType="primFontSz" refFor="ch" refForName="parentText" fact="0.46"/>
+      <dgm:constr type="h" for="ch" forName="parentText" op="equ"/>
+      <dgm:constr type="primFontSz" for="ch" forName="parentText" op="equ" val="65"/>
+      <dgm:constr type="primFontSz" for="ch" forName="childText" refType="primFontSz" refFor="ch" refForName="parentText" op="equ"/>
+      <dgm:constr type="h" for="ch" forName="spacer" refType="primFontSz" refFor="ch" refForName="parentText" fact="0.08"/>
+    </dgm:constrLst>
+    <dgm:ruleLst>
+      <dgm:rule type="primFontSz" for="ch" forName="parentText" val="5" fact="NaN" max="NaN"/>
+    </dgm:ruleLst>
+    <dgm:forEach name="Name0" axis="ch" ptType="node">
+      <dgm:layoutNode name="parentText" styleLbl="node1">
+        <dgm:varLst>
+          <dgm:chMax val="0"/>
+          <dgm:bulletEnabled val="1"/>
+        </dgm:varLst>
+        <dgm:alg type="tx">
+          <dgm:param type="parTxLTRAlign" val="l"/>
+          <dgm:param type="parTxRTLAlign" val="r"/>
+        </dgm:alg>
+        <dgm:shape xmlns:r="http://schemas.openxmlformats.org/officeDocument/2006/relationships" type="roundRect" r:blip="">
+          <dgm:adjLst/>
+        </dgm:shape>
+        <dgm:presOf axis="self"/>
+        <dgm:constrLst>
+          <dgm:constr type="tMarg" refType="primFontSz" fact="0.3"/>
+          <dgm:constr type="bMarg" refType="primFontSz" fact="0.3"/>
+          <dgm:constr type="lMarg" refType="primFontSz" fact="0.3"/>
+          <dgm:constr type="rMarg" refType="primFontSz" fact="0.3"/>
+        </dgm:constrLst>
+        <dgm:ruleLst>
+          <dgm:rule type="h" val="INF" fact="NaN" max="NaN"/>
+        </dgm:ruleLst>
+      </dgm:layoutNode>
+      <dgm:choose name="Name1">
+        <dgm:if name="Name2" axis="ch" ptType="node" func="cnt" op="gte" val="1">
+          <dgm:layoutNode name="childText" styleLbl="revTx">
+            <dgm:varLst>
+              <dgm:bulletEnabled val="1"/>
+            </dgm:varLst>
+            <dgm:alg type="tx">
+              <dgm:param type="stBulletLvl" val="1"/>
+              <dgm:param type="lnSpAfChP" val="20"/>
+            </dgm:alg>
+            <dgm:shape xmlns:r="http://schemas.openxmlformats.org/officeDocument/2006/relationships" type="rect" r:blip="">
+              <dgm:adjLst/>
+            </dgm:shape>
+            <dgm:presOf axis="des" ptType="node"/>
+            <dgm:constrLst>
+              <dgm:constr type="tMarg" refType="primFontSz" fact="0.1"/>
+              <dgm:constr type="bMarg" refType="primFontSz" fact="0.1"/>
+              <dgm:constr type="lMarg" refType="w" fact="0.09"/>
+            </dgm:constrLst>
+            <dgm:ruleLst>
+              <dgm:rule type="h" val="INF" fact="NaN" max="NaN"/>
+            </dgm:ruleLst>
+          </dgm:layoutNode>
+        </dgm:if>
+        <dgm:else name="Name3">
+          <dgm:choose name="Name4">
+            <dgm:if name="Name5" axis="par ch" ptType="doc node" func="cnt" op="gte" val="2">
+              <dgm:forEach name="Name6" axis="followSib" ptType="sibTrans" cnt="1">
+                <dgm:layoutNode name="spacer">
+                  <dgm:alg type="sp"/>
+                  <dgm:shape xmlns:r="http://schemas.openxmlformats.org/officeDocument/2006/relationships" r:blip="">
+                    <dgm:adjLst/>
+                  </dgm:shape>
+                  <dgm:presOf/>
+                  <dgm:constrLst/>
+                  <dgm:ruleLst/>
+                </dgm:layoutNode>
+              </dgm:forEach>
+            </dgm:if>
+            <dgm:else name="Name7"/>
+          </dgm:choose>
+        </dgm:else>
+      </dgm:choose>
+    </dgm:forEach>
+  </dgm:layoutNode>
+</dgm:layoutDef>
+</file>
+
+<file path=ppt/diagrams/quickStyle1.xml><?xml version="1.0" encoding="utf-8"?>
+<dgm:styleDef xmlns:dgm="http://schemas.openxmlformats.org/drawingml/2006/diagram" xmlns:a="http://schemas.openxmlformats.org/drawingml/2006/main" uniqueId="urn:microsoft.com/office/officeart/2005/8/quickstyle/simple3">
+  <dgm:title val=""/>
+  <dgm:desc val=""/>
+  <dgm:catLst>
+    <dgm:cat type="simple" pri="10300"/>
+  </dgm:catLst>
+  <dgm:scene3d>
+    <a:camera prst="orthographicFront"/>
+    <a:lightRig rig="threePt" dir="t"/>
+  </dgm:scene3d>
+  <dgm:styleLbl name="node0">
+    <dgm:scene3d>
+      <a:camera prst="orthographicFront"/>
+      <a:lightRig rig="flat" dir="t"/>
+    </dgm:scene3d>
+    <dgm:sp3d prstMaterial="dkEdge">
+      <a:bevelT w="8200" h="38100"/>
+    </dgm:sp3d>
+    <dgm:txPr/>
+    <dgm:style>
+      <a:lnRef idx="0">
+        <a:scrgbClr r="0" g="0" b="0"/>
+      </a:lnRef>
+      <a:fillRef idx="2">
+        <a:scrgbClr r="0" g="0" b="0"/>
+      </a:fillRef>
+      <a:effectRef idx="1">
+        <a:scrgbClr r="0" g="0" b="0"/>
+      </a:effectRef>
+      <a:fontRef idx="minor">
+        <a:schemeClr val="dk1"/>
+      </a:fontRef>
+    </dgm:style>
+  </dgm:styleLbl>
+  <dgm:styleLbl name="lnNode1">
+    <dgm:scene3d>
+      <a:camera prst="orthographicFront"/>
+      <a:lightRig rig="flat" dir="t"/>
+    </dgm:scene3d>
+    <dgm:sp3d prstMaterial="dkEdge">
+      <a:bevelT w="8200" h="38100"/>
+    </dgm:sp3d>
+    <dgm:txPr/>
+    <dgm:style>
+      <a:lnRef idx="1">
+        <a:scrgbClr r="0" g="0" b="0"/>
+      </a:lnRef>
+      <a:fillRef idx="2">
+        <a:scrgbClr r="0" g="0" b="0"/>
+      </a:fillRef>
+      <a:effectRef idx="0">
+        <a:scrgbClr r="0" g="0" b="0"/>
+      </a:effectRef>
+      <a:fontRef idx="minor">
+        <a:schemeClr val="dk1"/>
+      </a:fontRef>
+    </dgm:style>
+  </dgm:styleLbl>
+  <dgm:styleLbl name="vennNode1">
+    <dgm:scene3d>
+      <a:camera prst="orthographicFront"/>
+      <a:lightRig rig="flat" dir="t"/>
+    </dgm:scene3d>
+    <dgm:sp3d prstMaterial="dkEdge">
+      <a:bevelT w="8200" h="38100"/>
+    </dgm:sp3d>
+    <dgm:txPr/>
+    <dgm:style>
+      <a:lnRef idx="0">
+        <a:scrgbClr r="0" g="0" b="0"/>
+      </a:lnRef>
+      <a:fillRef idx="2">
+        <a:scrgbClr r="0" g="0" b="0"/>
+      </a:fillRef>
+      <a:effectRef idx="0">
+        <a:scrgbClr r="0" g="0" b="0"/>
+      </a:effectRef>
+      <a:fontRef idx="minor">
+        <a:schemeClr val="tx1"/>
+      </a:fontRef>
+    </dgm:style>
+  </dgm:styleLbl>
+  <dgm:styleLbl name="alignNode1">
+    <dgm:scene3d>
+      <a:camera prst="orthographicFront"/>
+      <a:lightRig rig="threePt" dir="t"/>
+    </dgm:scene3d>
+    <dgm:sp3d/>
+    <dgm:txPr/>
+    <dgm:style>
+      <a:lnRef idx="1">
+        <a:scrgbClr r="0" g="0" b="0"/>
+      </a:lnRef>
+      <a:fillRef idx="2">
+        <a:scrgbClr r="0" g="0" b="0"/>
+      </a:fillRef>
+      <a:effectRef idx="1">
+        <a:scrgbClr r="0" g="0" b="0"/>
+      </a:effectRef>
+      <a:fontRef idx="minor">
+        <a:schemeClr val="dk1"/>
+      </a:fontRef>
+    </dgm:style>
+  </dgm:styleLbl>
+  <dgm:styleLbl name="node1">
+    <dgm:scene3d>
+      <a:camera prst="orthographicFront"/>
+      <a:lightRig rig="flat" dir="t"/>
+    </dgm:scene3d>
+    <dgm:sp3d prstMaterial="dkEdge">
+      <a:bevelT w="8200" h="38100"/>
+    </dgm:sp3d>
+    <dgm:txPr/>
+    <dgm:style>
+      <a:lnRef idx="0">
+        <a:scrgbClr r="0" g="0" b="0"/>
+      </a:lnRef>
+      <a:fillRef idx="2">
+        <a:scrgbClr r="0" g="0" b="0"/>
+      </a:fillRef>
+      <a:effectRef idx="1">
+        <a:scrgbClr r="0" g="0" b="0"/>
+      </a:effectRef>
+      <a:fontRef idx="minor">
+        <a:schemeClr val="dk1"/>
+      </a:fontRef>
+    </dgm:style>
+  </dgm:styleLbl>
+  <dgm:styleLbl name="node2">
+    <dgm:scene3d>
+      <a:camera prst="orthographicFront"/>
+      <a:lightRig rig="flat" dir="t"/>
+    </dgm:scene3d>
+    <dgm:sp3d prstMaterial="dkEdge">
+      <a:bevelT w="8200" h="38100"/>
+    </dgm:sp3d>
+    <dgm:txPr/>
+    <dgm:style>
+      <a:lnRef idx="0">
+        <a:scrgbClr r="0" g="0" b="0"/>
+      </a:lnRef>
+      <a:fillRef idx="2">
+        <a:scrgbClr r="0" g="0" b="0"/>
+      </a:fillRef>
+      <a:effectRef idx="1">
+        <a:scrgbClr r="0" g="0" b="0"/>
+      </a:effectRef>
+      <a:fontRef idx="minor">
+        <a:schemeClr val="dk1"/>
+      </a:fontRef>
+    </dgm:style>
+  </dgm:styleLbl>
+  <dgm:styleLbl name="node3">
+    <dgm:scene3d>
+      <a:camera prst="orthographicFront"/>
+      <a:lightRig rig="flat" dir="t"/>
+    </dgm:scene3d>
+    <dgm:sp3d prstMaterial="dkEdge">
+      <a:bevelT w="8200" h="38100"/>
+    </dgm:sp3d>
+    <dgm:txPr/>
+    <dgm:style>
+      <a:lnRef idx="0">
+        <a:scrgbClr r="0" g="0" b="0"/>
+      </a:lnRef>
+      <a:fillRef idx="2">
+        <a:scrgbClr r="0" g="0" b="0"/>
+      </a:fillRef>
+      <a:effectRef idx="1">
+        <a:scrgbClr r="0" g="0" b="0"/>
+      </a:effectRef>
+      <a:fontRef idx="minor">
+        <a:schemeClr val="dk1"/>
+      </a:fontRef>
+    </dgm:style>
+  </dgm:styleLbl>
+  <dgm:styleLbl name="node4">
+    <dgm:scene3d>
+      <a:camera prst="orthographicFront"/>
+      <a:lightRig rig="flat" dir="t"/>
+    </dgm:scene3d>
+    <dgm:sp3d prstMaterial="dkEdge">
+      <a:bevelT w="8200" h="38100"/>
+    </dgm:sp3d>
+    <dgm:txPr/>
+    <dgm:style>
+      <a:lnRef idx="0">
+        <a:scrgbClr r="0" g="0" b="0"/>
+      </a:lnRef>
+      <a:fillRef idx="2">
+        <a:scrgbClr r="0" g="0" b="0"/>
+      </a:fillRef>
+      <a:effectRef idx="1">
+        <a:scrgbClr r="0" g="0" b="0"/>
+      </a:effectRef>
+      <a:fontRef idx="minor">
+        <a:schemeClr val="dk1"/>
+      </a:fontRef>
+    </dgm:style>
+  </dgm:styleLbl>
+  <dgm:styleLbl name="fgImgPlace1">
+    <dgm:scene3d>
+      <a:camera prst="orthographicFront"/>
+      <a:lightRig rig="threePt" dir="t"/>
+    </dgm:scene3d>
+    <dgm:sp3d/>
+    <dgm:txPr/>
+    <dgm:style>
+      <a:lnRef idx="1">
+        <a:scrgbClr r="0" g="0" b="0"/>
+      </a:lnRef>
+      <a:fillRef idx="1">
+        <a:scrgbClr r="0" g="0" b="0"/>
+      </a:fillRef>
+      <a:effectRef idx="1">
+        <a:scrgbClr r="0" g="0" b="0"/>
+      </a:effectRef>
+      <a:fontRef idx="minor"/>
+    </dgm:style>
+  </dgm:styleLbl>
+  <dgm:styleLbl name="alignImgPlace1">
+    <dgm:scene3d>
+      <a:camera prst="orthographicFront"/>
+      <a:lightRig rig="threePt" dir="t"/>
+    </dgm:scene3d>
+    <dgm:sp3d/>
+    <dgm:txPr/>
+    <dgm:style>
+      <a:lnRef idx="1">
+        <a:scrgbClr r="0" g="0" b="0"/>
+      </a:lnRef>
+      <a:fillRef idx="1">
+        <a:scrgbClr r="0" g="0" b="0"/>
+      </a:fillRef>
+      <a:effectRef idx="1">
+        <a:scrgbClr r="0" g="0" b="0"/>
+      </a:effectRef>
+      <a:fontRef idx="minor"/>
+    </dgm:style>
+  </dgm:styleLbl>
+  <dgm:styleLbl name="bgImgPlace1">
+    <dgm:scene3d>
+      <a:camera prst="orthographicFront"/>
+      <a:lightRig rig="threePt" dir="t"/>
+    </dgm:scene3d>
+    <dgm:sp3d/>
+    <dgm:txPr/>
+    <dgm:style>
+      <a:lnRef idx="1">
+        <a:scrgbClr r="0" g="0" b="0"/>
+      </a:lnRef>
+      <a:fillRef idx="1">
+        <a:scrgbClr r="0" g="0" b="0"/>
+      </a:fillRef>
+      <a:effectRef idx="1">
+        <a:scrgbClr r="0" g="0" b="0"/>
+      </a:effectRef>
+      <a:fontRef idx="minor"/>
+    </dgm:style>
+  </dgm:styleLbl>
+  <dgm:styleLbl name="sibTrans2D1">
+    <dgm:scene3d>
+      <a:camera prst="orthographicFront"/>
+      <a:lightRig rig="threePt" dir="t"/>
+    </dgm:scene3d>
+    <dgm:sp3d/>
+    <dgm:txPr/>
+    <dgm:style>
+      <a:lnRef idx="0">
+        <a:scrgbClr r="0" g="0" b="0"/>
+      </a:lnRef>
+      <a:fillRef idx="2">
+        <a:scrgbClr r="0" g="0" b="0"/>
+      </a:fillRef>
+      <a:effectRef idx="1">
+        <a:scrgbClr r="0" g="0" b="0"/>
+      </a:effectRef>
+      <a:fontRef idx="minor">
+        <a:schemeClr val="dk1"/>
+      </a:fontRef>
+    </dgm:style>
+  </dgm:styleLbl>
+  <dgm:styleLbl name="fgSibTrans2D1">
+    <dgm:scene3d>
+      <a:camera prst="orthographicFront"/>
+      <a:lightRig rig="threePt" dir="t"/>
+    </dgm:scene3d>
+    <dgm:sp3d/>
+    <dgm:txPr/>
+    <dgm:style>
+      <a:lnRef idx="0">
+        <a:scrgbClr r="0" g="0" b="0"/>
+      </a:lnRef>
+      <a:fillRef idx="2">
+        <a:scrgbClr r="0" g="0" b="0"/>
+      </a:fillRef>
+      <a:effectRef idx="1">
+        <a:scrgbClr r="0" g="0" b="0"/>
+      </a:effectRef>
+      <a:fontRef idx="minor">
+        <a:schemeClr val="dk1"/>
+      </a:fontRef>
+    </dgm:style>
+  </dgm:styleLbl>
+  <dgm:styleLbl name="bgSibTrans2D1">
+    <dgm:scene3d>
+      <a:camera prst="orthographicFront"/>
+      <a:lightRig rig="threePt" dir="t"/>
+    </dgm:scene3d>
+    <dgm:sp3d/>
+    <dgm:txPr/>
+    <dgm:style>
+      <a:lnRef idx="0">
+        <a:scrgbClr r="0" g="0" b="0"/>
+      </a:lnRef>
+      <a:fillRef idx="2">
+        <a:scrgbClr r="0" g="0" b="0"/>
+      </a:fillRef>
+      <a:effectRef idx="1">
+        <a:scrgbClr r="0" g="0" b="0"/>
+      </a:effectRef>
+      <a:fontRef idx="minor">
+        <a:schemeClr val="dk1"/>
+      </a:fontRef>
+    </dgm:style>
+  </dgm:styleLbl>
+  <dgm:styleLbl name="sibTrans1D1">
+    <dgm:scene3d>
+      <a:camera prst="orthographicFront"/>
+      <a:lightRig rig="threePt" dir="t"/>
+    </dgm:scene3d>
+    <dgm:sp3d/>
+    <dgm:txPr/>
+    <dgm:style>
+      <a:lnRef idx="1">
+        <a:scrgbClr r="0" g="0" b="0"/>
+      </a:lnRef>
+      <a:fillRef idx="0">
+        <a:scrgbClr r="0" g="0" b="0"/>
+      </a:fillRef>
+      <a:effectRef idx="0">
+        <a:scrgbClr r="0" g="0" b="0"/>
+      </a:effectRef>
+      <a:fontRef idx="minor"/>
+    </dgm:style>
+  </dgm:styleLbl>
+  <dgm:styleLbl name="callout">
+    <dgm:scene3d>
+      <a:camera prst="orthographicFront"/>
+      <a:lightRig rig="threePt" dir="t"/>
+    </dgm:scene3d>
+    <dgm:sp3d/>
+    <dgm:txPr/>
+    <dgm:style>
+      <a:lnRef idx="1">
+        <a:scrgbClr r="0" g="0" b="0"/>
+      </a:lnRef>
+      <a:fillRef idx="2">
+        <a:scrgbClr r="0" g="0" b="0"/>
+      </a:fillRef>
+      <a:effectRef idx="1">
+        <a:scrgbClr r="0" g="0" b="0"/>
+      </a:effectRef>
+      <a:fontRef idx="minor"/>
+    </dgm:style>
+  </dgm:styleLbl>
+  <dgm:styleLbl name="asst0">
+    <dgm:scene3d>
+      <a:camera prst="orthographicFront"/>
+      <a:lightRig rig="flat" dir="t"/>
+    </dgm:scene3d>
+    <dgm:sp3d prstMaterial="dkEdge">
+      <a:bevelT w="8200" h="38100"/>
+    </dgm:sp3d>
+    <dgm:txPr/>
+    <dgm:style>
+      <a:lnRef idx="0">
+        <a:scrgbClr r="0" g="0" b="0"/>
+      </a:lnRef>
+      <a:fillRef idx="2">
+        <a:scrgbClr r="0" g="0" b="0"/>
+      </a:fillRef>
+      <a:effectRef idx="1">
+        <a:scrgbClr r="0" g="0" b="0"/>
+      </a:effectRef>
+      <a:fontRef idx="minor">
+        <a:schemeClr val="dk1"/>
+      </a:fontRef>
+    </dgm:style>
+  </dgm:styleLbl>
+  <dgm:styleLbl name="asst1">
+    <dgm:scene3d>
+      <a:camera prst="orthographicFront"/>
+      <a:lightRig rig="flat" dir="t"/>
+    </dgm:scene3d>
+    <dgm:sp3d prstMaterial="dkEdge">
+      <a:bevelT w="8200" h="38100"/>
+    </dgm:sp3d>
+    <dgm:txPr/>
+    <dgm:style>
+      <a:lnRef idx="0">
+        <a:scrgbClr r="0" g="0" b="0"/>
+      </a:lnRef>
+      <a:fillRef idx="2">
+        <a:scrgbClr r="0" g="0" b="0"/>
+      </a:fillRef>
+      <a:effectRef idx="1">
+        <a:scrgbClr r="0" g="0" b="0"/>
+      </a:effectRef>
+      <a:fontRef idx="minor">
+        <a:schemeClr val="dk1"/>
+      </a:fontRef>
+    </dgm:style>
+  </dgm:styleLbl>
+  <dgm:styleLbl name="asst2">
+    <dgm:scene3d>
+      <a:camera prst="orthographicFront"/>
+      <a:lightRig rig="flat" dir="t"/>
+    </dgm:scene3d>
+    <dgm:sp3d prstMaterial="dkEdge">
+      <a:bevelT w="8200" h="38100"/>
+    </dgm:sp3d>
+    <dgm:txPr/>
+    <dgm:style>
+      <a:lnRef idx="0">
+        <a:scrgbClr r="0" g="0" b="0"/>
+      </a:lnRef>
+      <a:fillRef idx="2">
+        <a:scrgbClr r="0" g="0" b="0"/>
+      </a:fillRef>
+      <a:effectRef idx="1">
+        <a:scrgbClr r="0" g="0" b="0"/>
+      </a:effectRef>
+      <a:fontRef idx="minor">
+        <a:schemeClr val="dk1"/>
+      </a:fontRef>
+    </dgm:style>
+  </dgm:styleLbl>
+  <dgm:styleLbl name="asst3">
+    <dgm:scene3d>
+      <a:camera prst="orthographicFront"/>
+      <a:lightRig rig="flat" dir="t"/>
+    </dgm:scene3d>
+    <dgm:sp3d prstMaterial="dkEdge">
+      <a:bevelT w="8200" h="38100"/>
+    </dgm:sp3d>
+    <dgm:txPr/>
+    <dgm:style>
+      <a:lnRef idx="0">
+        <a:scrgbClr r="0" g="0" b="0"/>
+      </a:lnRef>
+      <a:fillRef idx="2">
+        <a:scrgbClr r="0" g="0" b="0"/>
+      </a:fillRef>
+      <a:effectRef idx="1">
+        <a:scrgbClr r="0" g="0" b="0"/>
+      </a:effectRef>
+      <a:fontRef idx="minor">
+        <a:schemeClr val="dk1"/>
+      </a:fontRef>
+    </dgm:style>
+  </dgm:styleLbl>
+  <dgm:styleLbl name="asst4">
+    <dgm:scene3d>
+      <a:camera prst="orthographicFront"/>
+      <a:lightRig rig="flat" dir="t"/>
+    </dgm:scene3d>
+    <dgm:sp3d prstMaterial="dkEdge">
+      <a:bevelT w="8200" h="38100"/>
+    </dgm:sp3d>
+    <dgm:txPr/>
+    <dgm:style>
+      <a:lnRef idx="0">
+        <a:scrgbClr r="0" g="0" b="0"/>
+      </a:lnRef>
+      <a:fillRef idx="2">
+        <a:scrgbClr r="0" g="0" b="0"/>
+      </a:fillRef>
+      <a:effectRef idx="1">
+        <a:scrgbClr r="0" g="0" b="0"/>
+      </a:effectRef>
+      <a:fontRef idx="minor">
+        <a:schemeClr val="dk1"/>
+      </a:fontRef>
+    </dgm:style>
+  </dgm:styleLbl>
+  <dgm:styleLbl name="parChTrans2D1">
+    <dgm:scene3d>
+      <a:camera prst="orthographicFront"/>
+      <a:lightRig rig="threePt" dir="t"/>
+    </dgm:scene3d>
+    <dgm:sp3d/>
+    <dgm:txPr/>
+    <dgm:style>
+      <a:lnRef idx="1">
+        <a:scrgbClr r="0" g="0" b="0"/>
+      </a:lnRef>
+      <a:fillRef idx="2">
+        <a:scrgbClr r="0" g="0" b="0"/>
+      </a:fillRef>
+      <a:effectRef idx="1">
+        <a:scrgbClr r="0" g="0" b="0"/>
+      </a:effectRef>
+      <a:fontRef idx="minor">
+        <a:schemeClr val="dk1"/>
+      </a:fontRef>
+    </dgm:style>
+  </dgm:styleLbl>
+  <dgm:styleLbl name="parChTrans2D2">
+    <dgm:scene3d>
+      <a:camera prst="orthographicFront"/>
+      <a:lightRig rig="threePt" dir="t"/>
+    </dgm:scene3d>
+    <dgm:sp3d/>
+    <dgm:txPr/>
+    <dgm:style>
+      <a:lnRef idx="1">
+        <a:scrgbClr r="0" g="0" b="0"/>
+      </a:lnRef>
+      <a:fillRef idx="2">
+        <a:scrgbClr r="0" g="0" b="0"/>
+      </a:fillRef>
+      <a:effectRef idx="1">
+        <a:scrgbClr r="0" g="0" b="0"/>
+      </a:effectRef>
+      <a:fontRef idx="minor">
+        <a:schemeClr val="dk1"/>
+      </a:fontRef>
+    </dgm:style>
+  </dgm:styleLbl>
+  <dgm:styleLbl name="parChTrans2D3">
+    <dgm:scene3d>
+      <a:camera prst="orthographicFront"/>
+      <a:lightRig rig="threePt" dir="t"/>
+    </dgm:scene3d>
+    <dgm:sp3d/>
+    <dgm:txPr/>
+    <dgm:style>
+      <a:lnRef idx="1">
+        <a:scrgbClr r="0" g="0" b="0"/>
+      </a:lnRef>
+      <a:fillRef idx="2">
+        <a:scrgbClr r="0" g="0" b="0"/>
+      </a:fillRef>
+      <a:effectRef idx="1">
+        <a:scrgbClr r="0" g="0" b="0"/>
+      </a:effectRef>
+      <a:fontRef idx="minor">
+        <a:schemeClr val="dk1"/>
+      </a:fontRef>
+    </dgm:style>
+  </dgm:styleLbl>
+  <dgm:styleLbl name="parChTrans2D4">
+    <dgm:scene3d>
+      <a:camera prst="orthographicFront"/>
+      <a:lightRig rig="threePt" dir="t"/>
+    </dgm:scene3d>
+    <dgm:sp3d/>
+    <dgm:txPr/>
+    <dgm:style>
+      <a:lnRef idx="1">
+        <a:scrgbClr r="0" g="0" b="0"/>
+      </a:lnRef>
+      <a:fillRef idx="2">
+        <a:scrgbClr r="0" g="0" b="0"/>
+      </a:fillRef>
+      <a:effectRef idx="1">
+        <a:scrgbClr r="0" g="0" b="0"/>
+      </a:effectRef>
+      <a:fontRef idx="minor">
+        <a:schemeClr val="dk1"/>
+      </a:fontRef>
+    </dgm:style>
+  </dgm:styleLbl>
+  <dgm:styleLbl name="parChTrans1D1">
+    <dgm:scene3d>
+      <a:camera prst="orthographicFront"/>
+      <a:lightRig rig="threePt" dir="t"/>
+    </dgm:scene3d>
+    <dgm:sp3d/>
+    <dgm:txPr/>
+    <dgm:style>
+      <a:lnRef idx="2">
+        <a:scrgbClr r="0" g="0" b="0"/>
+      </a:lnRef>
+      <a:fillRef idx="0">
+        <a:scrgbClr r="0" g="0" b="0"/>
+      </a:fillRef>
+      <a:effectRef idx="0">
+        <a:scrgbClr r="0" g="0" b="0"/>
+      </a:effectRef>
+      <a:fontRef idx="minor"/>
+    </dgm:style>
+  </dgm:styleLbl>
+  <dgm:styleLbl name="parChTrans1D2">
+    <dgm:scene3d>
+      <a:camera prst="orthographicFront"/>
+      <a:lightRig rig="threePt" dir="t"/>
+    </dgm:scene3d>
+    <dgm:sp3d/>
+    <dgm:txPr/>
+    <dgm:style>
+      <a:lnRef idx="2">
+        <a:scrgbClr r="0" g="0" b="0"/>
+      </a:lnRef>
+      <a:fillRef idx="0">
+        <a:scrgbClr r="0" g="0" b="0"/>
+      </a:fillRef>
+      <a:effectRef idx="0">
+        <a:scrgbClr r="0" g="0" b="0"/>
+      </a:effectRef>
+      <a:fontRef idx="minor"/>
+    </dgm:style>
+  </dgm:styleLbl>
+  <dgm:styleLbl name="parChTrans1D3">
+    <dgm:scene3d>
+      <a:camera prst="orthographicFront"/>
+      <a:lightRig rig="threePt" dir="t"/>
+    </dgm:scene3d>
+    <dgm:sp3d/>
+    <dgm:txPr/>
+    <dgm:style>
+      <a:lnRef idx="2">
+        <a:scrgbClr r="0" g="0" b="0"/>
+      </a:lnRef>
+      <a:fillRef idx="0">
+        <a:scrgbClr r="0" g="0" b="0"/>
+      </a:fillRef>
+      <a:effectRef idx="0">
+        <a:scrgbClr r="0" g="0" b="0"/>
+      </a:effectRef>
+      <a:fontRef idx="minor"/>
+    </dgm:style>
+  </dgm:styleLbl>
+  <dgm:styleLbl name="parChTrans1D4">
+    <dgm:scene3d>
+      <a:camera prst="orthographicFront"/>
+      <a:lightRig rig="threePt" dir="t"/>
+    </dgm:scene3d>
+    <dgm:sp3d/>
+    <dgm:txPr/>
+    <dgm:style>
+      <a:lnRef idx="2">
+        <a:scrgbClr r="0" g="0" b="0"/>
+      </a:lnRef>
+      <a:fillRef idx="0">
+        <a:scrgbClr r="0" g="0" b="0"/>
+      </a:fillRef>
+      <a:effectRef idx="0">
+        <a:scrgbClr r="0" g="0" b="0"/>
+      </a:effectRef>
+      <a:fontRef idx="minor"/>
+    </dgm:style>
+  </dgm:styleLbl>
+  <dgm:styleLbl name="fgAcc1">
+    <dgm:scene3d>
+      <a:camera prst="orthographicFront"/>
+      <a:lightRig rig="threePt" dir="t"/>
+    </dgm:scene3d>
+    <dgm:sp3d/>
+    <dgm:txPr/>
+    <dgm:style>
+      <a:lnRef idx="1">
+        <a:scrgbClr r="0" g="0" b="0"/>
+      </a:lnRef>
+      <a:fillRef idx="1">
+        <a:scrgbClr r="0" g="0" b="0"/>
+      </a:fillRef>
+      <a:effectRef idx="0">
+        <a:scrgbClr r="0" g="0" b="0"/>
+      </a:effectRef>
+      <a:fontRef idx="minor"/>
+    </dgm:style>
+  </dgm:styleLbl>
+  <dgm:styleLbl name="conFgAcc1">
+    <dgm:scene3d>
+      <a:camera prst="orthographicFront"/>
+      <a:lightRig rig="threePt" dir="t"/>
+    </dgm:scene3d>
+    <dgm:sp3d/>
+    <dgm:txPr/>
+    <dgm:style>
+      <a:lnRef idx="1">
+        <a:scrgbClr r="0" g="0" b="0"/>
+      </a:lnRef>
+      <a:fillRef idx="1">
+        <a:scrgbClr r="0" g="0" b="0"/>
+      </a:fillRef>
+      <a:effectRef idx="0">
+        <a:scrgbClr r="0" g="0" b="0"/>
+      </a:effectRef>
+      <a:fontRef idx="minor"/>
+    </dgm:style>
+  </dgm:styleLbl>
+  <dgm:styleLbl name="alignAcc1">
+    <dgm:scene3d>
+      <a:camera prst="orthographicFront"/>
+      <a:lightRig rig="threePt" dir="t"/>
+    </dgm:scene3d>
+    <dgm:sp3d/>
+    <dgm:txPr/>
+    <dgm:style>
+      <a:lnRef idx="1">
+        <a:scrgbClr r="0" g="0" b="0"/>
+      </a:lnRef>
+      <a:fillRef idx="1">
+        <a:scrgbClr r="0" g="0" b="0"/>
+      </a:fillRef>
+      <a:effectRef idx="0">
+        <a:scrgbClr r="0" g="0" b="0"/>
+      </a:effectRef>
+      <a:fontRef idx="minor"/>
+    </dgm:style>
+  </dgm:styleLbl>
+  <dgm:styleLbl name="trAlignAcc1">
+    <dgm:scene3d>
+      <a:camera prst="orthographicFront"/>
+      <a:lightRig rig="threePt" dir="t"/>
+    </dgm:scene3d>
+    <dgm:sp3d/>
+    <dgm:txPr/>
+    <dgm:style>
+      <a:lnRef idx="1">
+        <a:scrgbClr r="0" g="0" b="0"/>
+      </a:lnRef>
+      <a:fillRef idx="1">
+        <a:scrgbClr r="0" g="0" b="0"/>
+      </a:fillRef>
+      <a:effectRef idx="0">
+        <a:scrgbClr r="0" g="0" b="0"/>
+      </a:effectRef>
+      <a:fontRef idx="minor"/>
+    </dgm:style>
+  </dgm:styleLbl>
+  <dgm:styleLbl name="bgAcc1">
+    <dgm:scene3d>
+      <a:camera prst="orthographicFront"/>
+      <a:lightRig rig="threePt" dir="t"/>
+    </dgm:scene3d>
+    <dgm:sp3d/>
+    <dgm:txPr/>
+    <dgm:style>
+      <a:lnRef idx="1">
+        <a:scrgbClr r="0" g="0" b="0"/>
+      </a:lnRef>
+      <a:fillRef idx="1">
+        <a:scrgbClr r="0" g="0" b="0"/>
+      </a:fillRef>
+      <a:effectRef idx="0">
+        <a:scrgbClr r="0" g="0" b="0"/>
+      </a:effectRef>
+      <a:fontRef idx="minor"/>
+    </dgm:style>
+  </dgm:styleLbl>
+  <dgm:styleLbl name="solidFgAcc1">
+    <dgm:scene3d>
+      <a:camera prst="orthographicFront"/>
+      <a:lightRig rig="threePt" dir="t"/>
+    </dgm:scene3d>
+    <dgm:sp3d/>
+    <dgm:txPr/>
+    <dgm:style>
+      <a:lnRef idx="1">
+        <a:scrgbClr r="0" g="0" b="0"/>
+      </a:lnRef>
+      <a:fillRef idx="2">
+        <a:scrgbClr r="0" g="0" b="0"/>
+      </a:fillRef>
+      <a:effectRef idx="0">
+        <a:scrgbClr r="0" g="0" b="0"/>
+      </a:effectRef>
+      <a:fontRef idx="minor"/>
+    </dgm:style>
+  </dgm:styleLbl>
+  <dgm:styleLbl name="solidAlignAcc1">
+    <dgm:scene3d>
+      <a:camera prst="orthographicFront"/>
+      <a:lightRig rig="threePt" dir="t"/>
+    </dgm:scene3d>
+    <dgm:sp3d/>
+    <dgm:txPr/>
+    <dgm:style>
+      <a:lnRef idx="1">
+        <a:scrgbClr r="0" g="0" b="0"/>
+      </a:lnRef>
+      <a:fillRef idx="1">
+        <a:scrgbClr r="0" g="0" b="0"/>
+      </a:fillRef>
+      <a:effectRef idx="0">
+        <a:scrgbClr r="0" g="0" b="0"/>
+      </a:effectRef>
+      <a:fontRef idx="minor"/>
+    </dgm:style>
+  </dgm:styleLbl>
+  <dgm:styleLbl name="solidBgAcc1">
+    <dgm:scene3d>
+      <a:camera prst="orthographicFront"/>
+      <a:lightRig rig="threePt" dir="t"/>
+    </dgm:scene3d>
+    <dgm:sp3d/>
+    <dgm:txPr/>
+    <dgm:style>
+      <a:lnRef idx="1">
+        <a:scrgbClr r="0" g="0" b="0"/>
+      </a:lnRef>
+      <a:fillRef idx="1">
+        <a:scrgbClr r="0" g="0" b="0"/>
+      </a:fillRef>
+      <a:effectRef idx="0">
+        <a:scrgbClr r="0" g="0" b="0"/>
+      </a:effectRef>
+      <a:fontRef idx="minor"/>
+    </dgm:style>
+  </dgm:styleLbl>
+  <dgm:styleLbl name="fgAccFollowNode1">
+    <dgm:scene3d>
+      <a:camera prst="orthographicFront"/>
+      <a:lightRig rig="threePt" dir="t"/>
+    </dgm:scene3d>
+    <dgm:sp3d/>
+    <dgm:txPr/>
+    <dgm:style>
+      <a:lnRef idx="1">
+        <a:scrgbClr r="0" g="0" b="0"/>
+      </a:lnRef>
+      <a:fillRef idx="1">
+        <a:scrgbClr r="0" g="0" b="0"/>
+      </a:fillRef>
+      <a:effectRef idx="0">
+        <a:scrgbClr r="0" g="0" b="0"/>
+      </a:effectRef>
+      <a:fontRef idx="minor"/>
+    </dgm:style>
+  </dgm:styleLbl>
+  <dgm:styleLbl name="alignAccFollowNode1">
+    <dgm:scene3d>
+      <a:camera prst="orthographicFront"/>
+      <a:lightRig rig="threePt" dir="t"/>
+    </dgm:scene3d>
+    <dgm:sp3d/>
+    <dgm:txPr/>
+    <dgm:style>
+      <a:lnRef idx="1">
+        <a:scrgbClr r="0" g="0" b="0"/>
+      </a:lnRef>
+      <a:fillRef idx="1">
+        <a:scrgbClr r="0" g="0" b="0"/>
+      </a:fillRef>
+      <a:effectRef idx="0">
+        <a:scrgbClr r="0" g="0" b="0"/>
+      </a:effectRef>
+      <a:fontRef idx="minor"/>
+    </dgm:style>
+  </dgm:styleLbl>
+  <dgm:styleLbl name="bgAccFollowNode1">
+    <dgm:scene3d>
+      <a:camera prst="orthographicFront"/>
+      <a:lightRig rig="threePt" dir="t"/>
+    </dgm:scene3d>
+    <dgm:sp3d/>
+    <dgm:txPr/>
+    <dgm:style>
+      <a:lnRef idx="1">
+        <a:scrgbClr r="0" g="0" b="0"/>
+      </a:lnRef>
+      <a:fillRef idx="1">
+        <a:scrgbClr r="0" g="0" b="0"/>
+      </a:fillRef>
+      <a:effectRef idx="0">
+        <a:scrgbClr r="0" g="0" b="0"/>
+      </a:effectRef>
+      <a:fontRef idx="minor"/>
+    </dgm:style>
+  </dgm:styleLbl>
+  <dgm:styleLbl name="fgAcc0">
+    <dgm:scene3d>
+      <a:camera prst="orthographicFront"/>
+      <a:lightRig rig="threePt" dir="t"/>
+    </dgm:scene3d>
+    <dgm:sp3d/>
+    <dgm:txPr/>
+    <dgm:style>
+      <a:lnRef idx="1">
+        <a:scrgbClr r="0" g="0" b="0"/>
+      </a:lnRef>
+      <a:fillRef idx="1">
+        <a:scrgbClr r="0" g="0" b="0"/>
+      </a:fillRef>
+      <a:effectRef idx="0">
+        <a:scrgbClr r="0" g="0" b="0"/>
+      </a:effectRef>
+      <a:fontRef idx="minor"/>
+    </dgm:style>
+  </dgm:styleLbl>
+  <dgm:styleLbl name="fgAcc2">
+    <dgm:scene3d>
+      <a:camera prst="orthographicFront"/>
+      <a:lightRig rig="threePt" dir="t"/>
+    </dgm:scene3d>
+    <dgm:sp3d/>
+    <dgm:txPr/>
+    <dgm:style>
+      <a:lnRef idx="1">
+        <a:scrgbClr r="0" g="0" b="0"/>
+      </a:lnRef>
+      <a:fillRef idx="1">
+        <a:scrgbClr r="0" g="0" b="0"/>
+      </a:fillRef>
+      <a:effectRef idx="0">
+        <a:scrgbClr r="0" g="0" b="0"/>
+      </a:effectRef>
+      <a:fontRef idx="minor"/>
+    </dgm:style>
+  </dgm:styleLbl>
+  <dgm:styleLbl name="fgAcc3">
+    <dgm:scene3d>
+      <a:camera prst="orthographicFront"/>
+      <a:lightRig rig="threePt" dir="t"/>
+    </dgm:scene3d>
+    <dgm:sp3d/>
+    <dgm:txPr/>
+    <dgm:style>
+      <a:lnRef idx="1">
+        <a:scrgbClr r="0" g="0" b="0"/>
+      </a:lnRef>
+      <a:fillRef idx="1">
+        <a:scrgbClr r="0" g="0" b="0"/>
+      </a:fillRef>
+      <a:effectRef idx="0">
+        <a:scrgbClr r="0" g="0" b="0"/>
+      </a:effectRef>
+      <a:fontRef idx="minor"/>
+    </dgm:style>
+  </dgm:styleLbl>
+  <dgm:styleLbl name="fgAcc4">
+    <dgm:scene3d>
+      <a:camera prst="orthographicFront"/>
+      <a:lightRig rig="threePt" dir="t"/>
+    </dgm:scene3d>
+    <dgm:sp3d/>
+    <dgm:txPr/>
+    <dgm:style>
+      <a:lnRef idx="1">
+        <a:scrgbClr r="0" g="0" b="0"/>
+      </a:lnRef>
+      <a:fillRef idx="1">
+        <a:scrgbClr r="0" g="0" b="0"/>
+      </a:fillRef>
+      <a:effectRef idx="0">
+        <a:scrgbClr r="0" g="0" b="0"/>
+      </a:effectRef>
+      <a:fontRef idx="minor"/>
+    </dgm:style>
+  </dgm:styleLbl>
+  <dgm:styleLbl name="bgShp">
+    <dgm:scene3d>
+      <a:camera prst="orthographicFront"/>
+      <a:lightRig rig="threePt" dir="t"/>
+    </dgm:scene3d>
+    <dgm:sp3d/>
+    <dgm:txPr/>
+    <dgm:style>
+      <a:lnRef idx="0">
+        <a:scrgbClr r="0" g="0" b="0"/>
+      </a:lnRef>
+      <a:fillRef idx="1">
+        <a:scrgbClr r="0" g="0" b="0"/>
+      </a:fillRef>
+      <a:effectRef idx="1">
+        <a:scrgbClr r="0" g="0" b="0"/>
+      </a:effectRef>
+      <a:fontRef idx="minor"/>
+    </dgm:style>
+  </dgm:styleLbl>
+  <dgm:styleLbl name="dkBgShp">
+    <dgm:scene3d>
+      <a:camera prst="orthographicFront"/>
+      <a:lightRig rig="threePt" dir="t"/>
+    </dgm:scene3d>
+    <dgm:sp3d/>
+    <dgm:txPr/>
+    <dgm:style>
+      <a:lnRef idx="0">
+        <a:scrgbClr r="0" g="0" b="0"/>
+      </a:lnRef>
+      <a:fillRef idx="1">
+        <a:scrgbClr r="0" g="0" b="0"/>
+      </a:fillRef>
+      <a:effectRef idx="1">
+        <a:scrgbClr r="0" g="0" b="0"/>
+      </a:effectRef>
+      <a:fontRef idx="minor"/>
+    </dgm:style>
+  </dgm:styleLbl>
+  <dgm:styleLbl name="trBgShp">
+    <dgm:scene3d>
+      <a:camera prst="orthographicFront"/>
+      <a:lightRig rig="threePt" dir="t"/>
+    </dgm:scene3d>
+    <dgm:sp3d/>
+    <dgm:txPr/>
+    <dgm:style>
+      <a:lnRef idx="0">
+        <a:scrgbClr r="0" g="0" b="0"/>
+      </a:lnRef>
+      <a:fillRef idx="1">
+        <a:scrgbClr r="0" g="0" b="0"/>
+      </a:fillRef>
+      <a:effectRef idx="0">
+        <a:scrgbClr r="0" g="0" b="0"/>
+      </a:effectRef>
+      <a:fontRef idx="minor"/>
+    </dgm:style>
+  </dgm:styleLbl>
+  <dgm:styleLbl name="fgShp">
+    <dgm:scene3d>
+      <a:camera prst="orthographicFront"/>
+      <a:lightRig rig="flat" dir="t"/>
+    </dgm:scene3d>
+    <dgm:sp3d prstMaterial="dkEdge">
+      <a:bevelT w="8200" h="38100"/>
+    </dgm:sp3d>
+    <dgm:txPr/>
+    <dgm:style>
+      <a:lnRef idx="1">
+        <a:scrgbClr r="0" g="0" b="0"/>
+      </a:lnRef>
+      <a:fillRef idx="2">
+        <a:scrgbClr r="0" g="0" b="0"/>
+      </a:fillRef>
+      <a:effectRef idx="1">
+        <a:scrgbClr r="0" g="0" b="0"/>
+      </a:effectRef>
+      <a:fontRef idx="minor"/>
+    </dgm:style>
+  </dgm:styleLbl>
+  <dgm:styleLbl name="revTx">
+    <dgm:scene3d>
+      <a:camera prst="orthographicFront"/>
+      <a:lightRig rig="threePt" dir="t"/>
+    </dgm:scene3d>
+    <dgm:sp3d/>
+    <dgm:txPr/>
+    <dgm:style>
+      <a:lnRef idx="0">
+        <a:scrgbClr r="0" g="0" b="0"/>
+      </a:lnRef>
+      <a:fillRef idx="0">
+        <a:scrgbClr r="0" g="0" b="0"/>
+      </a:fillRef>
+      <a:effectRef idx="0">
+        <a:scrgbClr r="0" g="0" b="0"/>
+      </a:effectRef>
+      <a:fontRef idx="minor"/>
+    </dgm:style>
+  </dgm:styleLbl>
+</dgm:styleDef>
+</file>
+
+<file path=ppt/diagrams/quickStyle2.xml><?xml version="1.0" encoding="utf-8"?>
+<dgm:styleDef xmlns:dgm="http://schemas.openxmlformats.org/drawingml/2006/diagram" xmlns:a="http://schemas.openxmlformats.org/drawingml/2006/main" uniqueId="urn:microsoft.com/office/officeart/2005/8/quickstyle/simple1">
+  <dgm:title val=""/>
+  <dgm:desc val=""/>
+  <dgm:catLst>
+    <dgm:cat type="simple" pri="10100"/>
+  </dgm:catLst>
+  <dgm:scene3d>
+    <a:camera prst="orthographicFront"/>
+    <a:lightRig rig="threePt" dir="t"/>
+  </dgm:scene3d>
+  <dgm:styleLbl name="node0">
+    <dgm:scene3d>
+      <a:camera prst="orthographicFront"/>
+      <a:lightRig rig="threePt" dir="t"/>
+    </dgm:scene3d>
+    <dgm:sp3d/>
+    <dgm:txPr/>
+    <dgm:style>
+      <a:lnRef idx="2">
+        <a:scrgbClr r="0" g="0" b="0"/>
+      </a:lnRef>
+      <a:fillRef idx="1">
+        <a:scrgbClr r="0" g="0" b="0"/>
+      </a:fillRef>
+      <a:effectRef idx="0">
+        <a:scrgbClr r="0" g="0" b="0"/>
+      </a:effectRef>
+      <a:fontRef idx="minor">
+        <a:schemeClr val="lt1"/>
+      </a:fontRef>
+    </dgm:style>
+  </dgm:styleLbl>
+  <dgm:styleLbl name="lnNode1">
+    <dgm:scene3d>
+      <a:camera prst="orthographicFront"/>
+      <a:lightRig rig="threePt" dir="t"/>
+    </dgm:scene3d>
+    <dgm:sp3d/>
+    <dgm:txPr/>
+    <dgm:style>
+      <a:lnRef idx="2">
+        <a:scrgbClr r="0" g="0" b="0"/>
+      </a:lnRef>
+      <a:fillRef idx="1">
+        <a:scrgbClr r="0" g="0" b="0"/>
+      </a:fillRef>
+      <a:effectRef idx="0">
+        <a:scrgbClr r="0" g="0" b="0"/>
+      </a:effectRef>
+      <a:fontRef idx="minor">
+        <a:schemeClr val="lt1"/>
+      </a:fontRef>
+    </dgm:style>
+  </dgm:styleLbl>
+  <dgm:styleLbl name="vennNode1">
+    <dgm:scene3d>
+      <a:camera prst="orthographicFront"/>
+      <a:lightRig rig="threePt" dir="t"/>
+    </dgm:scene3d>
+    <dgm:sp3d/>
+    <dgm:txPr/>
+    <dgm:style>
+      <a:lnRef idx="2">
+        <a:scrgbClr r="0" g="0" b="0"/>
+      </a:lnRef>
+      <a:fillRef idx="1">
+        <a:scrgbClr r="0" g="0" b="0"/>
+      </a:fillRef>
+      <a:effectRef idx="0">
+        <a:scrgbClr r="0" g="0" b="0"/>
+      </a:effectRef>
+      <a:fontRef idx="minor">
+        <a:schemeClr val="tx1"/>
+      </a:fontRef>
+    </dgm:style>
+  </dgm:styleLbl>
+  <dgm:styleLbl name="alignNode1">
+    <dgm:scene3d>
+      <a:camera prst="orthographicFront"/>
+      <a:lightRig rig="threePt" dir="t"/>
+    </dgm:scene3d>
+    <dgm:sp3d/>
+    <dgm:txPr/>
+    <dgm:style>
+      <a:lnRef idx="2">
+        <a:scrgbClr r="0" g="0" b="0"/>
+      </a:lnRef>
+      <a:fillRef idx="1">
+        <a:scrgbClr r="0" g="0" b="0"/>
+      </a:fillRef>
+      <a:effectRef idx="0">
+        <a:scrgbClr r="0" g="0" b="0"/>
+      </a:effectRef>
+      <a:fontRef idx="minor">
+        <a:schemeClr val="lt1"/>
+      </a:fontRef>
+    </dgm:style>
+  </dgm:styleLbl>
+  <dgm:styleLbl name="node1">
+    <dgm:scene3d>
+      <a:camera prst="orthographicFront"/>
+      <a:lightRig rig="threePt" dir="t"/>
+    </dgm:scene3d>
+    <dgm:sp3d/>
+    <dgm:txPr/>
+    <dgm:style>
+      <a:lnRef idx="2">
+        <a:scrgbClr r="0" g="0" b="0"/>
+      </a:lnRef>
+      <a:fillRef idx="1">
+        <a:scrgbClr r="0" g="0" b="0"/>
+      </a:fillRef>
+      <a:effectRef idx="0">
+        <a:scrgbClr r="0" g="0" b="0"/>
+      </a:effectRef>
+      <a:fontRef idx="minor">
+        <a:schemeClr val="lt1"/>
+      </a:fontRef>
+    </dgm:style>
+  </dgm:styleLbl>
+  <dgm:styleLbl name="node2">
+    <dgm:scene3d>
+      <a:camera prst="orthographicFront"/>
+      <a:lightRig rig="threePt" dir="t"/>
+    </dgm:scene3d>
+    <dgm:sp3d/>
+    <dgm:txPr/>
+    <dgm:style>
+      <a:lnRef idx="2">
+        <a:scrgbClr r="0" g="0" b="0"/>
+      </a:lnRef>
+      <a:fillRef idx="1">
+        <a:scrgbClr r="0" g="0" b="0"/>
+      </a:fillRef>
+      <a:effectRef idx="0">
+        <a:scrgbClr r="0" g="0" b="0"/>
+      </a:effectRef>
+      <a:fontRef idx="minor">
+        <a:schemeClr val="lt1"/>
+      </a:fontRef>
+    </dgm:style>
+  </dgm:styleLbl>
+  <dgm:styleLbl name="node3">
+    <dgm:scene3d>
+      <a:camera prst="orthographicFront"/>
+      <a:lightRig rig="threePt" dir="t"/>
+    </dgm:scene3d>
+    <dgm:sp3d/>
+    <dgm:txPr/>
+    <dgm:style>
+      <a:lnRef idx="2">
+        <a:scrgbClr r="0" g="0" b="0"/>
+      </a:lnRef>
+      <a:fillRef idx="1">
+        <a:scrgbClr r="0" g="0" b="0"/>
+      </a:fillRef>
+      <a:effectRef idx="0">
+        <a:scrgbClr r="0" g="0" b="0"/>
+      </a:effectRef>
+      <a:fontRef idx="minor">
+        <a:schemeClr val="lt1"/>
+      </a:fontRef>
+    </dgm:style>
+  </dgm:styleLbl>
+  <dgm:styleLbl name="node4">
+    <dgm:scene3d>
+      <a:camera prst="orthographicFront"/>
+      <a:lightRig rig="threePt" dir="t"/>
+    </dgm:scene3d>
+    <dgm:sp3d/>
+    <dgm:txPr/>
+    <dgm:style>
+      <a:lnRef idx="2">
+        <a:scrgbClr r="0" g="0" b="0"/>
+      </a:lnRef>
+      <a:fillRef idx="1">
+        <a:scrgbClr r="0" g="0" b="0"/>
+      </a:fillRef>
+      <a:effectRef idx="0">
+        <a:scrgbClr r="0" g="0" b="0"/>
+      </a:effectRef>
+      <a:fontRef idx="minor">
+        <a:schemeClr val="lt1"/>
+      </a:fontRef>
+    </dgm:style>
+  </dgm:styleLbl>
+  <dgm:styleLbl name="fgImgPlace1">
+    <dgm:scene3d>
+      <a:camera prst="orthographicFront"/>
+      <a:lightRig rig="threePt" dir="t"/>
+    </dgm:scene3d>
+    <dgm:sp3d/>
+    <dgm:txPr/>
+    <dgm:style>
+      <a:lnRef idx="2">
+        <a:scrgbClr r="0" g="0" b="0"/>
+      </a:lnRef>
+      <a:fillRef idx="1">
+        <a:scrgbClr r="0" g="0" b="0"/>
+      </a:fillRef>
+      <a:effectRef idx="0">
+        <a:scrgbClr r="0" g="0" b="0"/>
+      </a:effectRef>
+      <a:fontRef idx="minor"/>
+    </dgm:style>
+  </dgm:styleLbl>
+  <dgm:styleLbl name="alignImgPlace1">
+    <dgm:scene3d>
+      <a:camera prst="orthographicFront"/>
+      <a:lightRig rig="threePt" dir="t"/>
+    </dgm:scene3d>
+    <dgm:sp3d/>
+    <dgm:txPr/>
+    <dgm:style>
+      <a:lnRef idx="2">
+        <a:scrgbClr r="0" g="0" b="0"/>
+      </a:lnRef>
+      <a:fillRef idx="1">
+        <a:scrgbClr r="0" g="0" b="0"/>
+      </a:fillRef>
+      <a:effectRef idx="0">
+        <a:scrgbClr r="0" g="0" b="0"/>
+      </a:effectRef>
+      <a:fontRef idx="minor"/>
+    </dgm:style>
+  </dgm:styleLbl>
+  <dgm:styleLbl name="bgImgPlace1">
+    <dgm:scene3d>
+      <a:camera prst="orthographicFront"/>
+      <a:lightRig rig="threePt" dir="t"/>
+    </dgm:scene3d>
+    <dgm:sp3d/>
+    <dgm:txPr/>
+    <dgm:style>
+      <a:lnRef idx="2">
+        <a:scrgbClr r="0" g="0" b="0"/>
+      </a:lnRef>
+      <a:fillRef idx="1">
+        <a:scrgbClr r="0" g="0" b="0"/>
+      </a:fillRef>
+      <a:effectRef idx="0">
+        <a:scrgbClr r="0" g="0" b="0"/>
+      </a:effectRef>
+      <a:fontRef idx="minor"/>
+    </dgm:style>
+  </dgm:styleLbl>
+  <dgm:styleLbl name="sibTrans2D1">
+    <dgm:scene3d>
+      <a:camera prst="orthographicFront"/>
+      <a:lightRig rig="threePt" dir="t"/>
+    </dgm:scene3d>
+    <dgm:sp3d/>
+    <dgm:txPr/>
+    <dgm:style>
+      <a:lnRef idx="0">
+        <a:scrgbClr r="0" g="0" b="0"/>
+      </a:lnRef>
+      <a:fillRef idx="1">
+        <a:scrgbClr r="0" g="0" b="0"/>
+      </a:fillRef>
+      <a:effectRef idx="0">
+        <a:scrgbClr r="0" g="0" b="0"/>
+      </a:effectRef>
+      <a:fontRef idx="minor">
+        <a:schemeClr val="lt1"/>
+      </a:fontRef>
+    </dgm:style>
+  </dgm:styleLbl>
+  <dgm:styleLbl name="fgSibTrans2D1">
+    <dgm:scene3d>
+      <a:camera prst="orthographicFront"/>
+      <a:lightRig rig="threePt" dir="t"/>
+    </dgm:scene3d>
+    <dgm:sp3d/>
+    <dgm:txPr/>
+    <dgm:style>
+      <a:lnRef idx="0">
+        <a:scrgbClr r="0" g="0" b="0"/>
+      </a:lnRef>
+      <a:fillRef idx="1">
+        <a:scrgbClr r="0" g="0" b="0"/>
+      </a:fillRef>
+      <a:effectRef idx="0">
+        <a:scrgbClr r="0" g="0" b="0"/>
+      </a:effectRef>
+      <a:fontRef idx="minor">
+        <a:schemeClr val="lt1"/>
+      </a:fontRef>
+    </dgm:style>
+  </dgm:styleLbl>
+  <dgm:styleLbl name="bgSibTrans2D1">
+    <dgm:scene3d>
+      <a:camera prst="orthographicFront"/>
+      <a:lightRig rig="threePt" dir="t"/>
+    </dgm:scene3d>
+    <dgm:sp3d/>
+    <dgm:txPr/>
+    <dgm:style>
+      <a:lnRef idx="0">
+        <a:scrgbClr r="0" g="0" b="0"/>
+      </a:lnRef>
+      <a:fillRef idx="1">
+        <a:scrgbClr r="0" g="0" b="0"/>
+      </a:fillRef>
+      <a:effectRef idx="0">
+        <a:scrgbClr r="0" g="0" b="0"/>
+      </a:effectRef>
+      <a:fontRef idx="minor">
+        <a:schemeClr val="lt1"/>
+      </a:fontRef>
+    </dgm:style>
+  </dgm:styleLbl>
+  <dgm:styleLbl name="sibTrans1D1">
+    <dgm:scene3d>
+      <a:camera prst="orthographicFront"/>
+      <a:lightRig rig="threePt" dir="t"/>
+    </dgm:scene3d>
+    <dgm:sp3d/>
+    <dgm:txPr/>
+    <dgm:style>
+      <a:lnRef idx="1">
+        <a:scrgbClr r="0" g="0" b="0"/>
+      </a:lnRef>
+      <a:fillRef idx="0">
+        <a:scrgbClr r="0" g="0" b="0"/>
+      </a:fillRef>
+      <a:effectRef idx="0">
+        <a:scrgbClr r="0" g="0" b="0"/>
+      </a:effectRef>
+      <a:fontRef idx="minor"/>
+    </dgm:style>
+  </dgm:styleLbl>
+  <dgm:styleLbl name="callout">
+    <dgm:scene3d>
+      <a:camera prst="orthographicFront"/>
+      <a:lightRig rig="threePt" dir="t"/>
+    </dgm:scene3d>
+    <dgm:sp3d/>
+    <dgm:txPr/>
+    <dgm:style>
+      <a:lnRef idx="2">
+        <a:scrgbClr r="0" g="0" b="0"/>
+      </a:lnRef>
+      <a:fillRef idx="1">
+        <a:scrgbClr r="0" g="0" b="0"/>
+      </a:fillRef>
+      <a:effectRef idx="0">
+        <a:scrgbClr r="0" g="0" b="0"/>
+      </a:effectRef>
+      <a:fontRef idx="minor"/>
+    </dgm:style>
+  </dgm:styleLbl>
+  <dgm:styleLbl name="asst0">
+    <dgm:scene3d>
+      <a:camera prst="orthographicFront"/>
+      <a:lightRig rig="threePt" dir="t"/>
+    </dgm:scene3d>
+    <dgm:sp3d/>
+    <dgm:txPr/>
+    <dgm:style>
+      <a:lnRef idx="2">
+        <a:scrgbClr r="0" g="0" b="0"/>
+      </a:lnRef>
+      <a:fillRef idx="1">
+        <a:scrgbClr r="0" g="0" b="0"/>
+      </a:fillRef>
+      <a:effectRef idx="0">
+        <a:scrgbClr r="0" g="0" b="0"/>
+      </a:effectRef>
+      <a:fontRef idx="minor">
+        <a:schemeClr val="lt1"/>
+      </a:fontRef>
+    </dgm:style>
+  </dgm:styleLbl>
+  <dgm:styleLbl name="asst1">
+    <dgm:scene3d>
+      <a:camera prst="orthographicFront"/>
+      <a:lightRig rig="threePt" dir="t"/>
+    </dgm:scene3d>
+    <dgm:sp3d/>
+    <dgm:txPr/>
+    <dgm:style>
+      <a:lnRef idx="2">
+        <a:scrgbClr r="0" g="0" b="0"/>
+      </a:lnRef>
+      <a:fillRef idx="1">
+        <a:scrgbClr r="0" g="0" b="0"/>
+      </a:fillRef>
+      <a:effectRef idx="0">
+        <a:scrgbClr r="0" g="0" b="0"/>
+      </a:effectRef>
+      <a:fontRef idx="minor">
+        <a:schemeClr val="lt1"/>
+      </a:fontRef>
+    </dgm:style>
+  </dgm:styleLbl>
+  <dgm:styleLbl name="asst2">
+    <dgm:scene3d>
+      <a:camera prst="orthographicFront"/>
+      <a:lightRig rig="threePt" dir="t"/>
+    </dgm:scene3d>
+    <dgm:sp3d/>
+    <dgm:txPr/>
+    <dgm:style>
+      <a:lnRef idx="2">
+        <a:scrgbClr r="0" g="0" b="0"/>
+      </a:lnRef>
+      <a:fillRef idx="1">
+        <a:scrgbClr r="0" g="0" b="0"/>
+      </a:fillRef>
+      <a:effectRef idx="0">
+        <a:scrgbClr r="0" g="0" b="0"/>
+      </a:effectRef>
+      <a:fontRef idx="minor">
+        <a:schemeClr val="lt1"/>
+      </a:fontRef>
+    </dgm:style>
+  </dgm:styleLbl>
+  <dgm:styleLbl name="asst3">
+    <dgm:scene3d>
+      <a:camera prst="orthographicFront"/>
+      <a:lightRig rig="threePt" dir="t"/>
+    </dgm:scene3d>
+    <dgm:sp3d/>
+    <dgm:txPr/>
+    <dgm:style>
+      <a:lnRef idx="2">
+        <a:scrgbClr r="0" g="0" b="0"/>
+      </a:lnRef>
+      <a:fillRef idx="1">
+        <a:scrgbClr r="0" g="0" b="0"/>
+      </a:fillRef>
+      <a:effectRef idx="0">
+        <a:scrgbClr r="0" g="0" b="0"/>
+      </a:effectRef>
+      <a:fontRef idx="minor">
+        <a:schemeClr val="lt1"/>
+      </a:fontRef>
+    </dgm:style>
+  </dgm:styleLbl>
+  <dgm:styleLbl name="asst4">
+    <dgm:scene3d>
+      <a:camera prst="orthographicFront"/>
+      <a:lightRig rig="threePt" dir="t"/>
+    </dgm:scene3d>
+    <dgm:sp3d/>
+    <dgm:txPr/>
+    <dgm:style>
+      <a:lnRef idx="2">
+        <a:scrgbClr r="0" g="0" b="0"/>
+      </a:lnRef>
+      <a:fillRef idx="1">
+        <a:scrgbClr r="0" g="0" b="0"/>
+      </a:fillRef>
+      <a:effectRef idx="0">
+        <a:scrgbClr r="0" g="0" b="0"/>
+      </a:effectRef>
+      <a:fontRef idx="minor">
+        <a:schemeClr val="lt1"/>
+      </a:fontRef>
+    </dgm:style>
+  </dgm:styleLbl>
+  <dgm:styleLbl name="parChTrans2D1">
+    <dgm:scene3d>
+      <a:camera prst="orthographicFront"/>
+      <a:lightRig rig="threePt" dir="t"/>
+    </dgm:scene3d>
+    <dgm:sp3d/>
+    <dgm:txPr/>
+    <dgm:style>
+      <a:lnRef idx="2">
+        <a:scrgbClr r="0" g="0" b="0"/>
+      </a:lnRef>
+      <a:fillRef idx="1">
+        <a:scrgbClr r="0" g="0" b="0"/>
+      </a:fillRef>
+      <a:effectRef idx="0">
+        <a:scrgbClr r="0" g="0" b="0"/>
+      </a:effectRef>
+      <a:fontRef idx="minor">
+        <a:schemeClr val="lt1"/>
+      </a:fontRef>
+    </dgm:style>
+  </dgm:styleLbl>
+  <dgm:styleLbl name="parChTrans2D2">
+    <dgm:scene3d>
+      <a:camera prst="orthographicFront"/>
+      <a:lightRig rig="threePt" dir="t"/>
+    </dgm:scene3d>
+    <dgm:sp3d/>
+    <dgm:txPr/>
+    <dgm:style>
+      <a:lnRef idx="2">
+        <a:scrgbClr r="0" g="0" b="0"/>
+      </a:lnRef>
+      <a:fillRef idx="1">
+        <a:scrgbClr r="0" g="0" b="0"/>
+      </a:fillRef>
+      <a:effectRef idx="0">
+        <a:scrgbClr r="0" g="0" b="0"/>
+      </a:effectRef>
+      <a:fontRef idx="minor">
+        <a:schemeClr val="lt1"/>
+      </a:fontRef>
+    </dgm:style>
+  </dgm:styleLbl>
+  <dgm:styleLbl name="parChTrans2D3">
+    <dgm:scene3d>
+      <a:camera prst="orthographicFront"/>
+      <a:lightRig rig="threePt" dir="t"/>
+    </dgm:scene3d>
+    <dgm:sp3d/>
+    <dgm:txPr/>
+    <dgm:style>
+      <a:lnRef idx="2">
+        <a:scrgbClr r="0" g="0" b="0"/>
+      </a:lnRef>
+      <a:fillRef idx="1">
+        <a:scrgbClr r="0" g="0" b="0"/>
+      </a:fillRef>
+      <a:effectRef idx="0">
+        <a:scrgbClr r="0" g="0" b="0"/>
+      </a:effectRef>
+      <a:fontRef idx="minor">
+        <a:schemeClr val="lt1"/>
+      </a:fontRef>
+    </dgm:style>
+  </dgm:styleLbl>
+  <dgm:styleLbl name="parChTrans2D4">
+    <dgm:scene3d>
+      <a:camera prst="orthographicFront"/>
+      <a:lightRig rig="threePt" dir="t"/>
+    </dgm:scene3d>
+    <dgm:sp3d/>
+    <dgm:txPr/>
+    <dgm:style>
+      <a:lnRef idx="2">
+        <a:scrgbClr r="0" g="0" b="0"/>
+      </a:lnRef>
+      <a:fillRef idx="1">
+        <a:scrgbClr r="0" g="0" b="0"/>
+      </a:fillRef>
+      <a:effectRef idx="0">
+        <a:scrgbClr r="0" g="0" b="0"/>
+      </a:effectRef>
+      <a:fontRef idx="minor">
+        <a:schemeClr val="lt1"/>
+      </a:fontRef>
+    </dgm:style>
+  </dgm:styleLbl>
+  <dgm:styleLbl name="parChTrans1D1">
+    <dgm:scene3d>
+      <a:camera prst="orthographicFront"/>
+      <a:lightRig rig="threePt" dir="t"/>
+    </dgm:scene3d>
+    <dgm:sp3d/>
+    <dgm:txPr/>
+    <dgm:style>
+      <a:lnRef idx="2">
+        <a:scrgbClr r="0" g="0" b="0"/>
+      </a:lnRef>
+      <a:fillRef idx="0">
+        <a:scrgbClr r="0" g="0" b="0"/>
+      </a:fillRef>
+      <a:effectRef idx="0">
+        <a:scrgbClr r="0" g="0" b="0"/>
+      </a:effectRef>
+      <a:fontRef idx="minor"/>
+    </dgm:style>
+  </dgm:styleLbl>
+  <dgm:styleLbl name="parChTrans1D2">
+    <dgm:scene3d>
+      <a:camera prst="orthographicFront"/>
+      <a:lightRig rig="threePt" dir="t"/>
+    </dgm:scene3d>
+    <dgm:sp3d/>
+    <dgm:txPr/>
+    <dgm:style>
+      <a:lnRef idx="2">
+        <a:scrgbClr r="0" g="0" b="0"/>
+      </a:lnRef>
+      <a:fillRef idx="0">
+        <a:scrgbClr r="0" g="0" b="0"/>
+      </a:fillRef>
+      <a:effectRef idx="0">
+        <a:scrgbClr r="0" g="0" b="0"/>
+      </a:effectRef>
+      <a:fontRef idx="minor"/>
+    </dgm:style>
+  </dgm:styleLbl>
+  <dgm:styleLbl name="parChTrans1D3">
+    <dgm:scene3d>
+      <a:camera prst="orthographicFront"/>
+      <a:lightRig rig="threePt" dir="t"/>
+    </dgm:scene3d>
+    <dgm:sp3d/>
+    <dgm:txPr/>
+    <dgm:style>
+      <a:lnRef idx="2">
+        <a:scrgbClr r="0" g="0" b="0"/>
+      </a:lnRef>
+      <a:fillRef idx="0">
+        <a:scrgbClr r="0" g="0" b="0"/>
+      </a:fillRef>
+      <a:effectRef idx="0">
+        <a:scrgbClr r="0" g="0" b="0"/>
+      </a:effectRef>
+      <a:fontRef idx="minor"/>
+    </dgm:style>
+  </dgm:styleLbl>
+  <dgm:styleLbl name="parChTrans1D4">
+    <dgm:scene3d>
+      <a:camera prst="orthographicFront"/>
+      <a:lightRig rig="threePt" dir="t"/>
+    </dgm:scene3d>
+    <dgm:sp3d/>
+    <dgm:txPr/>
+    <dgm:style>
+      <a:lnRef idx="2">
+        <a:scrgbClr r="0" g="0" b="0"/>
+      </a:lnRef>
+      <a:fillRef idx="0">
+        <a:scrgbClr r="0" g="0" b="0"/>
+      </a:fillRef>
+      <a:effectRef idx="0">
+        <a:scrgbClr r="0" g="0" b="0"/>
+      </a:effectRef>
+      <a:fontRef idx="minor"/>
+    </dgm:style>
+  </dgm:styleLbl>
+  <dgm:styleLbl name="fgAcc1">
+    <dgm:scene3d>
+      <a:camera prst="orthographicFront"/>
+      <a:lightRig rig="threePt" dir="t"/>
+    </dgm:scene3d>
+    <dgm:sp3d/>
+    <dgm:txPr/>
+    <dgm:style>
+      <a:lnRef idx="2">
+        <a:scrgbClr r="0" g="0" b="0"/>
+      </a:lnRef>
+      <a:fillRef idx="1">
+        <a:scrgbClr r="0" g="0" b="0"/>
+      </a:fillRef>
+      <a:effectRef idx="0">
+        <a:scrgbClr r="0" g="0" b="0"/>
+      </a:effectRef>
+      <a:fontRef idx="minor"/>
+    </dgm:style>
+  </dgm:styleLbl>
+  <dgm:styleLbl name="conFgAcc1">
+    <dgm:scene3d>
+      <a:camera prst="orthographicFront"/>
+      <a:lightRig rig="threePt" dir="t"/>
+    </dgm:scene3d>
+    <dgm:sp3d/>
+    <dgm:txPr/>
+    <dgm:style>
+      <a:lnRef idx="2">
+        <a:scrgbClr r="0" g="0" b="0"/>
+      </a:lnRef>
+      <a:fillRef idx="1">
+        <a:scrgbClr r="0" g="0" b="0"/>
+      </a:fillRef>
+      <a:effectRef idx="0">
+        <a:scrgbClr r="0" g="0" b="0"/>
+      </a:effectRef>
+      <a:fontRef idx="minor"/>
+    </dgm:style>
+  </dgm:styleLbl>
+  <dgm:styleLbl name="alignAcc1">
+    <dgm:scene3d>
+      <a:camera prst="orthographicFront"/>
+      <a:lightRig rig="threePt" dir="t"/>
+    </dgm:scene3d>
+    <dgm:sp3d/>
+    <dgm:txPr/>
+    <dgm:style>
+      <a:lnRef idx="2">
+        <a:scrgbClr r="0" g="0" b="0"/>
+      </a:lnRef>
+      <a:fillRef idx="1">
+        <a:scrgbClr r="0" g="0" b="0"/>
+      </a:fillRef>
+      <a:effectRef idx="0">
+        <a:scrgbClr r="0" g="0" b="0"/>
+      </a:effectRef>
+      <a:fontRef idx="minor"/>
+    </dgm:style>
+  </dgm:styleLbl>
+  <dgm:styleLbl name="trAlignAcc1">
+    <dgm:scene3d>
+      <a:camera prst="orthographicFront"/>
+      <a:lightRig rig="threePt" dir="t"/>
+    </dgm:scene3d>
+    <dgm:sp3d/>
+    <dgm:txPr/>
+    <dgm:style>
+      <a:lnRef idx="1">
+        <a:scrgbClr r="0" g="0" b="0"/>
+      </a:lnRef>
+      <a:fillRef idx="1">
+        <a:scrgbClr r="0" g="0" b="0"/>
+      </a:fillRef>
+      <a:effectRef idx="0">
+        <a:scrgbClr r="0" g="0" b="0"/>
+      </a:effectRef>
+      <a:fontRef idx="minor"/>
+    </dgm:style>
+  </dgm:styleLbl>
+  <dgm:styleLbl name="bgAcc1">
+    <dgm:scene3d>
+      <a:camera prst="orthographicFront"/>
+      <a:lightRig rig="threePt" dir="t"/>
+    </dgm:scene3d>
+    <dgm:sp3d/>
+    <dgm:txPr/>
+    <dgm:style>
+      <a:lnRef idx="2">
+        <a:scrgbClr r="0" g="0" b="0"/>
+      </a:lnRef>
+      <a:fillRef idx="1">
+        <a:scrgbClr r="0" g="0" b="0"/>
+      </a:fillRef>
+      <a:effectRef idx="0">
+        <a:scrgbClr r="0" g="0" b="0"/>
+      </a:effectRef>
+      <a:fontRef idx="minor"/>
+    </dgm:style>
+  </dgm:styleLbl>
+  <dgm:styleLbl name="solidFgAcc1">
+    <dgm:scene3d>
+      <a:camera prst="orthographicFront"/>
+      <a:lightRig rig="threePt" dir="t"/>
+    </dgm:scene3d>
+    <dgm:sp3d/>
+    <dgm:txPr/>
+    <dgm:style>
+      <a:lnRef idx="2">
+        <a:scrgbClr r="0" g="0" b="0"/>
+      </a:lnRef>
+      <a:fillRef idx="1">
+        <a:scrgbClr r="0" g="0" b="0"/>
+      </a:fillRef>
+      <a:effectRef idx="0">
+        <a:scrgbClr r="0" g="0" b="0"/>
+      </a:effectRef>
+      <a:fontRef idx="minor"/>
+    </dgm:style>
+  </dgm:styleLbl>
+  <dgm:styleLbl name="solidAlignAcc1">
+    <dgm:scene3d>
+      <a:camera prst="orthographicFront"/>
+      <a:lightRig rig="threePt" dir="t"/>
+    </dgm:scene3d>
+    <dgm:sp3d/>
+    <dgm:txPr/>
+    <dgm:style>
+      <a:lnRef idx="2">
+        <a:scrgbClr r="0" g="0" b="0"/>
+      </a:lnRef>
+      <a:fillRef idx="1">
+        <a:scrgbClr r="0" g="0" b="0"/>
+      </a:fillRef>
+      <a:effectRef idx="0">
+        <a:scrgbClr r="0" g="0" b="0"/>
+      </a:effectRef>
+      <a:fontRef idx="minor"/>
+    </dgm:style>
+  </dgm:styleLbl>
+  <dgm:styleLbl name="solidBgAcc1">
+    <dgm:scene3d>
+      <a:camera prst="orthographicFront"/>
+      <a:lightRig rig="threePt" dir="t"/>
+    </dgm:scene3d>
+    <dgm:sp3d/>
+    <dgm:txPr/>
+    <dgm:style>
+      <a:lnRef idx="2">
+        <a:scrgbClr r="0" g="0" b="0"/>
+      </a:lnRef>
+      <a:fillRef idx="1">
+        <a:scrgbClr r="0" g="0" b="0"/>
+      </a:fillRef>
+      <a:effectRef idx="0">
+        <a:scrgbClr r="0" g="0" b="0"/>
+      </a:effectRef>
+      <a:fontRef idx="minor"/>
+    </dgm:style>
+  </dgm:styleLbl>
+  <dgm:styleLbl name="fgAccFollowNode1">
+    <dgm:scene3d>
+      <a:camera prst="orthographicFront"/>
+      <a:lightRig rig="threePt" dir="t"/>
+    </dgm:scene3d>
+    <dgm:sp3d/>
+    <dgm:txPr/>
+    <dgm:style>
+      <a:lnRef idx="2">
+        <a:scrgbClr r="0" g="0" b="0"/>
+      </a:lnRef>
+      <a:fillRef idx="1">
+        <a:scrgbClr r="0" g="0" b="0"/>
+      </a:fillRef>
+      <a:effectRef idx="0">
+        <a:scrgbClr r="0" g="0" b="0"/>
+      </a:effectRef>
+      <a:fontRef idx="minor"/>
+    </dgm:style>
+  </dgm:styleLbl>
+  <dgm:styleLbl name="alignAccFollowNode1">
+    <dgm:scene3d>
+      <a:camera prst="orthographicFront"/>
+      <a:lightRig rig="threePt" dir="t"/>
+    </dgm:scene3d>
+    <dgm:sp3d/>
+    <dgm:txPr/>
+    <dgm:style>
+      <a:lnRef idx="2">
+        <a:scrgbClr r="0" g="0" b="0"/>
+      </a:lnRef>
+      <a:fillRef idx="1">
+        <a:scrgbClr r="0" g="0" b="0"/>
+      </a:fillRef>
+      <a:effectRef idx="0">
+        <a:scrgbClr r="0" g="0" b="0"/>
+      </a:effectRef>
+      <a:fontRef idx="minor"/>
+    </dgm:style>
+  </dgm:styleLbl>
+  <dgm:styleLbl name="bgAccFollowNode1">
+    <dgm:scene3d>
+      <a:camera prst="orthographicFront"/>
+      <a:lightRig rig="threePt" dir="t"/>
+    </dgm:scene3d>
+    <dgm:sp3d/>
+    <dgm:txPr/>
+    <dgm:style>
+      <a:lnRef idx="2">
+        <a:scrgbClr r="0" g="0" b="0"/>
+      </a:lnRef>
+      <a:fillRef idx="1">
+        <a:scrgbClr r="0" g="0" b="0"/>
+      </a:fillRef>
+      <a:effectRef idx="0">
+        <a:scrgbClr r="0" g="0" b="0"/>
+      </a:effectRef>
+      <a:fontRef idx="minor"/>
+    </dgm:style>
+  </dgm:styleLbl>
+  <dgm:styleLbl name="fgAcc0">
+    <dgm:scene3d>
+      <a:camera prst="orthographicFront"/>
+      <a:lightRig rig="threePt" dir="t"/>
+    </dgm:scene3d>
+    <dgm:sp3d/>
+    <dgm:txPr/>
+    <dgm:style>
+      <a:lnRef idx="2">
+        <a:scrgbClr r="0" g="0" b="0"/>
+      </a:lnRef>
+      <a:fillRef idx="1">
+        <a:scrgbClr r="0" g="0" b="0"/>
+      </a:fillRef>
+      <a:effectRef idx="0">
+        <a:scrgbClr r="0" g="0" b="0"/>
+      </a:effectRef>
+      <a:fontRef idx="minor"/>
+    </dgm:style>
+  </dgm:styleLbl>
+  <dgm:styleLbl name="fgAcc2">
+    <dgm:scene3d>
+      <a:camera prst="orthographicFront"/>
+      <a:lightRig rig="threePt" dir="t"/>
+    </dgm:scene3d>
+    <dgm:sp3d/>
+    <dgm:txPr/>
+    <dgm:style>
+      <a:lnRef idx="2">
+        <a:scrgbClr r="0" g="0" b="0"/>
+      </a:lnRef>
+      <a:fillRef idx="1">
+        <a:scrgbClr r="0" g="0" b="0"/>
+      </a:fillRef>
+      <a:effectRef idx="0">
+        <a:scrgbClr r="0" g="0" b="0"/>
+      </a:effectRef>
+      <a:fontRef idx="minor"/>
+    </dgm:style>
+  </dgm:styleLbl>
+  <dgm:styleLbl name="fgAcc3">
+    <dgm:scene3d>
+      <a:camera prst="orthographicFront"/>
+      <a:lightRig rig="threePt" dir="t"/>
+    </dgm:scene3d>
+    <dgm:sp3d/>
+    <dgm:txPr/>
+    <dgm:style>
+      <a:lnRef idx="2">
+        <a:scrgbClr r="0" g="0" b="0"/>
+      </a:lnRef>
+      <a:fillRef idx="1">
+        <a:scrgbClr r="0" g="0" b="0"/>
+      </a:fillRef>
+      <a:effectRef idx="0">
+        <a:scrgbClr r="0" g="0" b="0"/>
+      </a:effectRef>
+      <a:fontRef idx="minor"/>
+    </dgm:style>
+  </dgm:styleLbl>
+  <dgm:styleLbl name="fgAcc4">
+    <dgm:scene3d>
+      <a:camera prst="orthographicFront"/>
+      <a:lightRig rig="threePt" dir="t"/>
+    </dgm:scene3d>
+    <dgm:sp3d/>
+    <dgm:txPr/>
+    <dgm:style>
+      <a:lnRef idx="2">
+        <a:scrgbClr r="0" g="0" b="0"/>
+      </a:lnRef>
+      <a:fillRef idx="1">
+        <a:scrgbClr r="0" g="0" b="0"/>
+      </a:fillRef>
+      <a:effectRef idx="0">
+        <a:scrgbClr r="0" g="0" b="0"/>
+      </a:effectRef>
+      <a:fontRef idx="minor"/>
+    </dgm:style>
+  </dgm:styleLbl>
+  <dgm:styleLbl name="bgShp">
+    <dgm:scene3d>
+      <a:camera prst="orthographicFront"/>
+      <a:lightRig rig="threePt" dir="t"/>
+    </dgm:scene3d>
+    <dgm:sp3d/>
+    <dgm:txPr/>
+    <dgm:style>
+      <a:lnRef idx="0">
+        <a:scrgbClr r="0" g="0" b="0"/>
+      </a:lnRef>
+      <a:fillRef idx="1">
+        <a:scrgbClr r="0" g="0" b="0"/>
+      </a:fillRef>
+      <a:effectRef idx="0">
+        <a:scrgbClr r="0" g="0" b="0"/>
+      </a:effectRef>
+      <a:fontRef idx="minor"/>
+    </dgm:style>
+  </dgm:styleLbl>
+  <dgm:styleLbl name="dkBgShp">
+    <dgm:scene3d>
+      <a:camera prst="orthographicFront"/>
+      <a:lightRig rig="threePt" dir="t"/>
+    </dgm:scene3d>
+    <dgm:sp3d/>
+    <dgm:txPr/>
+    <dgm:style>
+      <a:lnRef idx="0">
+        <a:scrgbClr r="0" g="0" b="0"/>
+      </a:lnRef>
+      <a:fillRef idx="1">
+        <a:scrgbClr r="0" g="0" b="0"/>
+      </a:fillRef>
+      <a:effectRef idx="0">
+        <a:scrgbClr r="0" g="0" b="0"/>
+      </a:effectRef>
+      <a:fontRef idx="minor"/>
+    </dgm:style>
+  </dgm:styleLbl>
+  <dgm:styleLbl name="trBgShp">
+    <dgm:scene3d>
+      <a:camera prst="orthographicFront"/>
+      <a:lightRig rig="threePt" dir="t"/>
+    </dgm:scene3d>
+    <dgm:sp3d/>
+    <dgm:txPr/>
+    <dgm:style>
+      <a:lnRef idx="0">
+        <a:scrgbClr r="0" g="0" b="0"/>
+      </a:lnRef>
+      <a:fillRef idx="1">
+        <a:scrgbClr r="0" g="0" b="0"/>
+      </a:fillRef>
+      <a:effectRef idx="0">
+        <a:scrgbClr r="0" g="0" b="0"/>
+      </a:effectRef>
+      <a:fontRef idx="minor"/>
+    </dgm:style>
+  </dgm:styleLbl>
+  <dgm:styleLbl name="fgShp">
+    <dgm:scene3d>
+      <a:camera prst="orthographicFront"/>
+      <a:lightRig rig="threePt" dir="t"/>
+    </dgm:scene3d>
+    <dgm:sp3d/>
+    <dgm:txPr/>
+    <dgm:style>
+      <a:lnRef idx="2">
+        <a:scrgbClr r="0" g="0" b="0"/>
+      </a:lnRef>
+      <a:fillRef idx="1">
+        <a:scrgbClr r="0" g="0" b="0"/>
+      </a:fillRef>
+      <a:effectRef idx="0">
+        <a:scrgbClr r="0" g="0" b="0"/>
+      </a:effectRef>
+      <a:fontRef idx="minor"/>
+    </dgm:style>
+  </dgm:styleLbl>
+  <dgm:styleLbl name="revTx">
+    <dgm:scene3d>
+      <a:camera prst="orthographicFront"/>
+      <a:lightRig rig="threePt" dir="t"/>
+    </dgm:scene3d>
+    <dgm:sp3d/>
+    <dgm:txPr/>
+    <dgm:style>
+      <a:lnRef idx="0">
+        <a:scrgbClr r="0" g="0" b="0"/>
+      </a:lnRef>
+      <a:fillRef idx="0">
+        <a:scrgbClr r="0" g="0" b="0"/>
+      </a:fillRef>
+      <a:effectRef idx="0">
+        <a:scrgbClr r="0" g="0" b="0"/>
+      </a:effectRef>
+      <a:fontRef idx="minor"/>
+    </dgm:style>
+  </dgm:styleLbl>
+</dgm:styleDef>
+</file>
+
+<file path=ppt/notesMasters/notesMaster1.xml><?xml version="1.0" encoding="utf-8"?>
+<p:notesMaster xmlns:a="http://schemas.openxmlformats.org/drawingml/2006/main" xmlns:r="http://schemas.openxmlformats.org/officeDocument/2006/relationships" xmlns:p="http://schemas.openxmlformats.org/presentationml/2006/main">
+  <p:cSld>
+    <p:bg>
+      <p:bgRef idx="1001">
+        <a:schemeClr val="bg1"/>
+      </p:bgRef>
+    </p:bg>
+    <p:spTree>
+      <p:nvGrpSpPr>
+        <p:cNvPr id="1" name=""/>
+        <p:cNvGrpSpPr/>
+        <p:nvPr/>
+      </p:nvGrpSpPr>
+      <p:grpSpPr>
+        <a:xfrm>
+          <a:off x="0" y="0"/>
+          <a:ext cx="0" cy="0"/>
+          <a:chOff x="0" y="0"/>
+          <a:chExt cx="0" cy="0"/>
+        </a:xfrm>
+      </p:grpSpPr>
+      <p:sp>
+        <p:nvSpPr>
+          <p:cNvPr id="2" name="Header Placeholder 1"/>
+          <p:cNvSpPr>
+            <a:spLocks noGrp="1"/>
+          </p:cNvSpPr>
+          <p:nvPr>
+            <p:ph type="hdr" sz="quarter"/>
+          </p:nvPr>
+        </p:nvSpPr>
+        <p:spPr>
+          <a:xfrm>
+            <a:off x="0" y="0"/>
+            <a:ext cx="2971800" cy="457200"/>
+          </a:xfrm>
+          <a:prstGeom prst="rect">
+            <a:avLst/>
+          </a:prstGeom>
+        </p:spPr>
+        <p:txBody>
+          <a:bodyPr vert="horz" lIns="91440" tIns="45720" rIns="91440" bIns="45720" rtlCol="0"/>
+          <a:lstStyle>
+            <a:lvl1pPr algn="l">
+              <a:defRPr sz="1200"/>
+            </a:lvl1pPr>
+          </a:lstStyle>
+          <a:p>
+            <a:endParaRPr lang="en-US"/>
+          </a:p>
+        </p:txBody>
+      </p:sp>
+      <p:sp>
+        <p:nvSpPr>
+          <p:cNvPr id="3" name="Date Placeholder 2"/>
+          <p:cNvSpPr>
+            <a:spLocks noGrp="1"/>
+          </p:cNvSpPr>
+          <p:nvPr>
+            <p:ph type="dt" idx="1"/>
+          </p:nvPr>
+        </p:nvSpPr>
+        <p:spPr>
+          <a:xfrm>
+            <a:off x="3884613" y="0"/>
+            <a:ext cx="2971800" cy="457200"/>
+          </a:xfrm>
+          <a:prstGeom prst="rect">
+            <a:avLst/>
+          </a:prstGeom>
+        </p:spPr>
+        <p:txBody>
+          <a:bodyPr vert="horz" lIns="91440" tIns="45720" rIns="91440" bIns="45720" rtlCol="0"/>
+          <a:lstStyle>
+            <a:lvl1pPr algn="r">
+              <a:defRPr sz="1200"/>
+            </a:lvl1pPr>
+          </a:lstStyle>
+          <a:p>
+            <a:fld id="{AD1BB0AD-580A-4625-AF39-165890F3FBA4}" type="datetimeFigureOut">
+              <a:rPr lang="en-US" smtClean="0"/>
+              <a:t>11/2/2009</a:t>
+            </a:fld>
+            <a:endParaRPr lang="en-US"/>
+          </a:p>
+        </p:txBody>
+      </p:sp>
+      <p:sp>
+        <p:nvSpPr>
+          <p:cNvPr id="4" name="Slide Image Placeholder 3"/>
+          <p:cNvSpPr>
+            <a:spLocks noGrp="1" noRot="1" noChangeAspect="1"/>
+          </p:cNvSpPr>
+          <p:nvPr>
+            <p:ph type="sldImg" idx="2"/>
+          </p:nvPr>
+        </p:nvSpPr>
+        <p:spPr>
+          <a:xfrm>
+            <a:off x="1143000" y="685800"/>
+            <a:ext cx="4572000" cy="3429000"/>
+          </a:xfrm>
+          <a:prstGeom prst="rect">
+            <a:avLst/>
+          </a:prstGeom>
+          <a:noFill/>
+          <a:ln w="12700">
+            <a:solidFill>
+              <a:prstClr val="black"/>
+            </a:solidFill>
+          </a:ln>
+        </p:spPr>
+        <p:txBody>
+          <a:bodyPr vert="horz" lIns="91440" tIns="45720" rIns="91440" bIns="45720" rtlCol="0" anchor="ctr"/>
+          <a:lstStyle/>
+          <a:p>
+            <a:endParaRPr lang="en-US"/>
+          </a:p>
+        </p:txBody>
+      </p:sp>
+      <p:sp>
+        <p:nvSpPr>
+          <p:cNvPr id="5" name="Notes Placeholder 4"/>
+          <p:cNvSpPr>
+            <a:spLocks noGrp="1"/>
+          </p:cNvSpPr>
+          <p:nvPr>
+            <p:ph type="body" sz="quarter" idx="3"/>
+          </p:nvPr>
+        </p:nvSpPr>
+        <p:spPr>
+          <a:xfrm>
+            <a:off x="685800" y="4343400"/>
+            <a:ext cx="5486400" cy="4114800"/>
+          </a:xfrm>
+          <a:prstGeom prst="rect">
+            <a:avLst/>
+          </a:prstGeom>
+        </p:spPr>
+        <p:txBody>
+          <a:bodyPr vert="horz" lIns="91440" tIns="45720" rIns="91440" bIns="45720" rtlCol="0">
+            <a:normAutofit/>
+          </a:bodyPr>
+          <a:lstStyle/>
+          <a:p>
+            <a:pPr lvl="0"/>
+            <a:r>
+              <a:rPr lang="en-US" smtClean="0"/>
+              <a:t>Click to edit Master text styles</a:t>
+            </a:r>
+          </a:p>
+          <a:p>
+            <a:pPr lvl="1"/>
+            <a:r>
+              <a:rPr lang="en-US" smtClean="0"/>
+              <a:t>Second level</a:t>
+            </a:r>
+          </a:p>
+          <a:p>
+            <a:pPr lvl="2"/>
+            <a:r>
+              <a:rPr lang="en-US" smtClean="0"/>
+              <a:t>Third level</a:t>
+            </a:r>
+          </a:p>
+          <a:p>
+            <a:pPr lvl="3"/>
+            <a:r>
+              <a:rPr lang="en-US" smtClean="0"/>
+              <a:t>Fourth level</a:t>
+            </a:r>
+          </a:p>
+          <a:p>
+            <a:pPr lvl="4"/>
+            <a:r>
+              <a:rPr lang="en-US" smtClean="0"/>
+              <a:t>Fifth level</a:t>
+            </a:r>
+            <a:endParaRPr lang="en-US"/>
+          </a:p>
+        </p:txBody>
+      </p:sp>
+      <p:sp>
+        <p:nvSpPr>
+          <p:cNvPr id="6" name="Footer Placeholder 5"/>
+          <p:cNvSpPr>
+            <a:spLocks noGrp="1"/>
+          </p:cNvSpPr>
+          <p:nvPr>
+            <p:ph type="ftr" sz="quarter" idx="4"/>
+          </p:nvPr>
+        </p:nvSpPr>
+        <p:spPr>
+          <a:xfrm>
+            <a:off x="0" y="8685213"/>
+            <a:ext cx="2971800" cy="457200"/>
+          </a:xfrm>
+          <a:prstGeom prst="rect">
+            <a:avLst/>
+          </a:prstGeom>
+        </p:spPr>
+        <p:txBody>
+          <a:bodyPr vert="horz" lIns="91440" tIns="45720" rIns="91440" bIns="45720" rtlCol="0" anchor="b"/>
+          <a:lstStyle>
+            <a:lvl1pPr algn="l">
+              <a:defRPr sz="1200"/>
+            </a:lvl1pPr>
+          </a:lstStyle>
+          <a:p>
+            <a:endParaRPr lang="en-US"/>
+          </a:p>
+        </p:txBody>
+      </p:sp>
+      <p:sp>
+        <p:nvSpPr>
+          <p:cNvPr id="7" name="Slide Number Placeholder 6"/>
+          <p:cNvSpPr>
+            <a:spLocks noGrp="1"/>
+          </p:cNvSpPr>
+          <p:nvPr>
+            <p:ph type="sldNum" sz="quarter" idx="5"/>
+          </p:nvPr>
+        </p:nvSpPr>
+        <p:spPr>
+          <a:xfrm>
+            <a:off x="3884613" y="8685213"/>
+            <a:ext cx="2971800" cy="457200"/>
+          </a:xfrm>
+          <a:prstGeom prst="rect">
+            <a:avLst/>
+          </a:prstGeom>
+        </p:spPr>
+        <p:txBody>
+          <a:bodyPr vert="horz" lIns="91440" tIns="45720" rIns="91440" bIns="45720" rtlCol="0" anchor="b"/>
+          <a:lstStyle>
+            <a:lvl1pPr algn="r">
+              <a:defRPr sz="1200"/>
+            </a:lvl1pPr>
+          </a:lstStyle>
+          <a:p>
+            <a:fld id="{E313970E-9089-4F4B-96C3-E82847EC7EB9}" type="slidenum">
+              <a:rPr lang="en-US" smtClean="0"/>
+              <a:t>‹#›</a:t>
+            </a:fld>
+            <a:endParaRPr lang="en-US"/>
+          </a:p>
+        </p:txBody>
+      </p:sp>
+    </p:spTree>
+  </p:cSld>
+  <p:clrMap bg1="lt1" tx1="dk1" bg2="lt2" tx2="dk2" accent1="accent1" accent2="accent2" accent3="accent3" accent4="accent4" accent5="accent5" accent6="accent6" hlink="hlink" folHlink="folHlink"/>
+  <p:notesStyle>
+    <a:lvl1pPr marL="0" algn="l" defTabSz="914400" rtl="0" eaLnBrk="1" latinLnBrk="0" hangingPunct="1">
+      <a:defRPr sz="1200" kern="1200">
+        <a:solidFill>
+          <a:schemeClr val="tx1"/>
+        </a:solidFill>
+        <a:latin typeface="+mn-lt"/>
+        <a:ea typeface="+mn-ea"/>
+        <a:cs typeface="+mn-cs"/>
+      </a:defRPr>
+    </a:lvl1pPr>
+    <a:lvl2pPr marL="457200" algn="l" defTabSz="914400" rtl="0" eaLnBrk="1" latinLnBrk="0" hangingPunct="1">
+      <a:defRPr sz="1200" kern="1200">
+        <a:solidFill>
+          <a:schemeClr val="tx1"/>
+        </a:solidFill>
+        <a:latin typeface="+mn-lt"/>
+        <a:ea typeface="+mn-ea"/>
+        <a:cs typeface="+mn-cs"/>
+      </a:defRPr>
+    </a:lvl2pPr>
+    <a:lvl3pPr marL="914400" algn="l" defTabSz="914400" rtl="0" eaLnBrk="1" latinLnBrk="0" hangingPunct="1">
+      <a:defRPr sz="1200" kern="1200">
+        <a:solidFill>
+          <a:schemeClr val="tx1"/>
+        </a:solidFill>
+        <a:latin typeface="+mn-lt"/>
+        <a:ea typeface="+mn-ea"/>
+        <a:cs typeface="+mn-cs"/>
+      </a:defRPr>
+    </a:lvl3pPr>
+    <a:lvl4pPr marL="1371600" algn="l" defTabSz="914400" rtl="0" eaLnBrk="1" latinLnBrk="0" hangingPunct="1">
+      <a:defRPr sz="1200" kern="1200">
+        <a:solidFill>
+          <a:schemeClr val="tx1"/>
+        </a:solidFill>
+        <a:latin typeface="+mn-lt"/>
+        <a:ea typeface="+mn-ea"/>
+        <a:cs typeface="+mn-cs"/>
+      </a:defRPr>
+    </a:lvl4pPr>
+    <a:lvl5pPr marL="1828800" algn="l" defTabSz="914400" rtl="0" eaLnBrk="1" latinLnBrk="0" hangingPunct="1">
+      <a:defRPr sz="1200" kern="1200">
+        <a:solidFill>
+          <a:schemeClr val="tx1"/>
+        </a:solidFill>
+        <a:latin typeface="+mn-lt"/>
+        <a:ea typeface="+mn-ea"/>
+        <a:cs typeface="+mn-cs"/>
+      </a:defRPr>
+    </a:lvl5pPr>
+    <a:lvl6pPr marL="2286000" algn="l" defTabSz="914400" rtl="0" eaLnBrk="1" latinLnBrk="0" hangingPunct="1">
+      <a:defRPr sz="1200" kern="1200">
+        <a:solidFill>
+          <a:schemeClr val="tx1"/>
+        </a:solidFill>
+        <a:latin typeface="+mn-lt"/>
+        <a:ea typeface="+mn-ea"/>
+        <a:cs typeface="+mn-cs"/>
+      </a:defRPr>
+    </a:lvl6pPr>
+    <a:lvl7pPr marL="2743200" algn="l" defTabSz="914400" rtl="0" eaLnBrk="1" latinLnBrk="0" hangingPunct="1">
+      <a:defRPr sz="1200" kern="1200">
+        <a:solidFill>
+          <a:schemeClr val="tx1"/>
+        </a:solidFill>
+        <a:latin typeface="+mn-lt"/>
+        <a:ea typeface="+mn-ea"/>
+        <a:cs typeface="+mn-cs"/>
+      </a:defRPr>
+    </a:lvl7pPr>
+    <a:lvl8pPr marL="3200400" algn="l" defTabSz="914400" rtl="0" eaLnBrk="1" latinLnBrk="0" hangingPunct="1">
+      <a:defRPr sz="1200" kern="1200">
+        <a:solidFill>
+          <a:schemeClr val="tx1"/>
+        </a:solidFill>
+        <a:latin typeface="+mn-lt"/>
+        <a:ea typeface="+mn-ea"/>
+        <a:cs typeface="+mn-cs"/>
+      </a:defRPr>
+    </a:lvl8pPr>
+    <a:lvl9pPr marL="3657600" algn="l" defTabSz="914400" rtl="0" eaLnBrk="1" latinLnBrk="0" hangingPunct="1">
+      <a:defRPr sz="1200" kern="1200">
+        <a:solidFill>
+          <a:schemeClr val="tx1"/>
+        </a:solidFill>
+        <a:latin typeface="+mn-lt"/>
+        <a:ea typeface="+mn-ea"/>
+        <a:cs typeface="+mn-cs"/>
+      </a:defRPr>
+    </a:lvl9pPr>
+  </p:notesStyle>
+</p:notesMaster>
+</file>
+
+<file path=ppt/notesSlides/notesSlide1.xml><?xml version="1.0" encoding="utf-8"?>
+<p:notes xmlns:a="http://schemas.openxmlformats.org/drawingml/2006/main" xmlns:r="http://schemas.openxmlformats.org/officeDocument/2006/relationships" xmlns:p="http://schemas.openxmlformats.org/presentationml/2006/main">
+  <p:cSld>
+    <p:spTree>
+      <p:nvGrpSpPr>
+        <p:cNvPr id="1" name=""/>
+        <p:cNvGrpSpPr/>
+        <p:nvPr/>
+      </p:nvGrpSpPr>
+      <p:grpSpPr>
+        <a:xfrm>
+          <a:off x="0" y="0"/>
+          <a:ext cx="0" cy="0"/>
+          <a:chOff x="0" y="0"/>
+          <a:chExt cx="0" cy="0"/>
+        </a:xfrm>
+      </p:grpSpPr>
+      <p:sp>
+        <p:nvSpPr>
+          <p:cNvPr id="2" name="Slide Image Placeholder 1"/>
+          <p:cNvSpPr>
+            <a:spLocks noGrp="1" noRot="1" noChangeAspect="1"/>
+          </p:cNvSpPr>
+          <p:nvPr>
+            <p:ph type="sldImg"/>
+          </p:nvPr>
+        </p:nvSpPr>
+        <p:spPr/>
+      </p:sp>
+      <p:sp>
+        <p:nvSpPr>
+          <p:cNvPr id="3" name="Notes Placeholder 2"/>
+          <p:cNvSpPr>
+            <a:spLocks noGrp="1"/>
+          </p:cNvSpPr>
+          <p:nvPr>
+            <p:ph type="body" idx="1"/>
+          </p:nvPr>
+        </p:nvSpPr>
+        <p:spPr/>
+        <p:txBody>
+          <a:bodyPr>
+            <a:normAutofit/>
+          </a:bodyPr>
+          <a:lstStyle/>
+          <a:p>
+            <a:r>
+              <a:rPr lang="en-US" dirty="0" smtClean="0"/>
+              <a:t>I think we have integrated software management. </a:t>
+            </a:r>
+            <a:br>
+              <a:rPr lang="en-US" dirty="0" smtClean="0"/>
+            </a:br>
+            <a:r>
+              <a:rPr lang="en-US" dirty="0" smtClean="0"/>
+              <a:t/>
+            </a:r>
+            <a:br>
+              <a:rPr lang="en-US" dirty="0" smtClean="0"/>
+            </a:br>
+            <a:r>
+              <a:rPr lang="en-US" dirty="0" smtClean="0"/>
+              <a:t>Integrated software management is:</a:t>
+            </a:r>
+            <a:br>
+              <a:rPr lang="en-US" dirty="0" smtClean="0"/>
+            </a:br>
+            <a:r>
+              <a:rPr lang="en-US" b="1" dirty="0" smtClean="0"/>
+              <a:t>"Commitment to perform</a:t>
+            </a:r>
+          </a:p>
+          <a:p>
+            <a:r>
+              <a:rPr lang="en-US" b="1" dirty="0" smtClean="0"/>
+              <a:t>Commitment 1 -- The project follows a written organizational policy requiring that the software project be planned and managed using the organization's standard software process and related process assets."</a:t>
+            </a:r>
+          </a:p>
+          <a:p>
+            <a:r>
+              <a:rPr lang="en-US" dirty="0" smtClean="0"/>
+              <a:t/>
+            </a:r>
+            <a:br>
+              <a:rPr lang="en-US" dirty="0" smtClean="0"/>
+            </a:br>
+            <a:r>
+              <a:rPr lang="en-US" dirty="0" smtClean="0"/>
+              <a:t>I think that all our software follows the design-&gt;implementation-&gt;testing process, and documenting everything throughout, we could say that I guess?</a:t>
+            </a:r>
+            <a:br>
+              <a:rPr lang="en-US" dirty="0" smtClean="0"/>
+            </a:br>
+            <a:r>
+              <a:rPr lang="en-US" dirty="0" smtClean="0"/>
+              <a:t/>
+            </a:r>
+            <a:br>
+              <a:rPr lang="en-US" dirty="0" smtClean="0"/>
+            </a:br>
+            <a:r>
+              <a:rPr lang="en-US" dirty="0" smtClean="0"/>
+              <a:t>Check the CMM document from Lab 2. Organizational process definition could maybe be like, configuration management process or something? Like we standardize using SVN in ALL our development processes? And Mantis etc. And the kinds of documents needed for each stage of the development cycle will be standardized. Organization process focus just means we follow what we said we would do, to a good standard.</a:t>
+            </a:r>
+            <a:endParaRPr lang="en-US" dirty="0"/>
+          </a:p>
+        </p:txBody>
+      </p:sp>
+      <p:sp>
+        <p:nvSpPr>
+          <p:cNvPr id="4" name="Slide Number Placeholder 3"/>
+          <p:cNvSpPr>
+            <a:spLocks noGrp="1"/>
+          </p:cNvSpPr>
+          <p:nvPr>
+            <p:ph type="sldNum" sz="quarter" idx="10"/>
+          </p:nvPr>
+        </p:nvSpPr>
+        <p:spPr/>
+        <p:txBody>
+          <a:bodyPr/>
+          <a:lstStyle/>
+          <a:p>
+            <a:fld id="{E313970E-9089-4F4B-96C3-E82847EC7EB9}" type="slidenum">
+              <a:rPr lang="en-US" smtClean="0"/>
+              <a:t>5</a:t>
+            </a:fld>
+            <a:endParaRPr lang="en-US"/>
+          </a:p>
+        </p:txBody>
+      </p:sp>
+    </p:spTree>
+  </p:cSld>
+  <p:clrMapOvr>
+    <a:masterClrMapping/>
+  </p:clrMapOvr>
+</p:notes>
+</file>
+
 <file path=ppt/slideLayouts/slideLayout1.xml><?xml version="1.0" encoding="utf-8"?>
 <p:sldLayout xmlns:a="http://schemas.openxmlformats.org/drawingml/2006/main" xmlns:r="http://schemas.openxmlformats.org/officeDocument/2006/relationships" xmlns:p="http://schemas.openxmlformats.org/presentationml/2006/main" showMasterSp="0" type="title" preserve="1">
   <p:cSld name="Title Slide">
@@ -780,7 +6506,7 @@
             <a:fld id="{FC573CDC-4977-414A-851C-58150F653399}" type="datetimeFigureOut">
               <a:rPr lang="en-US" smtClean="0"/>
               <a:pPr/>
-              <a:t>10/29/2009</a:t>
+              <a:t>11/2/2009</a:t>
             </a:fld>
             <a:endParaRPr lang="en-US"/>
           </a:p>
@@ -965,7 +6691,7 @@
             <a:fld id="{FC573CDC-4977-414A-851C-58150F653399}" type="datetimeFigureOut">
               <a:rPr lang="en-US" smtClean="0"/>
               <a:pPr/>
-              <a:t>10/29/2009</a:t>
+              <a:t>11/2/2009</a:t>
             </a:fld>
             <a:endParaRPr lang="en-US"/>
           </a:p>
@@ -1142,7 +6868,7 @@
             <a:fld id="{FC573CDC-4977-414A-851C-58150F653399}" type="datetimeFigureOut">
               <a:rPr lang="en-US" smtClean="0"/>
               <a:pPr/>
-              <a:t>10/29/2009</a:t>
+              <a:t>11/2/2009</a:t>
             </a:fld>
             <a:endParaRPr lang="en-US"/>
           </a:p>
@@ -1319,7 +7045,7 @@
             <a:fld id="{FC573CDC-4977-414A-851C-58150F653399}" type="datetimeFigureOut">
               <a:rPr lang="en-US" smtClean="0"/>
               <a:pPr/>
-              <a:t>10/29/2009</a:t>
+              <a:t>11/2/2009</a:t>
             </a:fld>
             <a:endParaRPr lang="en-US"/>
           </a:p>
@@ -1542,7 +7268,7 @@
             <a:fld id="{FC573CDC-4977-414A-851C-58150F653399}" type="datetimeFigureOut">
               <a:rPr lang="en-US" smtClean="0"/>
               <a:pPr/>
-              <a:t>10/29/2009</a:t>
+              <a:t>11/2/2009</a:t>
             </a:fld>
             <a:endParaRPr lang="en-US"/>
           </a:p>
@@ -1803,7 +7529,7 @@
             <a:fld id="{FC573CDC-4977-414A-851C-58150F653399}" type="datetimeFigureOut">
               <a:rPr lang="en-US" smtClean="0"/>
               <a:pPr/>
-              <a:t>10/29/2009</a:t>
+              <a:t>11/2/2009</a:t>
             </a:fld>
             <a:endParaRPr lang="en-US"/>
           </a:p>
@@ -2209,7 +7935,7 @@
             <a:fld id="{FC573CDC-4977-414A-851C-58150F653399}" type="datetimeFigureOut">
               <a:rPr lang="en-US" smtClean="0"/>
               <a:pPr/>
-              <a:t>10/29/2009</a:t>
+              <a:t>11/2/2009</a:t>
             </a:fld>
             <a:endParaRPr lang="en-US"/>
           </a:p>
@@ -2342,7 +8068,7 @@
             <a:fld id="{FC573CDC-4977-414A-851C-58150F653399}" type="datetimeFigureOut">
               <a:rPr lang="en-US" smtClean="0"/>
               <a:pPr/>
-              <a:t>10/29/2009</a:t>
+              <a:t>11/2/2009</a:t>
             </a:fld>
             <a:endParaRPr lang="en-US"/>
           </a:p>
@@ -2444,7 +8170,7 @@
             <a:fld id="{FC573CDC-4977-414A-851C-58150F653399}" type="datetimeFigureOut">
               <a:rPr lang="en-US" smtClean="0"/>
               <a:pPr/>
-              <a:t>10/29/2009</a:t>
+              <a:t>11/2/2009</a:t>
             </a:fld>
             <a:endParaRPr lang="en-US"/>
           </a:p>
@@ -2691,7 +8417,7 @@
             <a:fld id="{FC573CDC-4977-414A-851C-58150F653399}" type="datetimeFigureOut">
               <a:rPr lang="en-US" smtClean="0"/>
               <a:pPr/>
-              <a:t>10/29/2009</a:t>
+              <a:t>11/2/2009</a:t>
             </a:fld>
             <a:endParaRPr lang="en-US"/>
           </a:p>
@@ -2937,7 +8663,7 @@
             <a:fld id="{FC573CDC-4977-414A-851C-58150F653399}" type="datetimeFigureOut">
               <a:rPr lang="en-US" smtClean="0"/>
               <a:pPr/>
-              <a:t>10/29/2009</a:t>
+              <a:t>11/2/2009</a:t>
             </a:fld>
             <a:endParaRPr lang="en-US"/>
           </a:p>
@@ -3763,7 +9489,7 @@
             <a:fld id="{FC573CDC-4977-414A-851C-58150F653399}" type="datetimeFigureOut">
               <a:rPr lang="en-US" smtClean="0"/>
               <a:pPr/>
-              <a:t>10/29/2009</a:t>
+              <a:t>11/2/2009</a:t>
             </a:fld>
             <a:endParaRPr lang="en-US"/>
           </a:p>
@@ -4279,7 +10005,6 @@
               <a:rPr lang="en-US" dirty="0" smtClean="0"/>
               <a:t>The Team spent countless hours to model all the requirements, design, testing etc.</a:t>
             </a:r>
-            <a:endParaRPr lang="en-US" smtClean="0"/>
           </a:p>
           <a:p>
             <a:pPr>
@@ -4288,48 +10013,6 @@
             <a:endParaRPr lang="en-US" dirty="0" smtClean="0"/>
           </a:p>
           <a:p>
-            <a:r>
-              <a:rPr lang="en-US" dirty="0" smtClean="0"/>
-              <a:t>Class Diagrams</a:t>
-            </a:r>
-          </a:p>
-          <a:p>
-            <a:r>
-              <a:rPr lang="en-US" dirty="0" smtClean="0"/>
-              <a:t>Use Cases</a:t>
-            </a:r>
-          </a:p>
-          <a:p>
-            <a:r>
-              <a:rPr lang="en-US" dirty="0" smtClean="0"/>
-              <a:t>Activity Diagrams</a:t>
-            </a:r>
-          </a:p>
-          <a:p>
-            <a:r>
-              <a:rPr lang="en-US" dirty="0" smtClean="0"/>
-              <a:t>Activity Dependency Chart</a:t>
-            </a:r>
-          </a:p>
-          <a:p>
-            <a:r>
-              <a:rPr lang="en-US" dirty="0" smtClean="0"/>
-              <a:t>State Diagram</a:t>
-            </a:r>
-          </a:p>
-          <a:p>
-            <a:r>
-              <a:rPr lang="en-US" dirty="0" smtClean="0"/>
-              <a:t>Finite State Machine Diagram</a:t>
-            </a:r>
-          </a:p>
-          <a:p>
-            <a:r>
-              <a:rPr lang="en-US" dirty="0" smtClean="0"/>
-              <a:t>Transition Trees</a:t>
-            </a:r>
-          </a:p>
-          <a:p>
             <a:endParaRPr lang="en-US" dirty="0" smtClean="0"/>
           </a:p>
           <a:p>
@@ -4337,11 +10020,34 @@
           </a:p>
         </p:txBody>
       </p:sp>
+      <p:graphicFrame>
+        <p:nvGraphicFramePr>
+          <p:cNvPr id="8" name="Diagram 7"/>
+          <p:cNvGraphicFramePr/>
+          <p:nvPr/>
+        </p:nvGraphicFramePr>
+        <p:xfrm>
+          <a:off x="990600" y="2895600"/>
+          <a:ext cx="7696200" cy="3657600"/>
+        </p:xfrm>
+        <a:graphic>
+          <a:graphicData uri="http://schemas.openxmlformats.org/drawingml/2006/diagram">
+            <dgm:relIds xmlns:dgm="http://schemas.openxmlformats.org/drawingml/2006/diagram" xmlns:r="http://schemas.openxmlformats.org/officeDocument/2006/relationships" r:dm="rId2" r:lo="rId3" r:qs="rId4" r:cs="rId5"/>
+          </a:graphicData>
+        </a:graphic>
+      </p:graphicFrame>
     </p:spTree>
   </p:cSld>
   <p:clrMapOvr>
     <a:masterClrMapping/>
   </p:clrMapOvr>
+  <p:timing>
+    <p:tnLst>
+      <p:par>
+        <p:cTn id="1" dur="indefinite" restart="never" nodeType="tmRoot"/>
+      </p:par>
+    </p:tnLst>
+  </p:timing>
 </p:sld>
 </file>
 
@@ -4409,6 +10115,13 @@
   <p:clrMapOvr>
     <a:masterClrMapping/>
   </p:clrMapOvr>
+  <p:timing>
+    <p:tnLst>
+      <p:par>
+        <p:cTn id="1" dur="indefinite" restart="never" nodeType="tmRoot"/>
+      </p:par>
+    </p:tnLst>
+  </p:timing>
 </p:sld>
 </file>
 
@@ -4489,7 +10202,6 @@
               <a:rPr lang="en-US" dirty="0" smtClean="0"/>
               <a:t>Video review of all the new functions</a:t>
             </a:r>
-            <a:endParaRPr lang="en-US" dirty="0" smtClean="0"/>
           </a:p>
           <a:p>
             <a:endParaRPr lang="en-US" dirty="0" smtClean="0"/>
@@ -4508,6 +10220,13 @@
   <p:clrMapOvr>
     <a:masterClrMapping/>
   </p:clrMapOvr>
+  <p:timing>
+    <p:tnLst>
+      <p:par>
+        <p:cTn id="1" dur="indefinite" restart="never" nodeType="tmRoot"/>
+      </p:par>
+    </p:tnLst>
+  </p:timing>
 </p:sld>
 </file>
 
@@ -4545,54 +10264,35 @@
           <a:p>
             <a:r>
               <a:rPr lang="en-US" dirty="0" err="1" smtClean="0"/>
-              <a:t>Pookas</a:t>
+              <a:t>QuizBot</a:t>
             </a:r>
             <a:r>
               <a:rPr lang="en-US" dirty="0" smtClean="0"/>
-              <a:t>’ SVN</a:t>
+              <a:t> Manual</a:t>
             </a:r>
             <a:endParaRPr lang="en-US" dirty="0"/>
-          </a:p>
-        </p:txBody>
-      </p:sp>
-      <p:sp>
-        <p:nvSpPr>
-          <p:cNvPr id="3" name="Content Placeholder 2"/>
-          <p:cNvSpPr>
-            <a:spLocks noGrp="1"/>
-          </p:cNvSpPr>
-          <p:nvPr>
-            <p:ph idx="1"/>
-          </p:nvPr>
-        </p:nvSpPr>
-        <p:spPr/>
-        <p:txBody>
-          <a:bodyPr/>
-          <a:lstStyle/>
-          <a:p>
-            <a:endParaRPr lang="en-US"/>
           </a:p>
         </p:txBody>
       </p:sp>
       <p:pic>
         <p:nvPicPr>
-          <p:cNvPr id="34818" name="Picture 2"/>
+          <p:cNvPr id="35842" name="Picture 2"/>
           <p:cNvPicPr>
             <a:picLocks noChangeAspect="1" noChangeArrowheads="1"/>
           </p:cNvPicPr>
           <p:nvPr/>
         </p:nvPicPr>
         <p:blipFill>
-          <a:blip r:embed="rId2" cstate="print"/>
-          <a:srcRect t="20000" r="9375" b="10000"/>
+          <a:blip r:embed="rId2"/>
+          <a:srcRect/>
           <a:stretch>
             <a:fillRect/>
           </a:stretch>
         </p:blipFill>
         <p:spPr bwMode="auto">
           <a:xfrm>
-            <a:off x="228600" y="1447800"/>
-            <a:ext cx="8610600" cy="4156842"/>
+            <a:off x="457200" y="1676400"/>
+            <a:ext cx="8439150" cy="4895850"/>
           </a:xfrm>
           <a:prstGeom prst="rect">
             <a:avLst/>
@@ -4614,6 +10314,13 @@
   <p:clrMapOvr>
     <a:masterClrMapping/>
   </p:clrMapOvr>
+  <p:timing>
+    <p:tnLst>
+      <p:par>
+        <p:cTn id="1" dur="indefinite" restart="never" nodeType="tmRoot"/>
+      </p:par>
+    </p:tnLst>
+  </p:timing>
 </p:sld>
 </file>
 
@@ -4651,7 +10358,7 @@
           <a:p>
             <a:r>
               <a:rPr lang="en-US" dirty="0" smtClean="0"/>
-              <a:t>Change Revision Report</a:t>
+              <a:t>Demo</a:t>
             </a:r>
             <a:endParaRPr lang="en-US" dirty="0"/>
           </a:p>
@@ -4672,50 +10379,26 @@
           <a:bodyPr/>
           <a:lstStyle/>
           <a:p>
-            <a:endParaRPr lang="en-US"/>
+            <a:r>
+              <a:rPr lang="en-US" dirty="0" smtClean="0"/>
+              <a:t>We will now demo the Active World</a:t>
+            </a:r>
+            <a:endParaRPr lang="en-US" dirty="0"/>
           </a:p>
         </p:txBody>
       </p:sp>
-      <p:pic>
-        <p:nvPicPr>
-          <p:cNvPr id="35842" name="Picture 2"/>
-          <p:cNvPicPr>
-            <a:picLocks noChangeAspect="1" noChangeArrowheads="1"/>
-          </p:cNvPicPr>
-          <p:nvPr/>
-        </p:nvPicPr>
-        <p:blipFill>
-          <a:blip r:embed="rId2" cstate="print"/>
-          <a:srcRect t="17000" r="15000" b="6000"/>
-          <a:stretch>
-            <a:fillRect/>
-          </a:stretch>
-        </p:blipFill>
-        <p:spPr bwMode="auto">
-          <a:xfrm>
-            <a:off x="-1" y="1524000"/>
-            <a:ext cx="9017329" cy="5105400"/>
-          </a:xfrm>
-          <a:prstGeom prst="rect">
-            <a:avLst/>
-          </a:prstGeom>
-          <a:ln>
-            <a:noFill/>
-          </a:ln>
-          <a:effectLst>
-            <a:outerShdw blurRad="292100" dist="139700" dir="2700000" algn="tl" rotWithShape="0">
-              <a:srgbClr val="333333">
-                <a:alpha val="65000"/>
-              </a:srgbClr>
-            </a:outerShdw>
-          </a:effectLst>
-        </p:spPr>
-      </p:pic>
     </p:spTree>
   </p:cSld>
   <p:clrMapOvr>
     <a:masterClrMapping/>
   </p:clrMapOvr>
+  <p:timing>
+    <p:tnLst>
+      <p:par>
+        <p:cTn id="1" dur="indefinite" restart="never" nodeType="tmRoot"/>
+      </p:par>
+    </p:tnLst>
+  </p:timing>
 </p:sld>
 </file>
 
@@ -4752,8 +10435,12 @@
           <a:lstStyle/>
           <a:p>
             <a:r>
+              <a:rPr lang="en-US" dirty="0" err="1" smtClean="0"/>
+              <a:t>Pookas</a:t>
+            </a:r>
+            <a:r>
               <a:rPr lang="en-US" dirty="0" smtClean="0"/>
-              <a:t>Bugs Tracking</a:t>
+              <a:t>’ SVN</a:t>
             </a:r>
             <a:endParaRPr lang="en-US" dirty="0"/>
           </a:p>
@@ -4780,7 +10467,7 @@
       </p:sp>
       <p:pic>
         <p:nvPicPr>
-          <p:cNvPr id="36866" name="Picture 2"/>
+          <p:cNvPr id="34818" name="Picture 2"/>
           <p:cNvPicPr>
             <a:picLocks noChangeAspect="1" noChangeArrowheads="1"/>
           </p:cNvPicPr>
@@ -4788,21 +10475,23 @@
         </p:nvPicPr>
         <p:blipFill>
           <a:blip r:embed="rId2" cstate="print"/>
-          <a:srcRect t="5000"/>
+          <a:srcRect t="20000" r="9375" b="10000"/>
           <a:stretch>
             <a:fillRect/>
           </a:stretch>
         </p:blipFill>
         <p:spPr bwMode="auto">
           <a:xfrm>
-            <a:off x="152400" y="1371600"/>
-            <a:ext cx="8991600" cy="5338763"/>
+            <a:off x="228600" y="1447800"/>
+            <a:ext cx="8610600" cy="4156842"/>
           </a:xfrm>
           <a:prstGeom prst="rect">
             <a:avLst/>
           </a:prstGeom>
           <a:ln>
-            <a:noFill/>
+            <a:solidFill>
+              <a:schemeClr val="tx1"/>
+            </a:solidFill>
           </a:ln>
           <a:effectLst>
             <a:outerShdw blurRad="292100" dist="139700" dir="2700000" algn="tl" rotWithShape="0">
@@ -4818,6 +10507,239 @@
   <p:clrMapOvr>
     <a:masterClrMapping/>
   </p:clrMapOvr>
+  <p:timing>
+    <p:tnLst>
+      <p:par>
+        <p:cTn id="1" dur="indefinite" restart="never" nodeType="tmRoot"/>
+      </p:par>
+    </p:tnLst>
+  </p:timing>
+</p:sld>
+</file>
+
+<file path=ppt/slides/slide16.xml><?xml version="1.0" encoding="utf-8"?>
+<p:sld xmlns:a="http://schemas.openxmlformats.org/drawingml/2006/main" xmlns:r="http://schemas.openxmlformats.org/officeDocument/2006/relationships" xmlns:p="http://schemas.openxmlformats.org/presentationml/2006/main">
+  <p:cSld>
+    <p:spTree>
+      <p:nvGrpSpPr>
+        <p:cNvPr id="1" name=""/>
+        <p:cNvGrpSpPr/>
+        <p:nvPr/>
+      </p:nvGrpSpPr>
+      <p:grpSpPr>
+        <a:xfrm>
+          <a:off x="0" y="0"/>
+          <a:ext cx="0" cy="0"/>
+          <a:chOff x="0" y="0"/>
+          <a:chExt cx="0" cy="0"/>
+        </a:xfrm>
+      </p:grpSpPr>
+      <p:sp>
+        <p:nvSpPr>
+          <p:cNvPr id="2" name="Title 1"/>
+          <p:cNvSpPr>
+            <a:spLocks noGrp="1"/>
+          </p:cNvSpPr>
+          <p:nvPr>
+            <p:ph type="title"/>
+          </p:nvPr>
+        </p:nvSpPr>
+        <p:spPr/>
+        <p:txBody>
+          <a:bodyPr/>
+          <a:lstStyle/>
+          <a:p>
+            <a:r>
+              <a:rPr lang="en-US" dirty="0" smtClean="0"/>
+              <a:t>Change Revision Report</a:t>
+            </a:r>
+            <a:endParaRPr lang="en-US" dirty="0"/>
+          </a:p>
+        </p:txBody>
+      </p:sp>
+      <p:sp>
+        <p:nvSpPr>
+          <p:cNvPr id="3" name="Content Placeholder 2"/>
+          <p:cNvSpPr>
+            <a:spLocks noGrp="1"/>
+          </p:cNvSpPr>
+          <p:nvPr>
+            <p:ph idx="1"/>
+          </p:nvPr>
+        </p:nvSpPr>
+        <p:spPr/>
+        <p:txBody>
+          <a:bodyPr/>
+          <a:lstStyle/>
+          <a:p>
+            <a:endParaRPr lang="en-US"/>
+          </a:p>
+        </p:txBody>
+      </p:sp>
+      <p:pic>
+        <p:nvPicPr>
+          <p:cNvPr id="35842" name="Picture 2">
+            <a:hlinkClick r:id="rId2" action="ppaction://hlinksldjump"/>
+          </p:cNvPr>
+          <p:cNvPicPr>
+            <a:picLocks noChangeAspect="1" noChangeArrowheads="1"/>
+          </p:cNvPicPr>
+          <p:nvPr/>
+        </p:nvPicPr>
+        <p:blipFill>
+          <a:blip r:embed="rId3" cstate="print"/>
+          <a:srcRect t="17000" r="15000" b="6000"/>
+          <a:stretch>
+            <a:fillRect/>
+          </a:stretch>
+        </p:blipFill>
+        <p:spPr bwMode="auto">
+          <a:xfrm>
+            <a:off x="269173" y="1524000"/>
+            <a:ext cx="8748155" cy="4953000"/>
+          </a:xfrm>
+          <a:prstGeom prst="rect">
+            <a:avLst/>
+          </a:prstGeom>
+          <a:ln>
+            <a:solidFill>
+              <a:schemeClr val="tx1"/>
+            </a:solidFill>
+          </a:ln>
+          <a:effectLst>
+            <a:outerShdw blurRad="292100" dist="139700" dir="2700000" algn="tl" rotWithShape="0">
+              <a:srgbClr val="333333">
+                <a:alpha val="65000"/>
+              </a:srgbClr>
+            </a:outerShdw>
+          </a:effectLst>
+        </p:spPr>
+      </p:pic>
+    </p:spTree>
+  </p:cSld>
+  <p:clrMapOvr>
+    <a:masterClrMapping/>
+  </p:clrMapOvr>
+  <p:timing>
+    <p:tnLst>
+      <p:par>
+        <p:cTn id="1" dur="indefinite" restart="never" nodeType="tmRoot"/>
+      </p:par>
+    </p:tnLst>
+  </p:timing>
+</p:sld>
+</file>
+
+<file path=ppt/slides/slide17.xml><?xml version="1.0" encoding="utf-8"?>
+<p:sld xmlns:a="http://schemas.openxmlformats.org/drawingml/2006/main" xmlns:r="http://schemas.openxmlformats.org/officeDocument/2006/relationships" xmlns:p="http://schemas.openxmlformats.org/presentationml/2006/main">
+  <p:cSld>
+    <p:spTree>
+      <p:nvGrpSpPr>
+        <p:cNvPr id="1" name=""/>
+        <p:cNvGrpSpPr/>
+        <p:nvPr/>
+      </p:nvGrpSpPr>
+      <p:grpSpPr>
+        <a:xfrm>
+          <a:off x="0" y="0"/>
+          <a:ext cx="0" cy="0"/>
+          <a:chOff x="0" y="0"/>
+          <a:chExt cx="0" cy="0"/>
+        </a:xfrm>
+      </p:grpSpPr>
+      <p:sp>
+        <p:nvSpPr>
+          <p:cNvPr id="2" name="Title 1"/>
+          <p:cNvSpPr>
+            <a:spLocks noGrp="1"/>
+          </p:cNvSpPr>
+          <p:nvPr>
+            <p:ph type="title"/>
+          </p:nvPr>
+        </p:nvSpPr>
+        <p:spPr/>
+        <p:txBody>
+          <a:bodyPr/>
+          <a:lstStyle/>
+          <a:p>
+            <a:r>
+              <a:rPr lang="en-US" dirty="0" smtClean="0"/>
+              <a:t>Bugs Tracking</a:t>
+            </a:r>
+            <a:endParaRPr lang="en-US" dirty="0"/>
+          </a:p>
+        </p:txBody>
+      </p:sp>
+      <p:sp>
+        <p:nvSpPr>
+          <p:cNvPr id="3" name="Content Placeholder 2"/>
+          <p:cNvSpPr>
+            <a:spLocks noGrp="1"/>
+          </p:cNvSpPr>
+          <p:nvPr>
+            <p:ph idx="1"/>
+          </p:nvPr>
+        </p:nvSpPr>
+        <p:spPr/>
+        <p:txBody>
+          <a:bodyPr/>
+          <a:lstStyle/>
+          <a:p>
+            <a:endParaRPr lang="en-US"/>
+          </a:p>
+        </p:txBody>
+      </p:sp>
+      <p:pic>
+        <p:nvPicPr>
+          <p:cNvPr id="36866" name="Picture 2">
+            <a:hlinkClick r:id="rId2" action="ppaction://hlinksldjump"/>
+          </p:cNvPr>
+          <p:cNvPicPr>
+            <a:picLocks noChangeAspect="1" noChangeArrowheads="1"/>
+          </p:cNvPicPr>
+          <p:nvPr/>
+        </p:nvPicPr>
+        <p:blipFill>
+          <a:blip r:embed="rId3" cstate="print"/>
+          <a:srcRect t="5000"/>
+          <a:stretch>
+            <a:fillRect/>
+          </a:stretch>
+        </p:blipFill>
+        <p:spPr bwMode="auto">
+          <a:xfrm>
+            <a:off x="152400" y="1371601"/>
+            <a:ext cx="8610600" cy="5112544"/>
+          </a:xfrm>
+          <a:prstGeom prst="rect">
+            <a:avLst/>
+          </a:prstGeom>
+          <a:ln>
+            <a:solidFill>
+              <a:schemeClr val="tx1"/>
+            </a:solidFill>
+          </a:ln>
+          <a:effectLst>
+            <a:outerShdw blurRad="292100" dist="139700" dir="2700000" algn="tl" rotWithShape="0">
+              <a:srgbClr val="333333">
+                <a:alpha val="65000"/>
+              </a:srgbClr>
+            </a:outerShdw>
+          </a:effectLst>
+        </p:spPr>
+      </p:pic>
+    </p:spTree>
+  </p:cSld>
+  <p:clrMapOvr>
+    <a:masterClrMapping/>
+  </p:clrMapOvr>
+  <p:timing>
+    <p:tnLst>
+      <p:par>
+        <p:cTn id="1" dur="indefinite" restart="never" nodeType="tmRoot"/>
+      </p:par>
+    </p:tnLst>
+  </p:timing>
 </p:sld>
 </file>
 
@@ -4854,12 +10776,12 @@
           <a:lstStyle/>
           <a:p>
             <a:r>
+              <a:rPr lang="en-US" dirty="0" err="1" smtClean="0"/>
+              <a:t>Pookas</a:t>
+            </a:r>
+            <a:r>
               <a:rPr lang="en-US" dirty="0" smtClean="0"/>
-              <a:t>Virtual Classroom with </a:t>
-            </a:r>
-            <a:r>
-              <a:rPr lang="en-US" dirty="0" err="1" smtClean="0"/>
-              <a:t>Edventure</a:t>
+              <a:t>’ Members</a:t>
             </a:r>
             <a:endParaRPr lang="en-US" dirty="0"/>
           </a:p>
@@ -4877,120 +10799,53 @@
         </p:nvSpPr>
         <p:spPr/>
         <p:txBody>
-          <a:bodyPr>
-            <a:normAutofit fontScale="92500"/>
-          </a:bodyPr>
+          <a:bodyPr/>
           <a:lstStyle/>
           <a:p>
             <a:r>
               <a:rPr lang="en-US" dirty="0" smtClean="0"/>
-              <a:t>Best learning platform for Students in </a:t>
-            </a:r>
+              <a:t>Ivan Loh – Project Manager</a:t>
+            </a:r>
+          </a:p>
+          <a:p>
+            <a:r>
+              <a:rPr lang="en-US" dirty="0" smtClean="0"/>
+              <a:t>Sarah Lam – QA</a:t>
+            </a:r>
+          </a:p>
+          <a:p>
+            <a:r>
+              <a:rPr lang="en-US" dirty="0" smtClean="0"/>
+              <a:t>Gillian Ng – System Architect</a:t>
+            </a:r>
+          </a:p>
+          <a:p>
             <a:r>
               <a:rPr lang="en-US" dirty="0" err="1" smtClean="0"/>
-              <a:t>Activeworld</a:t>
-            </a:r>
-            <a:endParaRPr lang="en-US" dirty="0" smtClean="0"/>
-          </a:p>
-          <a:p>
+              <a:t>Lui</a:t>
+            </a:r>
             <a:r>
               <a:rPr lang="en-US" dirty="0" smtClean="0"/>
-              <a:t>Automated Lessons and games</a:t>
-            </a:r>
-          </a:p>
-          <a:p>
+              <a:t> </a:t>
+            </a:r>
+            <a:r>
+              <a:rPr lang="en-US" dirty="0" err="1" smtClean="0"/>
+              <a:t>Quan</a:t>
+            </a:r>
             <a:r>
               <a:rPr lang="en-US" dirty="0" smtClean="0"/>
-              <a:t>Virtual Meeting place for friends</a:t>
-            </a:r>
-          </a:p>
-          <a:p>
+              <a:t> Fu – Lead Developer</a:t>
+            </a:r>
+          </a:p>
+          <a:p>
+            <a:r>
+              <a:rPr lang="en-US" dirty="0" err="1" smtClean="0"/>
+              <a:t>Goh</a:t>
+            </a:r>
             <a:r>
               <a:rPr lang="en-US" dirty="0" smtClean="0"/>
-              <a:t>Upgraded and improved functions over previous group</a:t>
-            </a:r>
-          </a:p>
-          <a:p>
-            <a:endParaRPr lang="en-US" dirty="0" smtClean="0"/>
-          </a:p>
-          <a:p>
-            <a:r>
-              <a:rPr lang="en-US" dirty="0" smtClean="0">
-                <a:solidFill>
-                  <a:srgbClr val="FF0000"/>
-                </a:solidFill>
-              </a:rPr>
-              <a:t>Emphasis documents done</a:t>
-            </a:r>
-          </a:p>
-          <a:p>
-            <a:r>
-              <a:rPr lang="en-US" dirty="0" smtClean="0">
-                <a:solidFill>
-                  <a:srgbClr val="FF0000"/>
-                </a:solidFill>
-              </a:rPr>
-              <a:t>Emphasis functions of the </a:t>
-            </a:r>
-            <a:r>
-              <a:rPr lang="en-US" dirty="0" err="1" smtClean="0">
-                <a:solidFill>
-                  <a:srgbClr val="FF0000"/>
-                </a:solidFill>
-              </a:rPr>
-              <a:t>activeworld</a:t>
-            </a:r>
-            <a:r>
-              <a:rPr lang="en-US" dirty="0" smtClean="0">
-                <a:solidFill>
-                  <a:srgbClr val="FF0000"/>
-                </a:solidFill>
-              </a:rPr>
-              <a:t> we did</a:t>
-            </a:r>
-          </a:p>
-          <a:p>
-            <a:r>
-              <a:rPr lang="en-US" dirty="0" smtClean="0">
-                <a:solidFill>
-                  <a:srgbClr val="FF0000"/>
-                </a:solidFill>
-              </a:rPr>
-              <a:t>Emphasis on CMM level 3</a:t>
-            </a:r>
-          </a:p>
-          <a:p>
-            <a:r>
-              <a:rPr lang="en-US" dirty="0" smtClean="0">
-                <a:solidFill>
-                  <a:srgbClr val="FF0000"/>
-                </a:solidFill>
-              </a:rPr>
-              <a:t>Print screen SVN</a:t>
-            </a:r>
-          </a:p>
-          <a:p>
-            <a:r>
-              <a:rPr lang="en-US" dirty="0" smtClean="0">
-                <a:solidFill>
-                  <a:srgbClr val="FF0000"/>
-                </a:solidFill>
-              </a:rPr>
-              <a:t>Print screen </a:t>
-            </a:r>
-            <a:r>
-              <a:rPr lang="en-US" dirty="0" err="1" smtClean="0">
-                <a:solidFill>
-                  <a:srgbClr val="FF0000"/>
-                </a:solidFill>
-              </a:rPr>
-              <a:t>bugstracking</a:t>
-            </a:r>
-            <a:endParaRPr lang="en-US" dirty="0" smtClean="0">
-              <a:solidFill>
-                <a:srgbClr val="FF0000"/>
-              </a:solidFill>
-            </a:endParaRPr>
+              <a:t> Li-Xian – Developer</a:t>
+            </a:r>
           </a:p>
           <a:p>
             <a:endParaRPr lang="en-US" dirty="0"/>
@@ -5038,12 +10893,12 @@
           <a:lstStyle/>
           <a:p>
             <a:r>
+              <a:rPr lang="en-US" dirty="0" smtClean="0"/>
+              <a:t>Virtual Classroom with </a:t>
+            </a:r>
+            <a:r>
               <a:rPr lang="en-US" dirty="0" err="1" smtClean="0"/>
-              <a:t>Pookas</a:t>
-            </a:r>
-            <a:r>
-              <a:rPr lang="en-US" dirty="0" smtClean="0"/>
-              <a:t>’ Members</a:t>
+              <a:t>Edventure</a:t>
             </a:r>
             <a:endParaRPr lang="en-US" dirty="0"/>
           </a:p>
@@ -5061,53 +10916,58 @@
         </p:nvSpPr>
         <p:spPr/>
         <p:txBody>
-          <a:bodyPr/>
+          <a:bodyPr>
+            <a:normAutofit/>
+          </a:bodyPr>
           <a:lstStyle/>
           <a:p>
             <a:r>
               <a:rPr lang="en-US" dirty="0" smtClean="0"/>
-              <a:t>Ivan Loh – Project Manager</a:t>
-            </a:r>
+              <a:t>Best learning platform for Students in </a:t>
+            </a:r>
+            <a:r>
+              <a:rPr lang="en-US" dirty="0" err="1" smtClean="0"/>
+              <a:t>Activeworld</a:t>
+            </a:r>
+            <a:endParaRPr lang="en-US" dirty="0" smtClean="0"/>
+          </a:p>
+          <a:p>
+            <a:endParaRPr lang="en-US" dirty="0" smtClean="0"/>
           </a:p>
           <a:p>
             <a:r>
               <a:rPr lang="en-US" dirty="0" smtClean="0"/>
-              <a:t>Sarah Lam – QA</a:t>
-            </a:r>
-          </a:p>
-          <a:p>
+              <a:t>Automated Lessons and </a:t>
+            </a:r>
             <a:r>
               <a:rPr lang="en-US" dirty="0" smtClean="0"/>
-              <a:t>Gillian Ng – System Architect</a:t>
-            </a:r>
-          </a:p>
-          <a:p>
-            <a:r>
-              <a:rPr lang="en-US" dirty="0" err="1" smtClean="0"/>
-              <a:t>Lui</a:t>
-            </a:r>
+              <a:t>games</a:t>
+            </a:r>
+          </a:p>
+          <a:p>
+            <a:endParaRPr lang="en-US" dirty="0" smtClean="0"/>
+          </a:p>
+          <a:p>
             <a:r>
               <a:rPr lang="en-US" dirty="0" smtClean="0"/>
-              <a:t> </a:t>
-            </a:r>
-            <a:r>
-              <a:rPr lang="en-US" dirty="0" err="1" smtClean="0"/>
-              <a:t>Quan</a:t>
+              <a:t>Virtual Meeting place for </a:t>
             </a:r>
             <a:r>
               <a:rPr lang="en-US" dirty="0" smtClean="0"/>
-              <a:t> Fu – Lead Developer</a:t>
-            </a:r>
-          </a:p>
-          <a:p>
-            <a:r>
-              <a:rPr lang="en-US" dirty="0" err="1" smtClean="0"/>
-              <a:t>Goh</a:t>
-            </a:r>
+              <a:t>friends</a:t>
+            </a:r>
+          </a:p>
+          <a:p>
+            <a:endParaRPr lang="en-US" dirty="0" smtClean="0"/>
+          </a:p>
+          <a:p>
             <a:r>
               <a:rPr lang="en-US" dirty="0" smtClean="0"/>
-              <a:t> Li-Xian – Developer</a:t>
-            </a:r>
+              <a:t>Upgraded and improved functions over previous group</a:t>
+            </a:r>
+          </a:p>
+          <a:p>
+            <a:endParaRPr lang="en-US" dirty="0" smtClean="0"/>
           </a:p>
           <a:p>
             <a:endParaRPr lang="en-US" dirty="0"/>
@@ -5119,6 +10979,13 @@
   <p:clrMapOvr>
     <a:masterClrMapping/>
   </p:clrMapOvr>
+  <p:timing>
+    <p:tnLst>
+      <p:par>
+        <p:cTn id="1" dur="indefinite" restart="never" nodeType="tmRoot"/>
+      </p:par>
+    </p:tnLst>
+  </p:timing>
 </p:sld>
 </file>
 
@@ -5219,6 +11086,13 @@
   <p:clrMapOvr>
     <a:masterClrMapping/>
   </p:clrMapOvr>
+  <p:timing>
+    <p:tnLst>
+      <p:par>
+        <p:cTn id="1" dur="indefinite" restart="never" nodeType="tmRoot"/>
+      </p:par>
+    </p:tnLst>
+  </p:timing>
 </p:sld>
 </file>
 
@@ -5278,17 +11152,56 @@
         </p:xfrm>
         <a:graphic>
           <a:graphicData uri="http://schemas.openxmlformats.org/presentationml/2006/ole">
-            <p:oleObj spid="_x0000_s1026" name="Document" r:id="rId3" imgW="9032536" imgH="5236857" progId="Word.Document.8">
+            <p:oleObj spid="_x0000_s1026" name="Document" r:id="rId4" imgW="9032536" imgH="5236857" progId="Word.Document.8">
               <p:embed/>
             </p:oleObj>
           </a:graphicData>
         </a:graphic>
       </p:graphicFrame>
+      <p:pic>
+        <p:nvPicPr>
+          <p:cNvPr id="5" name="Picture 5"/>
+          <p:cNvPicPr>
+            <a:picLocks noChangeAspect="1" noChangeArrowheads="1"/>
+          </p:cNvPicPr>
+          <p:nvPr/>
+        </p:nvPicPr>
+        <p:blipFill>
+          <a:blip r:embed="rId5" cstate="print"/>
+          <a:srcRect l="7018" t="10827" r="5263"/>
+          <a:stretch>
+            <a:fillRect/>
+          </a:stretch>
+        </p:blipFill>
+        <p:spPr bwMode="auto">
+          <a:xfrm>
+            <a:off x="8229600" y="685800"/>
+            <a:ext cx="385497" cy="381000"/>
+          </a:xfrm>
+          <a:prstGeom prst="rect">
+            <a:avLst/>
+          </a:prstGeom>
+          <a:noFill/>
+          <a:ln w="9525">
+            <a:noFill/>
+            <a:miter lim="800000"/>
+            <a:headEnd/>
+            <a:tailEnd/>
+          </a:ln>
+        </p:spPr>
+      </p:pic>
     </p:spTree>
   </p:cSld>
   <p:clrMapOvr>
     <a:masterClrMapping/>
   </p:clrMapOvr>
+  <p:timing>
+    <p:tnLst>
+      <p:par>
+        <p:cTn id="1" dur="indefinite" restart="never" nodeType="tmRoot"/>
+      </p:par>
+    </p:tnLst>
+  </p:timing>
 </p:sld>
 </file>
 
@@ -5410,6 +11323,13 @@
   <p:clrMapOvr>
     <a:masterClrMapping/>
   </p:clrMapOvr>
+  <p:timing>
+    <p:tnLst>
+      <p:par>
+        <p:cTn id="1" dur="indefinite" restart="never" nodeType="tmRoot"/>
+      </p:par>
+    </p:tnLst>
+  </p:timing>
 </p:sld>
 </file>
 
@@ -5554,11 +11474,365 @@
           </a:p>
         </p:txBody>
       </p:sp>
+      <p:grpSp>
+        <p:nvGrpSpPr>
+          <p:cNvPr id="7" name="Group 6"/>
+          <p:cNvGrpSpPr/>
+          <p:nvPr/>
+        </p:nvGrpSpPr>
+        <p:grpSpPr>
+          <a:xfrm>
+            <a:off x="1600200" y="2971800"/>
+            <a:ext cx="5715000" cy="3886200"/>
+            <a:chOff x="685800" y="990600"/>
+            <a:chExt cx="7696200" cy="5476875"/>
+          </a:xfrm>
+        </p:grpSpPr>
+        <p:pic>
+          <p:nvPicPr>
+            <p:cNvPr id="36866" name="Picture 2"/>
+            <p:cNvPicPr>
+              <a:picLocks noChangeAspect="1" noChangeArrowheads="1"/>
+            </p:cNvPicPr>
+            <p:nvPr/>
+          </p:nvPicPr>
+          <p:blipFill>
+            <a:blip r:embed="rId2"/>
+            <a:srcRect/>
+            <a:stretch>
+              <a:fillRect/>
+            </a:stretch>
+          </p:blipFill>
+          <p:spPr bwMode="auto">
+            <a:xfrm>
+              <a:off x="685800" y="990600"/>
+              <a:ext cx="7620000" cy="5476875"/>
+            </a:xfrm>
+            <a:prstGeom prst="rect">
+              <a:avLst/>
+            </a:prstGeom>
+            <a:noFill/>
+            <a:ln w="9525">
+              <a:noFill/>
+              <a:miter lim="800000"/>
+              <a:headEnd/>
+              <a:tailEnd/>
+            </a:ln>
+          </p:spPr>
+        </p:pic>
+        <p:sp>
+          <p:nvSpPr>
+            <p:cNvPr id="6" name="Rectangle 5"/>
+            <p:cNvSpPr/>
+            <p:nvPr/>
+          </p:nvSpPr>
+          <p:spPr>
+            <a:xfrm>
+              <a:off x="4953000" y="1295400"/>
+              <a:ext cx="3429000" cy="5105400"/>
+            </a:xfrm>
+            <a:prstGeom prst="rect">
+              <a:avLst/>
+            </a:prstGeom>
+            <a:noFill/>
+            <a:ln w="57150">
+              <a:solidFill>
+                <a:srgbClr val="FF0000"/>
+              </a:solidFill>
+            </a:ln>
+          </p:spPr>
+          <p:style>
+            <a:lnRef idx="2">
+              <a:schemeClr val="accent1">
+                <a:shade val="50000"/>
+              </a:schemeClr>
+            </a:lnRef>
+            <a:fillRef idx="1">
+              <a:schemeClr val="accent1"/>
+            </a:fillRef>
+            <a:effectRef idx="0">
+              <a:schemeClr val="accent1"/>
+            </a:effectRef>
+            <a:fontRef idx="minor">
+              <a:schemeClr val="lt1"/>
+            </a:fontRef>
+          </p:style>
+          <p:txBody>
+            <a:bodyPr rtlCol="0" anchor="ctr"/>
+            <a:lstStyle/>
+            <a:p>
+              <a:pPr algn="ctr"/>
+              <a:endParaRPr lang="en-US"/>
+            </a:p>
+          </p:txBody>
+        </p:sp>
+      </p:grpSp>
     </p:spTree>
   </p:cSld>
   <p:clrMapOvr>
     <a:masterClrMapping/>
   </p:clrMapOvr>
+  <p:timing>
+    <p:tnLst>
+      <p:par>
+        <p:cTn id="1" dur="indefinite" restart="never" nodeType="tmRoot">
+          <p:childTnLst>
+            <p:seq concurrent="1" nextAc="seek">
+              <p:cTn id="2" dur="indefinite" nodeType="mainSeq">
+                <p:childTnLst>
+                  <p:par>
+                    <p:cTn id="3" fill="hold">
+                      <p:stCondLst>
+                        <p:cond delay="indefinite"/>
+                      </p:stCondLst>
+                      <p:childTnLst>
+                        <p:par>
+                          <p:cTn id="4" fill="hold">
+                            <p:stCondLst>
+                              <p:cond delay="0"/>
+                            </p:stCondLst>
+                            <p:childTnLst>
+                              <p:par>
+                                <p:cTn id="5" presetID="1" presetClass="entr" presetSubtype="0" fill="hold" nodeType="clickEffect">
+                                  <p:stCondLst>
+                                    <p:cond delay="0"/>
+                                  </p:stCondLst>
+                                  <p:childTnLst>
+                                    <p:set>
+                                      <p:cBhvr>
+                                        <p:cTn id="6" dur="1" fill="hold">
+                                          <p:stCondLst>
+                                            <p:cond delay="0"/>
+                                          </p:stCondLst>
+                                        </p:cTn>
+                                        <p:tgtEl>
+                                          <p:spTgt spid="3">
+                                            <p:txEl>
+                                              <p:pRg st="4" end="4"/>
+                                            </p:txEl>
+                                          </p:spTgt>
+                                        </p:tgtEl>
+                                        <p:attrNameLst>
+                                          <p:attrName>style.visibility</p:attrName>
+                                        </p:attrNameLst>
+                                      </p:cBhvr>
+                                      <p:to>
+                                        <p:strVal val="visible"/>
+                                      </p:to>
+                                    </p:set>
+                                  </p:childTnLst>
+                                </p:cTn>
+                              </p:par>
+                              <p:par>
+                                <p:cTn id="7" presetID="1" presetClass="entr" presetSubtype="0" fill="hold" nodeType="withEffect">
+                                  <p:stCondLst>
+                                    <p:cond delay="0"/>
+                                  </p:stCondLst>
+                                  <p:childTnLst>
+                                    <p:set>
+                                      <p:cBhvr>
+                                        <p:cTn id="8" dur="1" fill="hold">
+                                          <p:stCondLst>
+                                            <p:cond delay="0"/>
+                                          </p:stCondLst>
+                                        </p:cTn>
+                                        <p:tgtEl>
+                                          <p:spTgt spid="3">
+                                            <p:txEl>
+                                              <p:pRg st="5" end="5"/>
+                                            </p:txEl>
+                                          </p:spTgt>
+                                        </p:tgtEl>
+                                        <p:attrNameLst>
+                                          <p:attrName>style.visibility</p:attrName>
+                                        </p:attrNameLst>
+                                      </p:cBhvr>
+                                      <p:to>
+                                        <p:strVal val="visible"/>
+                                      </p:to>
+                                    </p:set>
+                                  </p:childTnLst>
+                                </p:cTn>
+                              </p:par>
+                              <p:par>
+                                <p:cTn id="9" presetID="1" presetClass="entr" presetSubtype="0" fill="hold" nodeType="withEffect">
+                                  <p:stCondLst>
+                                    <p:cond delay="0"/>
+                                  </p:stCondLst>
+                                  <p:childTnLst>
+                                    <p:set>
+                                      <p:cBhvr>
+                                        <p:cTn id="10" dur="1" fill="hold">
+                                          <p:stCondLst>
+                                            <p:cond delay="0"/>
+                                          </p:stCondLst>
+                                        </p:cTn>
+                                        <p:tgtEl>
+                                          <p:spTgt spid="3">
+                                            <p:txEl>
+                                              <p:pRg st="6" end="6"/>
+                                            </p:txEl>
+                                          </p:spTgt>
+                                        </p:tgtEl>
+                                        <p:attrNameLst>
+                                          <p:attrName>style.visibility</p:attrName>
+                                        </p:attrNameLst>
+                                      </p:cBhvr>
+                                      <p:to>
+                                        <p:strVal val="visible"/>
+                                      </p:to>
+                                    </p:set>
+                                  </p:childTnLst>
+                                </p:cTn>
+                              </p:par>
+                              <p:par>
+                                <p:cTn id="11" presetID="1" presetClass="entr" presetSubtype="0" fill="hold" nodeType="withEffect">
+                                  <p:stCondLst>
+                                    <p:cond delay="0"/>
+                                  </p:stCondLst>
+                                  <p:childTnLst>
+                                    <p:set>
+                                      <p:cBhvr>
+                                        <p:cTn id="12" dur="1" fill="hold">
+                                          <p:stCondLst>
+                                            <p:cond delay="0"/>
+                                          </p:stCondLst>
+                                        </p:cTn>
+                                        <p:tgtEl>
+                                          <p:spTgt spid="3">
+                                            <p:txEl>
+                                              <p:pRg st="7" end="7"/>
+                                            </p:txEl>
+                                          </p:spTgt>
+                                        </p:tgtEl>
+                                        <p:attrNameLst>
+                                          <p:attrName>style.visibility</p:attrName>
+                                        </p:attrNameLst>
+                                      </p:cBhvr>
+                                      <p:to>
+                                        <p:strVal val="visible"/>
+                                      </p:to>
+                                    </p:set>
+                                  </p:childTnLst>
+                                </p:cTn>
+                              </p:par>
+                              <p:par>
+                                <p:cTn id="13" presetID="1" presetClass="entr" presetSubtype="0" fill="hold" nodeType="withEffect">
+                                  <p:stCondLst>
+                                    <p:cond delay="0"/>
+                                  </p:stCondLst>
+                                  <p:childTnLst>
+                                    <p:set>
+                                      <p:cBhvr>
+                                        <p:cTn id="14" dur="1" fill="hold">
+                                          <p:stCondLst>
+                                            <p:cond delay="0"/>
+                                          </p:stCondLst>
+                                        </p:cTn>
+                                        <p:tgtEl>
+                                          <p:spTgt spid="3">
+                                            <p:txEl>
+                                              <p:pRg st="8" end="8"/>
+                                            </p:txEl>
+                                          </p:spTgt>
+                                        </p:tgtEl>
+                                        <p:attrNameLst>
+                                          <p:attrName>style.visibility</p:attrName>
+                                        </p:attrNameLst>
+                                      </p:cBhvr>
+                                      <p:to>
+                                        <p:strVal val="visible"/>
+                                      </p:to>
+                                    </p:set>
+                                  </p:childTnLst>
+                                </p:cTn>
+                              </p:par>
+                              <p:par>
+                                <p:cTn id="15" presetID="1" presetClass="entr" presetSubtype="0" fill="hold" nodeType="withEffect">
+                                  <p:stCondLst>
+                                    <p:cond delay="0"/>
+                                  </p:stCondLst>
+                                  <p:childTnLst>
+                                    <p:set>
+                                      <p:cBhvr>
+                                        <p:cTn id="16" dur="1" fill="hold">
+                                          <p:stCondLst>
+                                            <p:cond delay="0"/>
+                                          </p:stCondLst>
+                                        </p:cTn>
+                                        <p:tgtEl>
+                                          <p:spTgt spid="3">
+                                            <p:txEl>
+                                              <p:pRg st="10" end="10"/>
+                                            </p:txEl>
+                                          </p:spTgt>
+                                        </p:tgtEl>
+                                        <p:attrNameLst>
+                                          <p:attrName>style.visibility</p:attrName>
+                                        </p:attrNameLst>
+                                      </p:cBhvr>
+                                      <p:to>
+                                        <p:strVal val="visible"/>
+                                      </p:to>
+                                    </p:set>
+                                  </p:childTnLst>
+                                </p:cTn>
+                              </p:par>
+                              <p:par>
+                                <p:cTn id="17" presetID="1" presetClass="exit" presetSubtype="0" fill="hold" nodeType="withEffect">
+                                  <p:stCondLst>
+                                    <p:cond delay="0"/>
+                                  </p:stCondLst>
+                                  <p:childTnLst>
+                                    <p:set>
+                                      <p:cBhvr>
+                                        <p:cTn id="18" dur="1" fill="hold">
+                                          <p:stCondLst>
+                                            <p:cond delay="0"/>
+                                          </p:stCondLst>
+                                        </p:cTn>
+                                        <p:tgtEl>
+                                          <p:spTgt spid="7"/>
+                                        </p:tgtEl>
+                                        <p:attrNameLst>
+                                          <p:attrName>style.visibility</p:attrName>
+                                        </p:attrNameLst>
+                                      </p:cBhvr>
+                                      <p:to>
+                                        <p:strVal val="hidden"/>
+                                      </p:to>
+                                    </p:set>
+                                  </p:childTnLst>
+                                </p:cTn>
+                              </p:par>
+                            </p:childTnLst>
+                          </p:cTn>
+                        </p:par>
+                      </p:childTnLst>
+                    </p:cTn>
+                  </p:par>
+                </p:childTnLst>
+              </p:cTn>
+              <p:prevCondLst>
+                <p:cond evt="onPrev" delay="0">
+                  <p:tgtEl>
+                    <p:sldTgt/>
+                  </p:tgtEl>
+                </p:cond>
+              </p:prevCondLst>
+              <p:nextCondLst>
+                <p:cond evt="onNext" delay="0">
+                  <p:tgtEl>
+                    <p:sldTgt/>
+                  </p:tgtEl>
+                </p:cond>
+              </p:nextCondLst>
+            </p:seq>
+          </p:childTnLst>
+        </p:cTn>
+      </p:par>
+    </p:tnLst>
+  </p:timing>
 </p:sld>
 </file>
 
@@ -5615,7 +11889,7 @@
         <p:spPr/>
         <p:txBody>
           <a:bodyPr>
-            <a:normAutofit lnSpcReduction="10000"/>
+            <a:normAutofit fontScale="92500"/>
           </a:bodyPr>
           <a:lstStyle/>
           <a:p>
@@ -5635,15 +11909,30 @@
           </a:p>
           <a:p>
             <a:r>
-              <a:rPr lang="en-US" dirty="0" smtClean="0"/>
+              <a:rPr lang="en-US" dirty="0" smtClean="0">
+                <a:hlinkClick r:id="rId2" action="ppaction://hlinksldjump"/>
+              </a:rPr>
               <a:t>Use of SVN to manage changes</a:t>
             </a:r>
-          </a:p>
-          <a:p>
-            <a:r>
-              <a:rPr lang="en-US" dirty="0" smtClean="0"/>
-              <a:t>Use of bugs tracking software to track all bugs issues</a:t>
-            </a:r>
+            <a:endParaRPr lang="en-US" dirty="0" smtClean="0"/>
+          </a:p>
+          <a:p>
+            <a:r>
+              <a:rPr lang="en-US" dirty="0" smtClean="0">
+                <a:hlinkClick r:id="rId3" action="ppaction://hlinksldjump"/>
+              </a:rPr>
+              <a:t>Use of bugs tracking software to track all bugs </a:t>
+            </a:r>
+            <a:r>
+              <a:rPr lang="en-US" dirty="0" smtClean="0">
+                <a:hlinkClick r:id="rId3" action="ppaction://hlinksldjump"/>
+              </a:rPr>
+              <a:t>issues</a:t>
+            </a:r>
+            <a:endParaRPr lang="en-US" dirty="0" smtClean="0"/>
+          </a:p>
+          <a:p>
+            <a:endParaRPr lang="en-US" dirty="0" smtClean="0"/>
           </a:p>
           <a:p>
             <a:r>
@@ -5683,6 +11972,276 @@
   <p:clrMapOvr>
     <a:masterClrMapping/>
   </p:clrMapOvr>
+  <p:timing>
+    <p:tnLst>
+      <p:par>
+        <p:cTn id="1" dur="indefinite" restart="never" nodeType="tmRoot">
+          <p:childTnLst>
+            <p:seq concurrent="1" nextAc="seek">
+              <p:cTn id="2" dur="indefinite" nodeType="mainSeq">
+                <p:childTnLst>
+                  <p:par>
+                    <p:cTn id="3" fill="hold">
+                      <p:stCondLst>
+                        <p:cond delay="indefinite"/>
+                      </p:stCondLst>
+                      <p:childTnLst>
+                        <p:par>
+                          <p:cTn id="4" fill="hold">
+                            <p:stCondLst>
+                              <p:cond delay="0"/>
+                            </p:stCondLst>
+                            <p:childTnLst>
+                              <p:par>
+                                <p:cTn id="5" presetID="1" presetClass="entr" presetSubtype="0" fill="hold" nodeType="clickEffect">
+                                  <p:stCondLst>
+                                    <p:cond delay="0"/>
+                                  </p:stCondLst>
+                                  <p:childTnLst>
+                                    <p:set>
+                                      <p:cBhvr>
+                                        <p:cTn id="6" dur="1" fill="hold">
+                                          <p:stCondLst>
+                                            <p:cond delay="0"/>
+                                          </p:stCondLst>
+                                        </p:cTn>
+                                        <p:tgtEl>
+                                          <p:spTgt spid="3">
+                                            <p:txEl>
+                                              <p:pRg st="3" end="3"/>
+                                            </p:txEl>
+                                          </p:spTgt>
+                                        </p:tgtEl>
+                                        <p:attrNameLst>
+                                          <p:attrName>style.visibility</p:attrName>
+                                        </p:attrNameLst>
+                                      </p:cBhvr>
+                                      <p:to>
+                                        <p:strVal val="visible"/>
+                                      </p:to>
+                                    </p:set>
+                                  </p:childTnLst>
+                                </p:cTn>
+                              </p:par>
+                            </p:childTnLst>
+                          </p:cTn>
+                        </p:par>
+                      </p:childTnLst>
+                    </p:cTn>
+                  </p:par>
+                  <p:par>
+                    <p:cTn id="7" fill="hold">
+                      <p:stCondLst>
+                        <p:cond delay="indefinite"/>
+                      </p:stCondLst>
+                      <p:childTnLst>
+                        <p:par>
+                          <p:cTn id="8" fill="hold">
+                            <p:stCondLst>
+                              <p:cond delay="0"/>
+                            </p:stCondLst>
+                            <p:childTnLst>
+                              <p:par>
+                                <p:cTn id="9" presetID="1" presetClass="entr" presetSubtype="0" fill="hold" nodeType="clickEffect">
+                                  <p:stCondLst>
+                                    <p:cond delay="0"/>
+                                  </p:stCondLst>
+                                  <p:childTnLst>
+                                    <p:set>
+                                      <p:cBhvr>
+                                        <p:cTn id="10" dur="1" fill="hold">
+                                          <p:stCondLst>
+                                            <p:cond delay="0"/>
+                                          </p:stCondLst>
+                                        </p:cTn>
+                                        <p:tgtEl>
+                                          <p:spTgt spid="3">
+                                            <p:txEl>
+                                              <p:pRg st="4" end="4"/>
+                                            </p:txEl>
+                                          </p:spTgt>
+                                        </p:tgtEl>
+                                        <p:attrNameLst>
+                                          <p:attrName>style.visibility</p:attrName>
+                                        </p:attrNameLst>
+                                      </p:cBhvr>
+                                      <p:to>
+                                        <p:strVal val="visible"/>
+                                      </p:to>
+                                    </p:set>
+                                  </p:childTnLst>
+                                </p:cTn>
+                              </p:par>
+                            </p:childTnLst>
+                          </p:cTn>
+                        </p:par>
+                      </p:childTnLst>
+                    </p:cTn>
+                  </p:par>
+                  <p:par>
+                    <p:cTn id="11" fill="hold">
+                      <p:stCondLst>
+                        <p:cond delay="indefinite"/>
+                      </p:stCondLst>
+                      <p:childTnLst>
+                        <p:par>
+                          <p:cTn id="12" fill="hold">
+                            <p:stCondLst>
+                              <p:cond delay="0"/>
+                            </p:stCondLst>
+                            <p:childTnLst>
+                              <p:par>
+                                <p:cTn id="13" presetID="1" presetClass="entr" presetSubtype="0" fill="hold" nodeType="clickEffect">
+                                  <p:stCondLst>
+                                    <p:cond delay="0"/>
+                                  </p:stCondLst>
+                                  <p:childTnLst>
+                                    <p:set>
+                                      <p:cBhvr>
+                                        <p:cTn id="14" dur="1" fill="hold">
+                                          <p:stCondLst>
+                                            <p:cond delay="0"/>
+                                          </p:stCondLst>
+                                        </p:cTn>
+                                        <p:tgtEl>
+                                          <p:spTgt spid="3">
+                                            <p:txEl>
+                                              <p:pRg st="6" end="6"/>
+                                            </p:txEl>
+                                          </p:spTgt>
+                                        </p:tgtEl>
+                                        <p:attrNameLst>
+                                          <p:attrName>style.visibility</p:attrName>
+                                        </p:attrNameLst>
+                                      </p:cBhvr>
+                                      <p:to>
+                                        <p:strVal val="visible"/>
+                                      </p:to>
+                                    </p:set>
+                                  </p:childTnLst>
+                                </p:cTn>
+                              </p:par>
+                              <p:par>
+                                <p:cTn id="15" presetID="1" presetClass="entr" presetSubtype="0" fill="hold" nodeType="withEffect">
+                                  <p:stCondLst>
+                                    <p:cond delay="0"/>
+                                  </p:stCondLst>
+                                  <p:childTnLst>
+                                    <p:set>
+                                      <p:cBhvr>
+                                        <p:cTn id="16" dur="1" fill="hold">
+                                          <p:stCondLst>
+                                            <p:cond delay="0"/>
+                                          </p:stCondLst>
+                                        </p:cTn>
+                                        <p:tgtEl>
+                                          <p:spTgt spid="3">
+                                            <p:txEl>
+                                              <p:pRg st="7" end="7"/>
+                                            </p:txEl>
+                                          </p:spTgt>
+                                        </p:tgtEl>
+                                        <p:attrNameLst>
+                                          <p:attrName>style.visibility</p:attrName>
+                                        </p:attrNameLst>
+                                      </p:cBhvr>
+                                      <p:to>
+                                        <p:strVal val="visible"/>
+                                      </p:to>
+                                    </p:set>
+                                  </p:childTnLst>
+                                </p:cTn>
+                              </p:par>
+                              <p:par>
+                                <p:cTn id="17" presetID="1" presetClass="entr" presetSubtype="0" fill="hold" nodeType="withEffect">
+                                  <p:stCondLst>
+                                    <p:cond delay="0"/>
+                                  </p:stCondLst>
+                                  <p:childTnLst>
+                                    <p:set>
+                                      <p:cBhvr>
+                                        <p:cTn id="18" dur="1" fill="hold">
+                                          <p:stCondLst>
+                                            <p:cond delay="0"/>
+                                          </p:stCondLst>
+                                        </p:cTn>
+                                        <p:tgtEl>
+                                          <p:spTgt spid="3">
+                                            <p:txEl>
+                                              <p:pRg st="8" end="8"/>
+                                            </p:txEl>
+                                          </p:spTgt>
+                                        </p:tgtEl>
+                                        <p:attrNameLst>
+                                          <p:attrName>style.visibility</p:attrName>
+                                        </p:attrNameLst>
+                                      </p:cBhvr>
+                                      <p:to>
+                                        <p:strVal val="visible"/>
+                                      </p:to>
+                                    </p:set>
+                                  </p:childTnLst>
+                                </p:cTn>
+                              </p:par>
+                              <p:par>
+                                <p:cTn id="19" presetID="1" presetClass="entr" presetSubtype="0" fill="hold" nodeType="withEffect">
+                                  <p:stCondLst>
+                                    <p:cond delay="0"/>
+                                  </p:stCondLst>
+                                  <p:childTnLst>
+                                    <p:set>
+                                      <p:cBhvr>
+                                        <p:cTn id="20" dur="1" fill="hold">
+                                          <p:stCondLst>
+                                            <p:cond delay="0"/>
+                                          </p:stCondLst>
+                                        </p:cTn>
+                                        <p:tgtEl>
+                                          <p:spTgt spid="3">
+                                            <p:txEl>
+                                              <p:pRg st="9" end="9"/>
+                                            </p:txEl>
+                                          </p:spTgt>
+                                        </p:tgtEl>
+                                        <p:attrNameLst>
+                                          <p:attrName>style.visibility</p:attrName>
+                                        </p:attrNameLst>
+                                      </p:cBhvr>
+                                      <p:to>
+                                        <p:strVal val="visible"/>
+                                      </p:to>
+                                    </p:set>
+                                  </p:childTnLst>
+                                </p:cTn>
+                              </p:par>
+                            </p:childTnLst>
+                          </p:cTn>
+                        </p:par>
+                      </p:childTnLst>
+                    </p:cTn>
+                  </p:par>
+                </p:childTnLst>
+              </p:cTn>
+              <p:prevCondLst>
+                <p:cond evt="onPrev" delay="0">
+                  <p:tgtEl>
+                    <p:sldTgt/>
+                  </p:tgtEl>
+                </p:cond>
+              </p:prevCondLst>
+              <p:nextCondLst>
+                <p:cond evt="onNext" delay="0">
+                  <p:tgtEl>
+                    <p:sldTgt/>
+                  </p:tgtEl>
+                </p:cond>
+              </p:nextCondLst>
+            </p:seq>
+          </p:childTnLst>
+        </p:cTn>
+      </p:par>
+    </p:tnLst>
+  </p:timing>
 </p:sld>
 </file>
 
@@ -5726,95 +12285,38 @@
           </a:p>
         </p:txBody>
       </p:sp>
-      <p:sp>
-        <p:nvSpPr>
-          <p:cNvPr id="3" name="Content Placeholder 2"/>
-          <p:cNvSpPr>
-            <a:spLocks noGrp="1"/>
-          </p:cNvSpPr>
+      <p:graphicFrame>
+        <p:nvGraphicFramePr>
+          <p:cNvPr id="5" name="Content Placeholder 4"/>
+          <p:cNvGraphicFramePr>
+            <a:graphicFrameLocks noGrp="1"/>
+          </p:cNvGraphicFramePr>
           <p:nvPr>
             <p:ph idx="1"/>
           </p:nvPr>
-        </p:nvSpPr>
-        <p:spPr/>
-        <p:txBody>
-          <a:bodyPr>
-            <a:normAutofit lnSpcReduction="10000"/>
-          </a:bodyPr>
-          <a:lstStyle/>
-          <a:p>
-            <a:r>
-              <a:rPr lang="en-US" dirty="0" smtClean="0"/>
-              <a:t>Full Project Plan</a:t>
-            </a:r>
-          </a:p>
-          <a:p>
-            <a:r>
-              <a:rPr lang="en-US" dirty="0" smtClean="0"/>
-              <a:t>Requirements Specifications</a:t>
-            </a:r>
-          </a:p>
-          <a:p>
-            <a:r>
-              <a:rPr lang="en-US" dirty="0" smtClean="0"/>
-              <a:t>Design Specifications</a:t>
-            </a:r>
-          </a:p>
-          <a:p>
-            <a:r>
-              <a:rPr lang="en-US" dirty="0" smtClean="0"/>
-              <a:t>Team &amp; Personal Software Process log (TSP/PSP)</a:t>
-            </a:r>
-          </a:p>
-          <a:p>
-            <a:r>
-              <a:rPr lang="en-US" dirty="0" smtClean="0"/>
-              <a:t>Software Quality Assurance Plan</a:t>
-            </a:r>
-          </a:p>
-          <a:p>
-            <a:r>
-              <a:rPr lang="en-US" dirty="0" smtClean="0"/>
-              <a:t>Software Configuration Management Plan</a:t>
-            </a:r>
-          </a:p>
-          <a:p>
-            <a:r>
-              <a:rPr lang="en-US" dirty="0" smtClean="0"/>
-              <a:t>Peer Review Policy</a:t>
-            </a:r>
-          </a:p>
-          <a:p>
-            <a:r>
-              <a:rPr lang="en-US" dirty="0" smtClean="0"/>
-              <a:t>Test Plan</a:t>
-            </a:r>
-          </a:p>
-          <a:p>
-            <a:r>
-              <a:rPr lang="en-US" dirty="0" smtClean="0"/>
-              <a:t>Bugs Issue Report</a:t>
-            </a:r>
-          </a:p>
-          <a:p>
-            <a:r>
-              <a:rPr lang="en-US" dirty="0" smtClean="0"/>
-              <a:t>Change Revisions Report</a:t>
-            </a:r>
-          </a:p>
-          <a:p>
-            <a:endParaRPr lang="en-US" dirty="0" smtClean="0"/>
-          </a:p>
-          <a:p>
-            <a:endParaRPr lang="en-US" dirty="0"/>
-          </a:p>
-        </p:txBody>
-      </p:sp>
+        </p:nvGraphicFramePr>
+        <p:xfrm>
+          <a:off x="457200" y="1542288"/>
+          <a:ext cx="8229600" cy="4934712"/>
+        </p:xfrm>
+        <a:graphic>
+          <a:graphicData uri="http://schemas.openxmlformats.org/drawingml/2006/diagram">
+            <dgm:relIds xmlns:dgm="http://schemas.openxmlformats.org/drawingml/2006/diagram" xmlns:r="http://schemas.openxmlformats.org/officeDocument/2006/relationships" r:dm="rId2" r:lo="rId3" r:qs="rId4" r:cs="rId5"/>
+          </a:graphicData>
+        </a:graphic>
+      </p:graphicFrame>
     </p:spTree>
   </p:cSld>
   <p:clrMapOvr>
     <a:masterClrMapping/>
   </p:clrMapOvr>
+  <p:timing>
+    <p:tnLst>
+      <p:par>
+        <p:cTn id="1" dur="indefinite" restart="never" nodeType="tmRoot"/>
+      </p:par>
+    </p:tnLst>
+  </p:timing>
 </p:sld>
 </file>
 
@@ -6096,4 +12598,287 @@
   <a:objectDefaults/>
   <a:extraClrSchemeLst/>
 </a:theme>
+</file>
+
+<file path=ppt/theme/theme2.xml><?xml version="1.0" encoding="utf-8"?>
+<a:theme xmlns:a="http://schemas.openxmlformats.org/drawingml/2006/main" name="Office Theme">
+  <a:themeElements>
+    <a:clrScheme name="Office">
+      <a:dk1>
+        <a:sysClr val="windowText" lastClr="000000"/>
+      </a:dk1>
+      <a:lt1>
+        <a:sysClr val="window" lastClr="FFFFFF"/>
+      </a:lt1>
+      <a:dk2>
+        <a:srgbClr val="1F497D"/>
+      </a:dk2>
+      <a:lt2>
+        <a:srgbClr val="EEECE1"/>
+      </a:lt2>
+      <a:accent1>
+        <a:srgbClr val="4F81BD"/>
+      </a:accent1>
+      <a:accent2>
+        <a:srgbClr val="C0504D"/>
+      </a:accent2>
+      <a:accent3>
+        <a:srgbClr val="9BBB59"/>
+      </a:accent3>
+      <a:accent4>
+        <a:srgbClr val="8064A2"/>
+      </a:accent4>
+      <a:accent5>
+        <a:srgbClr val="4BACC6"/>
+      </a:accent5>
+      <a:accent6>
+        <a:srgbClr val="F79646"/>
+      </a:accent6>
+      <a:hlink>
+        <a:srgbClr val="0000FF"/>
+      </a:hlink>
+      <a:folHlink>
+        <a:srgbClr val="800080"/>
+      </a:folHlink>
+    </a:clrScheme>
+    <a:fontScheme name="Office">
+      <a:majorFont>
+        <a:latin typeface="Calibri"/>
+        <a:ea typeface=""/>
+        <a:cs typeface=""/>
+        <a:font script="Jpan" typeface="ＭＳ Ｐゴシック"/>
+        <a:font script="Hang" typeface="맑은 고딕"/>
+        <a:font script="Hans" typeface="宋体"/>
+        <a:font script="Hant" typeface="新細明體"/>
+        <a:font script="Arab" typeface="Times New Roman"/>
+        <a:font script="Hebr" typeface="Times New Roman"/>
+        <a:font script="Thai" typeface="Angsana New"/>
+        <a:font script="Ethi" typeface="Nyala"/>
+        <a:font script="Beng" typeface="Vrinda"/>
+        <a:font script="Gujr" typeface="Shruti"/>
+        <a:font script="Khmr" typeface="MoolBoran"/>
+        <a:font script="Knda" typeface="Tunga"/>
+        <a:font script="Guru" typeface="Raavi"/>
+        <a:font script="Cans" typeface="Euphemia"/>
+        <a:font script="Cher" typeface="Plantagenet Cherokee"/>
+        <a:font script="Yiii" typeface="Microsoft Yi Baiti"/>
+        <a:font script="Tibt" typeface="Microsoft Himalaya"/>
+        <a:font script="Thaa" typeface="MV Boli"/>
+        <a:font script="Deva" typeface="Mangal"/>
+        <a:font script="Telu" typeface="Gautami"/>
+        <a:font script="Taml" typeface="Latha"/>
+        <a:font script="Syrc" typeface="Estrangelo Edessa"/>
+        <a:font script="Orya" typeface="Kalinga"/>
+        <a:font script="Mlym" typeface="Kartika"/>
+        <a:font script="Laoo" typeface="DokChampa"/>
+        <a:font script="Sinh" typeface="Iskoola Pota"/>
+        <a:font script="Mong" typeface="Mongolian Baiti"/>
+        <a:font script="Viet" typeface="Times New Roman"/>
+        <a:font script="Uigh" typeface="Microsoft Uighur"/>
+      </a:majorFont>
+      <a:minorFont>
+        <a:latin typeface="Calibri"/>
+        <a:ea typeface=""/>
+        <a:cs typeface=""/>
+        <a:font script="Jpan" typeface="ＭＳ Ｐゴシック"/>
+        <a:font script="Hang" typeface="맑은 고딕"/>
+        <a:font script="Hans" typeface="宋体"/>
+        <a:font script="Hant" typeface="新細明體"/>
+        <a:font script="Arab" typeface="Arial"/>
+        <a:font script="Hebr" typeface="Arial"/>
+        <a:font script="Thai" typeface="Cordia New"/>
+        <a:font script="Ethi" typeface="Nyala"/>
+        <a:font script="Beng" typeface="Vrinda"/>
+        <a:font script="Gujr" typeface="Shruti"/>
+        <a:font script="Khmr" typeface="DaunPenh"/>
+        <a:font script="Knda" typeface="Tunga"/>
+        <a:font script="Guru" typeface="Raavi"/>
+        <a:font script="Cans" typeface="Euphemia"/>
+        <a:font script="Cher" typeface="Plantagenet Cherokee"/>
+        <a:font script="Yiii" typeface="Microsoft Yi Baiti"/>
+        <a:font script="Tibt" typeface="Microsoft Himalaya"/>
+        <a:font script="Thaa" typeface="MV Boli"/>
+        <a:font script="Deva" typeface="Mangal"/>
+        <a:font script="Telu" typeface="Gautami"/>
+        <a:font script="Taml" typeface="Latha"/>
+        <a:font script="Syrc" typeface="Estrangelo Edessa"/>
+        <a:font script="Orya" typeface="Kalinga"/>
+        <a:font script="Mlym" typeface="Kartika"/>
+        <a:font script="Laoo" typeface="DokChampa"/>
+        <a:font script="Sinh" typeface="Iskoola Pota"/>
+        <a:font script="Mong" typeface="Mongolian Baiti"/>
+        <a:font script="Viet" typeface="Arial"/>
+        <a:font script="Uigh" typeface="Microsoft Uighur"/>
+      </a:minorFont>
+    </a:fontScheme>
+    <a:fmtScheme name="Office">
+      <a:fillStyleLst>
+        <a:solidFill>
+          <a:schemeClr val="phClr"/>
+        </a:solidFill>
+        <a:gradFill rotWithShape="1">
+          <a:gsLst>
+            <a:gs pos="0">
+              <a:schemeClr val="phClr">
+                <a:tint val="50000"/>
+                <a:satMod val="300000"/>
+              </a:schemeClr>
+            </a:gs>
+            <a:gs pos="35000">
+              <a:schemeClr val="phClr">
+                <a:tint val="37000"/>
+                <a:satMod val="300000"/>
+              </a:schemeClr>
+            </a:gs>
+            <a:gs pos="100000">
+              <a:schemeClr val="phClr">
+                <a:tint val="15000"/>
+                <a:satMod val="350000"/>
+              </a:schemeClr>
+            </a:gs>
+          </a:gsLst>
+          <a:lin ang="16200000" scaled="1"/>
+        </a:gradFill>
+        <a:gradFill rotWithShape="1">
+          <a:gsLst>
+            <a:gs pos="0">
+              <a:schemeClr val="phClr">
+                <a:shade val="51000"/>
+                <a:satMod val="130000"/>
+              </a:schemeClr>
+            </a:gs>
+            <a:gs pos="80000">
+              <a:schemeClr val="phClr">
+                <a:shade val="93000"/>
+                <a:satMod val="130000"/>
+              </a:schemeClr>
+            </a:gs>
+            <a:gs pos="100000">
+              <a:schemeClr val="phClr">
+                <a:shade val="94000"/>
+                <a:satMod val="135000"/>
+              </a:schemeClr>
+            </a:gs>
+          </a:gsLst>
+          <a:lin ang="16200000" scaled="0"/>
+        </a:gradFill>
+      </a:fillStyleLst>
+      <a:lnStyleLst>
+        <a:ln w="9525" cap="flat" cmpd="sng" algn="ctr">
+          <a:solidFill>
+            <a:schemeClr val="phClr">
+              <a:shade val="95000"/>
+              <a:satMod val="105000"/>
+            </a:schemeClr>
+          </a:solidFill>
+          <a:prstDash val="solid"/>
+        </a:ln>
+        <a:ln w="25400" cap="flat" cmpd="sng" algn="ctr">
+          <a:solidFill>
+            <a:schemeClr val="phClr"/>
+          </a:solidFill>
+          <a:prstDash val="solid"/>
+        </a:ln>
+        <a:ln w="38100" cap="flat" cmpd="sng" algn="ctr">
+          <a:solidFill>
+            <a:schemeClr val="phClr"/>
+          </a:solidFill>
+          <a:prstDash val="solid"/>
+        </a:ln>
+      </a:lnStyleLst>
+      <a:effectStyleLst>
+        <a:effectStyle>
+          <a:effectLst>
+            <a:outerShdw blurRad="40000" dist="20000" dir="5400000" rotWithShape="0">
+              <a:srgbClr val="000000">
+                <a:alpha val="38000"/>
+              </a:srgbClr>
+            </a:outerShdw>
+          </a:effectLst>
+        </a:effectStyle>
+        <a:effectStyle>
+          <a:effectLst>
+            <a:outerShdw blurRad="40000" dist="23000" dir="5400000" rotWithShape="0">
+              <a:srgbClr val="000000">
+                <a:alpha val="35000"/>
+              </a:srgbClr>
+            </a:outerShdw>
+          </a:effectLst>
+        </a:effectStyle>
+        <a:effectStyle>
+          <a:effectLst>
+            <a:outerShdw blurRad="40000" dist="23000" dir="5400000" rotWithShape="0">
+              <a:srgbClr val="000000">
+                <a:alpha val="35000"/>
+              </a:srgbClr>
+            </a:outerShdw>
+          </a:effectLst>
+          <a:scene3d>
+            <a:camera prst="orthographicFront">
+              <a:rot lat="0" lon="0" rev="0"/>
+            </a:camera>
+            <a:lightRig rig="threePt" dir="t">
+              <a:rot lat="0" lon="0" rev="1200000"/>
+            </a:lightRig>
+          </a:scene3d>
+          <a:sp3d>
+            <a:bevelT w="63500" h="25400"/>
+          </a:sp3d>
+        </a:effectStyle>
+      </a:effectStyleLst>
+      <a:bgFillStyleLst>
+        <a:solidFill>
+          <a:schemeClr val="phClr"/>
+        </a:solidFill>
+        <a:gradFill rotWithShape="1">
+          <a:gsLst>
+            <a:gs pos="0">
+              <a:schemeClr val="phClr">
+                <a:tint val="40000"/>
+                <a:satMod val="350000"/>
+              </a:schemeClr>
+            </a:gs>
+            <a:gs pos="40000">
+              <a:schemeClr val="phClr">
+                <a:tint val="45000"/>
+                <a:shade val="99000"/>
+                <a:satMod val="350000"/>
+              </a:schemeClr>
+            </a:gs>
+            <a:gs pos="100000">
+              <a:schemeClr val="phClr">
+                <a:shade val="20000"/>
+                <a:satMod val="255000"/>
+              </a:schemeClr>
+            </a:gs>
+          </a:gsLst>
+          <a:path path="circle">
+            <a:fillToRect l="50000" t="-80000" r="50000" b="180000"/>
+          </a:path>
+        </a:gradFill>
+        <a:gradFill rotWithShape="1">
+          <a:gsLst>
+            <a:gs pos="0">
+              <a:schemeClr val="phClr">
+                <a:tint val="80000"/>
+                <a:satMod val="300000"/>
+              </a:schemeClr>
+            </a:gs>
+            <a:gs pos="100000">
+              <a:schemeClr val="phClr">
+                <a:shade val="30000"/>
+                <a:satMod val="200000"/>
+              </a:schemeClr>
+            </a:gs>
+          </a:gsLst>
+          <a:path path="circle">
+            <a:fillToRect l="50000" t="50000" r="50000" b="50000"/>
+          </a:path>
+        </a:gradFill>
+      </a:bgFillStyleLst>
+    </a:fmtScheme>
+  </a:themeElements>
+  <a:objectDefaults/>
+  <a:extraClrSchemeLst/>
+</a:theme>
 </file>
--- a/Documents/Pookas ETventure presentation.pptx
+++ b/Documents/Pookas ETventure presentation.pptx
@@ -2230,6 +2230,13 @@
         </dgm:presLayoutVars>
       </dgm:prSet>
       <dgm:spPr/>
+      <dgm:t>
+        <a:bodyPr/>
+        <a:lstStyle/>
+        <a:p>
+          <a:endParaRPr lang="en-US"/>
+        </a:p>
+      </dgm:t>
     </dgm:pt>
     <dgm:pt modelId="{4A8F3152-5BA8-46DA-9EC6-D6F16E178151}" type="pres">
       <dgm:prSet presAssocID="{EC9B3FCD-0EC4-479F-8320-B44D4FC5DBC0}" presName="linNode" presStyleCnt="0"/>
@@ -2243,6 +2250,13 @@
         </dgm:presLayoutVars>
       </dgm:prSet>
       <dgm:spPr/>
+      <dgm:t>
+        <a:bodyPr/>
+        <a:lstStyle/>
+        <a:p>
+          <a:endParaRPr lang="en-US"/>
+        </a:p>
+      </dgm:t>
     </dgm:pt>
     <dgm:pt modelId="{B9B69CD5-8577-4217-93E7-CB74839244FF}" type="pres">
       <dgm:prSet presAssocID="{4FF43E5C-1747-4CF9-980F-F297F4B922FC}" presName="sp" presStyleCnt="0"/>
@@ -2260,6 +2274,13 @@
         </dgm:presLayoutVars>
       </dgm:prSet>
       <dgm:spPr/>
+      <dgm:t>
+        <a:bodyPr/>
+        <a:lstStyle/>
+        <a:p>
+          <a:endParaRPr lang="en-US"/>
+        </a:p>
+      </dgm:t>
     </dgm:pt>
     <dgm:pt modelId="{0AA4AE8F-FCA1-47E3-8332-8320240092F1}" type="pres">
       <dgm:prSet presAssocID="{DAFCD09D-3AB9-40A8-8ED0-D8B378AE193D}" presName="sp" presStyleCnt="0"/>
@@ -2277,6 +2298,13 @@
         </dgm:presLayoutVars>
       </dgm:prSet>
       <dgm:spPr/>
+      <dgm:t>
+        <a:bodyPr/>
+        <a:lstStyle/>
+        <a:p>
+          <a:endParaRPr lang="en-US"/>
+        </a:p>
+      </dgm:t>
     </dgm:pt>
     <dgm:pt modelId="{CDCC57A0-554E-4AB8-9E56-8A5CF5391B0F}" type="pres">
       <dgm:prSet presAssocID="{A97F0DDF-65CD-4958-B20A-79E75DD315A0}" presName="sp" presStyleCnt="0"/>
@@ -2294,6 +2322,13 @@
         </dgm:presLayoutVars>
       </dgm:prSet>
       <dgm:spPr/>
+      <dgm:t>
+        <a:bodyPr/>
+        <a:lstStyle/>
+        <a:p>
+          <a:endParaRPr lang="en-US"/>
+        </a:p>
+      </dgm:t>
     </dgm:pt>
     <dgm:pt modelId="{67CA16A3-849E-4592-AA33-FEB7137DDD59}" type="pres">
       <dgm:prSet presAssocID="{1959DF1F-B7D9-4464-B2F7-65673EE1B7AB}" presName="sp" presStyleCnt="0"/>
@@ -2311,6 +2346,13 @@
         </dgm:presLayoutVars>
       </dgm:prSet>
       <dgm:spPr/>
+      <dgm:t>
+        <a:bodyPr/>
+        <a:lstStyle/>
+        <a:p>
+          <a:endParaRPr lang="en-US"/>
+        </a:p>
+      </dgm:t>
     </dgm:pt>
     <dgm:pt modelId="{EFD08B98-2FC0-4E4E-8269-020385C68494}" type="pres">
       <dgm:prSet presAssocID="{989A855F-2CEE-4694-AA7F-81E45738A505}" presName="sp" presStyleCnt="0"/>
@@ -2328,6 +2370,13 @@
         </dgm:presLayoutVars>
       </dgm:prSet>
       <dgm:spPr/>
+      <dgm:t>
+        <a:bodyPr/>
+        <a:lstStyle/>
+        <a:p>
+          <a:endParaRPr lang="en-US"/>
+        </a:p>
+      </dgm:t>
     </dgm:pt>
     <dgm:pt modelId="{36F05475-C177-4DE9-AA81-50D476ADFB68}" type="pres">
       <dgm:prSet presAssocID="{DAC5623D-51E1-4E39-A328-F467C01CC640}" presName="sp" presStyleCnt="0"/>
@@ -2345,6 +2394,13 @@
         </dgm:presLayoutVars>
       </dgm:prSet>
       <dgm:spPr/>
+      <dgm:t>
+        <a:bodyPr/>
+        <a:lstStyle/>
+        <a:p>
+          <a:endParaRPr lang="en-US"/>
+        </a:p>
+      </dgm:t>
     </dgm:pt>
     <dgm:pt modelId="{8D5C5961-D706-471D-B388-F13A230BB7A1}" type="pres">
       <dgm:prSet presAssocID="{24E46D65-AD26-4266-9C78-85CCD527C751}" presName="sp" presStyleCnt="0"/>
@@ -2362,6 +2418,13 @@
         </dgm:presLayoutVars>
       </dgm:prSet>
       <dgm:spPr/>
+      <dgm:t>
+        <a:bodyPr/>
+        <a:lstStyle/>
+        <a:p>
+          <a:endParaRPr lang="en-US"/>
+        </a:p>
+      </dgm:t>
     </dgm:pt>
     <dgm:pt modelId="{9F51791A-C77A-4630-ABE4-A99A82FCDC33}" type="pres">
       <dgm:prSet presAssocID="{8E2016F8-28A3-47EE-9588-F2F0D7366734}" presName="sp" presStyleCnt="0"/>
@@ -2379,6 +2442,13 @@
         </dgm:presLayoutVars>
       </dgm:prSet>
       <dgm:spPr/>
+      <dgm:t>
+        <a:bodyPr/>
+        <a:lstStyle/>
+        <a:p>
+          <a:endParaRPr lang="en-US"/>
+        </a:p>
+      </dgm:t>
     </dgm:pt>
     <dgm:pt modelId="{F7267DC4-719A-4F7A-96AA-9DB6ED0FAF66}" type="pres">
       <dgm:prSet presAssocID="{8FB61B5B-237A-4D45-BF47-1FBBD1C3D171}" presName="sp" presStyleCnt="0"/>
@@ -2396,29 +2466,36 @@
         </dgm:presLayoutVars>
       </dgm:prSet>
       <dgm:spPr/>
+      <dgm:t>
+        <a:bodyPr/>
+        <a:lstStyle/>
+        <a:p>
+          <a:endParaRPr lang="en-US"/>
+        </a:p>
+      </dgm:t>
     </dgm:pt>
   </dgm:ptLst>
   <dgm:cxnLst>
-    <dgm:cxn modelId="{61E248C6-5025-4EBE-8BA4-4C668B5AC012}" type="presOf" srcId="{614CAAF1-51BB-4B32-B347-4E34D7A5E1C8}" destId="{708114EC-68FC-4466-8FCD-12FEA77D3EBF}" srcOrd="0" destOrd="0" presId="urn:microsoft.com/office/officeart/2005/8/layout/vList5"/>
+    <dgm:cxn modelId="{7A989313-F66B-4744-9DA0-D05BA1EABA41}" srcId="{DBBB86DE-B3A3-43D9-AC28-4EAD993F247A}" destId="{EC9B3FCD-0EC4-479F-8320-B44D4FC5DBC0}" srcOrd="0" destOrd="0" parTransId="{D735A30D-112D-4718-A6E2-2C1E092C7759}" sibTransId="{4FF43E5C-1747-4CF9-980F-F297F4B922FC}"/>
+    <dgm:cxn modelId="{097EB493-B21C-434C-BA87-B1F76F54D320}" type="presOf" srcId="{DBBB86DE-B3A3-43D9-AC28-4EAD993F247A}" destId="{ADA4A7F1-9DD6-4AAA-B748-B751DF16C124}" srcOrd="0" destOrd="0" presId="urn:microsoft.com/office/officeart/2005/8/layout/vList5"/>
     <dgm:cxn modelId="{A1CBF3B1-F376-4F64-BF8F-6A07E0C2925B}" type="presOf" srcId="{6C8ED2CE-FB9C-453C-BF35-1CFDC22397D4}" destId="{2B7B7114-6394-4A3B-868E-4E0D4B32E38F}" srcOrd="0" destOrd="0" presId="urn:microsoft.com/office/officeart/2005/8/layout/vList5"/>
     <dgm:cxn modelId="{9D1D40A3-27E8-4A3E-803A-B19DF6805FBF}" srcId="{DBBB86DE-B3A3-43D9-AC28-4EAD993F247A}" destId="{0C0928F5-907F-4764-B300-6209FAFEC890}" srcOrd="8" destOrd="0" parTransId="{42509825-56E1-4133-A72B-054B1F0E6A88}" sibTransId="{8FB61B5B-237A-4D45-BF47-1FBBD1C3D171}"/>
-    <dgm:cxn modelId="{7A989313-F66B-4744-9DA0-D05BA1EABA41}" srcId="{DBBB86DE-B3A3-43D9-AC28-4EAD993F247A}" destId="{EC9B3FCD-0EC4-479F-8320-B44D4FC5DBC0}" srcOrd="0" destOrd="0" parTransId="{D735A30D-112D-4718-A6E2-2C1E092C7759}" sibTransId="{4FF43E5C-1747-4CF9-980F-F297F4B922FC}"/>
+    <dgm:cxn modelId="{EC137395-4289-41E7-9D35-274860567F2A}" type="presOf" srcId="{1E4A6EF1-7798-4A29-8C89-515441226000}" destId="{5D805A90-0430-4206-A4DE-AAA8198C719F}" srcOrd="0" destOrd="0" presId="urn:microsoft.com/office/officeart/2005/8/layout/vList5"/>
+    <dgm:cxn modelId="{FA14B154-A9E7-401F-949F-6CF2B34362E4}" srcId="{DBBB86DE-B3A3-43D9-AC28-4EAD993F247A}" destId="{F4BA7A47-B22A-4EA0-8BEA-F38757241940}" srcOrd="5" destOrd="0" parTransId="{7B742767-DA11-499D-B078-F0BB7C81880E}" sibTransId="{DAC5623D-51E1-4E39-A328-F467C01CC640}"/>
+    <dgm:cxn modelId="{8BF0C660-6A60-4068-9FFB-8131D01FBA85}" srcId="{DBBB86DE-B3A3-43D9-AC28-4EAD993F247A}" destId="{614CAAF1-51BB-4B32-B347-4E34D7A5E1C8}" srcOrd="7" destOrd="0" parTransId="{D1596A15-2883-4890-A1A1-F59102614852}" sibTransId="{8E2016F8-28A3-47EE-9588-F2F0D7366734}"/>
+    <dgm:cxn modelId="{7B72D03A-DCF4-4479-8E42-FC4AD686DFCD}" type="presOf" srcId="{0C0928F5-907F-4764-B300-6209FAFEC890}" destId="{3898DC5C-3E0A-407F-9579-1EA1B43FCA49}" srcOrd="0" destOrd="0" presId="urn:microsoft.com/office/officeart/2005/8/layout/vList5"/>
+    <dgm:cxn modelId="{01FF1C91-ED5A-491A-B530-5889492C00F6}" type="presOf" srcId="{EC9B3FCD-0EC4-479F-8320-B44D4FC5DBC0}" destId="{D5F1405F-F855-4F34-8E56-135DC607C7EB}" srcOrd="0" destOrd="0" presId="urn:microsoft.com/office/officeart/2005/8/layout/vList5"/>
+    <dgm:cxn modelId="{FE2A6E27-3ADB-4CA2-9C77-EE36401D9887}" type="presOf" srcId="{29C5DBCD-FBA1-4637-B0EA-3118B5BC0CAD}" destId="{39D66280-61AC-4EF8-81B2-BAE463239A91}" srcOrd="0" destOrd="0" presId="urn:microsoft.com/office/officeart/2005/8/layout/vList5"/>
+    <dgm:cxn modelId="{700B8B8B-A525-4B98-B67F-41F2C8192ABF}" type="presOf" srcId="{DAF1C578-020A-417E-A532-13AFDDD0BE85}" destId="{30030563-22B0-4D04-A154-AB0F0DD0472C}" srcOrd="0" destOrd="0" presId="urn:microsoft.com/office/officeart/2005/8/layout/vList5"/>
+    <dgm:cxn modelId="{61E248C6-5025-4EBE-8BA4-4C668B5AC012}" type="presOf" srcId="{614CAAF1-51BB-4B32-B347-4E34D7A5E1C8}" destId="{708114EC-68FC-4466-8FCD-12FEA77D3EBF}" srcOrd="0" destOrd="0" presId="urn:microsoft.com/office/officeart/2005/8/layout/vList5"/>
+    <dgm:cxn modelId="{72003D82-8D4D-45B5-B901-4BDC6B9DF7B9}" type="presOf" srcId="{056EAB2B-C964-4413-A093-4896C084E6B1}" destId="{F12297E7-F392-4C9A-B4F9-ECD02726D844}" srcOrd="0" destOrd="0" presId="urn:microsoft.com/office/officeart/2005/8/layout/vList5"/>
     <dgm:cxn modelId="{86813D3A-EAE0-4085-B6B4-C6B42830878C}" srcId="{DBBB86DE-B3A3-43D9-AC28-4EAD993F247A}" destId="{30DA5D09-077E-4A53-B6C2-93763DDD6333}" srcOrd="4" destOrd="0" parTransId="{DDF36381-7D9F-4F98-BA2D-327302D2B0E4}" sibTransId="{989A855F-2CEE-4694-AA7F-81E45738A505}"/>
-    <dgm:cxn modelId="{700B8B8B-A525-4B98-B67F-41F2C8192ABF}" type="presOf" srcId="{DAF1C578-020A-417E-A532-13AFDDD0BE85}" destId="{30030563-22B0-4D04-A154-AB0F0DD0472C}" srcOrd="0" destOrd="0" presId="urn:microsoft.com/office/officeart/2005/8/layout/vList5"/>
-    <dgm:cxn modelId="{FE2A6E27-3ADB-4CA2-9C77-EE36401D9887}" type="presOf" srcId="{29C5DBCD-FBA1-4637-B0EA-3118B5BC0CAD}" destId="{39D66280-61AC-4EF8-81B2-BAE463239A91}" srcOrd="0" destOrd="0" presId="urn:microsoft.com/office/officeart/2005/8/layout/vList5"/>
+    <dgm:cxn modelId="{FD9BFD3E-57CE-4A76-977F-3E1CBB997223}" srcId="{DBBB86DE-B3A3-43D9-AC28-4EAD993F247A}" destId="{6C8ED2CE-FB9C-453C-BF35-1CFDC22397D4}" srcOrd="1" destOrd="0" parTransId="{BD4EE727-E822-4C1A-B630-DB10596322B0}" sibTransId="{DAFCD09D-3AB9-40A8-8ED0-D8B378AE193D}"/>
+    <dgm:cxn modelId="{869D0496-F7CA-4855-BA3F-988D9480AC97}" srcId="{DBBB86DE-B3A3-43D9-AC28-4EAD993F247A}" destId="{1E4A6EF1-7798-4A29-8C89-515441226000}" srcOrd="3" destOrd="0" parTransId="{0FF91269-A6CA-403A-8EA0-5486C0C97274}" sibTransId="{1959DF1F-B7D9-4464-B2F7-65673EE1B7AB}"/>
+    <dgm:cxn modelId="{E88E9BE8-9C99-43A9-A64B-65BEBDC3F81F}" srcId="{DBBB86DE-B3A3-43D9-AC28-4EAD993F247A}" destId="{056EAB2B-C964-4413-A093-4896C084E6B1}" srcOrd="6" destOrd="0" parTransId="{0D489015-BC4D-4A22-AE5F-0C20AE422D59}" sibTransId="{24E46D65-AD26-4266-9C78-85CCD527C751}"/>
+    <dgm:cxn modelId="{ABD4C601-EF95-4F84-9C5C-D1C840F338A5}" type="presOf" srcId="{30DA5D09-077E-4A53-B6C2-93763DDD6333}" destId="{22E66A57-D27D-465A-B87D-00C18FFFCB53}" srcOrd="0" destOrd="0" presId="urn:microsoft.com/office/officeart/2005/8/layout/vList5"/>
+    <dgm:cxn modelId="{3B1A6251-1D3E-4F01-8FB8-BCA9079D2D61}" srcId="{DBBB86DE-B3A3-43D9-AC28-4EAD993F247A}" destId="{29C5DBCD-FBA1-4637-B0EA-3118B5BC0CAD}" srcOrd="2" destOrd="0" parTransId="{B7A852F2-EF5F-47C1-878E-1B6413CAEDC9}" sibTransId="{A97F0DDF-65CD-4958-B20A-79E75DD315A0}"/>
     <dgm:cxn modelId="{168DDE9D-070F-48EC-8AD5-B33401503E9E}" type="presOf" srcId="{F4BA7A47-B22A-4EA0-8BEA-F38757241940}" destId="{424AD5B7-4900-48AD-BE7D-57E5E5D27EA6}" srcOrd="0" destOrd="0" presId="urn:microsoft.com/office/officeart/2005/8/layout/vList5"/>
-    <dgm:cxn modelId="{7B72D03A-DCF4-4479-8E42-FC4AD686DFCD}" type="presOf" srcId="{0C0928F5-907F-4764-B300-6209FAFEC890}" destId="{3898DC5C-3E0A-407F-9579-1EA1B43FCA49}" srcOrd="0" destOrd="0" presId="urn:microsoft.com/office/officeart/2005/8/layout/vList5"/>
-    <dgm:cxn modelId="{E88E9BE8-9C99-43A9-A64B-65BEBDC3F81F}" srcId="{DBBB86DE-B3A3-43D9-AC28-4EAD993F247A}" destId="{056EAB2B-C964-4413-A093-4896C084E6B1}" srcOrd="6" destOrd="0" parTransId="{0D489015-BC4D-4A22-AE5F-0C20AE422D59}" sibTransId="{24E46D65-AD26-4266-9C78-85CCD527C751}"/>
-    <dgm:cxn modelId="{01FF1C91-ED5A-491A-B530-5889492C00F6}" type="presOf" srcId="{EC9B3FCD-0EC4-479F-8320-B44D4FC5DBC0}" destId="{D5F1405F-F855-4F34-8E56-135DC607C7EB}" srcOrd="0" destOrd="0" presId="urn:microsoft.com/office/officeart/2005/8/layout/vList5"/>
-    <dgm:cxn modelId="{FD9BFD3E-57CE-4A76-977F-3E1CBB997223}" srcId="{DBBB86DE-B3A3-43D9-AC28-4EAD993F247A}" destId="{6C8ED2CE-FB9C-453C-BF35-1CFDC22397D4}" srcOrd="1" destOrd="0" parTransId="{BD4EE727-E822-4C1A-B630-DB10596322B0}" sibTransId="{DAFCD09D-3AB9-40A8-8ED0-D8B378AE193D}"/>
-    <dgm:cxn modelId="{097EB493-B21C-434C-BA87-B1F76F54D320}" type="presOf" srcId="{DBBB86DE-B3A3-43D9-AC28-4EAD993F247A}" destId="{ADA4A7F1-9DD6-4AAA-B748-B751DF16C124}" srcOrd="0" destOrd="0" presId="urn:microsoft.com/office/officeart/2005/8/layout/vList5"/>
-    <dgm:cxn modelId="{FA14B154-A9E7-401F-949F-6CF2B34362E4}" srcId="{DBBB86DE-B3A3-43D9-AC28-4EAD993F247A}" destId="{F4BA7A47-B22A-4EA0-8BEA-F38757241940}" srcOrd="5" destOrd="0" parTransId="{7B742767-DA11-499D-B078-F0BB7C81880E}" sibTransId="{DAC5623D-51E1-4E39-A328-F467C01CC640}"/>
-    <dgm:cxn modelId="{EC137395-4289-41E7-9D35-274860567F2A}" type="presOf" srcId="{1E4A6EF1-7798-4A29-8C89-515441226000}" destId="{5D805A90-0430-4206-A4DE-AAA8198C719F}" srcOrd="0" destOrd="0" presId="urn:microsoft.com/office/officeart/2005/8/layout/vList5"/>
-    <dgm:cxn modelId="{8BF0C660-6A60-4068-9FFB-8131D01FBA85}" srcId="{DBBB86DE-B3A3-43D9-AC28-4EAD993F247A}" destId="{614CAAF1-51BB-4B32-B347-4E34D7A5E1C8}" srcOrd="7" destOrd="0" parTransId="{D1596A15-2883-4890-A1A1-F59102614852}" sibTransId="{8E2016F8-28A3-47EE-9588-F2F0D7366734}"/>
-    <dgm:cxn modelId="{72003D82-8D4D-45B5-B901-4BDC6B9DF7B9}" type="presOf" srcId="{056EAB2B-C964-4413-A093-4896C084E6B1}" destId="{F12297E7-F392-4C9A-B4F9-ECD02726D844}" srcOrd="0" destOrd="0" presId="urn:microsoft.com/office/officeart/2005/8/layout/vList5"/>
-    <dgm:cxn modelId="{3B1A6251-1D3E-4F01-8FB8-BCA9079D2D61}" srcId="{DBBB86DE-B3A3-43D9-AC28-4EAD993F247A}" destId="{29C5DBCD-FBA1-4637-B0EA-3118B5BC0CAD}" srcOrd="2" destOrd="0" parTransId="{B7A852F2-EF5F-47C1-878E-1B6413CAEDC9}" sibTransId="{A97F0DDF-65CD-4958-B20A-79E75DD315A0}"/>
-    <dgm:cxn modelId="{ABD4C601-EF95-4F84-9C5C-D1C840F338A5}" type="presOf" srcId="{30DA5D09-077E-4A53-B6C2-93763DDD6333}" destId="{22E66A57-D27D-465A-B87D-00C18FFFCB53}" srcOrd="0" destOrd="0" presId="urn:microsoft.com/office/officeart/2005/8/layout/vList5"/>
-    <dgm:cxn modelId="{869D0496-F7CA-4855-BA3F-988D9480AC97}" srcId="{DBBB86DE-B3A3-43D9-AC28-4EAD993F247A}" destId="{1E4A6EF1-7798-4A29-8C89-515441226000}" srcOrd="3" destOrd="0" parTransId="{0FF91269-A6CA-403A-8EA0-5486C0C97274}" sibTransId="{1959DF1F-B7D9-4464-B2F7-65673EE1B7AB}"/>
     <dgm:cxn modelId="{6D80D8FD-899F-4203-B410-C6B7B38CE3EC}" srcId="{DBBB86DE-B3A3-43D9-AC28-4EAD993F247A}" destId="{DAF1C578-020A-417E-A532-13AFDDD0BE85}" srcOrd="9" destOrd="0" parTransId="{45BA1395-1DD0-49A8-87B8-53B5C45CDDB8}" sibTransId="{E2DAC04E-2F27-4C8C-8DE2-E25CD08DA123}"/>
     <dgm:cxn modelId="{338072E9-DF77-45CD-8D00-5B316B4E526B}" type="presParOf" srcId="{ADA4A7F1-9DD6-4AAA-B748-B751DF16C124}" destId="{4A8F3152-5BA8-46DA-9EC6-D6F16E178151}" srcOrd="0" destOrd="0" presId="urn:microsoft.com/office/officeart/2005/8/layout/vList5"/>
     <dgm:cxn modelId="{40BF6A60-B15C-4F0B-972E-953AD4DBA11A}" type="presParOf" srcId="{4A8F3152-5BA8-46DA-9EC6-D6F16E178151}" destId="{D5F1405F-F855-4F34-8E56-135DC607C7EB}" srcOrd="0" destOrd="0" presId="urn:microsoft.com/office/officeart/2005/8/layout/vList5"/>
@@ -2743,6 +2820,13 @@
         </dgm:presLayoutVars>
       </dgm:prSet>
       <dgm:spPr/>
+      <dgm:t>
+        <a:bodyPr/>
+        <a:lstStyle/>
+        <a:p>
+          <a:endParaRPr lang="en-US"/>
+        </a:p>
+      </dgm:t>
     </dgm:pt>
     <dgm:pt modelId="{30FA9603-0FCB-4CE2-95D0-F53B36AB493D}" type="pres">
       <dgm:prSet presAssocID="{C70FAE0E-287B-4725-8619-7F36A9930B2A}" presName="parentText" presStyleLbl="node1" presStyleIdx="0" presStyleCnt="7">
@@ -2752,6 +2836,13 @@
         </dgm:presLayoutVars>
       </dgm:prSet>
       <dgm:spPr/>
+      <dgm:t>
+        <a:bodyPr/>
+        <a:lstStyle/>
+        <a:p>
+          <a:endParaRPr lang="en-US"/>
+        </a:p>
+      </dgm:t>
     </dgm:pt>
     <dgm:pt modelId="{BDE1E34A-8311-48ED-9499-2760DBFE93B4}" type="pres">
       <dgm:prSet presAssocID="{FDA16D89-7EB5-4939-BBB0-2661F7973843}" presName="spacer" presStyleCnt="0"/>
@@ -2765,6 +2856,13 @@
         </dgm:presLayoutVars>
       </dgm:prSet>
       <dgm:spPr/>
+      <dgm:t>
+        <a:bodyPr/>
+        <a:lstStyle/>
+        <a:p>
+          <a:endParaRPr lang="en-US"/>
+        </a:p>
+      </dgm:t>
     </dgm:pt>
     <dgm:pt modelId="{3EA3D521-1CD7-4154-B38B-59868DC3ED0C}" type="pres">
       <dgm:prSet presAssocID="{D03A8284-C169-4EF1-878E-547FD1017E17}" presName="spacer" presStyleCnt="0"/>
@@ -2778,6 +2876,13 @@
         </dgm:presLayoutVars>
       </dgm:prSet>
       <dgm:spPr/>
+      <dgm:t>
+        <a:bodyPr/>
+        <a:lstStyle/>
+        <a:p>
+          <a:endParaRPr lang="en-US"/>
+        </a:p>
+      </dgm:t>
     </dgm:pt>
     <dgm:pt modelId="{1B2F62F1-3D26-4CB4-9877-B2E66773CF15}" type="pres">
       <dgm:prSet presAssocID="{56E17B98-EA99-4942-875C-05039F6E2868}" presName="spacer" presStyleCnt="0"/>
@@ -2791,6 +2896,13 @@
         </dgm:presLayoutVars>
       </dgm:prSet>
       <dgm:spPr/>
+      <dgm:t>
+        <a:bodyPr/>
+        <a:lstStyle/>
+        <a:p>
+          <a:endParaRPr lang="en-US"/>
+        </a:p>
+      </dgm:t>
     </dgm:pt>
     <dgm:pt modelId="{9033CEF8-B7B7-4496-BF75-EF1DE164D552}" type="pres">
       <dgm:prSet presAssocID="{0289F774-72A7-4780-A678-2ECF58C47CB5}" presName="spacer" presStyleCnt="0"/>
@@ -2804,6 +2916,13 @@
         </dgm:presLayoutVars>
       </dgm:prSet>
       <dgm:spPr/>
+      <dgm:t>
+        <a:bodyPr/>
+        <a:lstStyle/>
+        <a:p>
+          <a:endParaRPr lang="en-US"/>
+        </a:p>
+      </dgm:t>
     </dgm:pt>
     <dgm:pt modelId="{9E72BFD2-FC85-4A36-90B3-FC5452816AE0}" type="pres">
       <dgm:prSet presAssocID="{AABD4CF3-BCDA-4676-8473-5227EDD2DE52}" presName="spacer" presStyleCnt="0"/>
@@ -2817,6 +2936,13 @@
         </dgm:presLayoutVars>
       </dgm:prSet>
       <dgm:spPr/>
+      <dgm:t>
+        <a:bodyPr/>
+        <a:lstStyle/>
+        <a:p>
+          <a:endParaRPr lang="en-US"/>
+        </a:p>
+      </dgm:t>
     </dgm:pt>
     <dgm:pt modelId="{857F5B57-62EA-45AB-89BA-D8FF2CB92AD3}" type="pres">
       <dgm:prSet presAssocID="{BE5A9BB1-3D53-4DBF-AF2C-EA937C6A2D8C}" presName="spacer" presStyleCnt="0"/>
@@ -2830,6 +2956,13 @@
         </dgm:presLayoutVars>
       </dgm:prSet>
       <dgm:spPr/>
+      <dgm:t>
+        <a:bodyPr/>
+        <a:lstStyle/>
+        <a:p>
+          <a:endParaRPr lang="en-US"/>
+        </a:p>
+      </dgm:t>
     </dgm:pt>
   </dgm:ptLst>
   <dgm:cxnLst>
@@ -5443,7 +5576,8 @@
           <a:p>
             <a:fld id="{AD1BB0AD-580A-4625-AF39-165890F3FBA4}" type="datetimeFigureOut">
               <a:rPr lang="en-US" smtClean="0"/>
-              <a:t>11/2/2009</a:t>
+              <a:pPr/>
+              <a:t>11/3/2009</a:t>
             </a:fld>
             <a:endParaRPr lang="en-US"/>
           </a:p>
@@ -5604,6 +5738,7 @@
           <a:p>
             <a:fld id="{E313970E-9089-4F4B-96C3-E82847EC7EB9}" type="slidenum">
               <a:rPr lang="en-US" smtClean="0"/>
+              <a:pPr/>
               <a:t>‹#›</a:t>
             </a:fld>
             <a:endParaRPr lang="en-US"/>
@@ -5833,6 +5968,7 @@
           <a:p>
             <a:fld id="{E313970E-9089-4F4B-96C3-E82847EC7EB9}" type="slidenum">
               <a:rPr lang="en-US" smtClean="0"/>
+              <a:pPr/>
               <a:t>5</a:t>
             </a:fld>
             <a:endParaRPr lang="en-US"/>
@@ -6506,7 +6642,7 @@
             <a:fld id="{FC573CDC-4977-414A-851C-58150F653399}" type="datetimeFigureOut">
               <a:rPr lang="en-US" smtClean="0"/>
               <a:pPr/>
-              <a:t>11/2/2009</a:t>
+              <a:t>11/3/2009</a:t>
             </a:fld>
             <a:endParaRPr lang="en-US"/>
           </a:p>
@@ -6691,7 +6827,7 @@
             <a:fld id="{FC573CDC-4977-414A-851C-58150F653399}" type="datetimeFigureOut">
               <a:rPr lang="en-US" smtClean="0"/>
               <a:pPr/>
-              <a:t>11/2/2009</a:t>
+              <a:t>11/3/2009</a:t>
             </a:fld>
             <a:endParaRPr lang="en-US"/>
           </a:p>
@@ -6868,7 +7004,7 @@
             <a:fld id="{FC573CDC-4977-414A-851C-58150F653399}" type="datetimeFigureOut">
               <a:rPr lang="en-US" smtClean="0"/>
               <a:pPr/>
-              <a:t>11/2/2009</a:t>
+              <a:t>11/3/2009</a:t>
             </a:fld>
             <a:endParaRPr lang="en-US"/>
           </a:p>
@@ -7045,7 +7181,7 @@
             <a:fld id="{FC573CDC-4977-414A-851C-58150F653399}" type="datetimeFigureOut">
               <a:rPr lang="en-US" smtClean="0"/>
               <a:pPr/>
-              <a:t>11/2/2009</a:t>
+              <a:t>11/3/2009</a:t>
             </a:fld>
             <a:endParaRPr lang="en-US"/>
           </a:p>
@@ -7268,7 +7404,7 @@
             <a:fld id="{FC573CDC-4977-414A-851C-58150F653399}" type="datetimeFigureOut">
               <a:rPr lang="en-US" smtClean="0"/>
               <a:pPr/>
-              <a:t>11/2/2009</a:t>
+              <a:t>11/3/2009</a:t>
             </a:fld>
             <a:endParaRPr lang="en-US"/>
           </a:p>
@@ -7529,7 +7665,7 @@
             <a:fld id="{FC573CDC-4977-414A-851C-58150F653399}" type="datetimeFigureOut">
               <a:rPr lang="en-US" smtClean="0"/>
               <a:pPr/>
-              <a:t>11/2/2009</a:t>
+              <a:t>11/3/2009</a:t>
             </a:fld>
             <a:endParaRPr lang="en-US"/>
           </a:p>
@@ -7935,7 +8071,7 @@
             <a:fld id="{FC573CDC-4977-414A-851C-58150F653399}" type="datetimeFigureOut">
               <a:rPr lang="en-US" smtClean="0"/>
               <a:pPr/>
-              <a:t>11/2/2009</a:t>
+              <a:t>11/3/2009</a:t>
             </a:fld>
             <a:endParaRPr lang="en-US"/>
           </a:p>
@@ -8068,7 +8204,7 @@
             <a:fld id="{FC573CDC-4977-414A-851C-58150F653399}" type="datetimeFigureOut">
               <a:rPr lang="en-US" smtClean="0"/>
               <a:pPr/>
-              <a:t>11/2/2009</a:t>
+              <a:t>11/3/2009</a:t>
             </a:fld>
             <a:endParaRPr lang="en-US"/>
           </a:p>
@@ -8170,7 +8306,7 @@
             <a:fld id="{FC573CDC-4977-414A-851C-58150F653399}" type="datetimeFigureOut">
               <a:rPr lang="en-US" smtClean="0"/>
               <a:pPr/>
-              <a:t>11/2/2009</a:t>
+              <a:t>11/3/2009</a:t>
             </a:fld>
             <a:endParaRPr lang="en-US"/>
           </a:p>
@@ -8417,7 +8553,7 @@
             <a:fld id="{FC573CDC-4977-414A-851C-58150F653399}" type="datetimeFigureOut">
               <a:rPr lang="en-US" smtClean="0"/>
               <a:pPr/>
-              <a:t>11/2/2009</a:t>
+              <a:t>11/3/2009</a:t>
             </a:fld>
             <a:endParaRPr lang="en-US"/>
           </a:p>
@@ -8663,7 +8799,7 @@
             <a:fld id="{FC573CDC-4977-414A-851C-58150F653399}" type="datetimeFigureOut">
               <a:rPr lang="en-US" smtClean="0"/>
               <a:pPr/>
-              <a:t>11/2/2009</a:t>
+              <a:t>11/3/2009</a:t>
             </a:fld>
             <a:endParaRPr lang="en-US"/>
           </a:p>
@@ -9489,7 +9625,7 @@
             <a:fld id="{FC573CDC-4977-414A-851C-58150F653399}" type="datetimeFigureOut">
               <a:rPr lang="en-US" smtClean="0"/>
               <a:pPr/>
-              <a:t>11/2/2009</a:t>
+              <a:t>11/3/2009</a:t>
             </a:fld>
             <a:endParaRPr lang="en-US"/>
           </a:p>
@@ -10937,24 +11073,16 @@
           <a:p>
             <a:r>
               <a:rPr lang="en-US" dirty="0" smtClean="0"/>
-              <a:t>Automated Lessons and </a:t>
-            </a:r>
+              <a:t>Automated Lessons and games</a:t>
+            </a:r>
+          </a:p>
+          <a:p>
+            <a:endParaRPr lang="en-US" dirty="0" smtClean="0"/>
+          </a:p>
+          <a:p>
             <a:r>
               <a:rPr lang="en-US" dirty="0" smtClean="0"/>
-              <a:t>games</a:t>
-            </a:r>
-          </a:p>
-          <a:p>
-            <a:endParaRPr lang="en-US" dirty="0" smtClean="0"/>
-          </a:p>
-          <a:p>
-            <a:r>
-              <a:rPr lang="en-US" dirty="0" smtClean="0"/>
-              <a:t>Virtual Meeting place for </a:t>
-            </a:r>
-            <a:r>
-              <a:rPr lang="en-US" dirty="0" smtClean="0"/>
-              <a:t>friends</a:t>
+              <a:t>Virtual Meeting place for friends</a:t>
             </a:r>
           </a:p>
           <a:p>
@@ -11147,12 +11275,12 @@
           <p:nvPr/>
         </p:nvGraphicFramePr>
         <p:xfrm>
-          <a:off x="463550" y="1435100"/>
-          <a:ext cx="8005763" cy="4613275"/>
+          <a:off x="463550" y="1201738"/>
+          <a:ext cx="7974013" cy="5522912"/>
         </p:xfrm>
         <a:graphic>
           <a:graphicData uri="http://schemas.openxmlformats.org/presentationml/2006/ole">
-            <p:oleObj spid="_x0000_s1026" name="Document" r:id="rId4" imgW="9032536" imgH="5236857" progId="Word.Document.8">
+            <p:oleObj spid="_x0000_s1026" name="Document" r:id="rId4" imgW="9039341" imgH="5727271" progId="Word.Document.8">
               <p:embed/>
             </p:oleObj>
           </a:graphicData>
@@ -11921,13 +12049,7 @@
               <a:rPr lang="en-US" dirty="0" smtClean="0">
                 <a:hlinkClick r:id="rId3" action="ppaction://hlinksldjump"/>
               </a:rPr>
-              <a:t>Use of bugs tracking software to track all bugs </a:t>
-            </a:r>
-            <a:r>
-              <a:rPr lang="en-US" dirty="0" smtClean="0">
-                <a:hlinkClick r:id="rId3" action="ppaction://hlinksldjump"/>
-              </a:rPr>
-              <a:t>issues</a:t>
+              <a:t>Use of bugs tracking software to track all bugs issues</a:t>
             </a:r>
             <a:endParaRPr lang="en-US" dirty="0" smtClean="0"/>
           </a:p>

--- a/Documents/Pookas ETventure presentation.pptx
+++ b/Documents/Pookas ETventure presentation.pptx
@@ -5,7 +5,7 @@
     <p:sldMasterId id="2147483840" r:id="rId1"/>
   </p:sldMasterIdLst>
   <p:notesMasterIdLst>
-    <p:notesMasterId r:id="rId19"/>
+    <p:notesMasterId r:id="rId20"/>
   </p:notesMasterIdLst>
   <p:sldIdLst>
     <p:sldId id="256" r:id="rId2"/>
@@ -16,15 +16,16 @@
     <p:sldId id="258" r:id="rId7"/>
     <p:sldId id="259" r:id="rId8"/>
     <p:sldId id="264" r:id="rId9"/>
-    <p:sldId id="265" r:id="rId10"/>
-    <p:sldId id="268" r:id="rId11"/>
-    <p:sldId id="269" r:id="rId12"/>
-    <p:sldId id="270" r:id="rId13"/>
-    <p:sldId id="271" r:id="rId14"/>
-    <p:sldId id="272" r:id="rId15"/>
-    <p:sldId id="260" r:id="rId16"/>
-    <p:sldId id="266" r:id="rId17"/>
-    <p:sldId id="267" r:id="rId18"/>
+    <p:sldId id="273" r:id="rId10"/>
+    <p:sldId id="265" r:id="rId11"/>
+    <p:sldId id="268" r:id="rId12"/>
+    <p:sldId id="269" r:id="rId13"/>
+    <p:sldId id="270" r:id="rId14"/>
+    <p:sldId id="271" r:id="rId15"/>
+    <p:sldId id="272" r:id="rId16"/>
+    <p:sldId id="260" r:id="rId17"/>
+    <p:sldId id="266" r:id="rId18"/>
+    <p:sldId id="267" r:id="rId19"/>
   </p:sldIdLst>
   <p:sldSz cx="9144000" cy="6858000" type="screen4x3"/>
   <p:notesSz cx="6858000" cy="9144000"/>
@@ -10116,55 +10117,25 @@
           <a:p>
             <a:r>
               <a:rPr lang="en-US" dirty="0" smtClean="0"/>
-              <a:t>Many Diagrams Produced</a:t>
-            </a:r>
-            <a:endParaRPr lang="en-US" dirty="0"/>
-          </a:p>
-        </p:txBody>
-      </p:sp>
-      <p:sp>
-        <p:nvSpPr>
-          <p:cNvPr id="3" name="Content Placeholder 2"/>
-          <p:cNvSpPr>
-            <a:spLocks noGrp="1"/>
-          </p:cNvSpPr>
-          <p:nvPr>
-            <p:ph idx="1"/>
-          </p:nvPr>
-        </p:nvSpPr>
-        <p:spPr/>
-        <p:txBody>
-          <a:bodyPr/>
-          <a:lstStyle/>
-          <a:p>
-            <a:r>
-              <a:rPr lang="en-US" dirty="0" smtClean="0"/>
-              <a:t>The Team spent countless hours to model all the requirements, design, testing etc.</a:t>
-            </a:r>
-          </a:p>
-          <a:p>
-            <a:pPr>
-              <a:buNone/>
-            </a:pPr>
-            <a:endParaRPr lang="en-US" dirty="0" smtClean="0"/>
-          </a:p>
-          <a:p>
-            <a:endParaRPr lang="en-US" dirty="0" smtClean="0"/>
-          </a:p>
-          <a:p>
+              <a:t>Proper Documentations</a:t>
+            </a:r>
             <a:endParaRPr lang="en-US" dirty="0"/>
           </a:p>
         </p:txBody>
       </p:sp>
       <p:graphicFrame>
         <p:nvGraphicFramePr>
-          <p:cNvPr id="8" name="Diagram 7"/>
-          <p:cNvGraphicFramePr/>
-          <p:nvPr/>
+          <p:cNvPr id="5" name="Content Placeholder 4"/>
+          <p:cNvGraphicFramePr>
+            <a:graphicFrameLocks noGrp="1"/>
+          </p:cNvGraphicFramePr>
+          <p:nvPr>
+            <p:ph idx="1"/>
+          </p:nvPr>
         </p:nvGraphicFramePr>
         <p:xfrm>
-          <a:off x="990600" y="2895600"/>
-          <a:ext cx="7696200" cy="3657600"/>
+          <a:off x="457200" y="1542288"/>
+          <a:ext cx="8229600" cy="4934712"/>
         </p:xfrm>
         <a:graphic>
           <a:graphicData uri="http://schemas.openxmlformats.org/drawingml/2006/diagram">
@@ -10221,7 +10192,7 @@
           <a:p>
             <a:r>
               <a:rPr lang="en-US" dirty="0" smtClean="0"/>
-              <a:t>Testing</a:t>
+              <a:t>Many Diagrams Produced</a:t>
             </a:r>
             <a:endParaRPr lang="en-US" dirty="0"/>
           </a:p>
@@ -10242,10 +10213,41 @@
           <a:bodyPr/>
           <a:lstStyle/>
           <a:p>
-            <a:endParaRPr lang="en-US"/>
+            <a:r>
+              <a:rPr lang="en-US" dirty="0" smtClean="0"/>
+              <a:t>The Team spent countless hours to model all the requirements, design, testing etc.</a:t>
+            </a:r>
+          </a:p>
+          <a:p>
+            <a:pPr>
+              <a:buNone/>
+            </a:pPr>
+            <a:endParaRPr lang="en-US" dirty="0" smtClean="0"/>
+          </a:p>
+          <a:p>
+            <a:endParaRPr lang="en-US" dirty="0" smtClean="0"/>
+          </a:p>
+          <a:p>
+            <a:endParaRPr lang="en-US" dirty="0"/>
           </a:p>
         </p:txBody>
       </p:sp>
+      <p:graphicFrame>
+        <p:nvGraphicFramePr>
+          <p:cNvPr id="8" name="Diagram 7"/>
+          <p:cNvGraphicFramePr/>
+          <p:nvPr/>
+        </p:nvGraphicFramePr>
+        <p:xfrm>
+          <a:off x="990600" y="2895600"/>
+          <a:ext cx="7696200" cy="3657600"/>
+        </p:xfrm>
+        <a:graphic>
+          <a:graphicData uri="http://schemas.openxmlformats.org/drawingml/2006/diagram">
+            <dgm:relIds xmlns:dgm="http://schemas.openxmlformats.org/drawingml/2006/diagram" xmlns:r="http://schemas.openxmlformats.org/officeDocument/2006/relationships" r:dm="rId2" r:lo="rId3" r:qs="rId4" r:cs="rId5"/>
+          </a:graphicData>
+        </a:graphic>
+      </p:graphicFrame>
     </p:spTree>
   </p:cSld>
   <p:clrMapOvr>
@@ -10295,7 +10297,7 @@
           <a:p>
             <a:r>
               <a:rPr lang="en-US" dirty="0" smtClean="0"/>
-              <a:t>Manuals</a:t>
+              <a:t>Testing</a:t>
             </a:r>
             <a:endParaRPr lang="en-US" dirty="0"/>
           </a:p>
@@ -10316,38 +10318,7 @@
           <a:bodyPr/>
           <a:lstStyle/>
           <a:p>
-            <a:r>
-              <a:rPr lang="en-US" dirty="0" smtClean="0"/>
-              <a:t>Full instruction manuals on how to use the various functions</a:t>
-            </a:r>
-          </a:p>
-          <a:p>
-            <a:endParaRPr lang="en-US" dirty="0" smtClean="0"/>
-          </a:p>
-          <a:p>
-            <a:r>
-              <a:rPr lang="en-US" dirty="0" smtClean="0"/>
-              <a:t>Manuals includes screenshots for easy reference</a:t>
-            </a:r>
-          </a:p>
-          <a:p>
-            <a:endParaRPr lang="en-US" dirty="0" smtClean="0"/>
-          </a:p>
-          <a:p>
-            <a:r>
-              <a:rPr lang="en-US" dirty="0" smtClean="0"/>
-              <a:t>Video review of all the new functions</a:t>
-            </a:r>
-          </a:p>
-          <a:p>
-            <a:endParaRPr lang="en-US" dirty="0" smtClean="0"/>
-          </a:p>
-          <a:p>
-            <a:r>
-              <a:rPr lang="en-US" dirty="0" smtClean="0"/>
-              <a:t>Good and precise Code documentations</a:t>
-            </a:r>
-            <a:endParaRPr lang="en-US" dirty="0"/>
+            <a:endParaRPr lang="en-US"/>
           </a:p>
         </p:txBody>
       </p:sp>
@@ -10367,6 +10338,111 @@
 </file>
 
 <file path=ppt/slides/slide13.xml><?xml version="1.0" encoding="utf-8"?>
+<p:sld xmlns:a="http://schemas.openxmlformats.org/drawingml/2006/main" xmlns:r="http://schemas.openxmlformats.org/officeDocument/2006/relationships" xmlns:p="http://schemas.openxmlformats.org/presentationml/2006/main">
+  <p:cSld>
+    <p:spTree>
+      <p:nvGrpSpPr>
+        <p:cNvPr id="1" name=""/>
+        <p:cNvGrpSpPr/>
+        <p:nvPr/>
+      </p:nvGrpSpPr>
+      <p:grpSpPr>
+        <a:xfrm>
+          <a:off x="0" y="0"/>
+          <a:ext cx="0" cy="0"/>
+          <a:chOff x="0" y="0"/>
+          <a:chExt cx="0" cy="0"/>
+        </a:xfrm>
+      </p:grpSpPr>
+      <p:sp>
+        <p:nvSpPr>
+          <p:cNvPr id="2" name="Title 1"/>
+          <p:cNvSpPr>
+            <a:spLocks noGrp="1"/>
+          </p:cNvSpPr>
+          <p:nvPr>
+            <p:ph type="title"/>
+          </p:nvPr>
+        </p:nvSpPr>
+        <p:spPr/>
+        <p:txBody>
+          <a:bodyPr/>
+          <a:lstStyle/>
+          <a:p>
+            <a:r>
+              <a:rPr lang="en-US" dirty="0" smtClean="0"/>
+              <a:t>Manuals</a:t>
+            </a:r>
+            <a:endParaRPr lang="en-US" dirty="0"/>
+          </a:p>
+        </p:txBody>
+      </p:sp>
+      <p:sp>
+        <p:nvSpPr>
+          <p:cNvPr id="3" name="Content Placeholder 2"/>
+          <p:cNvSpPr>
+            <a:spLocks noGrp="1"/>
+          </p:cNvSpPr>
+          <p:nvPr>
+            <p:ph idx="1"/>
+          </p:nvPr>
+        </p:nvSpPr>
+        <p:spPr/>
+        <p:txBody>
+          <a:bodyPr/>
+          <a:lstStyle/>
+          <a:p>
+            <a:r>
+              <a:rPr lang="en-US" dirty="0" smtClean="0"/>
+              <a:t>Full instruction manuals on how to use the various functions</a:t>
+            </a:r>
+          </a:p>
+          <a:p>
+            <a:endParaRPr lang="en-US" dirty="0" smtClean="0"/>
+          </a:p>
+          <a:p>
+            <a:r>
+              <a:rPr lang="en-US" dirty="0" smtClean="0"/>
+              <a:t>Manuals includes screenshots for easy reference</a:t>
+            </a:r>
+          </a:p>
+          <a:p>
+            <a:endParaRPr lang="en-US" dirty="0" smtClean="0"/>
+          </a:p>
+          <a:p>
+            <a:r>
+              <a:rPr lang="en-US" dirty="0" smtClean="0"/>
+              <a:t>Video review of all the new functions</a:t>
+            </a:r>
+          </a:p>
+          <a:p>
+            <a:endParaRPr lang="en-US" dirty="0" smtClean="0"/>
+          </a:p>
+          <a:p>
+            <a:r>
+              <a:rPr lang="en-US" dirty="0" smtClean="0"/>
+              <a:t>Good and precise Code documentations</a:t>
+            </a:r>
+            <a:endParaRPr lang="en-US" dirty="0"/>
+          </a:p>
+        </p:txBody>
+      </p:sp>
+    </p:spTree>
+  </p:cSld>
+  <p:clrMapOvr>
+    <a:masterClrMapping/>
+  </p:clrMapOvr>
+  <p:timing>
+    <p:tnLst>
+      <p:par>
+        <p:cTn id="1" dur="indefinite" restart="never" nodeType="tmRoot"/>
+      </p:par>
+    </p:tnLst>
+  </p:timing>
+</p:sld>
+</file>
+
+<file path=ppt/slides/slide14.xml><?xml version="1.0" encoding="utf-8"?>
 <p:sld xmlns:a="http://schemas.openxmlformats.org/drawingml/2006/main" xmlns:r="http://schemas.openxmlformats.org/officeDocument/2006/relationships" xmlns:p="http://schemas.openxmlformats.org/presentationml/2006/main">
   <p:cSld>
     <p:spTree>
@@ -10460,84 +10536,6 @@
 </p:sld>
 </file>
 
-<file path=ppt/slides/slide14.xml><?xml version="1.0" encoding="utf-8"?>
-<p:sld xmlns:a="http://schemas.openxmlformats.org/drawingml/2006/main" xmlns:r="http://schemas.openxmlformats.org/officeDocument/2006/relationships" xmlns:p="http://schemas.openxmlformats.org/presentationml/2006/main">
-  <p:cSld>
-    <p:spTree>
-      <p:nvGrpSpPr>
-        <p:cNvPr id="1" name=""/>
-        <p:cNvGrpSpPr/>
-        <p:nvPr/>
-      </p:nvGrpSpPr>
-      <p:grpSpPr>
-        <a:xfrm>
-          <a:off x="0" y="0"/>
-          <a:ext cx="0" cy="0"/>
-          <a:chOff x="0" y="0"/>
-          <a:chExt cx="0" cy="0"/>
-        </a:xfrm>
-      </p:grpSpPr>
-      <p:sp>
-        <p:nvSpPr>
-          <p:cNvPr id="2" name="Title 1"/>
-          <p:cNvSpPr>
-            <a:spLocks noGrp="1"/>
-          </p:cNvSpPr>
-          <p:nvPr>
-            <p:ph type="title"/>
-          </p:nvPr>
-        </p:nvSpPr>
-        <p:spPr/>
-        <p:txBody>
-          <a:bodyPr/>
-          <a:lstStyle/>
-          <a:p>
-            <a:r>
-              <a:rPr lang="en-US" dirty="0" smtClean="0"/>
-              <a:t>Demo</a:t>
-            </a:r>
-            <a:endParaRPr lang="en-US" dirty="0"/>
-          </a:p>
-        </p:txBody>
-      </p:sp>
-      <p:sp>
-        <p:nvSpPr>
-          <p:cNvPr id="3" name="Content Placeholder 2"/>
-          <p:cNvSpPr>
-            <a:spLocks noGrp="1"/>
-          </p:cNvSpPr>
-          <p:nvPr>
-            <p:ph idx="1"/>
-          </p:nvPr>
-        </p:nvSpPr>
-        <p:spPr/>
-        <p:txBody>
-          <a:bodyPr/>
-          <a:lstStyle/>
-          <a:p>
-            <a:r>
-              <a:rPr lang="en-US" dirty="0" smtClean="0"/>
-              <a:t>We will now demo the Active World</a:t>
-            </a:r>
-            <a:endParaRPr lang="en-US" dirty="0"/>
-          </a:p>
-        </p:txBody>
-      </p:sp>
-    </p:spTree>
-  </p:cSld>
-  <p:clrMapOvr>
-    <a:masterClrMapping/>
-  </p:clrMapOvr>
-  <p:timing>
-    <p:tnLst>
-      <p:par>
-        <p:cTn id="1" dur="indefinite" restart="never" nodeType="tmRoot"/>
-      </p:par>
-    </p:tnLst>
-  </p:timing>
-</p:sld>
-</file>
-
 <file path=ppt/slides/slide15.xml><?xml version="1.0" encoding="utf-8"?>
 <p:sld xmlns:a="http://schemas.openxmlformats.org/drawingml/2006/main" xmlns:r="http://schemas.openxmlformats.org/officeDocument/2006/relationships" xmlns:p="http://schemas.openxmlformats.org/presentationml/2006/main">
   <p:cSld>
@@ -10571,12 +10569,8 @@
           <a:lstStyle/>
           <a:p>
             <a:r>
-              <a:rPr lang="en-US" dirty="0" err="1" smtClean="0"/>
-              <a:t>Pookas</a:t>
-            </a:r>
-            <a:r>
               <a:rPr lang="en-US" dirty="0" smtClean="0"/>
-              <a:t>’ SVN</a:t>
+              <a:t>Demo</a:t>
             </a:r>
             <a:endParaRPr lang="en-US" dirty="0"/>
           </a:p>
@@ -10597,47 +10591,14 @@
           <a:bodyPr/>
           <a:lstStyle/>
           <a:p>
-            <a:endParaRPr lang="en-US"/>
+            <a:r>
+              <a:rPr lang="en-US" dirty="0" smtClean="0"/>
+              <a:t>We will now demo the Active World</a:t>
+            </a:r>
+            <a:endParaRPr lang="en-US" dirty="0"/>
           </a:p>
         </p:txBody>
       </p:sp>
-      <p:pic>
-        <p:nvPicPr>
-          <p:cNvPr id="34818" name="Picture 2"/>
-          <p:cNvPicPr>
-            <a:picLocks noChangeAspect="1" noChangeArrowheads="1"/>
-          </p:cNvPicPr>
-          <p:nvPr/>
-        </p:nvPicPr>
-        <p:blipFill>
-          <a:blip r:embed="rId2" cstate="print"/>
-          <a:srcRect t="20000" r="9375" b="10000"/>
-          <a:stretch>
-            <a:fillRect/>
-          </a:stretch>
-        </p:blipFill>
-        <p:spPr bwMode="auto">
-          <a:xfrm>
-            <a:off x="228600" y="1447800"/>
-            <a:ext cx="8610600" cy="4156842"/>
-          </a:xfrm>
-          <a:prstGeom prst="rect">
-            <a:avLst/>
-          </a:prstGeom>
-          <a:ln>
-            <a:solidFill>
-              <a:schemeClr val="tx1"/>
-            </a:solidFill>
-          </a:ln>
-          <a:effectLst>
-            <a:outerShdw blurRad="292100" dist="139700" dir="2700000" algn="tl" rotWithShape="0">
-              <a:srgbClr val="333333">
-                <a:alpha val="65000"/>
-              </a:srgbClr>
-            </a:outerShdw>
-          </a:effectLst>
-        </p:spPr>
-      </p:pic>
     </p:spTree>
   </p:cSld>
   <p:clrMapOvr>
@@ -10686,8 +10647,12 @@
           <a:lstStyle/>
           <a:p>
             <a:r>
+              <a:rPr lang="en-US" dirty="0" err="1" smtClean="0"/>
+              <a:t>Pookas</a:t>
+            </a:r>
+            <a:r>
               <a:rPr lang="en-US" dirty="0" smtClean="0"/>
-              <a:t>Change Revision Report</a:t>
+              <a:t>’ SVN</a:t>
             </a:r>
             <a:endParaRPr lang="en-US" dirty="0"/>
           </a:p>
@@ -10714,25 +10679,23 @@
       </p:sp>
       <p:pic>
         <p:nvPicPr>
-          <p:cNvPr id="35842" name="Picture 2">
-            <a:hlinkClick r:id="rId2" action="ppaction://hlinksldjump"/>
-          </p:cNvPr>
+          <p:cNvPr id="34818" name="Picture 2"/>
           <p:cNvPicPr>
             <a:picLocks noChangeAspect="1" noChangeArrowheads="1"/>
           </p:cNvPicPr>
           <p:nvPr/>
         </p:nvPicPr>
         <p:blipFill>
-          <a:blip r:embed="rId3" cstate="print"/>
-          <a:srcRect t="17000" r="15000" b="6000"/>
+          <a:blip r:embed="rId2" cstate="print"/>
+          <a:srcRect t="20000" r="9375" b="10000"/>
           <a:stretch>
             <a:fillRect/>
           </a:stretch>
         </p:blipFill>
         <p:spPr bwMode="auto">
           <a:xfrm>
-            <a:off x="269173" y="1524000"/>
-            <a:ext cx="8748155" cy="4953000"/>
+            <a:off x="228600" y="1447800"/>
+            <a:ext cx="8610600" cy="4156842"/>
           </a:xfrm>
           <a:prstGeom prst="rect">
             <a:avLst/>
@@ -10800,7 +10763,120 @@
           <a:p>
             <a:r>
               <a:rPr lang="en-US" dirty="0" smtClean="0"/>
-              <a:t>Bugs Tracking</a:t>
+              <a:t>Change Revision Report</a:t>
+            </a:r>
+            <a:endParaRPr lang="en-US" dirty="0"/>
+          </a:p>
+        </p:txBody>
+      </p:sp>
+      <p:sp>
+        <p:nvSpPr>
+          <p:cNvPr id="3" name="Content Placeholder 2"/>
+          <p:cNvSpPr>
+            <a:spLocks noGrp="1"/>
+          </p:cNvSpPr>
+          <p:nvPr>
+            <p:ph idx="1"/>
+          </p:nvPr>
+        </p:nvSpPr>
+        <p:spPr/>
+        <p:txBody>
+          <a:bodyPr/>
+          <a:lstStyle/>
+          <a:p>
+            <a:endParaRPr lang="en-US"/>
+          </a:p>
+        </p:txBody>
+      </p:sp>
+      <p:pic>
+        <p:nvPicPr>
+          <p:cNvPr id="35842" name="Picture 2">
+            <a:hlinkClick r:id="rId2" action="ppaction://hlinksldjump"/>
+          </p:cNvPr>
+          <p:cNvPicPr>
+            <a:picLocks noChangeAspect="1" noChangeArrowheads="1"/>
+          </p:cNvPicPr>
+          <p:nvPr/>
+        </p:nvPicPr>
+        <p:blipFill>
+          <a:blip r:embed="rId3" cstate="print"/>
+          <a:srcRect t="17000" r="15000" b="6000"/>
+          <a:stretch>
+            <a:fillRect/>
+          </a:stretch>
+        </p:blipFill>
+        <p:spPr bwMode="auto">
+          <a:xfrm>
+            <a:off x="269173" y="1524000"/>
+            <a:ext cx="8748155" cy="4953000"/>
+          </a:xfrm>
+          <a:prstGeom prst="rect">
+            <a:avLst/>
+          </a:prstGeom>
+          <a:ln>
+            <a:solidFill>
+              <a:schemeClr val="tx1"/>
+            </a:solidFill>
+          </a:ln>
+          <a:effectLst>
+            <a:outerShdw blurRad="292100" dist="139700" dir="2700000" algn="tl" rotWithShape="0">
+              <a:srgbClr val="333333">
+                <a:alpha val="65000"/>
+              </a:srgbClr>
+            </a:outerShdw>
+          </a:effectLst>
+        </p:spPr>
+      </p:pic>
+    </p:spTree>
+  </p:cSld>
+  <p:clrMapOvr>
+    <a:masterClrMapping/>
+  </p:clrMapOvr>
+  <p:timing>
+    <p:tnLst>
+      <p:par>
+        <p:cTn id="1" dur="indefinite" restart="never" nodeType="tmRoot"/>
+      </p:par>
+    </p:tnLst>
+  </p:timing>
+</p:sld>
+</file>
+
+<file path=ppt/slides/slide18.xml><?xml version="1.0" encoding="utf-8"?>
+<p:sld xmlns:a="http://schemas.openxmlformats.org/drawingml/2006/main" xmlns:r="http://schemas.openxmlformats.org/officeDocument/2006/relationships" xmlns:p="http://schemas.openxmlformats.org/presentationml/2006/main">
+  <p:cSld>
+    <p:spTree>
+      <p:nvGrpSpPr>
+        <p:cNvPr id="1" name=""/>
+        <p:cNvGrpSpPr/>
+        <p:nvPr/>
+      </p:nvGrpSpPr>
+      <p:grpSpPr>
+        <a:xfrm>
+          <a:off x="0" y="0"/>
+          <a:ext cx="0" cy="0"/>
+          <a:chOff x="0" y="0"/>
+          <a:chExt cx="0" cy="0"/>
+        </a:xfrm>
+      </p:grpSpPr>
+      <p:sp>
+        <p:nvSpPr>
+          <p:cNvPr id="2" name="Title 1"/>
+          <p:cNvSpPr>
+            <a:spLocks noGrp="1"/>
+          </p:cNvSpPr>
+          <p:nvPr>
+            <p:ph type="title"/>
+          </p:nvPr>
+        </p:nvSpPr>
+        <p:spPr/>
+        <p:txBody>
+          <a:bodyPr/>
+          <a:lstStyle/>
+          <a:p>
+            <a:r>
+              <a:rPr lang="en-US" dirty="0" smtClean="0"/>
+              <a:t>Mantis Bug Tracker</a:t>
             </a:r>
             <a:endParaRPr lang="en-US" dirty="0"/>
           </a:p>
@@ -11275,12 +11351,12 @@
           <p:nvPr/>
         </p:nvGraphicFramePr>
         <p:xfrm>
-          <a:off x="463550" y="1201738"/>
-          <a:ext cx="7974013" cy="5522912"/>
+          <a:off x="463550" y="1206500"/>
+          <a:ext cx="7862888" cy="4962525"/>
         </p:xfrm>
         <a:graphic>
           <a:graphicData uri="http://schemas.openxmlformats.org/presentationml/2006/ole">
-            <p:oleObj spid="_x0000_s1026" name="Document" r:id="rId4" imgW="9039341" imgH="5727271" progId="Word.Document.8">
+            <p:oleObj spid="_x0000_s1026" name="Document" r:id="rId4" imgW="9039341" imgH="5712154" progId="Word.Document.8">
               <p:embed/>
             </p:oleObj>
           </a:graphicData>
@@ -12401,44 +12477,225 @@
           <a:p>
             <a:r>
               <a:rPr lang="en-US" dirty="0" smtClean="0"/>
-              <a:t>Proper Documentations</a:t>
+              <a:t>Tools Used In Industry</a:t>
             </a:r>
             <a:endParaRPr lang="en-US" dirty="0"/>
           </a:p>
         </p:txBody>
       </p:sp>
-      <p:graphicFrame>
-        <p:nvGraphicFramePr>
-          <p:cNvPr id="5" name="Content Placeholder 4"/>
-          <p:cNvGraphicFramePr>
-            <a:graphicFrameLocks noGrp="1"/>
-          </p:cNvGraphicFramePr>
+      <p:sp>
+        <p:nvSpPr>
+          <p:cNvPr id="3" name="Content Placeholder 2"/>
+          <p:cNvSpPr>
+            <a:spLocks noGrp="1"/>
+          </p:cNvSpPr>
           <p:nvPr>
             <p:ph idx="1"/>
           </p:nvPr>
-        </p:nvGraphicFramePr>
-        <p:xfrm>
-          <a:off x="457200" y="1542288"/>
-          <a:ext cx="8229600" cy="4934712"/>
-        </p:xfrm>
-        <a:graphic>
-          <a:graphicData uri="http://schemas.openxmlformats.org/drawingml/2006/diagram">
-            <dgm:relIds xmlns:dgm="http://schemas.openxmlformats.org/drawingml/2006/diagram" xmlns:r="http://schemas.openxmlformats.org/officeDocument/2006/relationships" r:dm="rId2" r:lo="rId3" r:qs="rId4" r:cs="rId5"/>
-          </a:graphicData>
-        </a:graphic>
-      </p:graphicFrame>
+        </p:nvSpPr>
+        <p:spPr>
+          <a:xfrm>
+            <a:off x="304800" y="5257800"/>
+            <a:ext cx="8382000" cy="1295400"/>
+          </a:xfrm>
+        </p:spPr>
+        <p:txBody>
+          <a:bodyPr>
+            <a:noAutofit/>
+          </a:bodyPr>
+          <a:lstStyle/>
+          <a:p>
+            <a:r>
+              <a:rPr lang="en-US" sz="1800" b="1" dirty="0" smtClean="0"/>
+              <a:t>What other tools/programs do you use to help you make your games? </a:t>
+            </a:r>
+            <a:r>
+              <a:rPr lang="en-US" sz="1800" b="1" dirty="0" smtClean="0">
+                <a:solidFill>
+                  <a:srgbClr val="0070C0"/>
+                </a:solidFill>
+              </a:rPr>
+              <a:t/>
+            </a:r>
+            <a:br>
+              <a:rPr lang="en-US" sz="1800" b="1" dirty="0" smtClean="0">
+                <a:solidFill>
+                  <a:srgbClr val="0070C0"/>
+                </a:solidFill>
+              </a:rPr>
+            </a:br>
+            <a:r>
+              <a:rPr lang="en-US" sz="1800" dirty="0" smtClean="0">
+                <a:solidFill>
+                  <a:srgbClr val="0070C0"/>
+                </a:solidFill>
+              </a:rPr>
+              <a:t> </a:t>
+            </a:r>
+            <a:br>
+              <a:rPr lang="en-US" sz="1800" dirty="0" smtClean="0">
+                <a:solidFill>
+                  <a:srgbClr val="0070C0"/>
+                </a:solidFill>
+              </a:rPr>
+            </a:br>
+            <a:r>
+              <a:rPr lang="en-US" sz="1800" dirty="0" smtClean="0">
+                <a:solidFill>
+                  <a:srgbClr val="0070C0"/>
+                </a:solidFill>
+              </a:rPr>
+              <a:t>“…. </a:t>
+            </a:r>
+            <a:r>
+              <a:rPr lang="en-US" sz="1800" b="1" dirty="0" smtClean="0">
+                <a:solidFill>
+                  <a:srgbClr val="0070C0"/>
+                </a:solidFill>
+              </a:rPr>
+              <a:t>Tortoise SVN </a:t>
+            </a:r>
+            <a:r>
+              <a:rPr lang="en-US" sz="1800" dirty="0" smtClean="0">
+                <a:solidFill>
+                  <a:srgbClr val="0070C0"/>
+                </a:solidFill>
+              </a:rPr>
+              <a:t>was our version control tool, </a:t>
+            </a:r>
+            <a:r>
+              <a:rPr lang="en-US" sz="1800" b="1" dirty="0" smtClean="0">
+                <a:solidFill>
+                  <a:srgbClr val="0070C0"/>
+                </a:solidFill>
+              </a:rPr>
+              <a:t>Mantis</a:t>
+            </a:r>
+            <a:r>
+              <a:rPr lang="en-US" sz="1800" dirty="0" smtClean="0">
+                <a:solidFill>
+                  <a:srgbClr val="0070C0"/>
+                </a:solidFill>
+              </a:rPr>
+              <a:t> was used for bug and task </a:t>
+            </a:r>
+            <a:r>
+              <a:rPr lang="en-US" sz="1800" dirty="0" smtClean="0">
+                <a:solidFill>
+                  <a:srgbClr val="0070C0"/>
+                </a:solidFill>
+              </a:rPr>
+              <a:t>tracking ….” </a:t>
+            </a:r>
+            <a:r>
+              <a:rPr lang="en-US" sz="1800" dirty="0" smtClean="0">
+                <a:solidFill>
+                  <a:srgbClr val="7030A0"/>
+                </a:solidFill>
+              </a:rPr>
+              <a:t>-- Adam </a:t>
+            </a:r>
+            <a:r>
+              <a:rPr lang="en-US" sz="1800" dirty="0" smtClean="0">
+                <a:solidFill>
+                  <a:srgbClr val="7030A0"/>
+                </a:solidFill>
+              </a:rPr>
+              <a:t>and </a:t>
+            </a:r>
+            <a:r>
+              <a:rPr lang="en-US" sz="1800" dirty="0" err="1" smtClean="0">
+                <a:solidFill>
+                  <a:srgbClr val="7030A0"/>
+                </a:solidFill>
+              </a:rPr>
+              <a:t>Perusse</a:t>
+            </a:r>
+            <a:r>
+              <a:rPr lang="en-US" sz="1800" dirty="0" smtClean="0">
+                <a:solidFill>
+                  <a:srgbClr val="7030A0"/>
+                </a:solidFill>
+              </a:rPr>
+              <a:t>, 2009</a:t>
+            </a:r>
+            <a:endParaRPr lang="en-US" sz="1800" dirty="0">
+              <a:solidFill>
+                <a:srgbClr val="7030A0"/>
+              </a:solidFill>
+            </a:endParaRPr>
+          </a:p>
+        </p:txBody>
+      </p:sp>
+      <p:pic>
+        <p:nvPicPr>
+          <p:cNvPr id="36866" name="Picture 2"/>
+          <p:cNvPicPr>
+            <a:picLocks noChangeAspect="1" noChangeArrowheads="1"/>
+          </p:cNvPicPr>
+          <p:nvPr/>
+        </p:nvPicPr>
+        <p:blipFill>
+          <a:blip r:embed="rId2"/>
+          <a:srcRect l="11875" t="12024" r="12500" b="28016"/>
+          <a:stretch>
+            <a:fillRect/>
+          </a:stretch>
+        </p:blipFill>
+        <p:spPr bwMode="auto">
+          <a:xfrm>
+            <a:off x="1752600" y="1371600"/>
+            <a:ext cx="5334000" cy="3297382"/>
+          </a:xfrm>
+          <a:prstGeom prst="rect">
+            <a:avLst/>
+          </a:prstGeom>
+          <a:noFill/>
+          <a:ln w="9525">
+            <a:solidFill>
+              <a:schemeClr val="tx1"/>
+            </a:solidFill>
+            <a:miter lim="800000"/>
+            <a:headEnd/>
+            <a:tailEnd/>
+          </a:ln>
+        </p:spPr>
+      </p:pic>
+      <p:sp>
+        <p:nvSpPr>
+          <p:cNvPr id="5" name="TextBox 4"/>
+          <p:cNvSpPr txBox="1"/>
+          <p:nvPr/>
+        </p:nvSpPr>
+        <p:spPr>
+          <a:xfrm>
+            <a:off x="1828800" y="4648200"/>
+            <a:ext cx="5497018" cy="338554"/>
+          </a:xfrm>
+          <a:prstGeom prst="rect">
+            <a:avLst/>
+          </a:prstGeom>
+          <a:noFill/>
+        </p:spPr>
+        <p:txBody>
+          <a:bodyPr wrap="none" rtlCol="0">
+            <a:spAutoFit/>
+          </a:bodyPr>
+          <a:lstStyle/>
+          <a:p>
+            <a:r>
+              <a:rPr lang="en-US" sz="1600" dirty="0" smtClean="0"/>
+              <a:t>http://creators.xna.com/en-US/spotlight/hotpotatoonline</a:t>
+            </a:r>
+            <a:endParaRPr lang="en-US" sz="1600" dirty="0"/>
+          </a:p>
+        </p:txBody>
+      </p:sp>
     </p:spTree>
   </p:cSld>
   <p:clrMapOvr>
     <a:masterClrMapping/>
   </p:clrMapOvr>
-  <p:timing>
-    <p:tnLst>
-      <p:par>
-        <p:cTn id="1" dur="indefinite" restart="never" nodeType="tmRoot"/>
-      </p:par>
-    </p:tnLst>
-  </p:timing>
 </p:sld>
 </file>
 
